--- a/SE357-Requirement engineering/Slides/Thực hành/RE tool.pptx
+++ b/SE357-Requirement engineering/Slides/Thực hành/RE tool.pptx
@@ -5,10 +5,21 @@
     <p:sldMasterId id="2147483648" r:id="rId1"/>
   </p:sldMasterIdLst>
   <p:notesMasterIdLst>
-    <p:notesMasterId r:id="rId3"/>
+    <p:notesMasterId r:id="rId14"/>
   </p:notesMasterIdLst>
   <p:sldIdLst>
-    <p:sldId id="257" r:id="rId2"/>
+    <p:sldId id="261" r:id="rId2"/>
+    <p:sldId id="262" r:id="rId3"/>
+    <p:sldId id="257" r:id="rId4"/>
+    <p:sldId id="258" r:id="rId5"/>
+    <p:sldId id="259" r:id="rId6"/>
+    <p:sldId id="260" r:id="rId7"/>
+    <p:sldId id="263" r:id="rId8"/>
+    <p:sldId id="264" r:id="rId9"/>
+    <p:sldId id="266" r:id="rId10"/>
+    <p:sldId id="267" r:id="rId11"/>
+    <p:sldId id="268" r:id="rId12"/>
+    <p:sldId id="265" r:id="rId13"/>
   </p:sldIdLst>
   <p:sldSz cx="12192000" cy="6858000"/>
   <p:notesSz cx="6858000" cy="9144000"/>
@@ -197,7 +208,7 @@
           <a:p>
             <a:fld id="{1DF8EB0A-3D88-47AF-8B37-7E6EB8CD0DC9}" type="datetimeFigureOut">
               <a:rPr lang="vi-VN" smtClean="0"/>
-              <a:t>22/09/2023</a:t>
+              <a:t>30/09/2023</a:t>
             </a:fld>
             <a:endParaRPr lang="vi-VN"/>
           </a:p>
@@ -611,7 +622,7 @@
           <a:p>
             <a:fld id="{EB8135D3-0DC7-472E-9E95-8EBB926A0EB6}" type="datetime1">
               <a:rPr lang="vi-VN" smtClean="0"/>
-              <a:t>22/09/2023</a:t>
+              <a:t>30/09/2023</a:t>
             </a:fld>
             <a:endParaRPr lang="vi-VN"/>
           </a:p>
@@ -809,7 +820,7 @@
           <a:p>
             <a:fld id="{8596560B-899E-429A-84F2-41ABFB82A5A9}" type="datetime1">
               <a:rPr lang="vi-VN" smtClean="0"/>
-              <a:t>22/09/2023</a:t>
+              <a:t>30/09/2023</a:t>
             </a:fld>
             <a:endParaRPr lang="vi-VN"/>
           </a:p>
@@ -1017,7 +1028,7 @@
           <a:p>
             <a:fld id="{1709AC3F-2674-49D3-A873-07AA9E5DCF06}" type="datetime1">
               <a:rPr lang="vi-VN" smtClean="0"/>
-              <a:t>22/09/2023</a:t>
+              <a:t>30/09/2023</a:t>
             </a:fld>
             <a:endParaRPr lang="vi-VN"/>
           </a:p>
@@ -1215,7 +1226,7 @@
           <a:p>
             <a:fld id="{6D500D8F-B0AE-4366-9341-7B6F0640C2BE}" type="datetime1">
               <a:rPr lang="vi-VN" smtClean="0"/>
-              <a:t>22/09/2023</a:t>
+              <a:t>30/09/2023</a:t>
             </a:fld>
             <a:endParaRPr lang="vi-VN"/>
           </a:p>
@@ -1490,7 +1501,7 @@
           <a:p>
             <a:fld id="{13C0DA7A-F9FE-4C1E-A471-7C38F755C552}" type="datetime1">
               <a:rPr lang="vi-VN" smtClean="0"/>
-              <a:t>22/09/2023</a:t>
+              <a:t>30/09/2023</a:t>
             </a:fld>
             <a:endParaRPr lang="vi-VN"/>
           </a:p>
@@ -1755,7 +1766,7 @@
           <a:p>
             <a:fld id="{D9A61B5A-4066-4776-A7F8-F246FF6DE426}" type="datetime1">
               <a:rPr lang="vi-VN" smtClean="0"/>
-              <a:t>22/09/2023</a:t>
+              <a:t>30/09/2023</a:t>
             </a:fld>
             <a:endParaRPr lang="vi-VN"/>
           </a:p>
@@ -2167,7 +2178,7 @@
           <a:p>
             <a:fld id="{431C399D-8096-48E3-98E2-6EA85002E14F}" type="datetime1">
               <a:rPr lang="vi-VN" smtClean="0"/>
-              <a:t>22/09/2023</a:t>
+              <a:t>30/09/2023</a:t>
             </a:fld>
             <a:endParaRPr lang="vi-VN"/>
           </a:p>
@@ -2308,7 +2319,7 @@
           <a:p>
             <a:fld id="{F1836DE2-13AF-4AB3-8918-00D6109ABC25}" type="datetime1">
               <a:rPr lang="vi-VN" smtClean="0"/>
-              <a:t>22/09/2023</a:t>
+              <a:t>30/09/2023</a:t>
             </a:fld>
             <a:endParaRPr lang="vi-VN"/>
           </a:p>
@@ -2421,7 +2432,7 @@
           <a:p>
             <a:fld id="{0A8FCF89-8CC3-4338-8ED2-C415082D670C}" type="datetime1">
               <a:rPr lang="vi-VN" smtClean="0"/>
-              <a:t>22/09/2023</a:t>
+              <a:t>30/09/2023</a:t>
             </a:fld>
             <a:endParaRPr lang="vi-VN"/>
           </a:p>
@@ -2732,7 +2743,7 @@
           <a:p>
             <a:fld id="{9B246DAD-E1C2-4AE1-9631-2D4DF36CDBB1}" type="datetime1">
               <a:rPr lang="vi-VN" smtClean="0"/>
-              <a:t>22/09/2023</a:t>
+              <a:t>30/09/2023</a:t>
             </a:fld>
             <a:endParaRPr lang="vi-VN"/>
           </a:p>
@@ -3020,7 +3031,7 @@
           <a:p>
             <a:fld id="{EEC90FF2-7BE5-44CC-AFD7-2A4F808E557C}" type="datetime1">
               <a:rPr lang="vi-VN" smtClean="0"/>
-              <a:t>22/09/2023</a:t>
+              <a:t>30/09/2023</a:t>
             </a:fld>
             <a:endParaRPr lang="vi-VN"/>
           </a:p>
@@ -3261,7 +3272,7 @@
           <a:p>
             <a:fld id="{BE99BEBD-4040-4E3E-861A-483E2C55E883}" type="datetime1">
               <a:rPr lang="vi-VN" smtClean="0"/>
-              <a:t>22/09/2023</a:t>
+              <a:t>30/09/2023</a:t>
             </a:fld>
             <a:endParaRPr lang="vi-VN"/>
           </a:p>
@@ -3681,6 +3692,908 @@
       </p:grpSpPr>
       <p:sp>
         <p:nvSpPr>
+          <p:cNvPr id="2" name="Title 1">
+            <a:extLst>
+              <a:ext uri="{FF2B5EF4-FFF2-40B4-BE49-F238E27FC236}">
+                <a16:creationId xmlns:a16="http://schemas.microsoft.com/office/drawing/2014/main" id="{C5A60BEC-964C-0D28-CE09-950FC993FFD3}"/>
+              </a:ext>
+            </a:extLst>
+          </p:cNvPr>
+          <p:cNvSpPr>
+            <a:spLocks noGrp="1"/>
+          </p:cNvSpPr>
+          <p:nvPr>
+            <p:ph type="ctrTitle"/>
+          </p:nvPr>
+        </p:nvSpPr>
+        <p:spPr/>
+        <p:txBody>
+          <a:bodyPr/>
+          <a:lstStyle/>
+          <a:p>
+            <a:endParaRPr lang="en-VN"/>
+          </a:p>
+        </p:txBody>
+      </p:sp>
+      <p:sp>
+        <p:nvSpPr>
+          <p:cNvPr id="3" name="Subtitle 2">
+            <a:extLst>
+              <a:ext uri="{FF2B5EF4-FFF2-40B4-BE49-F238E27FC236}">
+                <a16:creationId xmlns:a16="http://schemas.microsoft.com/office/drawing/2014/main" id="{A716FAF3-8E97-0836-FB0D-9B85698E11B1}"/>
+              </a:ext>
+            </a:extLst>
+          </p:cNvPr>
+          <p:cNvSpPr>
+            <a:spLocks noGrp="1"/>
+          </p:cNvSpPr>
+          <p:nvPr>
+            <p:ph type="subTitle" idx="1"/>
+          </p:nvPr>
+        </p:nvSpPr>
+        <p:spPr/>
+        <p:txBody>
+          <a:bodyPr/>
+          <a:lstStyle/>
+          <a:p>
+            <a:endParaRPr lang="en-VN"/>
+          </a:p>
+        </p:txBody>
+      </p:sp>
+      <p:sp>
+        <p:nvSpPr>
+          <p:cNvPr id="4" name="Slide Number Placeholder 3">
+            <a:extLst>
+              <a:ext uri="{FF2B5EF4-FFF2-40B4-BE49-F238E27FC236}">
+                <a16:creationId xmlns:a16="http://schemas.microsoft.com/office/drawing/2014/main" id="{2D792F40-760D-758F-6C31-1D4D85B80522}"/>
+              </a:ext>
+            </a:extLst>
+          </p:cNvPr>
+          <p:cNvSpPr>
+            <a:spLocks noGrp="1"/>
+          </p:cNvSpPr>
+          <p:nvPr>
+            <p:ph type="sldNum" sz="quarter" idx="12"/>
+          </p:nvPr>
+        </p:nvSpPr>
+        <p:spPr/>
+        <p:txBody>
+          <a:bodyPr/>
+          <a:lstStyle/>
+          <a:p>
+            <a:fld id="{480537A9-B8B1-481D-9BE4-179EB839AE15}" type="slidenum">
+              <a:rPr lang="vi-VN" smtClean="0"/>
+              <a:t>1</a:t>
+            </a:fld>
+            <a:endParaRPr lang="vi-VN"/>
+          </a:p>
+        </p:txBody>
+      </p:sp>
+    </p:spTree>
+    <p:extLst>
+      <p:ext uri="{BB962C8B-B14F-4D97-AF65-F5344CB8AC3E}">
+        <p14:creationId xmlns:p14="http://schemas.microsoft.com/office/powerpoint/2010/main" val="3855948848"/>
+      </p:ext>
+    </p:extLst>
+  </p:cSld>
+  <p:clrMapOvr>
+    <a:masterClrMapping/>
+  </p:clrMapOvr>
+</p:sld>
+</file>
+
+<file path=ppt/slides/slide10.xml><?xml version="1.0" encoding="utf-8"?>
+<p:sld xmlns:a="http://schemas.openxmlformats.org/drawingml/2006/main" xmlns:r="http://schemas.openxmlformats.org/officeDocument/2006/relationships" xmlns:p="http://schemas.openxmlformats.org/presentationml/2006/main">
+  <p:cSld>
+    <p:spTree>
+      <p:nvGrpSpPr>
+        <p:cNvPr id="1" name=""/>
+        <p:cNvGrpSpPr/>
+        <p:nvPr/>
+      </p:nvGrpSpPr>
+      <p:grpSpPr>
+        <a:xfrm>
+          <a:off x="0" y="0"/>
+          <a:ext cx="0" cy="0"/>
+          <a:chOff x="0" y="0"/>
+          <a:chExt cx="0" cy="0"/>
+        </a:xfrm>
+      </p:grpSpPr>
+      <p:sp>
+        <p:nvSpPr>
+          <p:cNvPr id="2" name="Title 1">
+            <a:extLst>
+              <a:ext uri="{FF2B5EF4-FFF2-40B4-BE49-F238E27FC236}">
+                <a16:creationId xmlns:a16="http://schemas.microsoft.com/office/drawing/2014/main" id="{58C7BA83-778B-944E-E6B7-26F43FD23D43}"/>
+              </a:ext>
+            </a:extLst>
+          </p:cNvPr>
+          <p:cNvSpPr>
+            <a:spLocks noGrp="1"/>
+          </p:cNvSpPr>
+          <p:nvPr>
+            <p:ph type="title"/>
+          </p:nvPr>
+        </p:nvSpPr>
+        <p:spPr/>
+        <p:txBody>
+          <a:bodyPr/>
+          <a:lstStyle/>
+          <a:p>
+            <a:r>
+              <a:rPr lang="en-VN"/>
+              <a:t>Type of </a:t>
+            </a:r>
+            <a:r>
+              <a:rPr lang="en-US"/>
+              <a:t>requirement relationships </a:t>
+            </a:r>
+            <a:endParaRPr lang="en-VN"/>
+          </a:p>
+        </p:txBody>
+      </p:sp>
+      <p:sp>
+        <p:nvSpPr>
+          <p:cNvPr id="3" name="Content Placeholder 2">
+            <a:extLst>
+              <a:ext uri="{FF2B5EF4-FFF2-40B4-BE49-F238E27FC236}">
+                <a16:creationId xmlns:a16="http://schemas.microsoft.com/office/drawing/2014/main" id="{08139049-A7A6-342F-4DDC-8317E63072FE}"/>
+              </a:ext>
+            </a:extLst>
+          </p:cNvPr>
+          <p:cNvSpPr>
+            <a:spLocks noGrp="1"/>
+          </p:cNvSpPr>
+          <p:nvPr>
+            <p:ph idx="1"/>
+          </p:nvPr>
+        </p:nvSpPr>
+        <p:spPr/>
+        <p:txBody>
+          <a:bodyPr/>
+          <a:lstStyle/>
+          <a:p>
+            <a:pPr marL="0" indent="0">
+              <a:buNone/>
+            </a:pPr>
+            <a:r>
+              <a:rPr lang="en-VN"/>
+              <a:t>Example: </a:t>
+            </a:r>
+          </a:p>
+          <a:p>
+            <a:pPr marL="0" indent="0">
+              <a:buNone/>
+            </a:pPr>
+            <a:endParaRPr lang="en-VN"/>
+          </a:p>
+          <a:p>
+            <a:pPr marL="0" indent="0">
+              <a:buNone/>
+            </a:pPr>
+            <a:r>
+              <a:rPr lang="en-US"/>
+              <a:t>The system shall provide for control of the heating system and be schedulable according to the time scheduling function. (</a:t>
+            </a:r>
+            <a:r>
+              <a:rPr lang="en-US" b="1"/>
+              <a:t>refers to</a:t>
+            </a:r>
+            <a:r>
+              <a:rPr lang="en-US"/>
+              <a:t>)</a:t>
+            </a:r>
+          </a:p>
+          <a:p>
+            <a:pPr marL="0" indent="0">
+              <a:buNone/>
+            </a:pPr>
+            <a:endParaRPr lang="en-VN"/>
+          </a:p>
+          <a:p>
+            <a:pPr marL="0" indent="0">
+              <a:buNone/>
+            </a:pPr>
+            <a:r>
+              <a:rPr lang="en-US"/>
+              <a:t>The system shall provide for control of the heating system in accordance with the timetable shown in requirement 3.2.2 and the safety features described in requirement 4.1.</a:t>
+            </a:r>
+            <a:r>
+              <a:rPr lang="en-VN"/>
+              <a:t> (</a:t>
+            </a:r>
+            <a:r>
+              <a:rPr lang="en-VN" b="1"/>
+              <a:t>uses</a:t>
+            </a:r>
+            <a:r>
+              <a:rPr lang="en-VN"/>
+              <a:t>)</a:t>
+            </a:r>
+          </a:p>
+        </p:txBody>
+      </p:sp>
+      <p:sp>
+        <p:nvSpPr>
+          <p:cNvPr id="4" name="Slide Number Placeholder 3">
+            <a:extLst>
+              <a:ext uri="{FF2B5EF4-FFF2-40B4-BE49-F238E27FC236}">
+                <a16:creationId xmlns:a16="http://schemas.microsoft.com/office/drawing/2014/main" id="{7CC4B3DB-E25D-A24B-84C7-4490B0672D9C}"/>
+              </a:ext>
+            </a:extLst>
+          </p:cNvPr>
+          <p:cNvSpPr>
+            <a:spLocks noGrp="1"/>
+          </p:cNvSpPr>
+          <p:nvPr>
+            <p:ph type="sldNum" sz="quarter" idx="12"/>
+          </p:nvPr>
+        </p:nvSpPr>
+        <p:spPr/>
+        <p:txBody>
+          <a:bodyPr/>
+          <a:lstStyle/>
+          <a:p>
+            <a:fld id="{480537A9-B8B1-481D-9BE4-179EB839AE15}" type="slidenum">
+              <a:rPr lang="vi-VN" smtClean="0"/>
+              <a:t>10</a:t>
+            </a:fld>
+            <a:endParaRPr lang="vi-VN"/>
+          </a:p>
+        </p:txBody>
+      </p:sp>
+    </p:spTree>
+    <p:extLst>
+      <p:ext uri="{BB962C8B-B14F-4D97-AF65-F5344CB8AC3E}">
+        <p14:creationId xmlns:p14="http://schemas.microsoft.com/office/powerpoint/2010/main" val="3097124473"/>
+      </p:ext>
+    </p:extLst>
+  </p:cSld>
+  <p:clrMapOvr>
+    <a:masterClrMapping/>
+  </p:clrMapOvr>
+</p:sld>
+</file>
+
+<file path=ppt/slides/slide11.xml><?xml version="1.0" encoding="utf-8"?>
+<p:sld xmlns:a="http://schemas.openxmlformats.org/drawingml/2006/main" xmlns:r="http://schemas.openxmlformats.org/officeDocument/2006/relationships" xmlns:p="http://schemas.openxmlformats.org/presentationml/2006/main">
+  <p:cSld>
+    <p:spTree>
+      <p:nvGrpSpPr>
+        <p:cNvPr id="1" name=""/>
+        <p:cNvGrpSpPr/>
+        <p:nvPr/>
+      </p:nvGrpSpPr>
+      <p:grpSpPr>
+        <a:xfrm>
+          <a:off x="0" y="0"/>
+          <a:ext cx="0" cy="0"/>
+          <a:chOff x="0" y="0"/>
+          <a:chExt cx="0" cy="0"/>
+        </a:xfrm>
+      </p:grpSpPr>
+      <p:sp>
+        <p:nvSpPr>
+          <p:cNvPr id="2" name="Title 1">
+            <a:extLst>
+              <a:ext uri="{FF2B5EF4-FFF2-40B4-BE49-F238E27FC236}">
+                <a16:creationId xmlns:a16="http://schemas.microsoft.com/office/drawing/2014/main" id="{58C7BA83-778B-944E-E6B7-26F43FD23D43}"/>
+              </a:ext>
+            </a:extLst>
+          </p:cNvPr>
+          <p:cNvSpPr>
+            <a:spLocks noGrp="1"/>
+          </p:cNvSpPr>
+          <p:nvPr>
+            <p:ph type="title"/>
+          </p:nvPr>
+        </p:nvSpPr>
+        <p:spPr/>
+        <p:txBody>
+          <a:bodyPr/>
+          <a:lstStyle/>
+          <a:p>
+            <a:r>
+              <a:rPr lang="en-VN"/>
+              <a:t>Type of </a:t>
+            </a:r>
+            <a:r>
+              <a:rPr lang="en-US"/>
+              <a:t>requirement relationships </a:t>
+            </a:r>
+            <a:endParaRPr lang="en-VN"/>
+          </a:p>
+        </p:txBody>
+      </p:sp>
+      <p:sp>
+        <p:nvSpPr>
+          <p:cNvPr id="3" name="Content Placeholder 2">
+            <a:extLst>
+              <a:ext uri="{FF2B5EF4-FFF2-40B4-BE49-F238E27FC236}">
+                <a16:creationId xmlns:a16="http://schemas.microsoft.com/office/drawing/2014/main" id="{08139049-A7A6-342F-4DDC-8317E63072FE}"/>
+              </a:ext>
+            </a:extLst>
+          </p:cNvPr>
+          <p:cNvSpPr>
+            <a:spLocks noGrp="1"/>
+          </p:cNvSpPr>
+          <p:nvPr>
+            <p:ph idx="1"/>
+          </p:nvPr>
+        </p:nvSpPr>
+        <p:spPr/>
+        <p:txBody>
+          <a:bodyPr/>
+          <a:lstStyle/>
+          <a:p>
+            <a14:m xmlns:a14="http://schemas.microsoft.com/office/drawing/2010/main">
+              <m:oMath xmlns:m="http://schemas.openxmlformats.org/officeDocument/2006/math">
+                <m:sSub>
+                  <m:sSubPr>
+                    <m:ctrlPr>
+                      <a:rPr lang="vi-VN" b="0" i="1">
+                        <a:latin typeface="Cambria Math" panose="02040503050406030204" pitchFamily="18" charset="0"/>
+                      </a:rPr>
+                    </m:ctrlPr>
+                  </m:sSubPr>
+                  <m:e>
+                    <m:r>
+                      <a:rPr lang="en-US" i="1">
+                        <a:latin typeface="Cambria Math" panose="02040503050406030204" pitchFamily="18" charset="0"/>
+                      </a:rPr>
+                      <m:t>𝑅</m:t>
+                    </m:r>
+                  </m:e>
+                  <m:sub>
+                    <m:r>
+                      <a:rPr lang="en-US" i="1">
+                        <a:latin typeface="Cambria Math" panose="02040503050406030204" pitchFamily="18" charset="0"/>
+                      </a:rPr>
+                      <m:t>𝑖𝑗</m:t>
+                    </m:r>
+                  </m:sub>
+                </m:sSub>
+                <m:r>
+                  <a:rPr lang="vi-VN" b="0" i="1">
+                    <a:latin typeface="Cambria Math" panose="02040503050406030204" pitchFamily="18" charset="0"/>
+                  </a:rPr>
+                  <m:t>=</m:t>
+                </m:r>
+                <m:r>
+                  <a:rPr lang="en-US" i="1">
+                    <a:latin typeface="Cambria Math" panose="02040503050406030204" pitchFamily="18" charset="0"/>
+                  </a:rPr>
+                  <m:t>𝑅</m:t>
+                </m:r>
+                <m:r>
+                  <a:rPr lang="en-US" i="1">
+                    <a:latin typeface="Cambria Math" panose="02040503050406030204" pitchFamily="18" charset="0"/>
+                  </a:rPr>
+                  <m:t> </m:t>
+                </m:r>
+              </m:oMath>
+            </a14:m>
+            <a:r>
+              <a:rPr lang="en-US"/>
+              <a:t>if requirement i </a:t>
+            </a:r>
+            <a:r>
+              <a:rPr lang="en-US">
+                <a:solidFill>
+                  <a:srgbClr val="FF0000"/>
+                </a:solidFill>
+              </a:rPr>
+              <a:t>r</a:t>
+            </a:r>
+            <a:r>
+              <a:rPr lang="en-US"/>
+              <a:t>eferences requirement j (meaning “refers to” for informational purposes). </a:t>
+            </a:r>
+          </a:p>
+          <a:p>
+            <a14:m xmlns:a14="http://schemas.microsoft.com/office/drawing/2010/main">
+              <m:oMath xmlns:m="http://schemas.openxmlformats.org/officeDocument/2006/math">
+                <m:sSub>
+                  <m:sSubPr>
+                    <m:ctrlPr>
+                      <a:rPr lang="vi-VN" b="0" i="1">
+                        <a:latin typeface="Cambria Math" panose="02040503050406030204" pitchFamily="18" charset="0"/>
+                      </a:rPr>
+                    </m:ctrlPr>
+                  </m:sSubPr>
+                  <m:e>
+                    <m:r>
+                      <a:rPr lang="en-US" i="1">
+                        <a:latin typeface="Cambria Math" panose="02040503050406030204" pitchFamily="18" charset="0"/>
+                      </a:rPr>
+                      <m:t>𝑅</m:t>
+                    </m:r>
+                  </m:e>
+                  <m:sub>
+                    <m:r>
+                      <a:rPr lang="en-US" i="1">
+                        <a:latin typeface="Cambria Math" panose="02040503050406030204" pitchFamily="18" charset="0"/>
+                      </a:rPr>
+                      <m:t>𝑖𝑗</m:t>
+                    </m:r>
+                  </m:sub>
+                </m:sSub>
+                <m:r>
+                  <a:rPr lang="en-US" i="1">
+                    <a:latin typeface="Cambria Math" panose="02040503050406030204" pitchFamily="18" charset="0"/>
+                  </a:rPr>
+                  <m:t>=</m:t>
+                </m:r>
+                <m:r>
+                  <a:rPr lang="en-US" i="1">
+                    <a:latin typeface="Cambria Math" panose="02040503050406030204" pitchFamily="18" charset="0"/>
+                  </a:rPr>
+                  <m:t>𝑈</m:t>
+                </m:r>
+                <m:r>
+                  <a:rPr lang="en-US" i="1">
+                    <a:latin typeface="Cambria Math" panose="02040503050406030204" pitchFamily="18" charset="0"/>
+                  </a:rPr>
+                  <m:t> </m:t>
+                </m:r>
+              </m:oMath>
+            </a14:m>
+            <a:r>
+              <a:rPr lang="en-US"/>
+              <a:t>if requirement i </a:t>
+            </a:r>
+            <a:r>
+              <a:rPr lang="en-US" b="1">
+                <a:solidFill>
+                  <a:srgbClr val="FF0000"/>
+                </a:solidFill>
+              </a:rPr>
+              <a:t>u</a:t>
+            </a:r>
+            <a:r>
+              <a:rPr lang="en-US"/>
+              <a:t>ses requirement j (meaning “depends on” directly). </a:t>
+            </a:r>
+          </a:p>
+          <a:p>
+            <a14:m xmlns:a14="http://schemas.microsoft.com/office/drawing/2010/main">
+              <m:oMath xmlns:m="http://schemas.openxmlformats.org/officeDocument/2006/math">
+                <m:sSub>
+                  <m:sSubPr>
+                    <m:ctrlPr>
+                      <a:rPr lang="vi-VN" b="0" i="1">
+                        <a:latin typeface="Cambria Math" panose="02040503050406030204" pitchFamily="18" charset="0"/>
+                      </a:rPr>
+                    </m:ctrlPr>
+                  </m:sSubPr>
+                  <m:e>
+                    <m:r>
+                      <a:rPr lang="en-US" i="1">
+                        <a:latin typeface="Cambria Math" panose="02040503050406030204" pitchFamily="18" charset="0"/>
+                      </a:rPr>
+                      <m:t>𝑅</m:t>
+                    </m:r>
+                  </m:e>
+                  <m:sub>
+                    <m:r>
+                      <a:rPr lang="en-US" i="1">
+                        <a:latin typeface="Cambria Math" panose="02040503050406030204" pitchFamily="18" charset="0"/>
+                      </a:rPr>
+                      <m:t>𝑖𝑗</m:t>
+                    </m:r>
+                  </m:sub>
+                </m:sSub>
+                <m:r>
+                  <a:rPr lang="vi-VN" b="0" i="1">
+                    <a:latin typeface="Cambria Math" panose="02040503050406030204" pitchFamily="18" charset="0"/>
+                  </a:rPr>
+                  <m:t>=</m:t>
+                </m:r>
+                <m:r>
+                  <a:rPr lang="vi-VN" b="0" i="1">
+                    <a:latin typeface="Cambria Math" panose="02040503050406030204" pitchFamily="18" charset="0"/>
+                    <a:ea typeface="Cambria Math" panose="02040503050406030204" pitchFamily="18" charset="0"/>
+                  </a:rPr>
+                  <m:t>∅</m:t>
+                </m:r>
+                <m:r>
+                  <a:rPr lang="en-US" i="1">
+                    <a:latin typeface="Cambria Math" panose="02040503050406030204" pitchFamily="18" charset="0"/>
+                  </a:rPr>
+                  <m:t> </m:t>
+                </m:r>
+              </m:oMath>
+            </a14:m>
+            <a:r>
+              <a:rPr lang="en-US"/>
+              <a:t>otherwise.</a:t>
+            </a:r>
+          </a:p>
+          <a:p>
+            <a14:m xmlns:a14="http://schemas.microsoft.com/office/drawing/2010/main">
+              <m:oMath xmlns:m="http://schemas.openxmlformats.org/officeDocument/2006/math">
+                <m:sSub>
+                  <m:sSubPr>
+                    <m:ctrlPr>
+                      <a:rPr lang="vi-VN" b="0" i="1">
+                        <a:latin typeface="Cambria Math" panose="02040503050406030204" pitchFamily="18" charset="0"/>
+                      </a:rPr>
+                    </m:ctrlPr>
+                  </m:sSubPr>
+                  <m:e>
+                    <m:r>
+                      <a:rPr lang="en-US" i="1">
+                        <a:latin typeface="Cambria Math" panose="02040503050406030204" pitchFamily="18" charset="0"/>
+                      </a:rPr>
+                      <m:t>𝑅</m:t>
+                    </m:r>
+                  </m:e>
+                  <m:sub>
+                    <m:r>
+                      <a:rPr lang="en-US" i="1">
+                        <a:latin typeface="Cambria Math" panose="02040503050406030204" pitchFamily="18" charset="0"/>
+                      </a:rPr>
+                      <m:t>𝑖𝑗</m:t>
+                    </m:r>
+                  </m:sub>
+                </m:sSub>
+                <m:r>
+                  <a:rPr lang="en-US" i="1">
+                    <a:latin typeface="Cambria Math" panose="02040503050406030204" pitchFamily="18" charset="0"/>
+                  </a:rPr>
+                  <m:t>=</m:t>
+                </m:r>
+                <m:r>
+                  <a:rPr lang="en-US" i="1">
+                    <a:latin typeface="Cambria Math" panose="02040503050406030204" pitchFamily="18" charset="0"/>
+                  </a:rPr>
+                  <m:t>𝑈</m:t>
+                </m:r>
+                <m:r>
+                  <a:rPr lang="en-US" i="1">
+                    <a:latin typeface="Cambria Math" panose="02040503050406030204" pitchFamily="18" charset="0"/>
+                  </a:rPr>
+                  <m:t> </m:t>
+                </m:r>
+              </m:oMath>
+            </a14:m>
+            <a:r>
+              <a:rPr lang="en-US"/>
+              <a:t>if requirement i both </a:t>
+            </a:r>
+            <a:r>
+              <a:rPr lang="en-US" b="1">
+                <a:solidFill>
+                  <a:srgbClr val="FF0000"/>
+                </a:solidFill>
+              </a:rPr>
+              <a:t>u</a:t>
+            </a:r>
+            <a:r>
+              <a:rPr lang="en-US"/>
+              <a:t>ses &amp; references requirement j.</a:t>
+            </a:r>
+          </a:p>
+          <a:p>
+            <a:r>
+              <a:rPr lang="en-US"/>
+              <a:t>No circlar ref. If </a:t>
+            </a:r>
+            <a14:m xmlns:a14="http://schemas.microsoft.com/office/drawing/2010/main">
+              <m:oMath xmlns:m="http://schemas.openxmlformats.org/officeDocument/2006/math">
+                <m:sSub>
+                  <m:sSubPr>
+                    <m:ctrlPr>
+                      <a:rPr lang="vi-VN" b="0" i="1">
+                        <a:latin typeface="Cambria Math" panose="02040503050406030204" pitchFamily="18" charset="0"/>
+                      </a:rPr>
+                    </m:ctrlPr>
+                  </m:sSubPr>
+                  <m:e>
+                    <m:r>
+                      <a:rPr lang="vi-VN" b="0" i="1">
+                        <a:latin typeface="Cambria Math" panose="02040503050406030204" pitchFamily="18" charset="0"/>
+                      </a:rPr>
+                      <m:t>𝑅</m:t>
+                    </m:r>
+                  </m:e>
+                  <m:sub>
+                    <m:r>
+                      <m:rPr>
+                        <m:sty m:val="p"/>
+                      </m:rPr>
+                      <a:rPr lang="vi-VN" i="1">
+                        <a:latin typeface="Cambria Math" panose="02040503050406030204" pitchFamily="18" charset="0"/>
+                      </a:rPr>
+                      <m:t>i</m:t>
+                    </m:r>
+                    <m:r>
+                      <a:rPr lang="vi-VN" b="0" i="1">
+                        <a:latin typeface="Cambria Math" panose="02040503050406030204" pitchFamily="18" charset="0"/>
+                      </a:rPr>
+                      <m:t>, </m:t>
+                    </m:r>
+                  </m:sub>
+                </m:sSub>
+                <m:r>
+                  <a:rPr lang="vi-VN" b="0" i="1">
+                    <a:latin typeface="Cambria Math" panose="02040503050406030204" pitchFamily="18" charset="0"/>
+                    <a:ea typeface="Cambria Math" panose="02040503050406030204" pitchFamily="18" charset="0"/>
+                  </a:rPr>
+                  <m:t>≠∅</m:t>
+                </m:r>
+              </m:oMath>
+            </a14:m>
+            <a:endParaRPr lang="en-VN"/>
+          </a:p>
+        </p:txBody>
+      </p:sp>
+      <p:sp>
+        <p:nvSpPr>
+          <p:cNvPr id="4" name="Slide Number Placeholder 3">
+            <a:extLst>
+              <a:ext uri="{FF2B5EF4-FFF2-40B4-BE49-F238E27FC236}">
+                <a16:creationId xmlns:a16="http://schemas.microsoft.com/office/drawing/2014/main" id="{7CC4B3DB-E25D-A24B-84C7-4490B0672D9C}"/>
+              </a:ext>
+            </a:extLst>
+          </p:cNvPr>
+          <p:cNvSpPr>
+            <a:spLocks noGrp="1"/>
+          </p:cNvSpPr>
+          <p:nvPr>
+            <p:ph type="sldNum" sz="quarter" idx="12"/>
+          </p:nvPr>
+        </p:nvSpPr>
+        <p:spPr/>
+        <p:txBody>
+          <a:bodyPr/>
+          <a:lstStyle/>
+          <a:p>
+            <a:fld id="{480537A9-B8B1-481D-9BE4-179EB839AE15}" type="slidenum">
+              <a:rPr lang="vi-VN" smtClean="0"/>
+              <a:t>11</a:t>
+            </a:fld>
+            <a:endParaRPr lang="vi-VN"/>
+          </a:p>
+        </p:txBody>
+      </p:sp>
+    </p:spTree>
+    <p:extLst>
+      <p:ext uri="{BB962C8B-B14F-4D97-AF65-F5344CB8AC3E}">
+        <p14:creationId xmlns:p14="http://schemas.microsoft.com/office/powerpoint/2010/main" val="1593536025"/>
+      </p:ext>
+    </p:extLst>
+  </p:cSld>
+  <p:clrMapOvr>
+    <a:masterClrMapping/>
+  </p:clrMapOvr>
+</p:sld>
+</file>
+
+<file path=ppt/slides/slide12.xml><?xml version="1.0" encoding="utf-8"?>
+<p:sld xmlns:a="http://schemas.openxmlformats.org/drawingml/2006/main" xmlns:r="http://schemas.openxmlformats.org/officeDocument/2006/relationships" xmlns:p="http://schemas.openxmlformats.org/presentationml/2006/main">
+  <p:cSld>
+    <p:spTree>
+      <p:nvGrpSpPr>
+        <p:cNvPr id="1" name=""/>
+        <p:cNvGrpSpPr/>
+        <p:nvPr/>
+      </p:nvGrpSpPr>
+      <p:grpSpPr>
+        <a:xfrm>
+          <a:off x="0" y="0"/>
+          <a:ext cx="0" cy="0"/>
+          <a:chOff x="0" y="0"/>
+          <a:chExt cx="0" cy="0"/>
+        </a:xfrm>
+      </p:grpSpPr>
+      <p:sp>
+        <p:nvSpPr>
+          <p:cNvPr id="2" name="Title 1">
+            <a:extLst>
+              <a:ext uri="{FF2B5EF4-FFF2-40B4-BE49-F238E27FC236}">
+                <a16:creationId xmlns:a16="http://schemas.microsoft.com/office/drawing/2014/main" id="{98B1B558-83A9-9704-59DF-6B7A9C9F9A0A}"/>
+              </a:ext>
+            </a:extLst>
+          </p:cNvPr>
+          <p:cNvSpPr>
+            <a:spLocks noGrp="1"/>
+          </p:cNvSpPr>
+          <p:nvPr>
+            <p:ph type="title"/>
+          </p:nvPr>
+        </p:nvSpPr>
+        <p:spPr/>
+        <p:txBody>
+          <a:bodyPr/>
+          <a:lstStyle/>
+          <a:p>
+            <a:r>
+              <a:rPr lang="en-US"/>
+              <a:t>Requirements Linkage Traceability Matrix</a:t>
+            </a:r>
+            <a:endParaRPr lang="en-VN"/>
+          </a:p>
+        </p:txBody>
+      </p:sp>
+      <p:sp>
+        <p:nvSpPr>
+          <p:cNvPr id="3" name="Content Placeholder 2">
+            <a:extLst>
+              <a:ext uri="{FF2B5EF4-FFF2-40B4-BE49-F238E27FC236}">
+                <a16:creationId xmlns:a16="http://schemas.microsoft.com/office/drawing/2014/main" id="{6F69A19F-92DD-E675-1CD2-1B5A38F0F320}"/>
+              </a:ext>
+            </a:extLst>
+          </p:cNvPr>
+          <p:cNvSpPr>
+            <a:spLocks noGrp="1"/>
+          </p:cNvSpPr>
+          <p:nvPr>
+            <p:ph idx="1"/>
+          </p:nvPr>
+        </p:nvSpPr>
+        <p:spPr/>
+        <p:txBody>
+          <a:bodyPr/>
+          <a:lstStyle/>
+          <a:p>
+            <a:endParaRPr lang="en-VN"/>
+          </a:p>
+        </p:txBody>
+      </p:sp>
+      <p:sp>
+        <p:nvSpPr>
+          <p:cNvPr id="4" name="Slide Number Placeholder 3">
+            <a:extLst>
+              <a:ext uri="{FF2B5EF4-FFF2-40B4-BE49-F238E27FC236}">
+                <a16:creationId xmlns:a16="http://schemas.microsoft.com/office/drawing/2014/main" id="{4DEFF021-C308-2B9B-4038-0C980D4B35E9}"/>
+              </a:ext>
+            </a:extLst>
+          </p:cNvPr>
+          <p:cNvSpPr>
+            <a:spLocks noGrp="1"/>
+          </p:cNvSpPr>
+          <p:nvPr>
+            <p:ph type="sldNum" sz="quarter" idx="12"/>
+          </p:nvPr>
+        </p:nvSpPr>
+        <p:spPr/>
+        <p:txBody>
+          <a:bodyPr/>
+          <a:lstStyle/>
+          <a:p>
+            <a:fld id="{480537A9-B8B1-481D-9BE4-179EB839AE15}" type="slidenum">
+              <a:rPr lang="vi-VN" smtClean="0"/>
+              <a:t>12</a:t>
+            </a:fld>
+            <a:endParaRPr lang="vi-VN"/>
+          </a:p>
+        </p:txBody>
+      </p:sp>
+    </p:spTree>
+    <p:extLst>
+      <p:ext uri="{BB962C8B-B14F-4D97-AF65-F5344CB8AC3E}">
+        <p14:creationId xmlns:p14="http://schemas.microsoft.com/office/powerpoint/2010/main" val="1587146549"/>
+      </p:ext>
+    </p:extLst>
+  </p:cSld>
+  <p:clrMapOvr>
+    <a:masterClrMapping/>
+  </p:clrMapOvr>
+</p:sld>
+</file>
+
+<file path=ppt/slides/slide2.xml><?xml version="1.0" encoding="utf-8"?>
+<p:sld xmlns:a="http://schemas.openxmlformats.org/drawingml/2006/main" xmlns:r="http://schemas.openxmlformats.org/officeDocument/2006/relationships" xmlns:p="http://schemas.openxmlformats.org/presentationml/2006/main">
+  <p:cSld>
+    <p:spTree>
+      <p:nvGrpSpPr>
+        <p:cNvPr id="1" name=""/>
+        <p:cNvGrpSpPr/>
+        <p:nvPr/>
+      </p:nvGrpSpPr>
+      <p:grpSpPr>
+        <a:xfrm>
+          <a:off x="0" y="0"/>
+          <a:ext cx="0" cy="0"/>
+          <a:chOff x="0" y="0"/>
+          <a:chExt cx="0" cy="0"/>
+        </a:xfrm>
+      </p:grpSpPr>
+      <p:sp>
+        <p:nvSpPr>
+          <p:cNvPr id="2" name="Title 1">
+            <a:extLst>
+              <a:ext uri="{FF2B5EF4-FFF2-40B4-BE49-F238E27FC236}">
+                <a16:creationId xmlns:a16="http://schemas.microsoft.com/office/drawing/2014/main" id="{8B6007F9-13A1-92B6-3120-032CC6D1E08B}"/>
+              </a:ext>
+            </a:extLst>
+          </p:cNvPr>
+          <p:cNvSpPr>
+            <a:spLocks noGrp="1"/>
+          </p:cNvSpPr>
+          <p:nvPr>
+            <p:ph type="title"/>
+          </p:nvPr>
+        </p:nvSpPr>
+        <p:spPr>
+          <a:xfrm>
+            <a:off x="838200" y="2766218"/>
+            <a:ext cx="10515600" cy="1325563"/>
+          </a:xfrm>
+        </p:spPr>
+        <p:txBody>
+          <a:bodyPr/>
+          <a:lstStyle/>
+          <a:p>
+            <a:r>
+              <a:rPr lang="en-VN"/>
+              <a:t>1. Introduction</a:t>
+            </a:r>
+          </a:p>
+        </p:txBody>
+      </p:sp>
+      <p:sp>
+        <p:nvSpPr>
+          <p:cNvPr id="4" name="Slide Number Placeholder 3">
+            <a:extLst>
+              <a:ext uri="{FF2B5EF4-FFF2-40B4-BE49-F238E27FC236}">
+                <a16:creationId xmlns:a16="http://schemas.microsoft.com/office/drawing/2014/main" id="{1B444C9B-BBF6-32D9-EE53-51C0ED4D1CD4}"/>
+              </a:ext>
+            </a:extLst>
+          </p:cNvPr>
+          <p:cNvSpPr>
+            <a:spLocks noGrp="1"/>
+          </p:cNvSpPr>
+          <p:nvPr>
+            <p:ph type="sldNum" sz="quarter" idx="12"/>
+          </p:nvPr>
+        </p:nvSpPr>
+        <p:spPr/>
+        <p:txBody>
+          <a:bodyPr/>
+          <a:lstStyle/>
+          <a:p>
+            <a:fld id="{480537A9-B8B1-481D-9BE4-179EB839AE15}" type="slidenum">
+              <a:rPr lang="vi-VN" smtClean="0"/>
+              <a:t>2</a:t>
+            </a:fld>
+            <a:endParaRPr lang="vi-VN"/>
+          </a:p>
+        </p:txBody>
+      </p:sp>
+    </p:spTree>
+    <p:extLst>
+      <p:ext uri="{BB962C8B-B14F-4D97-AF65-F5344CB8AC3E}">
+        <p14:creationId xmlns:p14="http://schemas.microsoft.com/office/powerpoint/2010/main" val="2650763023"/>
+      </p:ext>
+    </p:extLst>
+  </p:cSld>
+  <p:clrMapOvr>
+    <a:masterClrMapping/>
+  </p:clrMapOvr>
+</p:sld>
+</file>
+
+<file path=ppt/slides/slide3.xml><?xml version="1.0" encoding="utf-8"?>
+<p:sld xmlns:a="http://schemas.openxmlformats.org/drawingml/2006/main" xmlns:r="http://schemas.openxmlformats.org/officeDocument/2006/relationships" xmlns:p="http://schemas.openxmlformats.org/presentationml/2006/main">
+  <p:cSld>
+    <p:spTree>
+      <p:nvGrpSpPr>
+        <p:cNvPr id="1" name=""/>
+        <p:cNvGrpSpPr/>
+        <p:nvPr/>
+      </p:nvGrpSpPr>
+      <p:grpSpPr>
+        <a:xfrm>
+          <a:off x="0" y="0"/>
+          <a:ext cx="0" cy="0"/>
+          <a:chOff x="0" y="0"/>
+          <a:chExt cx="0" cy="0"/>
+        </a:xfrm>
+      </p:grpSpPr>
+      <p:sp>
+        <p:nvSpPr>
           <p:cNvPr id="2" name="Tiêu đề 1">
             <a:extLst>
               <a:ext uri="{FF2B5EF4-FFF2-40B4-BE49-F238E27FC236}">
@@ -3695,55 +4608,2970 @@
             <p:ph type="title"/>
           </p:nvPr>
         </p:nvSpPr>
-        <p:spPr/>
-        <p:txBody>
-          <a:bodyPr/>
-          <a:lstStyle/>
-          <a:p>
-            <a:r>
-              <a:rPr lang="en-US"/>
-              <a:t>Framework</a:t>
-            </a:r>
-            <a:endParaRPr lang="vi-VN"/>
-          </a:p>
-        </p:txBody>
-      </p:sp>
-      <p:sp>
-        <p:nvSpPr>
-          <p:cNvPr id="3" name="Chỗ dành sẵn cho Nội dung 2">
-            <a:extLst>
-              <a:ext uri="{FF2B5EF4-FFF2-40B4-BE49-F238E27FC236}">
-                <a16:creationId xmlns:a16="http://schemas.microsoft.com/office/drawing/2014/main" id="{4EE1E1EB-EB24-402B-B1B9-7B3E412547FF}"/>
-              </a:ext>
-            </a:extLst>
-          </p:cNvPr>
-          <p:cNvSpPr>
-            <a:spLocks noGrp="1"/>
-          </p:cNvSpPr>
-          <p:nvPr>
-            <p:ph idx="1"/>
-          </p:nvPr>
-        </p:nvSpPr>
         <p:spPr>
           <a:xfrm>
-            <a:off x="838200" y="1825625"/>
-            <a:ext cx="10515600" cy="1014550"/>
+            <a:off x="838200" y="0"/>
+            <a:ext cx="10515600" cy="1325563"/>
           </a:xfrm>
         </p:spPr>
         <p:txBody>
           <a:bodyPr/>
           <a:lstStyle/>
           <a:p>
-            <a:pPr marL="0" indent="0">
-              <a:buNone/>
-            </a:pPr>
             <a:r>
               <a:rPr lang="en-US"/>
-              <a:t>Requirement analysis is an action that turns human language into SE language.</a:t>
-            </a:r>
+              <a:t>Tool Support for Requirements Engineering</a:t>
+            </a:r>
+            <a:endParaRPr lang="vi-VN"/>
           </a:p>
         </p:txBody>
       </p:sp>
+      <p:graphicFrame>
+        <p:nvGraphicFramePr>
+          <p:cNvPr id="5" name="Content Placeholder 4">
+            <a:extLst>
+              <a:ext uri="{FF2B5EF4-FFF2-40B4-BE49-F238E27FC236}">
+                <a16:creationId xmlns:a16="http://schemas.microsoft.com/office/drawing/2014/main" id="{3F1AFD52-383D-7530-28AF-7653DCD709D1}"/>
+              </a:ext>
+            </a:extLst>
+          </p:cNvPr>
+          <p:cNvGraphicFramePr>
+            <a:graphicFrameLocks noGrp="1"/>
+          </p:cNvGraphicFramePr>
+          <p:nvPr>
+            <p:ph idx="1"/>
+            <p:extLst>
+              <p:ext uri="{D42A27DB-BD31-4B8C-83A1-F6EECF244321}">
+                <p14:modId xmlns:p14="http://schemas.microsoft.com/office/powerpoint/2010/main" val="2989068604"/>
+              </p:ext>
+            </p:extLst>
+          </p:nvPr>
+        </p:nvGraphicFramePr>
+        <p:xfrm>
+          <a:off x="838200" y="1325563"/>
+          <a:ext cx="10515600" cy="4592320"/>
+        </p:xfrm>
+        <a:graphic>
+          <a:graphicData uri="http://schemas.openxmlformats.org/drawingml/2006/table">
+            <a:tbl>
+              <a:tblPr firstRow="1" bandRow="1">
+                <a:tableStyleId>{5C22544A-7EE6-4342-B048-85BDC9FD1C3A}</a:tableStyleId>
+              </a:tblPr>
+              <a:tblGrid>
+                <a:gridCol w="2103120">
+                  <a:extLst>
+                    <a:ext uri="{9D8B030D-6E8A-4147-A177-3AD203B41FA5}">
+                      <a16:colId xmlns:a16="http://schemas.microsoft.com/office/drawing/2014/main" val="1610577592"/>
+                    </a:ext>
+                  </a:extLst>
+                </a:gridCol>
+                <a:gridCol w="2103120">
+                  <a:extLst>
+                    <a:ext uri="{9D8B030D-6E8A-4147-A177-3AD203B41FA5}">
+                      <a16:colId xmlns:a16="http://schemas.microsoft.com/office/drawing/2014/main" val="3654340901"/>
+                    </a:ext>
+                  </a:extLst>
+                </a:gridCol>
+                <a:gridCol w="2103120">
+                  <a:extLst>
+                    <a:ext uri="{9D8B030D-6E8A-4147-A177-3AD203B41FA5}">
+                      <a16:colId xmlns:a16="http://schemas.microsoft.com/office/drawing/2014/main" val="2152737466"/>
+                    </a:ext>
+                  </a:extLst>
+                </a:gridCol>
+                <a:gridCol w="2103120">
+                  <a:extLst>
+                    <a:ext uri="{9D8B030D-6E8A-4147-A177-3AD203B41FA5}">
+                      <a16:colId xmlns:a16="http://schemas.microsoft.com/office/drawing/2014/main" val="800776324"/>
+                    </a:ext>
+                  </a:extLst>
+                </a:gridCol>
+                <a:gridCol w="2103120">
+                  <a:extLst>
+                    <a:ext uri="{9D8B030D-6E8A-4147-A177-3AD203B41FA5}">
+                      <a16:colId xmlns:a16="http://schemas.microsoft.com/office/drawing/2014/main" val="916608010"/>
+                    </a:ext>
+                  </a:extLst>
+                </a:gridCol>
+              </a:tblGrid>
+              <a:tr h="370840">
+                <a:tc>
+                  <a:txBody>
+                    <a:bodyPr/>
+                    <a:lstStyle/>
+                    <a:p>
+                      <a:endParaRPr lang="en-VN" sz="1400">
+                        <a:solidFill>
+                          <a:schemeClr val="tx1"/>
+                        </a:solidFill>
+                      </a:endParaRPr>
+                    </a:p>
+                  </a:txBody>
+                  <a:tcPr>
+                    <a:lnL w="12700" cap="flat" cmpd="sng" algn="ctr">
+                      <a:solidFill>
+                        <a:schemeClr val="tx1"/>
+                      </a:solidFill>
+                      <a:prstDash val="solid"/>
+                      <a:round/>
+                      <a:headEnd type="none" w="med" len="med"/>
+                      <a:tailEnd type="none" w="med" len="med"/>
+                    </a:lnL>
+                    <a:lnR w="12700" cap="flat" cmpd="sng" algn="ctr">
+                      <a:solidFill>
+                        <a:schemeClr val="tx1"/>
+                      </a:solidFill>
+                      <a:prstDash val="solid"/>
+                      <a:round/>
+                      <a:headEnd type="none" w="med" len="med"/>
+                      <a:tailEnd type="none" w="med" len="med"/>
+                    </a:lnR>
+                    <a:lnT w="12700" cap="flat" cmpd="sng" algn="ctr">
+                      <a:solidFill>
+                        <a:schemeClr val="tx1"/>
+                      </a:solidFill>
+                      <a:prstDash val="solid"/>
+                      <a:round/>
+                      <a:headEnd type="none" w="med" len="med"/>
+                      <a:tailEnd type="none" w="med" len="med"/>
+                    </a:lnT>
+                    <a:lnB w="12700" cap="flat" cmpd="sng" algn="ctr">
+                      <a:solidFill>
+                        <a:schemeClr val="tx1"/>
+                      </a:solidFill>
+                      <a:prstDash val="solid"/>
+                      <a:round/>
+                      <a:headEnd type="none" w="med" len="med"/>
+                      <a:tailEnd type="none" w="med" len="med"/>
+                    </a:lnB>
+                    <a:noFill/>
+                  </a:tcPr>
+                </a:tc>
+                <a:tc>
+                  <a:txBody>
+                    <a:bodyPr/>
+                    <a:lstStyle/>
+                    <a:p>
+                      <a:r>
+                        <a:rPr lang="en-US" sz="1400" b="1" i="0" kern="1200">
+                          <a:solidFill>
+                            <a:schemeClr val="tx1"/>
+                          </a:solidFill>
+                          <a:effectLst/>
+                          <a:latin typeface="+mn-lt"/>
+                          <a:ea typeface="+mn-ea"/>
+                          <a:cs typeface="+mn-cs"/>
+                        </a:rPr>
+                        <a:t>Word Processor</a:t>
+                      </a:r>
+                      <a:r>
+                        <a:rPr lang="en-VN" sz="1400" i="0">
+                          <a:solidFill>
+                            <a:schemeClr val="tx1"/>
+                          </a:solidFill>
+                          <a:effectLst/>
+                        </a:rPr>
+                        <a:t> </a:t>
+                      </a:r>
+                      <a:endParaRPr lang="en-VN" sz="1400" i="0">
+                        <a:solidFill>
+                          <a:schemeClr val="tx1"/>
+                        </a:solidFill>
+                      </a:endParaRPr>
+                    </a:p>
+                  </a:txBody>
+                  <a:tcPr>
+                    <a:lnL w="12700" cap="flat" cmpd="sng" algn="ctr">
+                      <a:solidFill>
+                        <a:schemeClr val="tx1"/>
+                      </a:solidFill>
+                      <a:prstDash val="solid"/>
+                      <a:round/>
+                      <a:headEnd type="none" w="med" len="med"/>
+                      <a:tailEnd type="none" w="med" len="med"/>
+                    </a:lnL>
+                    <a:lnR w="12700" cap="flat" cmpd="sng" algn="ctr">
+                      <a:solidFill>
+                        <a:schemeClr val="tx1"/>
+                      </a:solidFill>
+                      <a:prstDash val="solid"/>
+                      <a:round/>
+                      <a:headEnd type="none" w="med" len="med"/>
+                      <a:tailEnd type="none" w="med" len="med"/>
+                    </a:lnR>
+                    <a:lnT w="12700" cap="flat" cmpd="sng" algn="ctr">
+                      <a:solidFill>
+                        <a:schemeClr val="tx1"/>
+                      </a:solidFill>
+                      <a:prstDash val="solid"/>
+                      <a:round/>
+                      <a:headEnd type="none" w="med" len="med"/>
+                      <a:tailEnd type="none" w="med" len="med"/>
+                    </a:lnT>
+                    <a:lnB w="12700" cap="flat" cmpd="sng" algn="ctr">
+                      <a:solidFill>
+                        <a:schemeClr val="tx1"/>
+                      </a:solidFill>
+                      <a:prstDash val="solid"/>
+                      <a:round/>
+                      <a:headEnd type="none" w="med" len="med"/>
+                      <a:tailEnd type="none" w="med" len="med"/>
+                    </a:lnB>
+                    <a:noFill/>
+                  </a:tcPr>
+                </a:tc>
+                <a:tc>
+                  <a:txBody>
+                    <a:bodyPr/>
+                    <a:lstStyle/>
+                    <a:p>
+                      <a:r>
+                        <a:rPr lang="en-US" sz="1400" b="1" i="0" kern="1200">
+                          <a:solidFill>
+                            <a:schemeClr val="tx1"/>
+                          </a:solidFill>
+                          <a:effectLst/>
+                          <a:latin typeface="+mn-lt"/>
+                          <a:ea typeface="+mn-ea"/>
+                          <a:cs typeface="+mn-cs"/>
+                        </a:rPr>
+                        <a:t>Spreadsheet</a:t>
+                      </a:r>
+                      <a:r>
+                        <a:rPr lang="en-VN" sz="1400" i="0">
+                          <a:solidFill>
+                            <a:schemeClr val="tx1"/>
+                          </a:solidFill>
+                          <a:effectLst/>
+                        </a:rPr>
+                        <a:t> </a:t>
+                      </a:r>
+                      <a:endParaRPr lang="en-VN" sz="1400" i="0">
+                        <a:solidFill>
+                          <a:schemeClr val="tx1"/>
+                        </a:solidFill>
+                      </a:endParaRPr>
+                    </a:p>
+                  </a:txBody>
+                  <a:tcPr>
+                    <a:lnL w="12700" cap="flat" cmpd="sng" algn="ctr">
+                      <a:solidFill>
+                        <a:schemeClr val="tx1"/>
+                      </a:solidFill>
+                      <a:prstDash val="solid"/>
+                      <a:round/>
+                      <a:headEnd type="none" w="med" len="med"/>
+                      <a:tailEnd type="none" w="med" len="med"/>
+                    </a:lnL>
+                    <a:lnR w="12700" cap="flat" cmpd="sng" algn="ctr">
+                      <a:solidFill>
+                        <a:schemeClr val="tx1"/>
+                      </a:solidFill>
+                      <a:prstDash val="solid"/>
+                      <a:round/>
+                      <a:headEnd type="none" w="med" len="med"/>
+                      <a:tailEnd type="none" w="med" len="med"/>
+                    </a:lnR>
+                    <a:lnT w="12700" cap="flat" cmpd="sng" algn="ctr">
+                      <a:solidFill>
+                        <a:schemeClr val="tx1"/>
+                      </a:solidFill>
+                      <a:prstDash val="solid"/>
+                      <a:round/>
+                      <a:headEnd type="none" w="med" len="med"/>
+                      <a:tailEnd type="none" w="med" len="med"/>
+                    </a:lnT>
+                    <a:lnB w="12700" cap="flat" cmpd="sng" algn="ctr">
+                      <a:solidFill>
+                        <a:schemeClr val="tx1"/>
+                      </a:solidFill>
+                      <a:prstDash val="solid"/>
+                      <a:round/>
+                      <a:headEnd type="none" w="med" len="med"/>
+                      <a:tailEnd type="none" w="med" len="med"/>
+                    </a:lnB>
+                    <a:noFill/>
+                  </a:tcPr>
+                </a:tc>
+                <a:tc>
+                  <a:txBody>
+                    <a:bodyPr/>
+                    <a:lstStyle/>
+                    <a:p>
+                      <a:r>
+                        <a:rPr lang="en-US" sz="1400" b="1" i="0" kern="1200">
+                          <a:solidFill>
+                            <a:schemeClr val="tx1"/>
+                          </a:solidFill>
+                          <a:effectLst/>
+                          <a:latin typeface="+mn-lt"/>
+                          <a:ea typeface="+mn-ea"/>
+                          <a:cs typeface="+mn-cs"/>
+                        </a:rPr>
+                        <a:t>Relational Database</a:t>
+                      </a:r>
+                      <a:r>
+                        <a:rPr lang="en-VN" sz="1400" i="0">
+                          <a:solidFill>
+                            <a:schemeClr val="tx1"/>
+                          </a:solidFill>
+                          <a:effectLst/>
+                        </a:rPr>
+                        <a:t> </a:t>
+                      </a:r>
+                      <a:endParaRPr lang="en-VN" sz="1400" i="0">
+                        <a:solidFill>
+                          <a:schemeClr val="tx1"/>
+                        </a:solidFill>
+                      </a:endParaRPr>
+                    </a:p>
+                  </a:txBody>
+                  <a:tcPr>
+                    <a:lnL w="12700" cap="flat" cmpd="sng" algn="ctr">
+                      <a:solidFill>
+                        <a:schemeClr val="tx1"/>
+                      </a:solidFill>
+                      <a:prstDash val="solid"/>
+                      <a:round/>
+                      <a:headEnd type="none" w="med" len="med"/>
+                      <a:tailEnd type="none" w="med" len="med"/>
+                    </a:lnL>
+                    <a:lnR w="12700" cap="flat" cmpd="sng" algn="ctr">
+                      <a:solidFill>
+                        <a:schemeClr val="tx1"/>
+                      </a:solidFill>
+                      <a:prstDash val="solid"/>
+                      <a:round/>
+                      <a:headEnd type="none" w="med" len="med"/>
+                      <a:tailEnd type="none" w="med" len="med"/>
+                    </a:lnR>
+                    <a:lnT w="12700" cap="flat" cmpd="sng" algn="ctr">
+                      <a:solidFill>
+                        <a:schemeClr val="tx1"/>
+                      </a:solidFill>
+                      <a:prstDash val="solid"/>
+                      <a:round/>
+                      <a:headEnd type="none" w="med" len="med"/>
+                      <a:tailEnd type="none" w="med" len="med"/>
+                    </a:lnT>
+                    <a:lnB w="12700" cap="flat" cmpd="sng" algn="ctr">
+                      <a:solidFill>
+                        <a:schemeClr val="tx1"/>
+                      </a:solidFill>
+                      <a:prstDash val="solid"/>
+                      <a:round/>
+                      <a:headEnd type="none" w="med" len="med"/>
+                      <a:tailEnd type="none" w="med" len="med"/>
+                    </a:lnB>
+                    <a:noFill/>
+                  </a:tcPr>
+                </a:tc>
+                <a:tc>
+                  <a:txBody>
+                    <a:bodyPr/>
+                    <a:lstStyle/>
+                    <a:p>
+                      <a:r>
+                        <a:rPr lang="en-US" sz="1400" b="1" i="0" kern="1200">
+                          <a:solidFill>
+                            <a:schemeClr val="tx1"/>
+                          </a:solidFill>
+                          <a:effectLst/>
+                          <a:latin typeface="+mn-lt"/>
+                          <a:ea typeface="+mn-ea"/>
+                          <a:cs typeface="+mn-cs"/>
+                        </a:rPr>
+                        <a:t>Requirements Management Tool</a:t>
+                      </a:r>
+                      <a:r>
+                        <a:rPr lang="en-VN" sz="1400" i="0">
+                          <a:solidFill>
+                            <a:schemeClr val="tx1"/>
+                          </a:solidFill>
+                          <a:effectLst/>
+                        </a:rPr>
+                        <a:t> </a:t>
+                      </a:r>
+                      <a:endParaRPr lang="en-VN" sz="1400" i="0">
+                        <a:solidFill>
+                          <a:schemeClr val="tx1"/>
+                        </a:solidFill>
+                      </a:endParaRPr>
+                    </a:p>
+                  </a:txBody>
+                  <a:tcPr>
+                    <a:lnL w="12700" cap="flat" cmpd="sng" algn="ctr">
+                      <a:solidFill>
+                        <a:schemeClr val="tx1"/>
+                      </a:solidFill>
+                      <a:prstDash val="solid"/>
+                      <a:round/>
+                      <a:headEnd type="none" w="med" len="med"/>
+                      <a:tailEnd type="none" w="med" len="med"/>
+                    </a:lnL>
+                    <a:lnR w="12700" cap="flat" cmpd="sng" algn="ctr">
+                      <a:solidFill>
+                        <a:schemeClr val="tx1"/>
+                      </a:solidFill>
+                      <a:prstDash val="solid"/>
+                      <a:round/>
+                      <a:headEnd type="none" w="med" len="med"/>
+                      <a:tailEnd type="none" w="med" len="med"/>
+                    </a:lnR>
+                    <a:lnT w="12700" cap="flat" cmpd="sng" algn="ctr">
+                      <a:solidFill>
+                        <a:schemeClr val="tx1"/>
+                      </a:solidFill>
+                      <a:prstDash val="solid"/>
+                      <a:round/>
+                      <a:headEnd type="none" w="med" len="med"/>
+                      <a:tailEnd type="none" w="med" len="med"/>
+                    </a:lnT>
+                    <a:lnB w="12700" cap="flat" cmpd="sng" algn="ctr">
+                      <a:solidFill>
+                        <a:schemeClr val="tx1"/>
+                      </a:solidFill>
+                      <a:prstDash val="solid"/>
+                      <a:round/>
+                      <a:headEnd type="none" w="med" len="med"/>
+                      <a:tailEnd type="none" w="med" len="med"/>
+                    </a:lnB>
+                    <a:noFill/>
+                  </a:tcPr>
+                </a:tc>
+                <a:extLst>
+                  <a:ext uri="{0D108BD9-81ED-4DB2-BD59-A6C34878D82A}">
+                    <a16:rowId xmlns:a16="http://schemas.microsoft.com/office/drawing/2014/main" val="2934327576"/>
+                  </a:ext>
+                </a:extLst>
+              </a:tr>
+              <a:tr h="370840">
+                <a:tc>
+                  <a:txBody>
+                    <a:bodyPr/>
+                    <a:lstStyle/>
+                    <a:p>
+                      <a:r>
+                        <a:rPr lang="en-US" sz="1400"/>
+                        <a:t>Document size</a:t>
+                      </a:r>
+                      <a:endParaRPr lang="en-VN" sz="1400">
+                        <a:solidFill>
+                          <a:schemeClr val="tx1"/>
+                        </a:solidFill>
+                      </a:endParaRPr>
+                    </a:p>
+                  </a:txBody>
+                  <a:tcPr>
+                    <a:lnL w="12700" cap="flat" cmpd="sng" algn="ctr">
+                      <a:solidFill>
+                        <a:schemeClr val="tx1"/>
+                      </a:solidFill>
+                      <a:prstDash val="solid"/>
+                      <a:round/>
+                      <a:headEnd type="none" w="med" len="med"/>
+                      <a:tailEnd type="none" w="med" len="med"/>
+                    </a:lnL>
+                    <a:lnR w="12700" cap="flat" cmpd="sng" algn="ctr">
+                      <a:solidFill>
+                        <a:schemeClr val="tx1"/>
+                      </a:solidFill>
+                      <a:prstDash val="solid"/>
+                      <a:round/>
+                      <a:headEnd type="none" w="med" len="med"/>
+                      <a:tailEnd type="none" w="med" len="med"/>
+                    </a:lnR>
+                    <a:lnT w="12700" cap="flat" cmpd="sng" algn="ctr">
+                      <a:solidFill>
+                        <a:schemeClr val="tx1"/>
+                      </a:solidFill>
+                      <a:prstDash val="solid"/>
+                      <a:round/>
+                      <a:headEnd type="none" w="med" len="med"/>
+                      <a:tailEnd type="none" w="med" len="med"/>
+                    </a:lnT>
+                    <a:lnB w="12700" cap="flat" cmpd="sng" algn="ctr">
+                      <a:solidFill>
+                        <a:schemeClr val="tx1"/>
+                      </a:solidFill>
+                      <a:prstDash val="solid"/>
+                      <a:round/>
+                      <a:headEnd type="none" w="med" len="med"/>
+                      <a:tailEnd type="none" w="med" len="med"/>
+                    </a:lnB>
+                    <a:noFill/>
+                  </a:tcPr>
+                </a:tc>
+                <a:tc>
+                  <a:txBody>
+                    <a:bodyPr/>
+                    <a:lstStyle/>
+                    <a:p>
+                      <a:r>
+                        <a:rPr lang="en-VN" sz="1400">
+                          <a:solidFill>
+                            <a:schemeClr val="tx1"/>
+                          </a:solidFill>
+                        </a:rPr>
+                        <a:t>x</a:t>
+                      </a:r>
+                    </a:p>
+                  </a:txBody>
+                  <a:tcPr>
+                    <a:lnL w="12700" cap="flat" cmpd="sng" algn="ctr">
+                      <a:solidFill>
+                        <a:schemeClr val="tx1"/>
+                      </a:solidFill>
+                      <a:prstDash val="solid"/>
+                      <a:round/>
+                      <a:headEnd type="none" w="med" len="med"/>
+                      <a:tailEnd type="none" w="med" len="med"/>
+                    </a:lnL>
+                    <a:lnR w="12700" cap="flat" cmpd="sng" algn="ctr">
+                      <a:solidFill>
+                        <a:schemeClr val="tx1"/>
+                      </a:solidFill>
+                      <a:prstDash val="solid"/>
+                      <a:round/>
+                      <a:headEnd type="none" w="med" len="med"/>
+                      <a:tailEnd type="none" w="med" len="med"/>
+                    </a:lnR>
+                    <a:lnT w="12700" cap="flat" cmpd="sng" algn="ctr">
+                      <a:solidFill>
+                        <a:schemeClr val="tx1"/>
+                      </a:solidFill>
+                      <a:prstDash val="solid"/>
+                      <a:round/>
+                      <a:headEnd type="none" w="med" len="med"/>
+                      <a:tailEnd type="none" w="med" len="med"/>
+                    </a:lnT>
+                    <a:lnB w="12700" cap="flat" cmpd="sng" algn="ctr">
+                      <a:solidFill>
+                        <a:schemeClr val="tx1"/>
+                      </a:solidFill>
+                      <a:prstDash val="solid"/>
+                      <a:round/>
+                      <a:headEnd type="none" w="med" len="med"/>
+                      <a:tailEnd type="none" w="med" len="med"/>
+                    </a:lnB>
+                    <a:noFill/>
+                  </a:tcPr>
+                </a:tc>
+                <a:tc>
+                  <a:txBody>
+                    <a:bodyPr/>
+                    <a:lstStyle/>
+                    <a:p>
+                      <a:endParaRPr lang="en-VN" sz="1400">
+                        <a:solidFill>
+                          <a:schemeClr val="tx1"/>
+                        </a:solidFill>
+                      </a:endParaRPr>
+                    </a:p>
+                  </a:txBody>
+                  <a:tcPr>
+                    <a:lnL w="12700" cap="flat" cmpd="sng" algn="ctr">
+                      <a:solidFill>
+                        <a:schemeClr val="tx1"/>
+                      </a:solidFill>
+                      <a:prstDash val="solid"/>
+                      <a:round/>
+                      <a:headEnd type="none" w="med" len="med"/>
+                      <a:tailEnd type="none" w="med" len="med"/>
+                    </a:lnL>
+                    <a:lnR w="12700" cap="flat" cmpd="sng" algn="ctr">
+                      <a:solidFill>
+                        <a:schemeClr val="tx1"/>
+                      </a:solidFill>
+                      <a:prstDash val="solid"/>
+                      <a:round/>
+                      <a:headEnd type="none" w="med" len="med"/>
+                      <a:tailEnd type="none" w="med" len="med"/>
+                    </a:lnR>
+                    <a:lnT w="12700" cap="flat" cmpd="sng" algn="ctr">
+                      <a:solidFill>
+                        <a:schemeClr val="tx1"/>
+                      </a:solidFill>
+                      <a:prstDash val="solid"/>
+                      <a:round/>
+                      <a:headEnd type="none" w="med" len="med"/>
+                      <a:tailEnd type="none" w="med" len="med"/>
+                    </a:lnT>
+                    <a:lnB w="12700" cap="flat" cmpd="sng" algn="ctr">
+                      <a:solidFill>
+                        <a:schemeClr val="tx1"/>
+                      </a:solidFill>
+                      <a:prstDash val="solid"/>
+                      <a:round/>
+                      <a:headEnd type="none" w="med" len="med"/>
+                      <a:tailEnd type="none" w="med" len="med"/>
+                    </a:lnB>
+                    <a:noFill/>
+                  </a:tcPr>
+                </a:tc>
+                <a:tc>
+                  <a:txBody>
+                    <a:bodyPr/>
+                    <a:lstStyle/>
+                    <a:p>
+                      <a:endParaRPr lang="en-VN" sz="1400">
+                        <a:solidFill>
+                          <a:schemeClr val="tx1"/>
+                        </a:solidFill>
+                      </a:endParaRPr>
+                    </a:p>
+                  </a:txBody>
+                  <a:tcPr>
+                    <a:lnL w="12700" cap="flat" cmpd="sng" algn="ctr">
+                      <a:solidFill>
+                        <a:schemeClr val="tx1"/>
+                      </a:solidFill>
+                      <a:prstDash val="solid"/>
+                      <a:round/>
+                      <a:headEnd type="none" w="med" len="med"/>
+                      <a:tailEnd type="none" w="med" len="med"/>
+                    </a:lnL>
+                    <a:lnR w="12700" cap="flat" cmpd="sng" algn="ctr">
+                      <a:solidFill>
+                        <a:schemeClr val="tx1"/>
+                      </a:solidFill>
+                      <a:prstDash val="solid"/>
+                      <a:round/>
+                      <a:headEnd type="none" w="med" len="med"/>
+                      <a:tailEnd type="none" w="med" len="med"/>
+                    </a:lnR>
+                    <a:lnT w="12700" cap="flat" cmpd="sng" algn="ctr">
+                      <a:solidFill>
+                        <a:schemeClr val="tx1"/>
+                      </a:solidFill>
+                      <a:prstDash val="solid"/>
+                      <a:round/>
+                      <a:headEnd type="none" w="med" len="med"/>
+                      <a:tailEnd type="none" w="med" len="med"/>
+                    </a:lnT>
+                    <a:lnB w="12700" cap="flat" cmpd="sng" algn="ctr">
+                      <a:solidFill>
+                        <a:schemeClr val="tx1"/>
+                      </a:solidFill>
+                      <a:prstDash val="solid"/>
+                      <a:round/>
+                      <a:headEnd type="none" w="med" len="med"/>
+                      <a:tailEnd type="none" w="med" len="med"/>
+                    </a:lnB>
+                    <a:noFill/>
+                  </a:tcPr>
+                </a:tc>
+                <a:tc>
+                  <a:txBody>
+                    <a:bodyPr/>
+                    <a:lstStyle/>
+                    <a:p>
+                      <a:r>
+                        <a:rPr lang="en-US" sz="1400"/>
+                        <a:t>Not in the preformatted state</a:t>
+                      </a:r>
+                      <a:endParaRPr lang="en-VN" sz="1400">
+                        <a:solidFill>
+                          <a:schemeClr val="tx1"/>
+                        </a:solidFill>
+                      </a:endParaRPr>
+                    </a:p>
+                  </a:txBody>
+                  <a:tcPr>
+                    <a:lnL w="12700" cap="flat" cmpd="sng" algn="ctr">
+                      <a:solidFill>
+                        <a:schemeClr val="tx1"/>
+                      </a:solidFill>
+                      <a:prstDash val="solid"/>
+                      <a:round/>
+                      <a:headEnd type="none" w="med" len="med"/>
+                      <a:tailEnd type="none" w="med" len="med"/>
+                    </a:lnL>
+                    <a:lnR w="12700" cap="flat" cmpd="sng" algn="ctr">
+                      <a:solidFill>
+                        <a:schemeClr val="tx1"/>
+                      </a:solidFill>
+                      <a:prstDash val="solid"/>
+                      <a:round/>
+                      <a:headEnd type="none" w="med" len="med"/>
+                      <a:tailEnd type="none" w="med" len="med"/>
+                    </a:lnR>
+                    <a:lnT w="12700" cap="flat" cmpd="sng" algn="ctr">
+                      <a:solidFill>
+                        <a:schemeClr val="tx1"/>
+                      </a:solidFill>
+                      <a:prstDash val="solid"/>
+                      <a:round/>
+                      <a:headEnd type="none" w="med" len="med"/>
+                      <a:tailEnd type="none" w="med" len="med"/>
+                    </a:lnT>
+                    <a:lnB w="12700" cap="flat" cmpd="sng" algn="ctr">
+                      <a:solidFill>
+                        <a:schemeClr val="tx1"/>
+                      </a:solidFill>
+                      <a:prstDash val="solid"/>
+                      <a:round/>
+                      <a:headEnd type="none" w="med" len="med"/>
+                      <a:tailEnd type="none" w="med" len="med"/>
+                    </a:lnB>
+                    <a:noFill/>
+                  </a:tcPr>
+                </a:tc>
+                <a:extLst>
+                  <a:ext uri="{0D108BD9-81ED-4DB2-BD59-A6C34878D82A}">
+                    <a16:rowId xmlns:a16="http://schemas.microsoft.com/office/drawing/2014/main" val="486201509"/>
+                  </a:ext>
+                </a:extLst>
+              </a:tr>
+              <a:tr h="370840">
+                <a:tc>
+                  <a:txBody>
+                    <a:bodyPr/>
+                    <a:lstStyle/>
+                    <a:p>
+                      <a:r>
+                        <a:rPr lang="en-US" sz="1400"/>
+                        <a:t>Dynamic changes over time</a:t>
+                      </a:r>
+                      <a:endParaRPr lang="en-VN" sz="1400">
+                        <a:solidFill>
+                          <a:schemeClr val="tx1"/>
+                        </a:solidFill>
+                      </a:endParaRPr>
+                    </a:p>
+                  </a:txBody>
+                  <a:tcPr>
+                    <a:lnL w="12700" cap="flat" cmpd="sng" algn="ctr">
+                      <a:solidFill>
+                        <a:schemeClr val="tx1"/>
+                      </a:solidFill>
+                      <a:prstDash val="solid"/>
+                      <a:round/>
+                      <a:headEnd type="none" w="med" len="med"/>
+                      <a:tailEnd type="none" w="med" len="med"/>
+                    </a:lnL>
+                    <a:lnR w="12700" cap="flat" cmpd="sng" algn="ctr">
+                      <a:solidFill>
+                        <a:schemeClr val="tx1"/>
+                      </a:solidFill>
+                      <a:prstDash val="solid"/>
+                      <a:round/>
+                      <a:headEnd type="none" w="med" len="med"/>
+                      <a:tailEnd type="none" w="med" len="med"/>
+                    </a:lnR>
+                    <a:lnT w="12700" cap="flat" cmpd="sng" algn="ctr">
+                      <a:solidFill>
+                        <a:schemeClr val="tx1"/>
+                      </a:solidFill>
+                      <a:prstDash val="solid"/>
+                      <a:round/>
+                      <a:headEnd type="none" w="med" len="med"/>
+                      <a:tailEnd type="none" w="med" len="med"/>
+                    </a:lnT>
+                    <a:lnB w="12700" cap="flat" cmpd="sng" algn="ctr">
+                      <a:solidFill>
+                        <a:schemeClr val="tx1"/>
+                      </a:solidFill>
+                      <a:prstDash val="solid"/>
+                      <a:round/>
+                      <a:headEnd type="none" w="med" len="med"/>
+                      <a:tailEnd type="none" w="med" len="med"/>
+                    </a:lnB>
+                    <a:noFill/>
+                  </a:tcPr>
+                </a:tc>
+                <a:tc>
+                  <a:txBody>
+                    <a:bodyPr/>
+                    <a:lstStyle/>
+                    <a:p>
+                      <a:r>
+                        <a:rPr lang="en-US" sz="1400"/>
+                        <a:t>Possible with complex change tracking enabled</a:t>
+                      </a:r>
+                      <a:endParaRPr lang="en-VN" sz="1400">
+                        <a:solidFill>
+                          <a:schemeClr val="tx1"/>
+                        </a:solidFill>
+                      </a:endParaRPr>
+                    </a:p>
+                  </a:txBody>
+                  <a:tcPr>
+                    <a:lnL w="12700" cap="flat" cmpd="sng" algn="ctr">
+                      <a:solidFill>
+                        <a:schemeClr val="tx1"/>
+                      </a:solidFill>
+                      <a:prstDash val="solid"/>
+                      <a:round/>
+                      <a:headEnd type="none" w="med" len="med"/>
+                      <a:tailEnd type="none" w="med" len="med"/>
+                    </a:lnL>
+                    <a:lnR w="12700" cap="flat" cmpd="sng" algn="ctr">
+                      <a:solidFill>
+                        <a:schemeClr val="tx1"/>
+                      </a:solidFill>
+                      <a:prstDash val="solid"/>
+                      <a:round/>
+                      <a:headEnd type="none" w="med" len="med"/>
+                      <a:tailEnd type="none" w="med" len="med"/>
+                    </a:lnR>
+                    <a:lnT w="12700" cap="flat" cmpd="sng" algn="ctr">
+                      <a:solidFill>
+                        <a:schemeClr val="tx1"/>
+                      </a:solidFill>
+                      <a:prstDash val="solid"/>
+                      <a:round/>
+                      <a:headEnd type="none" w="med" len="med"/>
+                      <a:tailEnd type="none" w="med" len="med"/>
+                    </a:lnT>
+                    <a:lnB w="12700" cap="flat" cmpd="sng" algn="ctr">
+                      <a:solidFill>
+                        <a:schemeClr val="tx1"/>
+                      </a:solidFill>
+                      <a:prstDash val="solid"/>
+                      <a:round/>
+                      <a:headEnd type="none" w="med" len="med"/>
+                      <a:tailEnd type="none" w="med" len="med"/>
+                    </a:lnB>
+                    <a:noFill/>
+                  </a:tcPr>
+                </a:tc>
+                <a:tc>
+                  <a:txBody>
+                    <a:bodyPr/>
+                    <a:lstStyle/>
+                    <a:p>
+                      <a:endParaRPr lang="en-VN" sz="1400">
+                        <a:solidFill>
+                          <a:schemeClr val="tx1"/>
+                        </a:solidFill>
+                      </a:endParaRPr>
+                    </a:p>
+                  </a:txBody>
+                  <a:tcPr>
+                    <a:lnL w="12700" cap="flat" cmpd="sng" algn="ctr">
+                      <a:solidFill>
+                        <a:schemeClr val="tx1"/>
+                      </a:solidFill>
+                      <a:prstDash val="solid"/>
+                      <a:round/>
+                      <a:headEnd type="none" w="med" len="med"/>
+                      <a:tailEnd type="none" w="med" len="med"/>
+                    </a:lnL>
+                    <a:lnR w="12700" cap="flat" cmpd="sng" algn="ctr">
+                      <a:solidFill>
+                        <a:schemeClr val="tx1"/>
+                      </a:solidFill>
+                      <a:prstDash val="solid"/>
+                      <a:round/>
+                      <a:headEnd type="none" w="med" len="med"/>
+                      <a:tailEnd type="none" w="med" len="med"/>
+                    </a:lnR>
+                    <a:lnT w="12700" cap="flat" cmpd="sng" algn="ctr">
+                      <a:solidFill>
+                        <a:schemeClr val="tx1"/>
+                      </a:solidFill>
+                      <a:prstDash val="solid"/>
+                      <a:round/>
+                      <a:headEnd type="none" w="med" len="med"/>
+                      <a:tailEnd type="none" w="med" len="med"/>
+                    </a:lnT>
+                    <a:lnB w="12700" cap="flat" cmpd="sng" algn="ctr">
+                      <a:solidFill>
+                        <a:schemeClr val="tx1"/>
+                      </a:solidFill>
+                      <a:prstDash val="solid"/>
+                      <a:round/>
+                      <a:headEnd type="none" w="med" len="med"/>
+                      <a:tailEnd type="none" w="med" len="med"/>
+                    </a:lnB>
+                    <a:noFill/>
+                  </a:tcPr>
+                </a:tc>
+                <a:tc>
+                  <a:txBody>
+                    <a:bodyPr/>
+                    <a:lstStyle/>
+                    <a:p>
+                      <a:endParaRPr lang="en-VN" sz="1400">
+                        <a:solidFill>
+                          <a:schemeClr val="tx1"/>
+                        </a:solidFill>
+                      </a:endParaRPr>
+                    </a:p>
+                  </a:txBody>
+                  <a:tcPr>
+                    <a:lnL w="12700" cap="flat" cmpd="sng" algn="ctr">
+                      <a:solidFill>
+                        <a:schemeClr val="tx1"/>
+                      </a:solidFill>
+                      <a:prstDash val="solid"/>
+                      <a:round/>
+                      <a:headEnd type="none" w="med" len="med"/>
+                      <a:tailEnd type="none" w="med" len="med"/>
+                    </a:lnL>
+                    <a:lnR w="12700" cap="flat" cmpd="sng" algn="ctr">
+                      <a:solidFill>
+                        <a:schemeClr val="tx1"/>
+                      </a:solidFill>
+                      <a:prstDash val="solid"/>
+                      <a:round/>
+                      <a:headEnd type="none" w="med" len="med"/>
+                      <a:tailEnd type="none" w="med" len="med"/>
+                    </a:lnR>
+                    <a:lnT w="12700" cap="flat" cmpd="sng" algn="ctr">
+                      <a:solidFill>
+                        <a:schemeClr val="tx1"/>
+                      </a:solidFill>
+                      <a:prstDash val="solid"/>
+                      <a:round/>
+                      <a:headEnd type="none" w="med" len="med"/>
+                      <a:tailEnd type="none" w="med" len="med"/>
+                    </a:lnT>
+                    <a:lnB w="12700" cap="flat" cmpd="sng" algn="ctr">
+                      <a:solidFill>
+                        <a:schemeClr val="tx1"/>
+                      </a:solidFill>
+                      <a:prstDash val="solid"/>
+                      <a:round/>
+                      <a:headEnd type="none" w="med" len="med"/>
+                      <a:tailEnd type="none" w="med" len="med"/>
+                    </a:lnB>
+                    <a:noFill/>
+                  </a:tcPr>
+                </a:tc>
+                <a:tc>
+                  <a:txBody>
+                    <a:bodyPr/>
+                    <a:lstStyle/>
+                    <a:p>
+                      <a:r>
+                        <a:rPr lang="en-VN" sz="1400">
+                          <a:solidFill>
+                            <a:schemeClr val="tx1"/>
+                          </a:solidFill>
+                        </a:rPr>
+                        <a:t>x</a:t>
+                      </a:r>
+                    </a:p>
+                  </a:txBody>
+                  <a:tcPr>
+                    <a:lnL w="12700" cap="flat" cmpd="sng" algn="ctr">
+                      <a:solidFill>
+                        <a:schemeClr val="tx1"/>
+                      </a:solidFill>
+                      <a:prstDash val="solid"/>
+                      <a:round/>
+                      <a:headEnd type="none" w="med" len="med"/>
+                      <a:tailEnd type="none" w="med" len="med"/>
+                    </a:lnL>
+                    <a:lnR w="12700" cap="flat" cmpd="sng" algn="ctr">
+                      <a:solidFill>
+                        <a:schemeClr val="tx1"/>
+                      </a:solidFill>
+                      <a:prstDash val="solid"/>
+                      <a:round/>
+                      <a:headEnd type="none" w="med" len="med"/>
+                      <a:tailEnd type="none" w="med" len="med"/>
+                    </a:lnR>
+                    <a:lnT w="12700" cap="flat" cmpd="sng" algn="ctr">
+                      <a:solidFill>
+                        <a:schemeClr val="tx1"/>
+                      </a:solidFill>
+                      <a:prstDash val="solid"/>
+                      <a:round/>
+                      <a:headEnd type="none" w="med" len="med"/>
+                      <a:tailEnd type="none" w="med" len="med"/>
+                    </a:lnT>
+                    <a:lnB w="12700" cap="flat" cmpd="sng" algn="ctr">
+                      <a:solidFill>
+                        <a:schemeClr val="tx1"/>
+                      </a:solidFill>
+                      <a:prstDash val="solid"/>
+                      <a:round/>
+                      <a:headEnd type="none" w="med" len="med"/>
+                      <a:tailEnd type="none" w="med" len="med"/>
+                    </a:lnB>
+                    <a:noFill/>
+                  </a:tcPr>
+                </a:tc>
+                <a:extLst>
+                  <a:ext uri="{0D108BD9-81ED-4DB2-BD59-A6C34878D82A}">
+                    <a16:rowId xmlns:a16="http://schemas.microsoft.com/office/drawing/2014/main" val="2428569867"/>
+                  </a:ext>
+                </a:extLst>
+              </a:tr>
+              <a:tr h="370840">
+                <a:tc>
+                  <a:txBody>
+                    <a:bodyPr/>
+                    <a:lstStyle/>
+                    <a:p>
+                      <a:r>
+                        <a:rPr lang="en-US" sz="1400"/>
+                        <a:t>Release size</a:t>
+                      </a:r>
+                      <a:endParaRPr lang="en-VN" sz="1400">
+                        <a:solidFill>
+                          <a:schemeClr val="tx1"/>
+                        </a:solidFill>
+                      </a:endParaRPr>
+                    </a:p>
+                  </a:txBody>
+                  <a:tcPr>
+                    <a:lnL w="12700" cap="flat" cmpd="sng" algn="ctr">
+                      <a:solidFill>
+                        <a:schemeClr val="tx1"/>
+                      </a:solidFill>
+                      <a:prstDash val="solid"/>
+                      <a:round/>
+                      <a:headEnd type="none" w="med" len="med"/>
+                      <a:tailEnd type="none" w="med" len="med"/>
+                    </a:lnL>
+                    <a:lnR w="12700" cap="flat" cmpd="sng" algn="ctr">
+                      <a:solidFill>
+                        <a:schemeClr val="tx1"/>
+                      </a:solidFill>
+                      <a:prstDash val="solid"/>
+                      <a:round/>
+                      <a:headEnd type="none" w="med" len="med"/>
+                      <a:tailEnd type="none" w="med" len="med"/>
+                    </a:lnR>
+                    <a:lnT w="12700" cap="flat" cmpd="sng" algn="ctr">
+                      <a:solidFill>
+                        <a:schemeClr val="tx1"/>
+                      </a:solidFill>
+                      <a:prstDash val="solid"/>
+                      <a:round/>
+                      <a:headEnd type="none" w="med" len="med"/>
+                      <a:tailEnd type="none" w="med" len="med"/>
+                    </a:lnT>
+                    <a:lnB w="12700" cap="flat" cmpd="sng" algn="ctr">
+                      <a:solidFill>
+                        <a:schemeClr val="tx1"/>
+                      </a:solidFill>
+                      <a:prstDash val="solid"/>
+                      <a:round/>
+                      <a:headEnd type="none" w="med" len="med"/>
+                      <a:tailEnd type="none" w="med" len="med"/>
+                    </a:lnB>
+                    <a:noFill/>
+                  </a:tcPr>
+                </a:tc>
+                <a:tc>
+                  <a:txBody>
+                    <a:bodyPr/>
+                    <a:lstStyle/>
+                    <a:p>
+                      <a:r>
+                        <a:rPr lang="en-VN" sz="1400">
+                          <a:solidFill>
+                            <a:schemeClr val="tx1"/>
+                          </a:solidFill>
+                        </a:rPr>
+                        <a:t>x</a:t>
+                      </a:r>
+                    </a:p>
+                  </a:txBody>
+                  <a:tcPr>
+                    <a:lnL w="12700" cap="flat" cmpd="sng" algn="ctr">
+                      <a:solidFill>
+                        <a:schemeClr val="tx1"/>
+                      </a:solidFill>
+                      <a:prstDash val="solid"/>
+                      <a:round/>
+                      <a:headEnd type="none" w="med" len="med"/>
+                      <a:tailEnd type="none" w="med" len="med"/>
+                    </a:lnL>
+                    <a:lnR w="12700" cap="flat" cmpd="sng" algn="ctr">
+                      <a:solidFill>
+                        <a:schemeClr val="tx1"/>
+                      </a:solidFill>
+                      <a:prstDash val="solid"/>
+                      <a:round/>
+                      <a:headEnd type="none" w="med" len="med"/>
+                      <a:tailEnd type="none" w="med" len="med"/>
+                    </a:lnR>
+                    <a:lnT w="12700" cap="flat" cmpd="sng" algn="ctr">
+                      <a:solidFill>
+                        <a:schemeClr val="tx1"/>
+                      </a:solidFill>
+                      <a:prstDash val="solid"/>
+                      <a:round/>
+                      <a:headEnd type="none" w="med" len="med"/>
+                      <a:tailEnd type="none" w="med" len="med"/>
+                    </a:lnT>
+                    <a:lnB w="12700" cap="flat" cmpd="sng" algn="ctr">
+                      <a:solidFill>
+                        <a:schemeClr val="tx1"/>
+                      </a:solidFill>
+                      <a:prstDash val="solid"/>
+                      <a:round/>
+                      <a:headEnd type="none" w="med" len="med"/>
+                      <a:tailEnd type="none" w="med" len="med"/>
+                    </a:lnB>
+                    <a:noFill/>
+                  </a:tcPr>
+                </a:tc>
+                <a:tc>
+                  <a:txBody>
+                    <a:bodyPr/>
+                    <a:lstStyle/>
+                    <a:p>
+                      <a:r>
+                        <a:rPr lang="en-VN" sz="1400">
+                          <a:solidFill>
+                            <a:schemeClr val="tx1"/>
+                          </a:solidFill>
+                        </a:rPr>
+                        <a:t>x</a:t>
+                      </a:r>
+                    </a:p>
+                  </a:txBody>
+                  <a:tcPr>
+                    <a:lnL w="12700" cap="flat" cmpd="sng" algn="ctr">
+                      <a:solidFill>
+                        <a:schemeClr val="tx1"/>
+                      </a:solidFill>
+                      <a:prstDash val="solid"/>
+                      <a:round/>
+                      <a:headEnd type="none" w="med" len="med"/>
+                      <a:tailEnd type="none" w="med" len="med"/>
+                    </a:lnL>
+                    <a:lnR w="12700" cap="flat" cmpd="sng" algn="ctr">
+                      <a:solidFill>
+                        <a:schemeClr val="tx1"/>
+                      </a:solidFill>
+                      <a:prstDash val="solid"/>
+                      <a:round/>
+                      <a:headEnd type="none" w="med" len="med"/>
+                      <a:tailEnd type="none" w="med" len="med"/>
+                    </a:lnR>
+                    <a:lnT w="12700" cap="flat" cmpd="sng" algn="ctr">
+                      <a:solidFill>
+                        <a:schemeClr val="tx1"/>
+                      </a:solidFill>
+                      <a:prstDash val="solid"/>
+                      <a:round/>
+                      <a:headEnd type="none" w="med" len="med"/>
+                      <a:tailEnd type="none" w="med" len="med"/>
+                    </a:lnT>
+                    <a:lnB w="12700" cap="flat" cmpd="sng" algn="ctr">
+                      <a:solidFill>
+                        <a:schemeClr val="tx1"/>
+                      </a:solidFill>
+                      <a:prstDash val="solid"/>
+                      <a:round/>
+                      <a:headEnd type="none" w="med" len="med"/>
+                      <a:tailEnd type="none" w="med" len="med"/>
+                    </a:lnB>
+                    <a:noFill/>
+                  </a:tcPr>
+                </a:tc>
+                <a:tc>
+                  <a:txBody>
+                    <a:bodyPr/>
+                    <a:lstStyle/>
+                    <a:p>
+                      <a:r>
+                        <a:rPr lang="en-VN" sz="1400">
+                          <a:solidFill>
+                            <a:schemeClr val="tx1"/>
+                          </a:solidFill>
+                        </a:rPr>
+                        <a:t>x</a:t>
+                      </a:r>
+                    </a:p>
+                  </a:txBody>
+                  <a:tcPr>
+                    <a:lnL w="12700" cap="flat" cmpd="sng" algn="ctr">
+                      <a:solidFill>
+                        <a:schemeClr val="tx1"/>
+                      </a:solidFill>
+                      <a:prstDash val="solid"/>
+                      <a:round/>
+                      <a:headEnd type="none" w="med" len="med"/>
+                      <a:tailEnd type="none" w="med" len="med"/>
+                    </a:lnL>
+                    <a:lnR w="12700" cap="flat" cmpd="sng" algn="ctr">
+                      <a:solidFill>
+                        <a:schemeClr val="tx1"/>
+                      </a:solidFill>
+                      <a:prstDash val="solid"/>
+                      <a:round/>
+                      <a:headEnd type="none" w="med" len="med"/>
+                      <a:tailEnd type="none" w="med" len="med"/>
+                    </a:lnR>
+                    <a:lnT w="12700" cap="flat" cmpd="sng" algn="ctr">
+                      <a:solidFill>
+                        <a:schemeClr val="tx1"/>
+                      </a:solidFill>
+                      <a:prstDash val="solid"/>
+                      <a:round/>
+                      <a:headEnd type="none" w="med" len="med"/>
+                      <a:tailEnd type="none" w="med" len="med"/>
+                    </a:lnT>
+                    <a:lnB w="12700" cap="flat" cmpd="sng" algn="ctr">
+                      <a:solidFill>
+                        <a:schemeClr val="tx1"/>
+                      </a:solidFill>
+                      <a:prstDash val="solid"/>
+                      <a:round/>
+                      <a:headEnd type="none" w="med" len="med"/>
+                      <a:tailEnd type="none" w="med" len="med"/>
+                    </a:lnB>
+                    <a:noFill/>
+                  </a:tcPr>
+                </a:tc>
+                <a:tc>
+                  <a:txBody>
+                    <a:bodyPr/>
+                    <a:lstStyle/>
+                    <a:p>
+                      <a:r>
+                        <a:rPr lang="en-VN" sz="1400">
+                          <a:solidFill>
+                            <a:schemeClr val="tx1"/>
+                          </a:solidFill>
+                        </a:rPr>
+                        <a:t>x</a:t>
+                      </a:r>
+                    </a:p>
+                  </a:txBody>
+                  <a:tcPr>
+                    <a:lnL w="12700" cap="flat" cmpd="sng" algn="ctr">
+                      <a:solidFill>
+                        <a:schemeClr val="tx1"/>
+                      </a:solidFill>
+                      <a:prstDash val="solid"/>
+                      <a:round/>
+                      <a:headEnd type="none" w="med" len="med"/>
+                      <a:tailEnd type="none" w="med" len="med"/>
+                    </a:lnL>
+                    <a:lnR w="12700" cap="flat" cmpd="sng" algn="ctr">
+                      <a:solidFill>
+                        <a:schemeClr val="tx1"/>
+                      </a:solidFill>
+                      <a:prstDash val="solid"/>
+                      <a:round/>
+                      <a:headEnd type="none" w="med" len="med"/>
+                      <a:tailEnd type="none" w="med" len="med"/>
+                    </a:lnR>
+                    <a:lnT w="12700" cap="flat" cmpd="sng" algn="ctr">
+                      <a:solidFill>
+                        <a:schemeClr val="tx1"/>
+                      </a:solidFill>
+                      <a:prstDash val="solid"/>
+                      <a:round/>
+                      <a:headEnd type="none" w="med" len="med"/>
+                      <a:tailEnd type="none" w="med" len="med"/>
+                    </a:lnT>
+                    <a:lnB w="12700" cap="flat" cmpd="sng" algn="ctr">
+                      <a:solidFill>
+                        <a:schemeClr val="tx1"/>
+                      </a:solidFill>
+                      <a:prstDash val="solid"/>
+                      <a:round/>
+                      <a:headEnd type="none" w="med" len="med"/>
+                      <a:tailEnd type="none" w="med" len="med"/>
+                    </a:lnB>
+                    <a:noFill/>
+                  </a:tcPr>
+                </a:tc>
+                <a:extLst>
+                  <a:ext uri="{0D108BD9-81ED-4DB2-BD59-A6C34878D82A}">
+                    <a16:rowId xmlns:a16="http://schemas.microsoft.com/office/drawing/2014/main" val="2677012845"/>
+                  </a:ext>
+                </a:extLst>
+              </a:tr>
+              <a:tr h="370840">
+                <a:tc>
+                  <a:txBody>
+                    <a:bodyPr/>
+                    <a:lstStyle/>
+                    <a:p>
+                      <a:r>
+                        <a:rPr lang="en-US" sz="1400"/>
+                        <a:t>Requirement expansion profile</a:t>
+                      </a:r>
+                      <a:endParaRPr lang="en-VN" sz="1400">
+                        <a:solidFill>
+                          <a:schemeClr val="tx1"/>
+                        </a:solidFill>
+                      </a:endParaRPr>
+                    </a:p>
+                  </a:txBody>
+                  <a:tcPr>
+                    <a:lnL w="12700" cap="flat" cmpd="sng" algn="ctr">
+                      <a:solidFill>
+                        <a:schemeClr val="tx1"/>
+                      </a:solidFill>
+                      <a:prstDash val="solid"/>
+                      <a:round/>
+                      <a:headEnd type="none" w="med" len="med"/>
+                      <a:tailEnd type="none" w="med" len="med"/>
+                    </a:lnL>
+                    <a:lnR w="12700" cap="flat" cmpd="sng" algn="ctr">
+                      <a:solidFill>
+                        <a:schemeClr val="tx1"/>
+                      </a:solidFill>
+                      <a:prstDash val="solid"/>
+                      <a:round/>
+                      <a:headEnd type="none" w="med" len="med"/>
+                      <a:tailEnd type="none" w="med" len="med"/>
+                    </a:lnR>
+                    <a:lnT w="12700" cap="flat" cmpd="sng" algn="ctr">
+                      <a:solidFill>
+                        <a:schemeClr val="tx1"/>
+                      </a:solidFill>
+                      <a:prstDash val="solid"/>
+                      <a:round/>
+                      <a:headEnd type="none" w="med" len="med"/>
+                      <a:tailEnd type="none" w="med" len="med"/>
+                    </a:lnT>
+                    <a:lnB w="12700" cap="flat" cmpd="sng" algn="ctr">
+                      <a:solidFill>
+                        <a:schemeClr val="tx1"/>
+                      </a:solidFill>
+                      <a:prstDash val="solid"/>
+                      <a:round/>
+                      <a:headEnd type="none" w="med" len="med"/>
+                      <a:tailEnd type="none" w="med" len="med"/>
+                    </a:lnB>
+                    <a:noFill/>
+                  </a:tcPr>
+                </a:tc>
+                <a:tc>
+                  <a:txBody>
+                    <a:bodyPr/>
+                    <a:lstStyle/>
+                    <a:p>
+                      <a:endParaRPr lang="en-VN" sz="1400">
+                        <a:solidFill>
+                          <a:schemeClr val="tx1"/>
+                        </a:solidFill>
+                      </a:endParaRPr>
+                    </a:p>
+                  </a:txBody>
+                  <a:tcPr>
+                    <a:lnL w="12700" cap="flat" cmpd="sng" algn="ctr">
+                      <a:solidFill>
+                        <a:schemeClr val="tx1"/>
+                      </a:solidFill>
+                      <a:prstDash val="solid"/>
+                      <a:round/>
+                      <a:headEnd type="none" w="med" len="med"/>
+                      <a:tailEnd type="none" w="med" len="med"/>
+                    </a:lnL>
+                    <a:lnR w="12700" cap="flat" cmpd="sng" algn="ctr">
+                      <a:solidFill>
+                        <a:schemeClr val="tx1"/>
+                      </a:solidFill>
+                      <a:prstDash val="solid"/>
+                      <a:round/>
+                      <a:headEnd type="none" w="med" len="med"/>
+                      <a:tailEnd type="none" w="med" len="med"/>
+                    </a:lnR>
+                    <a:lnT w="12700" cap="flat" cmpd="sng" algn="ctr">
+                      <a:solidFill>
+                        <a:schemeClr val="tx1"/>
+                      </a:solidFill>
+                      <a:prstDash val="solid"/>
+                      <a:round/>
+                      <a:headEnd type="none" w="med" len="med"/>
+                      <a:tailEnd type="none" w="med" len="med"/>
+                    </a:lnT>
+                    <a:lnB w="12700" cap="flat" cmpd="sng" algn="ctr">
+                      <a:solidFill>
+                        <a:schemeClr val="tx1"/>
+                      </a:solidFill>
+                      <a:prstDash val="solid"/>
+                      <a:round/>
+                      <a:headEnd type="none" w="med" len="med"/>
+                      <a:tailEnd type="none" w="med" len="med"/>
+                    </a:lnB>
+                    <a:noFill/>
+                  </a:tcPr>
+                </a:tc>
+                <a:tc>
+                  <a:txBody>
+                    <a:bodyPr/>
+                    <a:lstStyle/>
+                    <a:p>
+                      <a:endParaRPr lang="en-VN" sz="1400">
+                        <a:solidFill>
+                          <a:schemeClr val="tx1"/>
+                        </a:solidFill>
+                      </a:endParaRPr>
+                    </a:p>
+                  </a:txBody>
+                  <a:tcPr>
+                    <a:lnL w="12700" cap="flat" cmpd="sng" algn="ctr">
+                      <a:solidFill>
+                        <a:schemeClr val="tx1"/>
+                      </a:solidFill>
+                      <a:prstDash val="solid"/>
+                      <a:round/>
+                      <a:headEnd type="none" w="med" len="med"/>
+                      <a:tailEnd type="none" w="med" len="med"/>
+                    </a:lnL>
+                    <a:lnR w="12700" cap="flat" cmpd="sng" algn="ctr">
+                      <a:solidFill>
+                        <a:schemeClr val="tx1"/>
+                      </a:solidFill>
+                      <a:prstDash val="solid"/>
+                      <a:round/>
+                      <a:headEnd type="none" w="med" len="med"/>
+                      <a:tailEnd type="none" w="med" len="med"/>
+                    </a:lnR>
+                    <a:lnT w="12700" cap="flat" cmpd="sng" algn="ctr">
+                      <a:solidFill>
+                        <a:schemeClr val="tx1"/>
+                      </a:solidFill>
+                      <a:prstDash val="solid"/>
+                      <a:round/>
+                      <a:headEnd type="none" w="med" len="med"/>
+                      <a:tailEnd type="none" w="med" len="med"/>
+                    </a:lnT>
+                    <a:lnB w="12700" cap="flat" cmpd="sng" algn="ctr">
+                      <a:solidFill>
+                        <a:schemeClr val="tx1"/>
+                      </a:solidFill>
+                      <a:prstDash val="solid"/>
+                      <a:round/>
+                      <a:headEnd type="none" w="med" len="med"/>
+                      <a:tailEnd type="none" w="med" len="med"/>
+                    </a:lnB>
+                    <a:noFill/>
+                  </a:tcPr>
+                </a:tc>
+                <a:tc>
+                  <a:txBody>
+                    <a:bodyPr/>
+                    <a:lstStyle/>
+                    <a:p>
+                      <a:r>
+                        <a:rPr lang="en-VN" sz="1400">
+                          <a:solidFill>
+                            <a:schemeClr val="tx1"/>
+                          </a:solidFill>
+                        </a:rPr>
+                        <a:t>x</a:t>
+                      </a:r>
+                    </a:p>
+                  </a:txBody>
+                  <a:tcPr>
+                    <a:lnL w="12700" cap="flat" cmpd="sng" algn="ctr">
+                      <a:solidFill>
+                        <a:schemeClr val="tx1"/>
+                      </a:solidFill>
+                      <a:prstDash val="solid"/>
+                      <a:round/>
+                      <a:headEnd type="none" w="med" len="med"/>
+                      <a:tailEnd type="none" w="med" len="med"/>
+                    </a:lnL>
+                    <a:lnR w="12700" cap="flat" cmpd="sng" algn="ctr">
+                      <a:solidFill>
+                        <a:schemeClr val="tx1"/>
+                      </a:solidFill>
+                      <a:prstDash val="solid"/>
+                      <a:round/>
+                      <a:headEnd type="none" w="med" len="med"/>
+                      <a:tailEnd type="none" w="med" len="med"/>
+                    </a:lnR>
+                    <a:lnT w="12700" cap="flat" cmpd="sng" algn="ctr">
+                      <a:solidFill>
+                        <a:schemeClr val="tx1"/>
+                      </a:solidFill>
+                      <a:prstDash val="solid"/>
+                      <a:round/>
+                      <a:headEnd type="none" w="med" len="med"/>
+                      <a:tailEnd type="none" w="med" len="med"/>
+                    </a:lnT>
+                    <a:lnB w="12700" cap="flat" cmpd="sng" algn="ctr">
+                      <a:solidFill>
+                        <a:schemeClr val="tx1"/>
+                      </a:solidFill>
+                      <a:prstDash val="solid"/>
+                      <a:round/>
+                      <a:headEnd type="none" w="med" len="med"/>
+                      <a:tailEnd type="none" w="med" len="med"/>
+                    </a:lnB>
+                    <a:noFill/>
+                  </a:tcPr>
+                </a:tc>
+                <a:tc>
+                  <a:txBody>
+                    <a:bodyPr/>
+                    <a:lstStyle/>
+                    <a:p>
+                      <a:r>
+                        <a:rPr lang="en-VN" sz="1400">
+                          <a:solidFill>
+                            <a:schemeClr val="tx1"/>
+                          </a:solidFill>
+                        </a:rPr>
+                        <a:t>x</a:t>
+                      </a:r>
+                    </a:p>
+                  </a:txBody>
+                  <a:tcPr>
+                    <a:lnL w="12700" cap="flat" cmpd="sng" algn="ctr">
+                      <a:solidFill>
+                        <a:schemeClr val="tx1"/>
+                      </a:solidFill>
+                      <a:prstDash val="solid"/>
+                      <a:round/>
+                      <a:headEnd type="none" w="med" len="med"/>
+                      <a:tailEnd type="none" w="med" len="med"/>
+                    </a:lnL>
+                    <a:lnR w="12700" cap="flat" cmpd="sng" algn="ctr">
+                      <a:solidFill>
+                        <a:schemeClr val="tx1"/>
+                      </a:solidFill>
+                      <a:prstDash val="solid"/>
+                      <a:round/>
+                      <a:headEnd type="none" w="med" len="med"/>
+                      <a:tailEnd type="none" w="med" len="med"/>
+                    </a:lnR>
+                    <a:lnT w="12700" cap="flat" cmpd="sng" algn="ctr">
+                      <a:solidFill>
+                        <a:schemeClr val="tx1"/>
+                      </a:solidFill>
+                      <a:prstDash val="solid"/>
+                      <a:round/>
+                      <a:headEnd type="none" w="med" len="med"/>
+                      <a:tailEnd type="none" w="med" len="med"/>
+                    </a:lnT>
+                    <a:lnB w="12700" cap="flat" cmpd="sng" algn="ctr">
+                      <a:solidFill>
+                        <a:schemeClr val="tx1"/>
+                      </a:solidFill>
+                      <a:prstDash val="solid"/>
+                      <a:round/>
+                      <a:headEnd type="none" w="med" len="med"/>
+                      <a:tailEnd type="none" w="med" len="med"/>
+                    </a:lnB>
+                    <a:noFill/>
+                  </a:tcPr>
+                </a:tc>
+                <a:extLst>
+                  <a:ext uri="{0D108BD9-81ED-4DB2-BD59-A6C34878D82A}">
+                    <a16:rowId xmlns:a16="http://schemas.microsoft.com/office/drawing/2014/main" val="3753378456"/>
+                  </a:ext>
+                </a:extLst>
+              </a:tr>
+              <a:tr h="370840">
+                <a:tc>
+                  <a:txBody>
+                    <a:bodyPr/>
+                    <a:lstStyle/>
+                    <a:p>
+                      <a:r>
+                        <a:rPr lang="en-US" sz="1400"/>
+                        <a:t>Requirements verification</a:t>
+                      </a:r>
+                      <a:endParaRPr lang="en-VN" sz="1400">
+                        <a:solidFill>
+                          <a:schemeClr val="tx1"/>
+                        </a:solidFill>
+                      </a:endParaRPr>
+                    </a:p>
+                  </a:txBody>
+                  <a:tcPr>
+                    <a:lnL w="12700" cap="flat" cmpd="sng" algn="ctr">
+                      <a:solidFill>
+                        <a:schemeClr val="tx1"/>
+                      </a:solidFill>
+                      <a:prstDash val="solid"/>
+                      <a:round/>
+                      <a:headEnd type="none" w="med" len="med"/>
+                      <a:tailEnd type="none" w="med" len="med"/>
+                    </a:lnL>
+                    <a:lnR w="12700" cap="flat" cmpd="sng" algn="ctr">
+                      <a:solidFill>
+                        <a:schemeClr val="tx1"/>
+                      </a:solidFill>
+                      <a:prstDash val="solid"/>
+                      <a:round/>
+                      <a:headEnd type="none" w="med" len="med"/>
+                      <a:tailEnd type="none" w="med" len="med"/>
+                    </a:lnR>
+                    <a:lnT w="12700" cap="flat" cmpd="sng" algn="ctr">
+                      <a:solidFill>
+                        <a:schemeClr val="tx1"/>
+                      </a:solidFill>
+                      <a:prstDash val="solid"/>
+                      <a:round/>
+                      <a:headEnd type="none" w="med" len="med"/>
+                      <a:tailEnd type="none" w="med" len="med"/>
+                    </a:lnT>
+                    <a:lnB w="12700" cap="flat" cmpd="sng" algn="ctr">
+                      <a:solidFill>
+                        <a:schemeClr val="tx1"/>
+                      </a:solidFill>
+                      <a:prstDash val="solid"/>
+                      <a:round/>
+                      <a:headEnd type="none" w="med" len="med"/>
+                      <a:tailEnd type="none" w="med" len="med"/>
+                    </a:lnB>
+                    <a:noFill/>
+                  </a:tcPr>
+                </a:tc>
+                <a:tc>
+                  <a:txBody>
+                    <a:bodyPr/>
+                    <a:lstStyle/>
+                    <a:p>
+                      <a:endParaRPr lang="en-VN" sz="1400">
+                        <a:solidFill>
+                          <a:schemeClr val="tx1"/>
+                        </a:solidFill>
+                      </a:endParaRPr>
+                    </a:p>
+                  </a:txBody>
+                  <a:tcPr>
+                    <a:lnL w="12700" cap="flat" cmpd="sng" algn="ctr">
+                      <a:solidFill>
+                        <a:schemeClr val="tx1"/>
+                      </a:solidFill>
+                      <a:prstDash val="solid"/>
+                      <a:round/>
+                      <a:headEnd type="none" w="med" len="med"/>
+                      <a:tailEnd type="none" w="med" len="med"/>
+                    </a:lnL>
+                    <a:lnR w="12700" cap="flat" cmpd="sng" algn="ctr">
+                      <a:solidFill>
+                        <a:schemeClr val="tx1"/>
+                      </a:solidFill>
+                      <a:prstDash val="solid"/>
+                      <a:round/>
+                      <a:headEnd type="none" w="med" len="med"/>
+                      <a:tailEnd type="none" w="med" len="med"/>
+                    </a:lnR>
+                    <a:lnT w="12700" cap="flat" cmpd="sng" algn="ctr">
+                      <a:solidFill>
+                        <a:schemeClr val="tx1"/>
+                      </a:solidFill>
+                      <a:prstDash val="solid"/>
+                      <a:round/>
+                      <a:headEnd type="none" w="med" len="med"/>
+                      <a:tailEnd type="none" w="med" len="med"/>
+                    </a:lnT>
+                    <a:lnB w="12700" cap="flat" cmpd="sng" algn="ctr">
+                      <a:solidFill>
+                        <a:schemeClr val="tx1"/>
+                      </a:solidFill>
+                      <a:prstDash val="solid"/>
+                      <a:round/>
+                      <a:headEnd type="none" w="med" len="med"/>
+                      <a:tailEnd type="none" w="med" len="med"/>
+                    </a:lnB>
+                    <a:noFill/>
+                  </a:tcPr>
+                </a:tc>
+                <a:tc>
+                  <a:txBody>
+                    <a:bodyPr/>
+                    <a:lstStyle/>
+                    <a:p>
+                      <a:endParaRPr lang="en-VN" sz="1400">
+                        <a:solidFill>
+                          <a:schemeClr val="tx1"/>
+                        </a:solidFill>
+                      </a:endParaRPr>
+                    </a:p>
+                  </a:txBody>
+                  <a:tcPr>
+                    <a:lnL w="12700" cap="flat" cmpd="sng" algn="ctr">
+                      <a:solidFill>
+                        <a:schemeClr val="tx1"/>
+                      </a:solidFill>
+                      <a:prstDash val="solid"/>
+                      <a:round/>
+                      <a:headEnd type="none" w="med" len="med"/>
+                      <a:tailEnd type="none" w="med" len="med"/>
+                    </a:lnL>
+                    <a:lnR w="12700" cap="flat" cmpd="sng" algn="ctr">
+                      <a:solidFill>
+                        <a:schemeClr val="tx1"/>
+                      </a:solidFill>
+                      <a:prstDash val="solid"/>
+                      <a:round/>
+                      <a:headEnd type="none" w="med" len="med"/>
+                      <a:tailEnd type="none" w="med" len="med"/>
+                    </a:lnR>
+                    <a:lnT w="12700" cap="flat" cmpd="sng" algn="ctr">
+                      <a:solidFill>
+                        <a:schemeClr val="tx1"/>
+                      </a:solidFill>
+                      <a:prstDash val="solid"/>
+                      <a:round/>
+                      <a:headEnd type="none" w="med" len="med"/>
+                      <a:tailEnd type="none" w="med" len="med"/>
+                    </a:lnT>
+                    <a:lnB w="12700" cap="flat" cmpd="sng" algn="ctr">
+                      <a:solidFill>
+                        <a:schemeClr val="tx1"/>
+                      </a:solidFill>
+                      <a:prstDash val="solid"/>
+                      <a:round/>
+                      <a:headEnd type="none" w="med" len="med"/>
+                      <a:tailEnd type="none" w="med" len="med"/>
+                    </a:lnB>
+                    <a:noFill/>
+                  </a:tcPr>
+                </a:tc>
+                <a:tc>
+                  <a:txBody>
+                    <a:bodyPr/>
+                    <a:lstStyle/>
+                    <a:p>
+                      <a:r>
+                        <a:rPr lang="en-US" sz="1400"/>
+                        <a:t>Possible</a:t>
+                      </a:r>
+                      <a:endParaRPr lang="en-VN" sz="1400">
+                        <a:solidFill>
+                          <a:schemeClr val="tx1"/>
+                        </a:solidFill>
+                      </a:endParaRPr>
+                    </a:p>
+                  </a:txBody>
+                  <a:tcPr>
+                    <a:lnL w="12700" cap="flat" cmpd="sng" algn="ctr">
+                      <a:solidFill>
+                        <a:schemeClr val="tx1"/>
+                      </a:solidFill>
+                      <a:prstDash val="solid"/>
+                      <a:round/>
+                      <a:headEnd type="none" w="med" len="med"/>
+                      <a:tailEnd type="none" w="med" len="med"/>
+                    </a:lnL>
+                    <a:lnR w="12700" cap="flat" cmpd="sng" algn="ctr">
+                      <a:solidFill>
+                        <a:schemeClr val="tx1"/>
+                      </a:solidFill>
+                      <a:prstDash val="solid"/>
+                      <a:round/>
+                      <a:headEnd type="none" w="med" len="med"/>
+                      <a:tailEnd type="none" w="med" len="med"/>
+                    </a:lnR>
+                    <a:lnT w="12700" cap="flat" cmpd="sng" algn="ctr">
+                      <a:solidFill>
+                        <a:schemeClr val="tx1"/>
+                      </a:solidFill>
+                      <a:prstDash val="solid"/>
+                      <a:round/>
+                      <a:headEnd type="none" w="med" len="med"/>
+                      <a:tailEnd type="none" w="med" len="med"/>
+                    </a:lnT>
+                    <a:lnB w="12700" cap="flat" cmpd="sng" algn="ctr">
+                      <a:solidFill>
+                        <a:schemeClr val="tx1"/>
+                      </a:solidFill>
+                      <a:prstDash val="solid"/>
+                      <a:round/>
+                      <a:headEnd type="none" w="med" len="med"/>
+                      <a:tailEnd type="none" w="med" len="med"/>
+                    </a:lnB>
+                    <a:noFill/>
+                  </a:tcPr>
+                </a:tc>
+                <a:tc>
+                  <a:txBody>
+                    <a:bodyPr/>
+                    <a:lstStyle/>
+                    <a:p>
+                      <a:r>
+                        <a:rPr lang="en-US" sz="1400"/>
+                        <a:t>Possible</a:t>
+                      </a:r>
+                      <a:endParaRPr lang="en-VN" sz="1400">
+                        <a:solidFill>
+                          <a:schemeClr val="tx1"/>
+                        </a:solidFill>
+                      </a:endParaRPr>
+                    </a:p>
+                  </a:txBody>
+                  <a:tcPr>
+                    <a:lnL w="12700" cap="flat" cmpd="sng" algn="ctr">
+                      <a:solidFill>
+                        <a:schemeClr val="tx1"/>
+                      </a:solidFill>
+                      <a:prstDash val="solid"/>
+                      <a:round/>
+                      <a:headEnd type="none" w="med" len="med"/>
+                      <a:tailEnd type="none" w="med" len="med"/>
+                    </a:lnL>
+                    <a:lnR w="12700" cap="flat" cmpd="sng" algn="ctr">
+                      <a:solidFill>
+                        <a:schemeClr val="tx1"/>
+                      </a:solidFill>
+                      <a:prstDash val="solid"/>
+                      <a:round/>
+                      <a:headEnd type="none" w="med" len="med"/>
+                      <a:tailEnd type="none" w="med" len="med"/>
+                    </a:lnR>
+                    <a:lnT w="12700" cap="flat" cmpd="sng" algn="ctr">
+                      <a:solidFill>
+                        <a:schemeClr val="tx1"/>
+                      </a:solidFill>
+                      <a:prstDash val="solid"/>
+                      <a:round/>
+                      <a:headEnd type="none" w="med" len="med"/>
+                      <a:tailEnd type="none" w="med" len="med"/>
+                    </a:lnT>
+                    <a:lnB w="12700" cap="flat" cmpd="sng" algn="ctr">
+                      <a:solidFill>
+                        <a:schemeClr val="tx1"/>
+                      </a:solidFill>
+                      <a:prstDash val="solid"/>
+                      <a:round/>
+                      <a:headEnd type="none" w="med" len="med"/>
+                      <a:tailEnd type="none" w="med" len="med"/>
+                    </a:lnB>
+                    <a:noFill/>
+                  </a:tcPr>
+                </a:tc>
+                <a:extLst>
+                  <a:ext uri="{0D108BD9-81ED-4DB2-BD59-A6C34878D82A}">
+                    <a16:rowId xmlns:a16="http://schemas.microsoft.com/office/drawing/2014/main" val="2724835801"/>
+                  </a:ext>
+                </a:extLst>
+              </a:tr>
+              <a:tr h="370840">
+                <a:tc>
+                  <a:txBody>
+                    <a:bodyPr/>
+                    <a:lstStyle/>
+                    <a:p>
+                      <a:r>
+                        <a:rPr lang="en-US" sz="1400"/>
+                        <a:t>Requirements volatility</a:t>
+                      </a:r>
+                      <a:endParaRPr lang="en-VN" sz="1400">
+                        <a:solidFill>
+                          <a:schemeClr val="tx1"/>
+                        </a:solidFill>
+                      </a:endParaRPr>
+                    </a:p>
+                  </a:txBody>
+                  <a:tcPr>
+                    <a:lnL w="12700" cap="flat" cmpd="sng" algn="ctr">
+                      <a:solidFill>
+                        <a:schemeClr val="tx1"/>
+                      </a:solidFill>
+                      <a:prstDash val="solid"/>
+                      <a:round/>
+                      <a:headEnd type="none" w="med" len="med"/>
+                      <a:tailEnd type="none" w="med" len="med"/>
+                    </a:lnL>
+                    <a:lnR w="12700" cap="flat" cmpd="sng" algn="ctr">
+                      <a:solidFill>
+                        <a:schemeClr val="tx1"/>
+                      </a:solidFill>
+                      <a:prstDash val="solid"/>
+                      <a:round/>
+                      <a:headEnd type="none" w="med" len="med"/>
+                      <a:tailEnd type="none" w="med" len="med"/>
+                    </a:lnR>
+                    <a:lnT w="12700" cap="flat" cmpd="sng" algn="ctr">
+                      <a:solidFill>
+                        <a:schemeClr val="tx1"/>
+                      </a:solidFill>
+                      <a:prstDash val="solid"/>
+                      <a:round/>
+                      <a:headEnd type="none" w="med" len="med"/>
+                      <a:tailEnd type="none" w="med" len="med"/>
+                    </a:lnT>
+                    <a:lnB w="12700" cap="flat" cmpd="sng" algn="ctr">
+                      <a:solidFill>
+                        <a:schemeClr val="tx1"/>
+                      </a:solidFill>
+                      <a:prstDash val="solid"/>
+                      <a:round/>
+                      <a:headEnd type="none" w="med" len="med"/>
+                      <a:tailEnd type="none" w="med" len="med"/>
+                    </a:lnB>
+                    <a:noFill/>
+                  </a:tcPr>
+                </a:tc>
+                <a:tc>
+                  <a:txBody>
+                    <a:bodyPr/>
+                    <a:lstStyle/>
+                    <a:p>
+                      <a:r>
+                        <a:rPr lang="en-VN" sz="1400">
+                          <a:solidFill>
+                            <a:schemeClr val="tx1"/>
+                          </a:solidFill>
+                        </a:rPr>
+                        <a:t>x</a:t>
+                      </a:r>
+                    </a:p>
+                  </a:txBody>
+                  <a:tcPr>
+                    <a:lnL w="12700" cap="flat" cmpd="sng" algn="ctr">
+                      <a:solidFill>
+                        <a:schemeClr val="tx1"/>
+                      </a:solidFill>
+                      <a:prstDash val="solid"/>
+                      <a:round/>
+                      <a:headEnd type="none" w="med" len="med"/>
+                      <a:tailEnd type="none" w="med" len="med"/>
+                    </a:lnL>
+                    <a:lnR w="12700" cap="flat" cmpd="sng" algn="ctr">
+                      <a:solidFill>
+                        <a:schemeClr val="tx1"/>
+                      </a:solidFill>
+                      <a:prstDash val="solid"/>
+                      <a:round/>
+                      <a:headEnd type="none" w="med" len="med"/>
+                      <a:tailEnd type="none" w="med" len="med"/>
+                    </a:lnR>
+                    <a:lnT w="12700" cap="flat" cmpd="sng" algn="ctr">
+                      <a:solidFill>
+                        <a:schemeClr val="tx1"/>
+                      </a:solidFill>
+                      <a:prstDash val="solid"/>
+                      <a:round/>
+                      <a:headEnd type="none" w="med" len="med"/>
+                      <a:tailEnd type="none" w="med" len="med"/>
+                    </a:lnT>
+                    <a:lnB w="12700" cap="flat" cmpd="sng" algn="ctr">
+                      <a:solidFill>
+                        <a:schemeClr val="tx1"/>
+                      </a:solidFill>
+                      <a:prstDash val="solid"/>
+                      <a:round/>
+                      <a:headEnd type="none" w="med" len="med"/>
+                      <a:tailEnd type="none" w="med" len="med"/>
+                    </a:lnB>
+                    <a:noFill/>
+                  </a:tcPr>
+                </a:tc>
+                <a:tc>
+                  <a:txBody>
+                    <a:bodyPr/>
+                    <a:lstStyle/>
+                    <a:p>
+                      <a:r>
+                        <a:rPr lang="en-VN" sz="1400">
+                          <a:solidFill>
+                            <a:schemeClr val="tx1"/>
+                          </a:solidFill>
+                        </a:rPr>
+                        <a:t>x</a:t>
+                      </a:r>
+                    </a:p>
+                  </a:txBody>
+                  <a:tcPr>
+                    <a:lnL w="12700" cap="flat" cmpd="sng" algn="ctr">
+                      <a:solidFill>
+                        <a:schemeClr val="tx1"/>
+                      </a:solidFill>
+                      <a:prstDash val="solid"/>
+                      <a:round/>
+                      <a:headEnd type="none" w="med" len="med"/>
+                      <a:tailEnd type="none" w="med" len="med"/>
+                    </a:lnL>
+                    <a:lnR w="12700" cap="flat" cmpd="sng" algn="ctr">
+                      <a:solidFill>
+                        <a:schemeClr val="tx1"/>
+                      </a:solidFill>
+                      <a:prstDash val="solid"/>
+                      <a:round/>
+                      <a:headEnd type="none" w="med" len="med"/>
+                      <a:tailEnd type="none" w="med" len="med"/>
+                    </a:lnR>
+                    <a:lnT w="12700" cap="flat" cmpd="sng" algn="ctr">
+                      <a:solidFill>
+                        <a:schemeClr val="tx1"/>
+                      </a:solidFill>
+                      <a:prstDash val="solid"/>
+                      <a:round/>
+                      <a:headEnd type="none" w="med" len="med"/>
+                      <a:tailEnd type="none" w="med" len="med"/>
+                    </a:lnT>
+                    <a:lnB w="12700" cap="flat" cmpd="sng" algn="ctr">
+                      <a:solidFill>
+                        <a:schemeClr val="tx1"/>
+                      </a:solidFill>
+                      <a:prstDash val="solid"/>
+                      <a:round/>
+                      <a:headEnd type="none" w="med" len="med"/>
+                      <a:tailEnd type="none" w="med" len="med"/>
+                    </a:lnB>
+                    <a:noFill/>
+                  </a:tcPr>
+                </a:tc>
+                <a:tc>
+                  <a:txBody>
+                    <a:bodyPr/>
+                    <a:lstStyle/>
+                    <a:p>
+                      <a:r>
+                        <a:rPr lang="en-VN" sz="1400">
+                          <a:solidFill>
+                            <a:schemeClr val="tx1"/>
+                          </a:solidFill>
+                        </a:rPr>
+                        <a:t>x</a:t>
+                      </a:r>
+                    </a:p>
+                  </a:txBody>
+                  <a:tcPr>
+                    <a:lnL w="12700" cap="flat" cmpd="sng" algn="ctr">
+                      <a:solidFill>
+                        <a:schemeClr val="tx1"/>
+                      </a:solidFill>
+                      <a:prstDash val="solid"/>
+                      <a:round/>
+                      <a:headEnd type="none" w="med" len="med"/>
+                      <a:tailEnd type="none" w="med" len="med"/>
+                    </a:lnL>
+                    <a:lnR w="12700" cap="flat" cmpd="sng" algn="ctr">
+                      <a:solidFill>
+                        <a:schemeClr val="tx1"/>
+                      </a:solidFill>
+                      <a:prstDash val="solid"/>
+                      <a:round/>
+                      <a:headEnd type="none" w="med" len="med"/>
+                      <a:tailEnd type="none" w="med" len="med"/>
+                    </a:lnR>
+                    <a:lnT w="12700" cap="flat" cmpd="sng" algn="ctr">
+                      <a:solidFill>
+                        <a:schemeClr val="tx1"/>
+                      </a:solidFill>
+                      <a:prstDash val="solid"/>
+                      <a:round/>
+                      <a:headEnd type="none" w="med" len="med"/>
+                      <a:tailEnd type="none" w="med" len="med"/>
+                    </a:lnT>
+                    <a:lnB w="12700" cap="flat" cmpd="sng" algn="ctr">
+                      <a:solidFill>
+                        <a:schemeClr val="tx1"/>
+                      </a:solidFill>
+                      <a:prstDash val="solid"/>
+                      <a:round/>
+                      <a:headEnd type="none" w="med" len="med"/>
+                      <a:tailEnd type="none" w="med" len="med"/>
+                    </a:lnB>
+                    <a:noFill/>
+                  </a:tcPr>
+                </a:tc>
+                <a:tc>
+                  <a:txBody>
+                    <a:bodyPr/>
+                    <a:lstStyle/>
+                    <a:p>
+                      <a:r>
+                        <a:rPr lang="en-VN" sz="1400">
+                          <a:solidFill>
+                            <a:schemeClr val="tx1"/>
+                          </a:solidFill>
+                        </a:rPr>
+                        <a:t>x</a:t>
+                      </a:r>
+                    </a:p>
+                  </a:txBody>
+                  <a:tcPr>
+                    <a:lnL w="12700" cap="flat" cmpd="sng" algn="ctr">
+                      <a:solidFill>
+                        <a:schemeClr val="tx1"/>
+                      </a:solidFill>
+                      <a:prstDash val="solid"/>
+                      <a:round/>
+                      <a:headEnd type="none" w="med" len="med"/>
+                      <a:tailEnd type="none" w="med" len="med"/>
+                    </a:lnL>
+                    <a:lnR w="12700" cap="flat" cmpd="sng" algn="ctr">
+                      <a:solidFill>
+                        <a:schemeClr val="tx1"/>
+                      </a:solidFill>
+                      <a:prstDash val="solid"/>
+                      <a:round/>
+                      <a:headEnd type="none" w="med" len="med"/>
+                      <a:tailEnd type="none" w="med" len="med"/>
+                    </a:lnR>
+                    <a:lnT w="12700" cap="flat" cmpd="sng" algn="ctr">
+                      <a:solidFill>
+                        <a:schemeClr val="tx1"/>
+                      </a:solidFill>
+                      <a:prstDash val="solid"/>
+                      <a:round/>
+                      <a:headEnd type="none" w="med" len="med"/>
+                      <a:tailEnd type="none" w="med" len="med"/>
+                    </a:lnT>
+                    <a:lnB w="12700" cap="flat" cmpd="sng" algn="ctr">
+                      <a:solidFill>
+                        <a:schemeClr val="tx1"/>
+                      </a:solidFill>
+                      <a:prstDash val="solid"/>
+                      <a:round/>
+                      <a:headEnd type="none" w="med" len="med"/>
+                      <a:tailEnd type="none" w="med" len="med"/>
+                    </a:lnB>
+                    <a:noFill/>
+                  </a:tcPr>
+                </a:tc>
+                <a:extLst>
+                  <a:ext uri="{0D108BD9-81ED-4DB2-BD59-A6C34878D82A}">
+                    <a16:rowId xmlns:a16="http://schemas.microsoft.com/office/drawing/2014/main" val="2289202651"/>
+                  </a:ext>
+                </a:extLst>
+              </a:tr>
+              <a:tr h="370840">
+                <a:tc>
+                  <a:txBody>
+                    <a:bodyPr/>
+                    <a:lstStyle/>
+                    <a:p>
+                      <a:r>
+                        <a:rPr lang="en-US" sz="1400"/>
+                        <a:t>Test coverage</a:t>
+                      </a:r>
+                      <a:endParaRPr lang="en-VN" sz="1400">
+                        <a:solidFill>
+                          <a:schemeClr val="tx1"/>
+                        </a:solidFill>
+                      </a:endParaRPr>
+                    </a:p>
+                  </a:txBody>
+                  <a:tcPr>
+                    <a:lnL w="12700" cap="flat" cmpd="sng" algn="ctr">
+                      <a:solidFill>
+                        <a:schemeClr val="tx1"/>
+                      </a:solidFill>
+                      <a:prstDash val="solid"/>
+                      <a:round/>
+                      <a:headEnd type="none" w="med" len="med"/>
+                      <a:tailEnd type="none" w="med" len="med"/>
+                    </a:lnL>
+                    <a:lnR w="12700" cap="flat" cmpd="sng" algn="ctr">
+                      <a:solidFill>
+                        <a:schemeClr val="tx1"/>
+                      </a:solidFill>
+                      <a:prstDash val="solid"/>
+                      <a:round/>
+                      <a:headEnd type="none" w="med" len="med"/>
+                      <a:tailEnd type="none" w="med" len="med"/>
+                    </a:lnR>
+                    <a:lnT w="12700" cap="flat" cmpd="sng" algn="ctr">
+                      <a:solidFill>
+                        <a:schemeClr val="tx1"/>
+                      </a:solidFill>
+                      <a:prstDash val="solid"/>
+                      <a:round/>
+                      <a:headEnd type="none" w="med" len="med"/>
+                      <a:tailEnd type="none" w="med" len="med"/>
+                    </a:lnT>
+                    <a:lnB w="12700" cap="flat" cmpd="sng" algn="ctr">
+                      <a:solidFill>
+                        <a:schemeClr val="tx1"/>
+                      </a:solidFill>
+                      <a:prstDash val="solid"/>
+                      <a:round/>
+                      <a:headEnd type="none" w="med" len="med"/>
+                      <a:tailEnd type="none" w="med" len="med"/>
+                    </a:lnB>
+                    <a:noFill/>
+                  </a:tcPr>
+                </a:tc>
+                <a:tc>
+                  <a:txBody>
+                    <a:bodyPr/>
+                    <a:lstStyle/>
+                    <a:p>
+                      <a:endParaRPr lang="en-VN" sz="1400">
+                        <a:solidFill>
+                          <a:schemeClr val="tx1"/>
+                        </a:solidFill>
+                      </a:endParaRPr>
+                    </a:p>
+                  </a:txBody>
+                  <a:tcPr>
+                    <a:lnL w="12700" cap="flat" cmpd="sng" algn="ctr">
+                      <a:solidFill>
+                        <a:schemeClr val="tx1"/>
+                      </a:solidFill>
+                      <a:prstDash val="solid"/>
+                      <a:round/>
+                      <a:headEnd type="none" w="med" len="med"/>
+                      <a:tailEnd type="none" w="med" len="med"/>
+                    </a:lnL>
+                    <a:lnR w="12700" cap="flat" cmpd="sng" algn="ctr">
+                      <a:solidFill>
+                        <a:schemeClr val="tx1"/>
+                      </a:solidFill>
+                      <a:prstDash val="solid"/>
+                      <a:round/>
+                      <a:headEnd type="none" w="med" len="med"/>
+                      <a:tailEnd type="none" w="med" len="med"/>
+                    </a:lnR>
+                    <a:lnT w="12700" cap="flat" cmpd="sng" algn="ctr">
+                      <a:solidFill>
+                        <a:schemeClr val="tx1"/>
+                      </a:solidFill>
+                      <a:prstDash val="solid"/>
+                      <a:round/>
+                      <a:headEnd type="none" w="med" len="med"/>
+                      <a:tailEnd type="none" w="med" len="med"/>
+                    </a:lnT>
+                    <a:lnB w="12700" cap="flat" cmpd="sng" algn="ctr">
+                      <a:solidFill>
+                        <a:schemeClr val="tx1"/>
+                      </a:solidFill>
+                      <a:prstDash val="solid"/>
+                      <a:round/>
+                      <a:headEnd type="none" w="med" len="med"/>
+                      <a:tailEnd type="none" w="med" len="med"/>
+                    </a:lnB>
+                    <a:noFill/>
+                  </a:tcPr>
+                </a:tc>
+                <a:tc>
+                  <a:txBody>
+                    <a:bodyPr/>
+                    <a:lstStyle/>
+                    <a:p>
+                      <a:r>
+                        <a:rPr lang="en-US" sz="1400"/>
+                        <a:t>Possible with complex equation logic</a:t>
+                      </a:r>
+                      <a:endParaRPr lang="en-VN" sz="1400">
+                        <a:solidFill>
+                          <a:schemeClr val="tx1"/>
+                        </a:solidFill>
+                      </a:endParaRPr>
+                    </a:p>
+                  </a:txBody>
+                  <a:tcPr>
+                    <a:lnL w="12700" cap="flat" cmpd="sng" algn="ctr">
+                      <a:solidFill>
+                        <a:schemeClr val="tx1"/>
+                      </a:solidFill>
+                      <a:prstDash val="solid"/>
+                      <a:round/>
+                      <a:headEnd type="none" w="med" len="med"/>
+                      <a:tailEnd type="none" w="med" len="med"/>
+                    </a:lnL>
+                    <a:lnR w="12700" cap="flat" cmpd="sng" algn="ctr">
+                      <a:solidFill>
+                        <a:schemeClr val="tx1"/>
+                      </a:solidFill>
+                      <a:prstDash val="solid"/>
+                      <a:round/>
+                      <a:headEnd type="none" w="med" len="med"/>
+                      <a:tailEnd type="none" w="med" len="med"/>
+                    </a:lnR>
+                    <a:lnT w="12700" cap="flat" cmpd="sng" algn="ctr">
+                      <a:solidFill>
+                        <a:schemeClr val="tx1"/>
+                      </a:solidFill>
+                      <a:prstDash val="solid"/>
+                      <a:round/>
+                      <a:headEnd type="none" w="med" len="med"/>
+                      <a:tailEnd type="none" w="med" len="med"/>
+                    </a:lnT>
+                    <a:lnB w="12700" cap="flat" cmpd="sng" algn="ctr">
+                      <a:solidFill>
+                        <a:schemeClr val="tx1"/>
+                      </a:solidFill>
+                      <a:prstDash val="solid"/>
+                      <a:round/>
+                      <a:headEnd type="none" w="med" len="med"/>
+                      <a:tailEnd type="none" w="med" len="med"/>
+                    </a:lnB>
+                    <a:noFill/>
+                  </a:tcPr>
+                </a:tc>
+                <a:tc>
+                  <a:txBody>
+                    <a:bodyPr/>
+                    <a:lstStyle/>
+                    <a:p>
+                      <a:r>
+                        <a:rPr lang="en-VN" sz="1400">
+                          <a:solidFill>
+                            <a:schemeClr val="tx1"/>
+                          </a:solidFill>
+                        </a:rPr>
+                        <a:t>x</a:t>
+                      </a:r>
+                    </a:p>
+                  </a:txBody>
+                  <a:tcPr>
+                    <a:lnL w="12700" cap="flat" cmpd="sng" algn="ctr">
+                      <a:solidFill>
+                        <a:schemeClr val="tx1"/>
+                      </a:solidFill>
+                      <a:prstDash val="solid"/>
+                      <a:round/>
+                      <a:headEnd type="none" w="med" len="med"/>
+                      <a:tailEnd type="none" w="med" len="med"/>
+                    </a:lnL>
+                    <a:lnR w="12700" cap="flat" cmpd="sng" algn="ctr">
+                      <a:solidFill>
+                        <a:schemeClr val="tx1"/>
+                      </a:solidFill>
+                      <a:prstDash val="solid"/>
+                      <a:round/>
+                      <a:headEnd type="none" w="med" len="med"/>
+                      <a:tailEnd type="none" w="med" len="med"/>
+                    </a:lnR>
+                    <a:lnT w="12700" cap="flat" cmpd="sng" algn="ctr">
+                      <a:solidFill>
+                        <a:schemeClr val="tx1"/>
+                      </a:solidFill>
+                      <a:prstDash val="solid"/>
+                      <a:round/>
+                      <a:headEnd type="none" w="med" len="med"/>
+                      <a:tailEnd type="none" w="med" len="med"/>
+                    </a:lnT>
+                    <a:lnB w="12700" cap="flat" cmpd="sng" algn="ctr">
+                      <a:solidFill>
+                        <a:schemeClr val="tx1"/>
+                      </a:solidFill>
+                      <a:prstDash val="solid"/>
+                      <a:round/>
+                      <a:headEnd type="none" w="med" len="med"/>
+                      <a:tailEnd type="none" w="med" len="med"/>
+                    </a:lnB>
+                    <a:noFill/>
+                  </a:tcPr>
+                </a:tc>
+                <a:tc>
+                  <a:txBody>
+                    <a:bodyPr/>
+                    <a:lstStyle/>
+                    <a:p>
+                      <a:r>
+                        <a:rPr lang="en-VN" sz="1400">
+                          <a:solidFill>
+                            <a:schemeClr val="tx1"/>
+                          </a:solidFill>
+                        </a:rPr>
+                        <a:t>x</a:t>
+                      </a:r>
+                    </a:p>
+                  </a:txBody>
+                  <a:tcPr>
+                    <a:lnL w="12700" cap="flat" cmpd="sng" algn="ctr">
+                      <a:solidFill>
+                        <a:schemeClr val="tx1"/>
+                      </a:solidFill>
+                      <a:prstDash val="solid"/>
+                      <a:round/>
+                      <a:headEnd type="none" w="med" len="med"/>
+                      <a:tailEnd type="none" w="med" len="med"/>
+                    </a:lnL>
+                    <a:lnR w="12700" cap="flat" cmpd="sng" algn="ctr">
+                      <a:solidFill>
+                        <a:schemeClr val="tx1"/>
+                      </a:solidFill>
+                      <a:prstDash val="solid"/>
+                      <a:round/>
+                      <a:headEnd type="none" w="med" len="med"/>
+                      <a:tailEnd type="none" w="med" len="med"/>
+                    </a:lnR>
+                    <a:lnT w="12700" cap="flat" cmpd="sng" algn="ctr">
+                      <a:solidFill>
+                        <a:schemeClr val="tx1"/>
+                      </a:solidFill>
+                      <a:prstDash val="solid"/>
+                      <a:round/>
+                      <a:headEnd type="none" w="med" len="med"/>
+                      <a:tailEnd type="none" w="med" len="med"/>
+                    </a:lnT>
+                    <a:lnB w="12700" cap="flat" cmpd="sng" algn="ctr">
+                      <a:solidFill>
+                        <a:schemeClr val="tx1"/>
+                      </a:solidFill>
+                      <a:prstDash val="solid"/>
+                      <a:round/>
+                      <a:headEnd type="none" w="med" len="med"/>
+                      <a:tailEnd type="none" w="med" len="med"/>
+                    </a:lnB>
+                    <a:noFill/>
+                  </a:tcPr>
+                </a:tc>
+                <a:extLst>
+                  <a:ext uri="{0D108BD9-81ED-4DB2-BD59-A6C34878D82A}">
+                    <a16:rowId xmlns:a16="http://schemas.microsoft.com/office/drawing/2014/main" val="823660475"/>
+                  </a:ext>
+                </a:extLst>
+              </a:tr>
+              <a:tr h="370840">
+                <a:tc>
+                  <a:txBody>
+                    <a:bodyPr/>
+                    <a:lstStyle/>
+                    <a:p>
+                      <a:r>
+                        <a:rPr lang="en-US" sz="1400"/>
+                        <a:t>Test span</a:t>
+                      </a:r>
+                      <a:endParaRPr lang="en-VN" sz="1400">
+                        <a:solidFill>
+                          <a:schemeClr val="tx1"/>
+                        </a:solidFill>
+                      </a:endParaRPr>
+                    </a:p>
+                  </a:txBody>
+                  <a:tcPr>
+                    <a:lnL w="12700" cap="flat" cmpd="sng" algn="ctr">
+                      <a:solidFill>
+                        <a:schemeClr val="tx1"/>
+                      </a:solidFill>
+                      <a:prstDash val="solid"/>
+                      <a:round/>
+                      <a:headEnd type="none" w="med" len="med"/>
+                      <a:tailEnd type="none" w="med" len="med"/>
+                    </a:lnL>
+                    <a:lnR w="12700" cap="flat" cmpd="sng" algn="ctr">
+                      <a:solidFill>
+                        <a:schemeClr val="tx1"/>
+                      </a:solidFill>
+                      <a:prstDash val="solid"/>
+                      <a:round/>
+                      <a:headEnd type="none" w="med" len="med"/>
+                      <a:tailEnd type="none" w="med" len="med"/>
+                    </a:lnR>
+                    <a:lnT w="12700" cap="flat" cmpd="sng" algn="ctr">
+                      <a:solidFill>
+                        <a:schemeClr val="tx1"/>
+                      </a:solidFill>
+                      <a:prstDash val="solid"/>
+                      <a:round/>
+                      <a:headEnd type="none" w="med" len="med"/>
+                      <a:tailEnd type="none" w="med" len="med"/>
+                    </a:lnT>
+                    <a:lnB w="12700" cap="flat" cmpd="sng" algn="ctr">
+                      <a:solidFill>
+                        <a:schemeClr val="tx1"/>
+                      </a:solidFill>
+                      <a:prstDash val="solid"/>
+                      <a:round/>
+                      <a:headEnd type="none" w="med" len="med"/>
+                      <a:tailEnd type="none" w="med" len="med"/>
+                    </a:lnB>
+                    <a:noFill/>
+                  </a:tcPr>
+                </a:tc>
+                <a:tc>
+                  <a:txBody>
+                    <a:bodyPr/>
+                    <a:lstStyle/>
+                    <a:p>
+                      <a:endParaRPr lang="en-VN" sz="1400">
+                        <a:solidFill>
+                          <a:schemeClr val="tx1"/>
+                        </a:solidFill>
+                      </a:endParaRPr>
+                    </a:p>
+                  </a:txBody>
+                  <a:tcPr>
+                    <a:lnL w="12700" cap="flat" cmpd="sng" algn="ctr">
+                      <a:solidFill>
+                        <a:schemeClr val="tx1"/>
+                      </a:solidFill>
+                      <a:prstDash val="solid"/>
+                      <a:round/>
+                      <a:headEnd type="none" w="med" len="med"/>
+                      <a:tailEnd type="none" w="med" len="med"/>
+                    </a:lnL>
+                    <a:lnR w="12700" cap="flat" cmpd="sng" algn="ctr">
+                      <a:solidFill>
+                        <a:schemeClr val="tx1"/>
+                      </a:solidFill>
+                      <a:prstDash val="solid"/>
+                      <a:round/>
+                      <a:headEnd type="none" w="med" len="med"/>
+                      <a:tailEnd type="none" w="med" len="med"/>
+                    </a:lnR>
+                    <a:lnT w="12700" cap="flat" cmpd="sng" algn="ctr">
+                      <a:solidFill>
+                        <a:schemeClr val="tx1"/>
+                      </a:solidFill>
+                      <a:prstDash val="solid"/>
+                      <a:round/>
+                      <a:headEnd type="none" w="med" len="med"/>
+                      <a:tailEnd type="none" w="med" len="med"/>
+                    </a:lnT>
+                    <a:lnB w="12700" cap="flat" cmpd="sng" algn="ctr">
+                      <a:solidFill>
+                        <a:schemeClr val="tx1"/>
+                      </a:solidFill>
+                      <a:prstDash val="solid"/>
+                      <a:round/>
+                      <a:headEnd type="none" w="med" len="med"/>
+                      <a:tailEnd type="none" w="med" len="med"/>
+                    </a:lnB>
+                    <a:noFill/>
+                  </a:tcPr>
+                </a:tc>
+                <a:tc>
+                  <a:txBody>
+                    <a:bodyPr/>
+                    <a:lstStyle/>
+                    <a:p>
+                      <a:r>
+                        <a:rPr lang="en-US" sz="1400"/>
+                        <a:t>Possible with complex equation logic</a:t>
+                      </a:r>
+                      <a:endParaRPr lang="en-VN" sz="1400">
+                        <a:solidFill>
+                          <a:schemeClr val="tx1"/>
+                        </a:solidFill>
+                      </a:endParaRPr>
+                    </a:p>
+                  </a:txBody>
+                  <a:tcPr>
+                    <a:lnL w="12700" cap="flat" cmpd="sng" algn="ctr">
+                      <a:solidFill>
+                        <a:schemeClr val="tx1"/>
+                      </a:solidFill>
+                      <a:prstDash val="solid"/>
+                      <a:round/>
+                      <a:headEnd type="none" w="med" len="med"/>
+                      <a:tailEnd type="none" w="med" len="med"/>
+                    </a:lnL>
+                    <a:lnR w="12700" cap="flat" cmpd="sng" algn="ctr">
+                      <a:solidFill>
+                        <a:schemeClr val="tx1"/>
+                      </a:solidFill>
+                      <a:prstDash val="solid"/>
+                      <a:round/>
+                      <a:headEnd type="none" w="med" len="med"/>
+                      <a:tailEnd type="none" w="med" len="med"/>
+                    </a:lnR>
+                    <a:lnT w="12700" cap="flat" cmpd="sng" algn="ctr">
+                      <a:solidFill>
+                        <a:schemeClr val="tx1"/>
+                      </a:solidFill>
+                      <a:prstDash val="solid"/>
+                      <a:round/>
+                      <a:headEnd type="none" w="med" len="med"/>
+                      <a:tailEnd type="none" w="med" len="med"/>
+                    </a:lnT>
+                    <a:lnB w="12700" cap="flat" cmpd="sng" algn="ctr">
+                      <a:solidFill>
+                        <a:schemeClr val="tx1"/>
+                      </a:solidFill>
+                      <a:prstDash val="solid"/>
+                      <a:round/>
+                      <a:headEnd type="none" w="med" len="med"/>
+                      <a:tailEnd type="none" w="med" len="med"/>
+                    </a:lnB>
+                    <a:noFill/>
+                  </a:tcPr>
+                </a:tc>
+                <a:tc>
+                  <a:txBody>
+                    <a:bodyPr/>
+                    <a:lstStyle/>
+                    <a:p>
+                      <a:r>
+                        <a:rPr lang="en-VN" sz="1400">
+                          <a:solidFill>
+                            <a:schemeClr val="tx1"/>
+                          </a:solidFill>
+                        </a:rPr>
+                        <a:t>x</a:t>
+                      </a:r>
+                    </a:p>
+                  </a:txBody>
+                  <a:tcPr>
+                    <a:lnL w="12700" cap="flat" cmpd="sng" algn="ctr">
+                      <a:solidFill>
+                        <a:schemeClr val="tx1"/>
+                      </a:solidFill>
+                      <a:prstDash val="solid"/>
+                      <a:round/>
+                      <a:headEnd type="none" w="med" len="med"/>
+                      <a:tailEnd type="none" w="med" len="med"/>
+                    </a:lnL>
+                    <a:lnR w="12700" cap="flat" cmpd="sng" algn="ctr">
+                      <a:solidFill>
+                        <a:schemeClr val="tx1"/>
+                      </a:solidFill>
+                      <a:prstDash val="solid"/>
+                      <a:round/>
+                      <a:headEnd type="none" w="med" len="med"/>
+                      <a:tailEnd type="none" w="med" len="med"/>
+                    </a:lnR>
+                    <a:lnT w="12700" cap="flat" cmpd="sng" algn="ctr">
+                      <a:solidFill>
+                        <a:schemeClr val="tx1"/>
+                      </a:solidFill>
+                      <a:prstDash val="solid"/>
+                      <a:round/>
+                      <a:headEnd type="none" w="med" len="med"/>
+                      <a:tailEnd type="none" w="med" len="med"/>
+                    </a:lnT>
+                    <a:lnB w="12700" cap="flat" cmpd="sng" algn="ctr">
+                      <a:solidFill>
+                        <a:schemeClr val="tx1"/>
+                      </a:solidFill>
+                      <a:prstDash val="solid"/>
+                      <a:round/>
+                      <a:headEnd type="none" w="med" len="med"/>
+                      <a:tailEnd type="none" w="med" len="med"/>
+                    </a:lnB>
+                    <a:noFill/>
+                  </a:tcPr>
+                </a:tc>
+                <a:tc>
+                  <a:txBody>
+                    <a:bodyPr/>
+                    <a:lstStyle/>
+                    <a:p>
+                      <a:r>
+                        <a:rPr lang="en-VN" sz="1400">
+                          <a:solidFill>
+                            <a:schemeClr val="tx1"/>
+                          </a:solidFill>
+                        </a:rPr>
+                        <a:t>x</a:t>
+                      </a:r>
+                    </a:p>
+                  </a:txBody>
+                  <a:tcPr>
+                    <a:lnL w="12700" cap="flat" cmpd="sng" algn="ctr">
+                      <a:solidFill>
+                        <a:schemeClr val="tx1"/>
+                      </a:solidFill>
+                      <a:prstDash val="solid"/>
+                      <a:round/>
+                      <a:headEnd type="none" w="med" len="med"/>
+                      <a:tailEnd type="none" w="med" len="med"/>
+                    </a:lnL>
+                    <a:lnR w="12700" cap="flat" cmpd="sng" algn="ctr">
+                      <a:solidFill>
+                        <a:schemeClr val="tx1"/>
+                      </a:solidFill>
+                      <a:prstDash val="solid"/>
+                      <a:round/>
+                      <a:headEnd type="none" w="med" len="med"/>
+                      <a:tailEnd type="none" w="med" len="med"/>
+                    </a:lnR>
+                    <a:lnT w="12700" cap="flat" cmpd="sng" algn="ctr">
+                      <a:solidFill>
+                        <a:schemeClr val="tx1"/>
+                      </a:solidFill>
+                      <a:prstDash val="solid"/>
+                      <a:round/>
+                      <a:headEnd type="none" w="med" len="med"/>
+                      <a:tailEnd type="none" w="med" len="med"/>
+                    </a:lnT>
+                    <a:lnB w="12700" cap="flat" cmpd="sng" algn="ctr">
+                      <a:solidFill>
+                        <a:schemeClr val="tx1"/>
+                      </a:solidFill>
+                      <a:prstDash val="solid"/>
+                      <a:round/>
+                      <a:headEnd type="none" w="med" len="med"/>
+                      <a:tailEnd type="none" w="med" len="med"/>
+                    </a:lnB>
+                    <a:noFill/>
+                  </a:tcPr>
+                </a:tc>
+                <a:extLst>
+                  <a:ext uri="{0D108BD9-81ED-4DB2-BD59-A6C34878D82A}">
+                    <a16:rowId xmlns:a16="http://schemas.microsoft.com/office/drawing/2014/main" val="2851256092"/>
+                  </a:ext>
+                </a:extLst>
+              </a:tr>
+              <a:tr h="370840">
+                <a:tc>
+                  <a:txBody>
+                    <a:bodyPr/>
+                    <a:lstStyle/>
+                    <a:p>
+                      <a:r>
+                        <a:rPr lang="en-US" sz="1400"/>
+                        <a:t>Test types</a:t>
+                      </a:r>
+                      <a:endParaRPr lang="en-VN" sz="1400">
+                        <a:solidFill>
+                          <a:schemeClr val="tx1"/>
+                        </a:solidFill>
+                      </a:endParaRPr>
+                    </a:p>
+                  </a:txBody>
+                  <a:tcPr>
+                    <a:lnL w="12700" cap="flat" cmpd="sng" algn="ctr">
+                      <a:solidFill>
+                        <a:schemeClr val="tx1"/>
+                      </a:solidFill>
+                      <a:prstDash val="solid"/>
+                      <a:round/>
+                      <a:headEnd type="none" w="med" len="med"/>
+                      <a:tailEnd type="none" w="med" len="med"/>
+                    </a:lnL>
+                    <a:lnR w="12700" cap="flat" cmpd="sng" algn="ctr">
+                      <a:solidFill>
+                        <a:schemeClr val="tx1"/>
+                      </a:solidFill>
+                      <a:prstDash val="solid"/>
+                      <a:round/>
+                      <a:headEnd type="none" w="med" len="med"/>
+                      <a:tailEnd type="none" w="med" len="med"/>
+                    </a:lnR>
+                    <a:lnT w="12700" cap="flat" cmpd="sng" algn="ctr">
+                      <a:solidFill>
+                        <a:schemeClr val="tx1"/>
+                      </a:solidFill>
+                      <a:prstDash val="solid"/>
+                      <a:round/>
+                      <a:headEnd type="none" w="med" len="med"/>
+                      <a:tailEnd type="none" w="med" len="med"/>
+                    </a:lnT>
+                    <a:lnB w="12700" cap="flat" cmpd="sng" algn="ctr">
+                      <a:solidFill>
+                        <a:schemeClr val="tx1"/>
+                      </a:solidFill>
+                      <a:prstDash val="solid"/>
+                      <a:round/>
+                      <a:headEnd type="none" w="med" len="med"/>
+                      <a:tailEnd type="none" w="med" len="med"/>
+                    </a:lnB>
+                    <a:noFill/>
+                  </a:tcPr>
+                </a:tc>
+                <a:tc>
+                  <a:txBody>
+                    <a:bodyPr/>
+                    <a:lstStyle/>
+                    <a:p>
+                      <a:r>
+                        <a:rPr lang="en-VN" sz="1400">
+                          <a:solidFill>
+                            <a:schemeClr val="tx1"/>
+                          </a:solidFill>
+                        </a:rPr>
+                        <a:t>x</a:t>
+                      </a:r>
+                    </a:p>
+                  </a:txBody>
+                  <a:tcPr>
+                    <a:lnL w="12700" cap="flat" cmpd="sng" algn="ctr">
+                      <a:solidFill>
+                        <a:schemeClr val="tx1"/>
+                      </a:solidFill>
+                      <a:prstDash val="solid"/>
+                      <a:round/>
+                      <a:headEnd type="none" w="med" len="med"/>
+                      <a:tailEnd type="none" w="med" len="med"/>
+                    </a:lnL>
+                    <a:lnR w="12700" cap="flat" cmpd="sng" algn="ctr">
+                      <a:solidFill>
+                        <a:schemeClr val="tx1"/>
+                      </a:solidFill>
+                      <a:prstDash val="solid"/>
+                      <a:round/>
+                      <a:headEnd type="none" w="med" len="med"/>
+                      <a:tailEnd type="none" w="med" len="med"/>
+                    </a:lnR>
+                    <a:lnT w="12700" cap="flat" cmpd="sng" algn="ctr">
+                      <a:solidFill>
+                        <a:schemeClr val="tx1"/>
+                      </a:solidFill>
+                      <a:prstDash val="solid"/>
+                      <a:round/>
+                      <a:headEnd type="none" w="med" len="med"/>
+                      <a:tailEnd type="none" w="med" len="med"/>
+                    </a:lnT>
+                    <a:lnB w="12700" cap="flat" cmpd="sng" algn="ctr">
+                      <a:solidFill>
+                        <a:schemeClr val="tx1"/>
+                      </a:solidFill>
+                      <a:prstDash val="solid"/>
+                      <a:round/>
+                      <a:headEnd type="none" w="med" len="med"/>
+                      <a:tailEnd type="none" w="med" len="med"/>
+                    </a:lnB>
+                    <a:noFill/>
+                  </a:tcPr>
+                </a:tc>
+                <a:tc>
+                  <a:txBody>
+                    <a:bodyPr/>
+                    <a:lstStyle/>
+                    <a:p>
+                      <a:r>
+                        <a:rPr lang="en-VN" sz="1400">
+                          <a:solidFill>
+                            <a:schemeClr val="tx1"/>
+                          </a:solidFill>
+                        </a:rPr>
+                        <a:t>x</a:t>
+                      </a:r>
+                    </a:p>
+                  </a:txBody>
+                  <a:tcPr>
+                    <a:lnL w="12700" cap="flat" cmpd="sng" algn="ctr">
+                      <a:solidFill>
+                        <a:schemeClr val="tx1"/>
+                      </a:solidFill>
+                      <a:prstDash val="solid"/>
+                      <a:round/>
+                      <a:headEnd type="none" w="med" len="med"/>
+                      <a:tailEnd type="none" w="med" len="med"/>
+                    </a:lnL>
+                    <a:lnR w="12700" cap="flat" cmpd="sng" algn="ctr">
+                      <a:solidFill>
+                        <a:schemeClr val="tx1"/>
+                      </a:solidFill>
+                      <a:prstDash val="solid"/>
+                      <a:round/>
+                      <a:headEnd type="none" w="med" len="med"/>
+                      <a:tailEnd type="none" w="med" len="med"/>
+                    </a:lnR>
+                    <a:lnT w="12700" cap="flat" cmpd="sng" algn="ctr">
+                      <a:solidFill>
+                        <a:schemeClr val="tx1"/>
+                      </a:solidFill>
+                      <a:prstDash val="solid"/>
+                      <a:round/>
+                      <a:headEnd type="none" w="med" len="med"/>
+                      <a:tailEnd type="none" w="med" len="med"/>
+                    </a:lnT>
+                    <a:lnB w="12700" cap="flat" cmpd="sng" algn="ctr">
+                      <a:solidFill>
+                        <a:schemeClr val="tx1"/>
+                      </a:solidFill>
+                      <a:prstDash val="solid"/>
+                      <a:round/>
+                      <a:headEnd type="none" w="med" len="med"/>
+                      <a:tailEnd type="none" w="med" len="med"/>
+                    </a:lnB>
+                    <a:noFill/>
+                  </a:tcPr>
+                </a:tc>
+                <a:tc>
+                  <a:txBody>
+                    <a:bodyPr/>
+                    <a:lstStyle/>
+                    <a:p>
+                      <a:r>
+                        <a:rPr lang="en-VN" sz="1400">
+                          <a:solidFill>
+                            <a:schemeClr val="tx1"/>
+                          </a:solidFill>
+                        </a:rPr>
+                        <a:t>x</a:t>
+                      </a:r>
+                    </a:p>
+                  </a:txBody>
+                  <a:tcPr>
+                    <a:lnL w="12700" cap="flat" cmpd="sng" algn="ctr">
+                      <a:solidFill>
+                        <a:schemeClr val="tx1"/>
+                      </a:solidFill>
+                      <a:prstDash val="solid"/>
+                      <a:round/>
+                      <a:headEnd type="none" w="med" len="med"/>
+                      <a:tailEnd type="none" w="med" len="med"/>
+                    </a:lnL>
+                    <a:lnR w="12700" cap="flat" cmpd="sng" algn="ctr">
+                      <a:solidFill>
+                        <a:schemeClr val="tx1"/>
+                      </a:solidFill>
+                      <a:prstDash val="solid"/>
+                      <a:round/>
+                      <a:headEnd type="none" w="med" len="med"/>
+                      <a:tailEnd type="none" w="med" len="med"/>
+                    </a:lnR>
+                    <a:lnT w="12700" cap="flat" cmpd="sng" algn="ctr">
+                      <a:solidFill>
+                        <a:schemeClr val="tx1"/>
+                      </a:solidFill>
+                      <a:prstDash val="solid"/>
+                      <a:round/>
+                      <a:headEnd type="none" w="med" len="med"/>
+                      <a:tailEnd type="none" w="med" len="med"/>
+                    </a:lnT>
+                    <a:lnB w="12700" cap="flat" cmpd="sng" algn="ctr">
+                      <a:solidFill>
+                        <a:schemeClr val="tx1"/>
+                      </a:solidFill>
+                      <a:prstDash val="solid"/>
+                      <a:round/>
+                      <a:headEnd type="none" w="med" len="med"/>
+                      <a:tailEnd type="none" w="med" len="med"/>
+                    </a:lnB>
+                    <a:noFill/>
+                  </a:tcPr>
+                </a:tc>
+                <a:tc>
+                  <a:txBody>
+                    <a:bodyPr/>
+                    <a:lstStyle/>
+                    <a:p>
+                      <a:r>
+                        <a:rPr lang="en-VN" sz="1400">
+                          <a:solidFill>
+                            <a:schemeClr val="tx1"/>
+                          </a:solidFill>
+                        </a:rPr>
+                        <a:t>x</a:t>
+                      </a:r>
+                    </a:p>
+                  </a:txBody>
+                  <a:tcPr>
+                    <a:lnL w="12700" cap="flat" cmpd="sng" algn="ctr">
+                      <a:solidFill>
+                        <a:schemeClr val="tx1"/>
+                      </a:solidFill>
+                      <a:prstDash val="solid"/>
+                      <a:round/>
+                      <a:headEnd type="none" w="med" len="med"/>
+                      <a:tailEnd type="none" w="med" len="med"/>
+                    </a:lnL>
+                    <a:lnR w="12700" cap="flat" cmpd="sng" algn="ctr">
+                      <a:solidFill>
+                        <a:schemeClr val="tx1"/>
+                      </a:solidFill>
+                      <a:prstDash val="solid"/>
+                      <a:round/>
+                      <a:headEnd type="none" w="med" len="med"/>
+                      <a:tailEnd type="none" w="med" len="med"/>
+                    </a:lnR>
+                    <a:lnT w="12700" cap="flat" cmpd="sng" algn="ctr">
+                      <a:solidFill>
+                        <a:schemeClr val="tx1"/>
+                      </a:solidFill>
+                      <a:prstDash val="solid"/>
+                      <a:round/>
+                      <a:headEnd type="none" w="med" len="med"/>
+                      <a:tailEnd type="none" w="med" len="med"/>
+                    </a:lnT>
+                    <a:lnB w="12700" cap="flat" cmpd="sng" algn="ctr">
+                      <a:solidFill>
+                        <a:schemeClr val="tx1"/>
+                      </a:solidFill>
+                      <a:prstDash val="solid"/>
+                      <a:round/>
+                      <a:headEnd type="none" w="med" len="med"/>
+                      <a:tailEnd type="none" w="med" len="med"/>
+                    </a:lnB>
+                    <a:noFill/>
+                  </a:tcPr>
+                </a:tc>
+                <a:extLst>
+                  <a:ext uri="{0D108BD9-81ED-4DB2-BD59-A6C34878D82A}">
+                    <a16:rowId xmlns:a16="http://schemas.microsoft.com/office/drawing/2014/main" val="1235668524"/>
+                  </a:ext>
+                </a:extLst>
+              </a:tr>
+            </a:tbl>
+          </a:graphicData>
+        </a:graphic>
+      </p:graphicFrame>
       <p:sp>
         <p:nvSpPr>
           <p:cNvPr id="4" name="Chỗ dành sẵn cho Số hiệu Bản chiếu 3">
@@ -3767,9 +7595,49 @@
           <a:p>
             <a:fld id="{480537A9-B8B1-481D-9BE4-179EB839AE15}" type="slidenum">
               <a:rPr lang="vi-VN" smtClean="0"/>
-              <a:t>1</a:t>
+              <a:t>3</a:t>
             </a:fld>
             <a:endParaRPr lang="vi-VN"/>
+          </a:p>
+        </p:txBody>
+      </p:sp>
+      <p:sp>
+        <p:nvSpPr>
+          <p:cNvPr id="6" name="TextBox 5">
+            <a:extLst>
+              <a:ext uri="{FF2B5EF4-FFF2-40B4-BE49-F238E27FC236}">
+                <a16:creationId xmlns:a16="http://schemas.microsoft.com/office/drawing/2014/main" id="{96DA4C29-5DF7-10A5-1CF0-6893F6F51047}"/>
+              </a:ext>
+            </a:extLst>
+          </p:cNvPr>
+          <p:cNvSpPr txBox="1"/>
+          <p:nvPr/>
+        </p:nvSpPr>
+        <p:spPr>
+          <a:xfrm>
+            <a:off x="838200" y="6090104"/>
+            <a:ext cx="6008914" cy="369332"/>
+          </a:xfrm>
+          <a:prstGeom prst="rect">
+            <a:avLst/>
+          </a:prstGeom>
+          <a:noFill/>
+        </p:spPr>
+        <p:txBody>
+          <a:bodyPr wrap="square" rtlCol="0">
+            <a:spAutoFit/>
+          </a:bodyPr>
+          <a:lstStyle/>
+          <a:p>
+            <a:r>
+              <a:rPr lang="en-VN"/>
+              <a:t>Table 1. </a:t>
+            </a:r>
+            <a:r>
+              <a:rPr lang="en-US"/>
+              <a:t>Requirements Repository Metric Capabilities</a:t>
+            </a:r>
+            <a:endParaRPr lang="en-VN"/>
           </a:p>
         </p:txBody>
       </p:sp>
@@ -3777,6 +7645,3838 @@
     <p:extLst>
       <p:ext uri="{BB962C8B-B14F-4D97-AF65-F5344CB8AC3E}">
         <p14:creationId xmlns:p14="http://schemas.microsoft.com/office/powerpoint/2010/main" val="1718786851"/>
+      </p:ext>
+    </p:extLst>
+  </p:cSld>
+  <p:clrMapOvr>
+    <a:masterClrMapping/>
+  </p:clrMapOvr>
+</p:sld>
+</file>
+
+<file path=ppt/slides/slide4.xml><?xml version="1.0" encoding="utf-8"?>
+<p:sld xmlns:a="http://schemas.openxmlformats.org/drawingml/2006/main" xmlns:r="http://schemas.openxmlformats.org/officeDocument/2006/relationships" xmlns:p="http://schemas.openxmlformats.org/presentationml/2006/main">
+  <p:cSld>
+    <p:spTree>
+      <p:nvGrpSpPr>
+        <p:cNvPr id="1" name=""/>
+        <p:cNvGrpSpPr/>
+        <p:nvPr/>
+      </p:nvGrpSpPr>
+      <p:grpSpPr>
+        <a:xfrm>
+          <a:off x="0" y="0"/>
+          <a:ext cx="0" cy="0"/>
+          <a:chOff x="0" y="0"/>
+          <a:chExt cx="0" cy="0"/>
+        </a:xfrm>
+      </p:grpSpPr>
+      <p:sp>
+        <p:nvSpPr>
+          <p:cNvPr id="2" name="Title 1">
+            <a:extLst>
+              <a:ext uri="{FF2B5EF4-FFF2-40B4-BE49-F238E27FC236}">
+                <a16:creationId xmlns:a16="http://schemas.microsoft.com/office/drawing/2014/main" id="{D7E74957-30E3-22A5-6E8D-F90194622A02}"/>
+              </a:ext>
+            </a:extLst>
+          </p:cNvPr>
+          <p:cNvSpPr>
+            <a:spLocks noGrp="1"/>
+          </p:cNvSpPr>
+          <p:nvPr>
+            <p:ph type="title"/>
+          </p:nvPr>
+        </p:nvSpPr>
+        <p:spPr/>
+        <p:txBody>
+          <a:bodyPr/>
+          <a:lstStyle/>
+          <a:p>
+            <a:r>
+              <a:rPr lang="en-VN"/>
+              <a:t>Capacities for RE tool</a:t>
+            </a:r>
+          </a:p>
+        </p:txBody>
+      </p:sp>
+      <p:sp>
+        <p:nvSpPr>
+          <p:cNvPr id="3" name="Content Placeholder 2">
+            <a:extLst>
+              <a:ext uri="{FF2B5EF4-FFF2-40B4-BE49-F238E27FC236}">
+                <a16:creationId xmlns:a16="http://schemas.microsoft.com/office/drawing/2014/main" id="{E33F9F70-9BAD-3990-E26D-4F951394A201}"/>
+              </a:ext>
+            </a:extLst>
+          </p:cNvPr>
+          <p:cNvSpPr>
+            <a:spLocks noGrp="1"/>
+          </p:cNvSpPr>
+          <p:nvPr>
+            <p:ph idx="1"/>
+          </p:nvPr>
+        </p:nvSpPr>
+        <p:spPr/>
+        <p:txBody>
+          <a:bodyPr/>
+          <a:lstStyle/>
+          <a:p>
+            <a:r>
+              <a:rPr lang="en-US"/>
+              <a:t>Requirements elicitation</a:t>
+            </a:r>
+          </a:p>
+          <a:p>
+            <a:r>
+              <a:rPr lang="en-US"/>
+              <a:t>Requirements analysis</a:t>
+            </a:r>
+          </a:p>
+          <a:p>
+            <a:r>
+              <a:rPr lang="en-US"/>
+              <a:t>Requirements specification</a:t>
+            </a:r>
+          </a:p>
+          <a:p>
+            <a:r>
+              <a:rPr lang="en-US" b="1"/>
+              <a:t>Requirements verification and validation (</a:t>
+            </a:r>
+            <a:r>
+              <a:rPr lang="en-US" b="1">
+                <a:solidFill>
+                  <a:srgbClr val="FF0000"/>
+                </a:solidFill>
+              </a:rPr>
+              <a:t>important</a:t>
+            </a:r>
+            <a:r>
+              <a:rPr lang="en-US" b="1"/>
+              <a:t>)</a:t>
+            </a:r>
+          </a:p>
+          <a:p>
+            <a:r>
+              <a:rPr lang="en-US"/>
+              <a:t>Requirements management</a:t>
+            </a:r>
+          </a:p>
+          <a:p>
+            <a:r>
+              <a:rPr lang="en-US"/>
+              <a:t>Other capabilitie</a:t>
+            </a:r>
+            <a:endParaRPr lang="en-VN"/>
+          </a:p>
+        </p:txBody>
+      </p:sp>
+      <p:sp>
+        <p:nvSpPr>
+          <p:cNvPr id="4" name="Slide Number Placeholder 3">
+            <a:extLst>
+              <a:ext uri="{FF2B5EF4-FFF2-40B4-BE49-F238E27FC236}">
+                <a16:creationId xmlns:a16="http://schemas.microsoft.com/office/drawing/2014/main" id="{7F2147E0-DFC8-82A8-344A-5ECC133CCDAF}"/>
+              </a:ext>
+            </a:extLst>
+          </p:cNvPr>
+          <p:cNvSpPr>
+            <a:spLocks noGrp="1"/>
+          </p:cNvSpPr>
+          <p:nvPr>
+            <p:ph type="sldNum" sz="quarter" idx="12"/>
+          </p:nvPr>
+        </p:nvSpPr>
+        <p:spPr/>
+        <p:txBody>
+          <a:bodyPr/>
+          <a:lstStyle/>
+          <a:p>
+            <a:fld id="{480537A9-B8B1-481D-9BE4-179EB839AE15}" type="slidenum">
+              <a:rPr lang="vi-VN" smtClean="0"/>
+              <a:t>4</a:t>
+            </a:fld>
+            <a:endParaRPr lang="vi-VN"/>
+          </a:p>
+        </p:txBody>
+      </p:sp>
+    </p:spTree>
+    <p:extLst>
+      <p:ext uri="{BB962C8B-B14F-4D97-AF65-F5344CB8AC3E}">
+        <p14:creationId xmlns:p14="http://schemas.microsoft.com/office/powerpoint/2010/main" val="1288236331"/>
+      </p:ext>
+    </p:extLst>
+  </p:cSld>
+  <p:clrMapOvr>
+    <a:masterClrMapping/>
+  </p:clrMapOvr>
+</p:sld>
+</file>
+
+<file path=ppt/slides/slide5.xml><?xml version="1.0" encoding="utf-8"?>
+<p:sld xmlns:a="http://schemas.openxmlformats.org/drawingml/2006/main" xmlns:r="http://schemas.openxmlformats.org/officeDocument/2006/relationships" xmlns:p="http://schemas.openxmlformats.org/presentationml/2006/main">
+  <p:cSld>
+    <p:spTree>
+      <p:nvGrpSpPr>
+        <p:cNvPr id="1" name=""/>
+        <p:cNvGrpSpPr/>
+        <p:nvPr/>
+      </p:nvGrpSpPr>
+      <p:grpSpPr>
+        <a:xfrm>
+          <a:off x="0" y="0"/>
+          <a:ext cx="0" cy="0"/>
+          <a:chOff x="0" y="0"/>
+          <a:chExt cx="0" cy="0"/>
+        </a:xfrm>
+      </p:grpSpPr>
+      <p:sp>
+        <p:nvSpPr>
+          <p:cNvPr id="2" name="Title 1">
+            <a:extLst>
+              <a:ext uri="{FF2B5EF4-FFF2-40B4-BE49-F238E27FC236}">
+                <a16:creationId xmlns:a16="http://schemas.microsoft.com/office/drawing/2014/main" id="{A9DFD1F7-59C3-21AC-56D6-FA0F780A5922}"/>
+              </a:ext>
+            </a:extLst>
+          </p:cNvPr>
+          <p:cNvSpPr>
+            <a:spLocks noGrp="1"/>
+          </p:cNvSpPr>
+          <p:nvPr>
+            <p:ph type="title"/>
+          </p:nvPr>
+        </p:nvSpPr>
+        <p:spPr/>
+        <p:txBody>
+          <a:bodyPr/>
+          <a:lstStyle/>
+          <a:p>
+            <a:r>
+              <a:rPr lang="en-VN"/>
+              <a:t>Important features</a:t>
+            </a:r>
+          </a:p>
+        </p:txBody>
+      </p:sp>
+      <p:graphicFrame>
+        <p:nvGraphicFramePr>
+          <p:cNvPr id="5" name="Content Placeholder 4">
+            <a:extLst>
+              <a:ext uri="{FF2B5EF4-FFF2-40B4-BE49-F238E27FC236}">
+                <a16:creationId xmlns:a16="http://schemas.microsoft.com/office/drawing/2014/main" id="{C62E0443-AD4D-A258-CC32-A13F618A8A8F}"/>
+              </a:ext>
+            </a:extLst>
+          </p:cNvPr>
+          <p:cNvGraphicFramePr>
+            <a:graphicFrameLocks noGrp="1"/>
+          </p:cNvGraphicFramePr>
+          <p:nvPr>
+            <p:ph idx="1"/>
+            <p:extLst>
+              <p:ext uri="{D42A27DB-BD31-4B8C-83A1-F6EECF244321}">
+                <p14:modId xmlns:p14="http://schemas.microsoft.com/office/powerpoint/2010/main" val="2125117814"/>
+              </p:ext>
+            </p:extLst>
+          </p:nvPr>
+        </p:nvGraphicFramePr>
+        <p:xfrm>
+          <a:off x="838200" y="1825625"/>
+          <a:ext cx="10515600" cy="3845560"/>
+        </p:xfrm>
+        <a:graphic>
+          <a:graphicData uri="http://schemas.openxmlformats.org/drawingml/2006/table">
+            <a:tbl>
+              <a:tblPr firstRow="1" bandRow="1">
+                <a:tableStyleId>{5C22544A-7EE6-4342-B048-85BDC9FD1C3A}</a:tableStyleId>
+              </a:tblPr>
+              <a:tblGrid>
+                <a:gridCol w="2438400">
+                  <a:extLst>
+                    <a:ext uri="{9D8B030D-6E8A-4147-A177-3AD203B41FA5}">
+                      <a16:colId xmlns:a16="http://schemas.microsoft.com/office/drawing/2014/main" val="4091882117"/>
+                    </a:ext>
+                  </a:extLst>
+                </a:gridCol>
+                <a:gridCol w="8077200">
+                  <a:extLst>
+                    <a:ext uri="{9D8B030D-6E8A-4147-A177-3AD203B41FA5}">
+                      <a16:colId xmlns:a16="http://schemas.microsoft.com/office/drawing/2014/main" val="644961100"/>
+                    </a:ext>
+                  </a:extLst>
+                </a:gridCol>
+              </a:tblGrid>
+              <a:tr h="370840">
+                <a:tc>
+                  <a:txBody>
+                    <a:bodyPr/>
+                    <a:lstStyle/>
+                    <a:p>
+                      <a:r>
+                        <a:rPr lang="en-VN">
+                          <a:solidFill>
+                            <a:schemeClr val="tx1"/>
+                          </a:solidFill>
+                        </a:rPr>
+                        <a:t>Tool features</a:t>
+                      </a:r>
+                    </a:p>
+                  </a:txBody>
+                  <a:tcPr>
+                    <a:lnL w="12700" cap="flat" cmpd="sng" algn="ctr">
+                      <a:solidFill>
+                        <a:schemeClr val="tx1"/>
+                      </a:solidFill>
+                      <a:prstDash val="solid"/>
+                      <a:round/>
+                      <a:headEnd type="none" w="med" len="med"/>
+                      <a:tailEnd type="none" w="med" len="med"/>
+                    </a:lnL>
+                    <a:lnR w="12700" cap="flat" cmpd="sng" algn="ctr">
+                      <a:solidFill>
+                        <a:schemeClr val="tx1"/>
+                      </a:solidFill>
+                      <a:prstDash val="solid"/>
+                      <a:round/>
+                      <a:headEnd type="none" w="med" len="med"/>
+                      <a:tailEnd type="none" w="med" len="med"/>
+                    </a:lnR>
+                    <a:lnT w="12700" cap="flat" cmpd="sng" algn="ctr">
+                      <a:solidFill>
+                        <a:schemeClr val="tx1"/>
+                      </a:solidFill>
+                      <a:prstDash val="solid"/>
+                      <a:round/>
+                      <a:headEnd type="none" w="med" len="med"/>
+                      <a:tailEnd type="none" w="med" len="med"/>
+                    </a:lnT>
+                    <a:lnB w="12700" cap="flat" cmpd="sng" algn="ctr">
+                      <a:solidFill>
+                        <a:schemeClr val="tx1"/>
+                      </a:solidFill>
+                      <a:prstDash val="solid"/>
+                      <a:round/>
+                      <a:headEnd type="none" w="med" len="med"/>
+                      <a:tailEnd type="none" w="med" len="med"/>
+                    </a:lnB>
+                    <a:noFill/>
+                  </a:tcPr>
+                </a:tc>
+                <a:tc>
+                  <a:txBody>
+                    <a:bodyPr/>
+                    <a:lstStyle/>
+                    <a:p>
+                      <a:r>
+                        <a:rPr lang="en-VN">
+                          <a:solidFill>
+                            <a:schemeClr val="tx1"/>
+                          </a:solidFill>
+                        </a:rPr>
+                        <a:t>Description</a:t>
+                      </a:r>
+                    </a:p>
+                  </a:txBody>
+                  <a:tcPr>
+                    <a:lnL w="12700" cap="flat" cmpd="sng" algn="ctr">
+                      <a:solidFill>
+                        <a:schemeClr val="tx1"/>
+                      </a:solidFill>
+                      <a:prstDash val="solid"/>
+                      <a:round/>
+                      <a:headEnd type="none" w="med" len="med"/>
+                      <a:tailEnd type="none" w="med" len="med"/>
+                    </a:lnL>
+                    <a:lnR w="12700" cap="flat" cmpd="sng" algn="ctr">
+                      <a:solidFill>
+                        <a:schemeClr val="tx1"/>
+                      </a:solidFill>
+                      <a:prstDash val="solid"/>
+                      <a:round/>
+                      <a:headEnd type="none" w="med" len="med"/>
+                      <a:tailEnd type="none" w="med" len="med"/>
+                    </a:lnR>
+                    <a:lnT w="12700" cap="flat" cmpd="sng" algn="ctr">
+                      <a:solidFill>
+                        <a:schemeClr val="tx1"/>
+                      </a:solidFill>
+                      <a:prstDash val="solid"/>
+                      <a:round/>
+                      <a:headEnd type="none" w="med" len="med"/>
+                      <a:tailEnd type="none" w="med" len="med"/>
+                    </a:lnT>
+                    <a:lnB w="12700" cap="flat" cmpd="sng" algn="ctr">
+                      <a:solidFill>
+                        <a:schemeClr val="tx1"/>
+                      </a:solidFill>
+                      <a:prstDash val="solid"/>
+                      <a:round/>
+                      <a:headEnd type="none" w="med" len="med"/>
+                      <a:tailEnd type="none" w="med" len="med"/>
+                    </a:lnB>
+                    <a:noFill/>
+                  </a:tcPr>
+                </a:tc>
+                <a:extLst>
+                  <a:ext uri="{0D108BD9-81ED-4DB2-BD59-A6C34878D82A}">
+                    <a16:rowId xmlns:a16="http://schemas.microsoft.com/office/drawing/2014/main" val="707760776"/>
+                  </a:ext>
+                </a:extLst>
+              </a:tr>
+              <a:tr h="370840">
+                <a:tc>
+                  <a:txBody>
+                    <a:bodyPr/>
+                    <a:lstStyle/>
+                    <a:p>
+                      <a:r>
+                        <a:rPr lang="en-US">
+                          <a:solidFill>
+                            <a:schemeClr val="tx1"/>
+                          </a:solidFill>
+                        </a:rPr>
+                        <a:t>Definition of workflow for requirements</a:t>
+                      </a:r>
+                      <a:endParaRPr lang="en-VN">
+                        <a:solidFill>
+                          <a:schemeClr val="tx1"/>
+                        </a:solidFill>
+                      </a:endParaRPr>
+                    </a:p>
+                  </a:txBody>
+                  <a:tcPr>
+                    <a:lnL w="12700" cap="flat" cmpd="sng" algn="ctr">
+                      <a:solidFill>
+                        <a:schemeClr val="tx1"/>
+                      </a:solidFill>
+                      <a:prstDash val="solid"/>
+                      <a:round/>
+                      <a:headEnd type="none" w="med" len="med"/>
+                      <a:tailEnd type="none" w="med" len="med"/>
+                    </a:lnL>
+                    <a:lnR w="12700" cap="flat" cmpd="sng" algn="ctr">
+                      <a:solidFill>
+                        <a:schemeClr val="tx1"/>
+                      </a:solidFill>
+                      <a:prstDash val="solid"/>
+                      <a:round/>
+                      <a:headEnd type="none" w="med" len="med"/>
+                      <a:tailEnd type="none" w="med" len="med"/>
+                    </a:lnR>
+                    <a:lnT w="12700" cap="flat" cmpd="sng" algn="ctr">
+                      <a:solidFill>
+                        <a:schemeClr val="tx1"/>
+                      </a:solidFill>
+                      <a:prstDash val="solid"/>
+                      <a:round/>
+                      <a:headEnd type="none" w="med" len="med"/>
+                      <a:tailEnd type="none" w="med" len="med"/>
+                    </a:lnT>
+                    <a:lnB w="12700" cap="flat" cmpd="sng" algn="ctr">
+                      <a:solidFill>
+                        <a:schemeClr val="tx1"/>
+                      </a:solidFill>
+                      <a:prstDash val="solid"/>
+                      <a:round/>
+                      <a:headEnd type="none" w="med" len="med"/>
+                      <a:tailEnd type="none" w="med" len="med"/>
+                    </a:lnB>
+                    <a:noFill/>
+                  </a:tcPr>
+                </a:tc>
+                <a:tc>
+                  <a:txBody>
+                    <a:bodyPr/>
+                    <a:lstStyle/>
+                    <a:p>
+                      <a:r>
+                        <a:rPr lang="en-US"/>
+                        <a:t>A workflow (states, roles, state transitions) is configurable for requirements.</a:t>
+                      </a:r>
+                      <a:endParaRPr lang="en-VN">
+                        <a:solidFill>
+                          <a:schemeClr val="tx1"/>
+                        </a:solidFill>
+                      </a:endParaRPr>
+                    </a:p>
+                  </a:txBody>
+                  <a:tcPr>
+                    <a:lnL w="12700" cap="flat" cmpd="sng" algn="ctr">
+                      <a:solidFill>
+                        <a:schemeClr val="tx1"/>
+                      </a:solidFill>
+                      <a:prstDash val="solid"/>
+                      <a:round/>
+                      <a:headEnd type="none" w="med" len="med"/>
+                      <a:tailEnd type="none" w="med" len="med"/>
+                    </a:lnL>
+                    <a:lnR w="12700" cap="flat" cmpd="sng" algn="ctr">
+                      <a:solidFill>
+                        <a:schemeClr val="tx1"/>
+                      </a:solidFill>
+                      <a:prstDash val="solid"/>
+                      <a:round/>
+                      <a:headEnd type="none" w="med" len="med"/>
+                      <a:tailEnd type="none" w="med" len="med"/>
+                    </a:lnR>
+                    <a:lnT w="12700" cap="flat" cmpd="sng" algn="ctr">
+                      <a:solidFill>
+                        <a:schemeClr val="tx1"/>
+                      </a:solidFill>
+                      <a:prstDash val="solid"/>
+                      <a:round/>
+                      <a:headEnd type="none" w="med" len="med"/>
+                      <a:tailEnd type="none" w="med" len="med"/>
+                    </a:lnT>
+                    <a:lnB w="12700" cap="flat" cmpd="sng" algn="ctr">
+                      <a:solidFill>
+                        <a:schemeClr val="tx1"/>
+                      </a:solidFill>
+                      <a:prstDash val="solid"/>
+                      <a:round/>
+                      <a:headEnd type="none" w="med" len="med"/>
+                      <a:tailEnd type="none" w="med" len="med"/>
+                    </a:lnB>
+                    <a:noFill/>
+                  </a:tcPr>
+                </a:tc>
+                <a:extLst>
+                  <a:ext uri="{0D108BD9-81ED-4DB2-BD59-A6C34878D82A}">
+                    <a16:rowId xmlns:a16="http://schemas.microsoft.com/office/drawing/2014/main" val="2578174650"/>
+                  </a:ext>
+                </a:extLst>
+              </a:tr>
+              <a:tr h="370840">
+                <a:tc>
+                  <a:txBody>
+                    <a:bodyPr/>
+                    <a:lstStyle/>
+                    <a:p>
+                      <a:r>
+                        <a:rPr lang="en-US"/>
+                        <a:t>Automated generation of bidirectionality of traces</a:t>
+                      </a:r>
+                      <a:endParaRPr lang="en-VN">
+                        <a:solidFill>
+                          <a:schemeClr val="tx1"/>
+                        </a:solidFill>
+                      </a:endParaRPr>
+                    </a:p>
+                  </a:txBody>
+                  <a:tcPr>
+                    <a:lnL w="12700" cap="flat" cmpd="sng" algn="ctr">
+                      <a:solidFill>
+                        <a:schemeClr val="tx1"/>
+                      </a:solidFill>
+                      <a:prstDash val="solid"/>
+                      <a:round/>
+                      <a:headEnd type="none" w="med" len="med"/>
+                      <a:tailEnd type="none" w="med" len="med"/>
+                    </a:lnL>
+                    <a:lnR w="12700" cap="flat" cmpd="sng" algn="ctr">
+                      <a:solidFill>
+                        <a:schemeClr val="tx1"/>
+                      </a:solidFill>
+                      <a:prstDash val="solid"/>
+                      <a:round/>
+                      <a:headEnd type="none" w="med" len="med"/>
+                      <a:tailEnd type="none" w="med" len="med"/>
+                    </a:lnR>
+                    <a:lnT w="12700" cap="flat" cmpd="sng" algn="ctr">
+                      <a:solidFill>
+                        <a:schemeClr val="tx1"/>
+                      </a:solidFill>
+                      <a:prstDash val="solid"/>
+                      <a:round/>
+                      <a:headEnd type="none" w="med" len="med"/>
+                      <a:tailEnd type="none" w="med" len="med"/>
+                    </a:lnT>
+                    <a:lnB w="12700" cap="flat" cmpd="sng" algn="ctr">
+                      <a:solidFill>
+                        <a:schemeClr val="tx1"/>
+                      </a:solidFill>
+                      <a:prstDash val="solid"/>
+                      <a:round/>
+                      <a:headEnd type="none" w="med" len="med"/>
+                      <a:tailEnd type="none" w="med" len="med"/>
+                    </a:lnB>
+                    <a:noFill/>
+                  </a:tcPr>
+                </a:tc>
+                <a:tc>
+                  <a:txBody>
+                    <a:bodyPr/>
+                    <a:lstStyle/>
+                    <a:p>
+                      <a:r>
+                        <a:rPr lang="en-US"/>
+                        <a:t>When the user creates a trace between artifact A and artifact B, it automatically establishes a backward trace from B to A.</a:t>
+                      </a:r>
+                      <a:endParaRPr lang="en-VN">
+                        <a:solidFill>
+                          <a:schemeClr val="tx1"/>
+                        </a:solidFill>
+                      </a:endParaRPr>
+                    </a:p>
+                  </a:txBody>
+                  <a:tcPr>
+                    <a:lnL w="12700" cap="flat" cmpd="sng" algn="ctr">
+                      <a:solidFill>
+                        <a:schemeClr val="tx1"/>
+                      </a:solidFill>
+                      <a:prstDash val="solid"/>
+                      <a:round/>
+                      <a:headEnd type="none" w="med" len="med"/>
+                      <a:tailEnd type="none" w="med" len="med"/>
+                    </a:lnL>
+                    <a:lnR w="12700" cap="flat" cmpd="sng" algn="ctr">
+                      <a:solidFill>
+                        <a:schemeClr val="tx1"/>
+                      </a:solidFill>
+                      <a:prstDash val="solid"/>
+                      <a:round/>
+                      <a:headEnd type="none" w="med" len="med"/>
+                      <a:tailEnd type="none" w="med" len="med"/>
+                    </a:lnR>
+                    <a:lnT w="12700" cap="flat" cmpd="sng" algn="ctr">
+                      <a:solidFill>
+                        <a:schemeClr val="tx1"/>
+                      </a:solidFill>
+                      <a:prstDash val="solid"/>
+                      <a:round/>
+                      <a:headEnd type="none" w="med" len="med"/>
+                      <a:tailEnd type="none" w="med" len="med"/>
+                    </a:lnT>
+                    <a:lnB w="12700" cap="flat" cmpd="sng" algn="ctr">
+                      <a:solidFill>
+                        <a:schemeClr val="tx1"/>
+                      </a:solidFill>
+                      <a:prstDash val="solid"/>
+                      <a:round/>
+                      <a:headEnd type="none" w="med" len="med"/>
+                      <a:tailEnd type="none" w="med" len="med"/>
+                    </a:lnB>
+                    <a:noFill/>
+                  </a:tcPr>
+                </a:tc>
+                <a:extLst>
+                  <a:ext uri="{0D108BD9-81ED-4DB2-BD59-A6C34878D82A}">
+                    <a16:rowId xmlns:a16="http://schemas.microsoft.com/office/drawing/2014/main" val="4036570338"/>
+                  </a:ext>
+                </a:extLst>
+              </a:tr>
+              <a:tr h="370840">
+                <a:tc>
+                  <a:txBody>
+                    <a:bodyPr/>
+                    <a:lstStyle/>
+                    <a:p>
+                      <a:r>
+                        <a:rPr lang="en-US"/>
+                        <a:t>Definition of userspecific trace types</a:t>
+                      </a:r>
+                      <a:endParaRPr lang="en-VN">
+                        <a:solidFill>
+                          <a:schemeClr val="tx1"/>
+                        </a:solidFill>
+                      </a:endParaRPr>
+                    </a:p>
+                  </a:txBody>
+                  <a:tcPr>
+                    <a:lnL w="12700" cap="flat" cmpd="sng" algn="ctr">
+                      <a:solidFill>
+                        <a:schemeClr val="tx1"/>
+                      </a:solidFill>
+                      <a:prstDash val="solid"/>
+                      <a:round/>
+                      <a:headEnd type="none" w="med" len="med"/>
+                      <a:tailEnd type="none" w="med" len="med"/>
+                    </a:lnL>
+                    <a:lnR w="12700" cap="flat" cmpd="sng" algn="ctr">
+                      <a:solidFill>
+                        <a:schemeClr val="tx1"/>
+                      </a:solidFill>
+                      <a:prstDash val="solid"/>
+                      <a:round/>
+                      <a:headEnd type="none" w="med" len="med"/>
+                      <a:tailEnd type="none" w="med" len="med"/>
+                    </a:lnR>
+                    <a:lnT w="12700" cap="flat" cmpd="sng" algn="ctr">
+                      <a:solidFill>
+                        <a:schemeClr val="tx1"/>
+                      </a:solidFill>
+                      <a:prstDash val="solid"/>
+                      <a:round/>
+                      <a:headEnd type="none" w="med" len="med"/>
+                      <a:tailEnd type="none" w="med" len="med"/>
+                    </a:lnT>
+                    <a:lnB w="12700" cap="flat" cmpd="sng" algn="ctr">
+                      <a:solidFill>
+                        <a:schemeClr val="tx1"/>
+                      </a:solidFill>
+                      <a:prstDash val="solid"/>
+                      <a:round/>
+                      <a:headEnd type="none" w="med" len="med"/>
+                      <a:tailEnd type="none" w="med" len="med"/>
+                    </a:lnB>
+                    <a:noFill/>
+                  </a:tcPr>
+                </a:tc>
+                <a:tc>
+                  <a:txBody>
+                    <a:bodyPr/>
+                    <a:lstStyle/>
+                    <a:p>
+                      <a:r>
+                        <a:rPr lang="en-US"/>
+                        <a:t>An authorized user can define trace types and assign names.</a:t>
+                      </a:r>
+                      <a:endParaRPr lang="en-VN">
+                        <a:solidFill>
+                          <a:schemeClr val="tx1"/>
+                        </a:solidFill>
+                      </a:endParaRPr>
+                    </a:p>
+                  </a:txBody>
+                  <a:tcPr>
+                    <a:lnL w="12700" cap="flat" cmpd="sng" algn="ctr">
+                      <a:solidFill>
+                        <a:schemeClr val="tx1"/>
+                      </a:solidFill>
+                      <a:prstDash val="solid"/>
+                      <a:round/>
+                      <a:headEnd type="none" w="med" len="med"/>
+                      <a:tailEnd type="none" w="med" len="med"/>
+                    </a:lnL>
+                    <a:lnR w="12700" cap="flat" cmpd="sng" algn="ctr">
+                      <a:solidFill>
+                        <a:schemeClr val="tx1"/>
+                      </a:solidFill>
+                      <a:prstDash val="solid"/>
+                      <a:round/>
+                      <a:headEnd type="none" w="med" len="med"/>
+                      <a:tailEnd type="none" w="med" len="med"/>
+                    </a:lnR>
+                    <a:lnT w="12700" cap="flat" cmpd="sng" algn="ctr">
+                      <a:solidFill>
+                        <a:schemeClr val="tx1"/>
+                      </a:solidFill>
+                      <a:prstDash val="solid"/>
+                      <a:round/>
+                      <a:headEnd type="none" w="med" len="med"/>
+                      <a:tailEnd type="none" w="med" len="med"/>
+                    </a:lnT>
+                    <a:lnB w="12700" cap="flat" cmpd="sng" algn="ctr">
+                      <a:solidFill>
+                        <a:schemeClr val="tx1"/>
+                      </a:solidFill>
+                      <a:prstDash val="solid"/>
+                      <a:round/>
+                      <a:headEnd type="none" w="med" len="med"/>
+                      <a:tailEnd type="none" w="med" len="med"/>
+                    </a:lnB>
+                    <a:noFill/>
+                  </a:tcPr>
+                </a:tc>
+                <a:extLst>
+                  <a:ext uri="{0D108BD9-81ED-4DB2-BD59-A6C34878D82A}">
+                    <a16:rowId xmlns:a16="http://schemas.microsoft.com/office/drawing/2014/main" val="399020087"/>
+                  </a:ext>
+                </a:extLst>
+              </a:tr>
+              <a:tr h="370840">
+                <a:tc>
+                  <a:txBody>
+                    <a:bodyPr/>
+                    <a:lstStyle/>
+                    <a:p>
+                      <a:r>
+                        <a:rPr lang="en-US"/>
+                        <a:t>Suspect traces</a:t>
+                      </a:r>
+                      <a:endParaRPr lang="en-VN">
+                        <a:solidFill>
+                          <a:schemeClr val="tx1"/>
+                        </a:solidFill>
+                      </a:endParaRPr>
+                    </a:p>
+                  </a:txBody>
+                  <a:tcPr>
+                    <a:lnL w="12700" cap="flat" cmpd="sng" algn="ctr">
+                      <a:solidFill>
+                        <a:schemeClr val="tx1"/>
+                      </a:solidFill>
+                      <a:prstDash val="solid"/>
+                      <a:round/>
+                      <a:headEnd type="none" w="med" len="med"/>
+                      <a:tailEnd type="none" w="med" len="med"/>
+                    </a:lnL>
+                    <a:lnR w="12700" cap="flat" cmpd="sng" algn="ctr">
+                      <a:solidFill>
+                        <a:schemeClr val="tx1"/>
+                      </a:solidFill>
+                      <a:prstDash val="solid"/>
+                      <a:round/>
+                      <a:headEnd type="none" w="med" len="med"/>
+                      <a:tailEnd type="none" w="med" len="med"/>
+                    </a:lnR>
+                    <a:lnT w="12700" cap="flat" cmpd="sng" algn="ctr">
+                      <a:solidFill>
+                        <a:schemeClr val="tx1"/>
+                      </a:solidFill>
+                      <a:prstDash val="solid"/>
+                      <a:round/>
+                      <a:headEnd type="none" w="med" len="med"/>
+                      <a:tailEnd type="none" w="med" len="med"/>
+                    </a:lnT>
+                    <a:lnB w="12700" cap="flat" cmpd="sng" algn="ctr">
+                      <a:solidFill>
+                        <a:schemeClr val="tx1"/>
+                      </a:solidFill>
+                      <a:prstDash val="solid"/>
+                      <a:round/>
+                      <a:headEnd type="none" w="med" len="med"/>
+                      <a:tailEnd type="none" w="med" len="med"/>
+                    </a:lnB>
+                    <a:noFill/>
+                  </a:tcPr>
+                </a:tc>
+                <a:tc>
+                  <a:txBody>
+                    <a:bodyPr/>
+                    <a:lstStyle/>
+                    <a:p>
+                      <a:r>
+                        <a:rPr lang="en-US"/>
+                        <a:t>When a requirement changes, the tool automatically highlights all traces related to this requirement for checking and updating traces.</a:t>
+                      </a:r>
+                      <a:endParaRPr lang="en-VN">
+                        <a:solidFill>
+                          <a:schemeClr val="tx1"/>
+                        </a:solidFill>
+                      </a:endParaRPr>
+                    </a:p>
+                  </a:txBody>
+                  <a:tcPr>
+                    <a:lnL w="12700" cap="flat" cmpd="sng" algn="ctr">
+                      <a:solidFill>
+                        <a:schemeClr val="tx1"/>
+                      </a:solidFill>
+                      <a:prstDash val="solid"/>
+                      <a:round/>
+                      <a:headEnd type="none" w="med" len="med"/>
+                      <a:tailEnd type="none" w="med" len="med"/>
+                    </a:lnL>
+                    <a:lnR w="12700" cap="flat" cmpd="sng" algn="ctr">
+                      <a:solidFill>
+                        <a:schemeClr val="tx1"/>
+                      </a:solidFill>
+                      <a:prstDash val="solid"/>
+                      <a:round/>
+                      <a:headEnd type="none" w="med" len="med"/>
+                      <a:tailEnd type="none" w="med" len="med"/>
+                    </a:lnR>
+                    <a:lnT w="12700" cap="flat" cmpd="sng" algn="ctr">
+                      <a:solidFill>
+                        <a:schemeClr val="tx1"/>
+                      </a:solidFill>
+                      <a:prstDash val="solid"/>
+                      <a:round/>
+                      <a:headEnd type="none" w="med" len="med"/>
+                      <a:tailEnd type="none" w="med" len="med"/>
+                    </a:lnT>
+                    <a:lnB w="12700" cap="flat" cmpd="sng" algn="ctr">
+                      <a:solidFill>
+                        <a:schemeClr val="tx1"/>
+                      </a:solidFill>
+                      <a:prstDash val="solid"/>
+                      <a:round/>
+                      <a:headEnd type="none" w="med" len="med"/>
+                      <a:tailEnd type="none" w="med" len="med"/>
+                    </a:lnB>
+                    <a:noFill/>
+                  </a:tcPr>
+                </a:tc>
+                <a:extLst>
+                  <a:ext uri="{0D108BD9-81ED-4DB2-BD59-A6C34878D82A}">
+                    <a16:rowId xmlns:a16="http://schemas.microsoft.com/office/drawing/2014/main" val="1398187801"/>
+                  </a:ext>
+                </a:extLst>
+              </a:tr>
+              <a:tr h="370840">
+                <a:tc>
+                  <a:txBody>
+                    <a:bodyPr/>
+                    <a:lstStyle/>
+                    <a:p>
+                      <a:r>
+                        <a:rPr lang="en-US"/>
+                        <a:t>Long-term archiving functionality</a:t>
+                      </a:r>
+                      <a:endParaRPr lang="en-VN">
+                        <a:solidFill>
+                          <a:schemeClr val="tx1"/>
+                        </a:solidFill>
+                      </a:endParaRPr>
+                    </a:p>
+                  </a:txBody>
+                  <a:tcPr>
+                    <a:lnL w="12700" cap="flat" cmpd="sng" algn="ctr">
+                      <a:solidFill>
+                        <a:schemeClr val="tx1"/>
+                      </a:solidFill>
+                      <a:prstDash val="solid"/>
+                      <a:round/>
+                      <a:headEnd type="none" w="med" len="med"/>
+                      <a:tailEnd type="none" w="med" len="med"/>
+                    </a:lnL>
+                    <a:lnR w="12700" cap="flat" cmpd="sng" algn="ctr">
+                      <a:solidFill>
+                        <a:schemeClr val="tx1"/>
+                      </a:solidFill>
+                      <a:prstDash val="solid"/>
+                      <a:round/>
+                      <a:headEnd type="none" w="med" len="med"/>
+                      <a:tailEnd type="none" w="med" len="med"/>
+                    </a:lnR>
+                    <a:lnT w="12700" cap="flat" cmpd="sng" algn="ctr">
+                      <a:solidFill>
+                        <a:schemeClr val="tx1"/>
+                      </a:solidFill>
+                      <a:prstDash val="solid"/>
+                      <a:round/>
+                      <a:headEnd type="none" w="med" len="med"/>
+                      <a:tailEnd type="none" w="med" len="med"/>
+                    </a:lnT>
+                    <a:lnB w="12700" cap="flat" cmpd="sng" algn="ctr">
+                      <a:solidFill>
+                        <a:schemeClr val="tx1"/>
+                      </a:solidFill>
+                      <a:prstDash val="solid"/>
+                      <a:round/>
+                      <a:headEnd type="none" w="med" len="med"/>
+                      <a:tailEnd type="none" w="med" len="med"/>
+                    </a:lnB>
+                    <a:noFill/>
+                  </a:tcPr>
+                </a:tc>
+                <a:tc>
+                  <a:txBody>
+                    <a:bodyPr/>
+                    <a:lstStyle/>
+                    <a:p>
+                      <a:r>
+                        <a:rPr lang="en-US"/>
+                        <a:t>All data in the tool can be archived in a format accessible without the tool if necessary.</a:t>
+                      </a:r>
+                      <a:endParaRPr lang="en-VN">
+                        <a:solidFill>
+                          <a:schemeClr val="tx1"/>
+                        </a:solidFill>
+                      </a:endParaRPr>
+                    </a:p>
+                  </a:txBody>
+                  <a:tcPr>
+                    <a:lnL w="12700" cap="flat" cmpd="sng" algn="ctr">
+                      <a:solidFill>
+                        <a:schemeClr val="tx1"/>
+                      </a:solidFill>
+                      <a:prstDash val="solid"/>
+                      <a:round/>
+                      <a:headEnd type="none" w="med" len="med"/>
+                      <a:tailEnd type="none" w="med" len="med"/>
+                    </a:lnL>
+                    <a:lnR w="12700" cap="flat" cmpd="sng" algn="ctr">
+                      <a:solidFill>
+                        <a:schemeClr val="tx1"/>
+                      </a:solidFill>
+                      <a:prstDash val="solid"/>
+                      <a:round/>
+                      <a:headEnd type="none" w="med" len="med"/>
+                      <a:tailEnd type="none" w="med" len="med"/>
+                    </a:lnR>
+                    <a:lnT w="12700" cap="flat" cmpd="sng" algn="ctr">
+                      <a:solidFill>
+                        <a:schemeClr val="tx1"/>
+                      </a:solidFill>
+                      <a:prstDash val="solid"/>
+                      <a:round/>
+                      <a:headEnd type="none" w="med" len="med"/>
+                      <a:tailEnd type="none" w="med" len="med"/>
+                    </a:lnT>
+                    <a:lnB w="12700" cap="flat" cmpd="sng" algn="ctr">
+                      <a:solidFill>
+                        <a:schemeClr val="tx1"/>
+                      </a:solidFill>
+                      <a:prstDash val="solid"/>
+                      <a:round/>
+                      <a:headEnd type="none" w="med" len="med"/>
+                      <a:tailEnd type="none" w="med" len="med"/>
+                    </a:lnB>
+                    <a:noFill/>
+                  </a:tcPr>
+                </a:tc>
+                <a:extLst>
+                  <a:ext uri="{0D108BD9-81ED-4DB2-BD59-A6C34878D82A}">
+                    <a16:rowId xmlns:a16="http://schemas.microsoft.com/office/drawing/2014/main" val="47994514"/>
+                  </a:ext>
+                </a:extLst>
+              </a:tr>
+            </a:tbl>
+          </a:graphicData>
+        </a:graphic>
+      </p:graphicFrame>
+      <p:sp>
+        <p:nvSpPr>
+          <p:cNvPr id="4" name="Slide Number Placeholder 3">
+            <a:extLst>
+              <a:ext uri="{FF2B5EF4-FFF2-40B4-BE49-F238E27FC236}">
+                <a16:creationId xmlns:a16="http://schemas.microsoft.com/office/drawing/2014/main" id="{FDADEB18-9719-F188-99AC-A5F1877EDC85}"/>
+              </a:ext>
+            </a:extLst>
+          </p:cNvPr>
+          <p:cNvSpPr>
+            <a:spLocks noGrp="1"/>
+          </p:cNvSpPr>
+          <p:nvPr>
+            <p:ph type="sldNum" sz="quarter" idx="12"/>
+          </p:nvPr>
+        </p:nvSpPr>
+        <p:spPr/>
+        <p:txBody>
+          <a:bodyPr/>
+          <a:lstStyle/>
+          <a:p>
+            <a:fld id="{480537A9-B8B1-481D-9BE4-179EB839AE15}" type="slidenum">
+              <a:rPr lang="vi-VN" smtClean="0"/>
+              <a:t>5</a:t>
+            </a:fld>
+            <a:endParaRPr lang="vi-VN"/>
+          </a:p>
+        </p:txBody>
+      </p:sp>
+      <p:sp>
+        <p:nvSpPr>
+          <p:cNvPr id="7" name="TextBox 6">
+            <a:extLst>
+              <a:ext uri="{FF2B5EF4-FFF2-40B4-BE49-F238E27FC236}">
+                <a16:creationId xmlns:a16="http://schemas.microsoft.com/office/drawing/2014/main" id="{982CC91E-31BA-5C7B-3ABF-4D9BF8CB2CBF}"/>
+              </a:ext>
+            </a:extLst>
+          </p:cNvPr>
+          <p:cNvSpPr txBox="1"/>
+          <p:nvPr/>
+        </p:nvSpPr>
+        <p:spPr>
+          <a:xfrm>
+            <a:off x="838200" y="5806122"/>
+            <a:ext cx="8871857" cy="369332"/>
+          </a:xfrm>
+          <a:prstGeom prst="rect">
+            <a:avLst/>
+          </a:prstGeom>
+          <a:noFill/>
+        </p:spPr>
+        <p:txBody>
+          <a:bodyPr wrap="square">
+            <a:spAutoFit/>
+          </a:bodyPr>
+          <a:lstStyle/>
+          <a:p>
+            <a:r>
+              <a:rPr lang="en-US"/>
+              <a:t>Table 2. Automated Requirements Engineering Tool Features (Heindl et al. 2006)</a:t>
+            </a:r>
+            <a:endParaRPr lang="en-VN"/>
+          </a:p>
+        </p:txBody>
+      </p:sp>
+    </p:spTree>
+    <p:extLst>
+      <p:ext uri="{BB962C8B-B14F-4D97-AF65-F5344CB8AC3E}">
+        <p14:creationId xmlns:p14="http://schemas.microsoft.com/office/powerpoint/2010/main" val="2362448079"/>
+      </p:ext>
+    </p:extLst>
+  </p:cSld>
+  <p:clrMapOvr>
+    <a:masterClrMapping/>
+  </p:clrMapOvr>
+</p:sld>
+</file>
+
+<file path=ppt/slides/slide6.xml><?xml version="1.0" encoding="utf-8"?>
+<p:sld xmlns:a="http://schemas.openxmlformats.org/drawingml/2006/main" xmlns:r="http://schemas.openxmlformats.org/officeDocument/2006/relationships" xmlns:p="http://schemas.openxmlformats.org/presentationml/2006/main">
+  <p:cSld>
+    <p:spTree>
+      <p:nvGrpSpPr>
+        <p:cNvPr id="1" name=""/>
+        <p:cNvGrpSpPr/>
+        <p:nvPr/>
+      </p:nvGrpSpPr>
+      <p:grpSpPr>
+        <a:xfrm>
+          <a:off x="0" y="0"/>
+          <a:ext cx="0" cy="0"/>
+          <a:chOff x="0" y="0"/>
+          <a:chExt cx="0" cy="0"/>
+        </a:xfrm>
+      </p:grpSpPr>
+      <p:sp>
+        <p:nvSpPr>
+          <p:cNvPr id="2" name="Title 1">
+            <a:extLst>
+              <a:ext uri="{FF2B5EF4-FFF2-40B4-BE49-F238E27FC236}">
+                <a16:creationId xmlns:a16="http://schemas.microsoft.com/office/drawing/2014/main" id="{D9EE7CB1-F5F2-8417-5B19-A00E06CBA2D3}"/>
+              </a:ext>
+            </a:extLst>
+          </p:cNvPr>
+          <p:cNvSpPr>
+            <a:spLocks noGrp="1"/>
+          </p:cNvSpPr>
+          <p:nvPr>
+            <p:ph type="title"/>
+          </p:nvPr>
+        </p:nvSpPr>
+        <p:spPr>
+          <a:xfrm>
+            <a:off x="838200" y="0"/>
+            <a:ext cx="10515600" cy="1325563"/>
+          </a:xfrm>
+        </p:spPr>
+        <p:txBody>
+          <a:bodyPr/>
+          <a:lstStyle/>
+          <a:p>
+            <a:r>
+              <a:rPr lang="en-VN"/>
+              <a:t>List of tools</a:t>
+            </a:r>
+          </a:p>
+        </p:txBody>
+      </p:sp>
+      <p:graphicFrame>
+        <p:nvGraphicFramePr>
+          <p:cNvPr id="5" name="Content Placeholder 4">
+            <a:extLst>
+              <a:ext uri="{FF2B5EF4-FFF2-40B4-BE49-F238E27FC236}">
+                <a16:creationId xmlns:a16="http://schemas.microsoft.com/office/drawing/2014/main" id="{C7E366A9-BBE2-6A68-DE00-B494F832852F}"/>
+              </a:ext>
+            </a:extLst>
+          </p:cNvPr>
+          <p:cNvGraphicFramePr>
+            <a:graphicFrameLocks noGrp="1"/>
+          </p:cNvGraphicFramePr>
+          <p:nvPr>
+            <p:ph idx="1"/>
+            <p:extLst>
+              <p:ext uri="{D42A27DB-BD31-4B8C-83A1-F6EECF244321}">
+                <p14:modId xmlns:p14="http://schemas.microsoft.com/office/powerpoint/2010/main" val="625060832"/>
+              </p:ext>
+            </p:extLst>
+          </p:nvPr>
+        </p:nvGraphicFramePr>
+        <p:xfrm>
+          <a:off x="838200" y="1172740"/>
+          <a:ext cx="10515600" cy="5222240"/>
+        </p:xfrm>
+        <a:graphic>
+          <a:graphicData uri="http://schemas.openxmlformats.org/drawingml/2006/table">
+            <a:tbl>
+              <a:tblPr firstRow="1" bandRow="1">
+                <a:tableStyleId>{5C22544A-7EE6-4342-B048-85BDC9FD1C3A}</a:tableStyleId>
+              </a:tblPr>
+              <a:tblGrid>
+                <a:gridCol w="1709057">
+                  <a:extLst>
+                    <a:ext uri="{9D8B030D-6E8A-4147-A177-3AD203B41FA5}">
+                      <a16:colId xmlns:a16="http://schemas.microsoft.com/office/drawing/2014/main" val="1491588323"/>
+                    </a:ext>
+                  </a:extLst>
+                </a:gridCol>
+                <a:gridCol w="1208314">
+                  <a:extLst>
+                    <a:ext uri="{9D8B030D-6E8A-4147-A177-3AD203B41FA5}">
+                      <a16:colId xmlns:a16="http://schemas.microsoft.com/office/drawing/2014/main" val="320839898"/>
+                    </a:ext>
+                  </a:extLst>
+                </a:gridCol>
+                <a:gridCol w="1502229">
+                  <a:extLst>
+                    <a:ext uri="{9D8B030D-6E8A-4147-A177-3AD203B41FA5}">
+                      <a16:colId xmlns:a16="http://schemas.microsoft.com/office/drawing/2014/main" val="3363024159"/>
+                    </a:ext>
+                  </a:extLst>
+                </a:gridCol>
+                <a:gridCol w="6096000">
+                  <a:extLst>
+                    <a:ext uri="{9D8B030D-6E8A-4147-A177-3AD203B41FA5}">
+                      <a16:colId xmlns:a16="http://schemas.microsoft.com/office/drawing/2014/main" val="1229624746"/>
+                    </a:ext>
+                  </a:extLst>
+                </a:gridCol>
+              </a:tblGrid>
+              <a:tr h="370840">
+                <a:tc>
+                  <a:txBody>
+                    <a:bodyPr/>
+                    <a:lstStyle/>
+                    <a:p>
+                      <a:r>
+                        <a:rPr lang="en-VN">
+                          <a:solidFill>
+                            <a:schemeClr val="tx1"/>
+                          </a:solidFill>
+                        </a:rPr>
+                        <a:t>Tool name</a:t>
+                      </a:r>
+                    </a:p>
+                  </a:txBody>
+                  <a:tcPr>
+                    <a:lnL w="12700" cap="flat" cmpd="sng" algn="ctr">
+                      <a:solidFill>
+                        <a:schemeClr val="tx1"/>
+                      </a:solidFill>
+                      <a:prstDash val="solid"/>
+                      <a:round/>
+                      <a:headEnd type="none" w="med" len="med"/>
+                      <a:tailEnd type="none" w="med" len="med"/>
+                    </a:lnL>
+                    <a:lnR w="12700" cap="flat" cmpd="sng" algn="ctr">
+                      <a:solidFill>
+                        <a:schemeClr val="tx1"/>
+                      </a:solidFill>
+                      <a:prstDash val="solid"/>
+                      <a:round/>
+                      <a:headEnd type="none" w="med" len="med"/>
+                      <a:tailEnd type="none" w="med" len="med"/>
+                    </a:lnR>
+                    <a:lnT w="12700" cap="flat" cmpd="sng" algn="ctr">
+                      <a:solidFill>
+                        <a:schemeClr val="tx1"/>
+                      </a:solidFill>
+                      <a:prstDash val="solid"/>
+                      <a:round/>
+                      <a:headEnd type="none" w="med" len="med"/>
+                      <a:tailEnd type="none" w="med" len="med"/>
+                    </a:lnT>
+                    <a:lnB w="12700" cap="flat" cmpd="sng" algn="ctr">
+                      <a:solidFill>
+                        <a:schemeClr val="tx1"/>
+                      </a:solidFill>
+                      <a:prstDash val="solid"/>
+                      <a:round/>
+                      <a:headEnd type="none" w="med" len="med"/>
+                      <a:tailEnd type="none" w="med" len="med"/>
+                    </a:lnB>
+                    <a:noFill/>
+                  </a:tcPr>
+                </a:tc>
+                <a:tc>
+                  <a:txBody>
+                    <a:bodyPr/>
+                    <a:lstStyle/>
+                    <a:p>
+                      <a:r>
+                        <a:rPr lang="en-VN">
+                          <a:solidFill>
+                            <a:schemeClr val="tx1"/>
+                          </a:solidFill>
+                        </a:rPr>
+                        <a:t>Vender</a:t>
+                      </a:r>
+                    </a:p>
+                  </a:txBody>
+                  <a:tcPr>
+                    <a:lnL w="12700" cap="flat" cmpd="sng" algn="ctr">
+                      <a:solidFill>
+                        <a:schemeClr val="tx1"/>
+                      </a:solidFill>
+                      <a:prstDash val="solid"/>
+                      <a:round/>
+                      <a:headEnd type="none" w="med" len="med"/>
+                      <a:tailEnd type="none" w="med" len="med"/>
+                    </a:lnL>
+                    <a:lnR w="12700" cap="flat" cmpd="sng" algn="ctr">
+                      <a:solidFill>
+                        <a:schemeClr val="tx1"/>
+                      </a:solidFill>
+                      <a:prstDash val="solid"/>
+                      <a:round/>
+                      <a:headEnd type="none" w="med" len="med"/>
+                      <a:tailEnd type="none" w="med" len="med"/>
+                    </a:lnR>
+                    <a:lnT w="12700" cap="flat" cmpd="sng" algn="ctr">
+                      <a:solidFill>
+                        <a:schemeClr val="tx1"/>
+                      </a:solidFill>
+                      <a:prstDash val="solid"/>
+                      <a:round/>
+                      <a:headEnd type="none" w="med" len="med"/>
+                      <a:tailEnd type="none" w="med" len="med"/>
+                    </a:lnT>
+                    <a:lnB w="12700" cap="flat" cmpd="sng" algn="ctr">
+                      <a:solidFill>
+                        <a:schemeClr val="tx1"/>
+                      </a:solidFill>
+                      <a:prstDash val="solid"/>
+                      <a:round/>
+                      <a:headEnd type="none" w="med" len="med"/>
+                      <a:tailEnd type="none" w="med" len="med"/>
+                    </a:lnB>
+                    <a:noFill/>
+                  </a:tcPr>
+                </a:tc>
+                <a:tc>
+                  <a:txBody>
+                    <a:bodyPr/>
+                    <a:lstStyle/>
+                    <a:p>
+                      <a:r>
+                        <a:rPr lang="en-VN">
+                          <a:solidFill>
+                            <a:schemeClr val="tx1"/>
+                          </a:solidFill>
+                        </a:rPr>
+                        <a:t>License</a:t>
+                      </a:r>
+                    </a:p>
+                  </a:txBody>
+                  <a:tcPr>
+                    <a:lnL w="12700" cap="flat" cmpd="sng" algn="ctr">
+                      <a:solidFill>
+                        <a:schemeClr val="tx1"/>
+                      </a:solidFill>
+                      <a:prstDash val="solid"/>
+                      <a:round/>
+                      <a:headEnd type="none" w="med" len="med"/>
+                      <a:tailEnd type="none" w="med" len="med"/>
+                    </a:lnL>
+                    <a:lnR w="12700" cap="flat" cmpd="sng" algn="ctr">
+                      <a:solidFill>
+                        <a:schemeClr val="tx1"/>
+                      </a:solidFill>
+                      <a:prstDash val="solid"/>
+                      <a:round/>
+                      <a:headEnd type="none" w="med" len="med"/>
+                      <a:tailEnd type="none" w="med" len="med"/>
+                    </a:lnR>
+                    <a:lnT w="12700" cap="flat" cmpd="sng" algn="ctr">
+                      <a:solidFill>
+                        <a:schemeClr val="tx1"/>
+                      </a:solidFill>
+                      <a:prstDash val="solid"/>
+                      <a:round/>
+                      <a:headEnd type="none" w="med" len="med"/>
+                      <a:tailEnd type="none" w="med" len="med"/>
+                    </a:lnT>
+                    <a:lnB w="12700" cap="flat" cmpd="sng" algn="ctr">
+                      <a:solidFill>
+                        <a:schemeClr val="tx1"/>
+                      </a:solidFill>
+                      <a:prstDash val="solid"/>
+                      <a:round/>
+                      <a:headEnd type="none" w="med" len="med"/>
+                      <a:tailEnd type="none" w="med" len="med"/>
+                    </a:lnB>
+                    <a:noFill/>
+                  </a:tcPr>
+                </a:tc>
+                <a:tc>
+                  <a:txBody>
+                    <a:bodyPr/>
+                    <a:lstStyle/>
+                    <a:p>
+                      <a:r>
+                        <a:rPr lang="en-VN">
+                          <a:solidFill>
+                            <a:schemeClr val="tx1"/>
+                          </a:solidFill>
+                        </a:rPr>
+                        <a:t>Capabilities</a:t>
+                      </a:r>
+                    </a:p>
+                  </a:txBody>
+                  <a:tcPr>
+                    <a:lnL w="12700" cap="flat" cmpd="sng" algn="ctr">
+                      <a:solidFill>
+                        <a:schemeClr val="tx1"/>
+                      </a:solidFill>
+                      <a:prstDash val="solid"/>
+                      <a:round/>
+                      <a:headEnd type="none" w="med" len="med"/>
+                      <a:tailEnd type="none" w="med" len="med"/>
+                    </a:lnL>
+                    <a:lnR w="12700" cap="flat" cmpd="sng" algn="ctr">
+                      <a:solidFill>
+                        <a:schemeClr val="tx1"/>
+                      </a:solidFill>
+                      <a:prstDash val="solid"/>
+                      <a:round/>
+                      <a:headEnd type="none" w="med" len="med"/>
+                      <a:tailEnd type="none" w="med" len="med"/>
+                    </a:lnR>
+                    <a:lnT w="12700" cap="flat" cmpd="sng" algn="ctr">
+                      <a:solidFill>
+                        <a:schemeClr val="tx1"/>
+                      </a:solidFill>
+                      <a:prstDash val="solid"/>
+                      <a:round/>
+                      <a:headEnd type="none" w="med" len="med"/>
+                      <a:tailEnd type="none" w="med" len="med"/>
+                    </a:lnT>
+                    <a:lnB w="12700" cap="flat" cmpd="sng" algn="ctr">
+                      <a:solidFill>
+                        <a:schemeClr val="tx1"/>
+                      </a:solidFill>
+                      <a:prstDash val="solid"/>
+                      <a:round/>
+                      <a:headEnd type="none" w="med" len="med"/>
+                      <a:tailEnd type="none" w="med" len="med"/>
+                    </a:lnB>
+                    <a:noFill/>
+                  </a:tcPr>
+                </a:tc>
+                <a:extLst>
+                  <a:ext uri="{0D108BD9-81ED-4DB2-BD59-A6C34878D82A}">
+                    <a16:rowId xmlns:a16="http://schemas.microsoft.com/office/drawing/2014/main" val="4249477358"/>
+                  </a:ext>
+                </a:extLst>
+              </a:tr>
+              <a:tr h="370840">
+                <a:tc>
+                  <a:txBody>
+                    <a:bodyPr/>
+                    <a:lstStyle/>
+                    <a:p>
+                      <a:r>
+                        <a:rPr lang="en-VN">
+                          <a:solidFill>
+                            <a:schemeClr val="tx1"/>
+                          </a:solidFill>
+                        </a:rPr>
+                        <a:t>JIRA</a:t>
+                      </a:r>
+                    </a:p>
+                  </a:txBody>
+                  <a:tcPr>
+                    <a:lnL w="12700" cap="flat" cmpd="sng" algn="ctr">
+                      <a:solidFill>
+                        <a:schemeClr val="tx1"/>
+                      </a:solidFill>
+                      <a:prstDash val="solid"/>
+                      <a:round/>
+                      <a:headEnd type="none" w="med" len="med"/>
+                      <a:tailEnd type="none" w="med" len="med"/>
+                    </a:lnL>
+                    <a:lnR w="12700" cap="flat" cmpd="sng" algn="ctr">
+                      <a:solidFill>
+                        <a:schemeClr val="tx1"/>
+                      </a:solidFill>
+                      <a:prstDash val="solid"/>
+                      <a:round/>
+                      <a:headEnd type="none" w="med" len="med"/>
+                      <a:tailEnd type="none" w="med" len="med"/>
+                    </a:lnR>
+                    <a:lnT w="12700" cap="flat" cmpd="sng" algn="ctr">
+                      <a:solidFill>
+                        <a:schemeClr val="tx1"/>
+                      </a:solidFill>
+                      <a:prstDash val="solid"/>
+                      <a:round/>
+                      <a:headEnd type="none" w="med" len="med"/>
+                      <a:tailEnd type="none" w="med" len="med"/>
+                    </a:lnT>
+                    <a:lnB w="12700" cap="flat" cmpd="sng" algn="ctr">
+                      <a:solidFill>
+                        <a:schemeClr val="tx1"/>
+                      </a:solidFill>
+                      <a:prstDash val="solid"/>
+                      <a:round/>
+                      <a:headEnd type="none" w="med" len="med"/>
+                      <a:tailEnd type="none" w="med" len="med"/>
+                    </a:lnB>
+                    <a:noFill/>
+                  </a:tcPr>
+                </a:tc>
+                <a:tc>
+                  <a:txBody>
+                    <a:bodyPr/>
+                    <a:lstStyle/>
+                    <a:p>
+                      <a:r>
+                        <a:rPr lang="en-US"/>
+                        <a:t>Atlassian</a:t>
+                      </a:r>
+                      <a:endParaRPr lang="en-VN">
+                        <a:solidFill>
+                          <a:schemeClr val="tx1"/>
+                        </a:solidFill>
+                      </a:endParaRPr>
+                    </a:p>
+                  </a:txBody>
+                  <a:tcPr>
+                    <a:lnL w="12700" cap="flat" cmpd="sng" algn="ctr">
+                      <a:solidFill>
+                        <a:schemeClr val="tx1"/>
+                      </a:solidFill>
+                      <a:prstDash val="solid"/>
+                      <a:round/>
+                      <a:headEnd type="none" w="med" len="med"/>
+                      <a:tailEnd type="none" w="med" len="med"/>
+                    </a:lnL>
+                    <a:lnR w="12700" cap="flat" cmpd="sng" algn="ctr">
+                      <a:solidFill>
+                        <a:schemeClr val="tx1"/>
+                      </a:solidFill>
+                      <a:prstDash val="solid"/>
+                      <a:round/>
+                      <a:headEnd type="none" w="med" len="med"/>
+                      <a:tailEnd type="none" w="med" len="med"/>
+                    </a:lnR>
+                    <a:lnT w="12700" cap="flat" cmpd="sng" algn="ctr">
+                      <a:solidFill>
+                        <a:schemeClr val="tx1"/>
+                      </a:solidFill>
+                      <a:prstDash val="solid"/>
+                      <a:round/>
+                      <a:headEnd type="none" w="med" len="med"/>
+                      <a:tailEnd type="none" w="med" len="med"/>
+                    </a:lnT>
+                    <a:lnB w="12700" cap="flat" cmpd="sng" algn="ctr">
+                      <a:solidFill>
+                        <a:schemeClr val="tx1"/>
+                      </a:solidFill>
+                      <a:prstDash val="solid"/>
+                      <a:round/>
+                      <a:headEnd type="none" w="med" len="med"/>
+                      <a:tailEnd type="none" w="med" len="med"/>
+                    </a:lnB>
+                    <a:noFill/>
+                  </a:tcPr>
+                </a:tc>
+                <a:tc>
+                  <a:txBody>
+                    <a:bodyPr/>
+                    <a:lstStyle/>
+                    <a:p>
+                      <a:r>
+                        <a:rPr lang="en-VN">
+                          <a:solidFill>
+                            <a:schemeClr val="tx1"/>
+                          </a:solidFill>
+                        </a:rPr>
+                        <a:t>Commercial</a:t>
+                      </a:r>
+                    </a:p>
+                  </a:txBody>
+                  <a:tcPr>
+                    <a:lnL w="12700" cap="flat" cmpd="sng" algn="ctr">
+                      <a:solidFill>
+                        <a:schemeClr val="tx1"/>
+                      </a:solidFill>
+                      <a:prstDash val="solid"/>
+                      <a:round/>
+                      <a:headEnd type="none" w="med" len="med"/>
+                      <a:tailEnd type="none" w="med" len="med"/>
+                    </a:lnL>
+                    <a:lnR w="12700" cap="flat" cmpd="sng" algn="ctr">
+                      <a:solidFill>
+                        <a:schemeClr val="tx1"/>
+                      </a:solidFill>
+                      <a:prstDash val="solid"/>
+                      <a:round/>
+                      <a:headEnd type="none" w="med" len="med"/>
+                      <a:tailEnd type="none" w="med" len="med"/>
+                    </a:lnR>
+                    <a:lnT w="12700" cap="flat" cmpd="sng" algn="ctr">
+                      <a:solidFill>
+                        <a:schemeClr val="tx1"/>
+                      </a:solidFill>
+                      <a:prstDash val="solid"/>
+                      <a:round/>
+                      <a:headEnd type="none" w="med" len="med"/>
+                      <a:tailEnd type="none" w="med" len="med"/>
+                    </a:lnT>
+                    <a:lnB w="12700" cap="flat" cmpd="sng" algn="ctr">
+                      <a:solidFill>
+                        <a:schemeClr val="tx1"/>
+                      </a:solidFill>
+                      <a:prstDash val="solid"/>
+                      <a:round/>
+                      <a:headEnd type="none" w="med" len="med"/>
+                      <a:tailEnd type="none" w="med" len="med"/>
+                    </a:lnB>
+                    <a:noFill/>
+                  </a:tcPr>
+                </a:tc>
+                <a:tc>
+                  <a:txBody>
+                    <a:bodyPr/>
+                    <a:lstStyle/>
+                    <a:p>
+                      <a:r>
+                        <a:rPr lang="en-US"/>
+                        <a:t>Agile support, issue resolution management, project management, requirements management</a:t>
+                      </a:r>
+                      <a:endParaRPr lang="en-VN">
+                        <a:solidFill>
+                          <a:schemeClr val="tx1"/>
+                        </a:solidFill>
+                      </a:endParaRPr>
+                    </a:p>
+                  </a:txBody>
+                  <a:tcPr>
+                    <a:lnL w="12700" cap="flat" cmpd="sng" algn="ctr">
+                      <a:solidFill>
+                        <a:schemeClr val="tx1"/>
+                      </a:solidFill>
+                      <a:prstDash val="solid"/>
+                      <a:round/>
+                      <a:headEnd type="none" w="med" len="med"/>
+                      <a:tailEnd type="none" w="med" len="med"/>
+                    </a:lnL>
+                    <a:lnR w="12700" cap="flat" cmpd="sng" algn="ctr">
+                      <a:solidFill>
+                        <a:schemeClr val="tx1"/>
+                      </a:solidFill>
+                      <a:prstDash val="solid"/>
+                      <a:round/>
+                      <a:headEnd type="none" w="med" len="med"/>
+                      <a:tailEnd type="none" w="med" len="med"/>
+                    </a:lnR>
+                    <a:lnT w="12700" cap="flat" cmpd="sng" algn="ctr">
+                      <a:solidFill>
+                        <a:schemeClr val="tx1"/>
+                      </a:solidFill>
+                      <a:prstDash val="solid"/>
+                      <a:round/>
+                      <a:headEnd type="none" w="med" len="med"/>
+                      <a:tailEnd type="none" w="med" len="med"/>
+                    </a:lnT>
+                    <a:lnB w="12700" cap="flat" cmpd="sng" algn="ctr">
+                      <a:solidFill>
+                        <a:schemeClr val="tx1"/>
+                      </a:solidFill>
+                      <a:prstDash val="solid"/>
+                      <a:round/>
+                      <a:headEnd type="none" w="med" len="med"/>
+                      <a:tailEnd type="none" w="med" len="med"/>
+                    </a:lnB>
+                    <a:noFill/>
+                  </a:tcPr>
+                </a:tc>
+                <a:extLst>
+                  <a:ext uri="{0D108BD9-81ED-4DB2-BD59-A6C34878D82A}">
+                    <a16:rowId xmlns:a16="http://schemas.microsoft.com/office/drawing/2014/main" val="1333118396"/>
+                  </a:ext>
+                </a:extLst>
+              </a:tr>
+              <a:tr h="370840">
+                <a:tc>
+                  <a:txBody>
+                    <a:bodyPr/>
+                    <a:lstStyle/>
+                    <a:p>
+                      <a:r>
+                        <a:rPr lang="en-US"/>
+                        <a:t>Rational Doors</a:t>
+                      </a:r>
+                      <a:endParaRPr lang="en-VN">
+                        <a:solidFill>
+                          <a:schemeClr val="tx1"/>
+                        </a:solidFill>
+                      </a:endParaRPr>
+                    </a:p>
+                  </a:txBody>
+                  <a:tcPr>
+                    <a:lnL w="12700" cap="flat" cmpd="sng" algn="ctr">
+                      <a:solidFill>
+                        <a:schemeClr val="tx1"/>
+                      </a:solidFill>
+                      <a:prstDash val="solid"/>
+                      <a:round/>
+                      <a:headEnd type="none" w="med" len="med"/>
+                      <a:tailEnd type="none" w="med" len="med"/>
+                    </a:lnL>
+                    <a:lnR w="12700" cap="flat" cmpd="sng" algn="ctr">
+                      <a:solidFill>
+                        <a:schemeClr val="tx1"/>
+                      </a:solidFill>
+                      <a:prstDash val="solid"/>
+                      <a:round/>
+                      <a:headEnd type="none" w="med" len="med"/>
+                      <a:tailEnd type="none" w="med" len="med"/>
+                    </a:lnR>
+                    <a:lnT w="12700" cap="flat" cmpd="sng" algn="ctr">
+                      <a:solidFill>
+                        <a:schemeClr val="tx1"/>
+                      </a:solidFill>
+                      <a:prstDash val="solid"/>
+                      <a:round/>
+                      <a:headEnd type="none" w="med" len="med"/>
+                      <a:tailEnd type="none" w="med" len="med"/>
+                    </a:lnT>
+                    <a:lnB w="12700" cap="flat" cmpd="sng" algn="ctr">
+                      <a:solidFill>
+                        <a:schemeClr val="tx1"/>
+                      </a:solidFill>
+                      <a:prstDash val="solid"/>
+                      <a:round/>
+                      <a:headEnd type="none" w="med" len="med"/>
+                      <a:tailEnd type="none" w="med" len="med"/>
+                    </a:lnB>
+                    <a:noFill/>
+                  </a:tcPr>
+                </a:tc>
+                <a:tc>
+                  <a:txBody>
+                    <a:bodyPr/>
+                    <a:lstStyle/>
+                    <a:p>
+                      <a:r>
+                        <a:rPr lang="en-VN">
+                          <a:solidFill>
+                            <a:schemeClr val="tx1"/>
+                          </a:solidFill>
+                        </a:rPr>
+                        <a:t>IBM</a:t>
+                      </a:r>
+                    </a:p>
+                  </a:txBody>
+                  <a:tcPr>
+                    <a:lnL w="12700" cap="flat" cmpd="sng" algn="ctr">
+                      <a:solidFill>
+                        <a:schemeClr val="tx1"/>
+                      </a:solidFill>
+                      <a:prstDash val="solid"/>
+                      <a:round/>
+                      <a:headEnd type="none" w="med" len="med"/>
+                      <a:tailEnd type="none" w="med" len="med"/>
+                    </a:lnL>
+                    <a:lnR w="12700" cap="flat" cmpd="sng" algn="ctr">
+                      <a:solidFill>
+                        <a:schemeClr val="tx1"/>
+                      </a:solidFill>
+                      <a:prstDash val="solid"/>
+                      <a:round/>
+                      <a:headEnd type="none" w="med" len="med"/>
+                      <a:tailEnd type="none" w="med" len="med"/>
+                    </a:lnR>
+                    <a:lnT w="12700" cap="flat" cmpd="sng" algn="ctr">
+                      <a:solidFill>
+                        <a:schemeClr val="tx1"/>
+                      </a:solidFill>
+                      <a:prstDash val="solid"/>
+                      <a:round/>
+                      <a:headEnd type="none" w="med" len="med"/>
+                      <a:tailEnd type="none" w="med" len="med"/>
+                    </a:lnT>
+                    <a:lnB w="12700" cap="flat" cmpd="sng" algn="ctr">
+                      <a:solidFill>
+                        <a:schemeClr val="tx1"/>
+                      </a:solidFill>
+                      <a:prstDash val="solid"/>
+                      <a:round/>
+                      <a:headEnd type="none" w="med" len="med"/>
+                      <a:tailEnd type="none" w="med" len="med"/>
+                    </a:lnB>
+                    <a:noFill/>
+                  </a:tcPr>
+                </a:tc>
+                <a:tc>
+                  <a:txBody>
+                    <a:bodyPr/>
+                    <a:lstStyle/>
+                    <a:p>
+                      <a:r>
+                        <a:rPr lang="en-US"/>
+                        <a:t>IBM EULA </a:t>
+                      </a:r>
+                      <a:endParaRPr lang="en-VN">
+                        <a:solidFill>
+                          <a:schemeClr val="tx1"/>
+                        </a:solidFill>
+                      </a:endParaRPr>
+                    </a:p>
+                  </a:txBody>
+                  <a:tcPr>
+                    <a:lnL w="12700" cap="flat" cmpd="sng" algn="ctr">
+                      <a:solidFill>
+                        <a:schemeClr val="tx1"/>
+                      </a:solidFill>
+                      <a:prstDash val="solid"/>
+                      <a:round/>
+                      <a:headEnd type="none" w="med" len="med"/>
+                      <a:tailEnd type="none" w="med" len="med"/>
+                    </a:lnL>
+                    <a:lnR w="12700" cap="flat" cmpd="sng" algn="ctr">
+                      <a:solidFill>
+                        <a:schemeClr val="tx1"/>
+                      </a:solidFill>
+                      <a:prstDash val="solid"/>
+                      <a:round/>
+                      <a:headEnd type="none" w="med" len="med"/>
+                      <a:tailEnd type="none" w="med" len="med"/>
+                    </a:lnR>
+                    <a:lnT w="12700" cap="flat" cmpd="sng" algn="ctr">
+                      <a:solidFill>
+                        <a:schemeClr val="tx1"/>
+                      </a:solidFill>
+                      <a:prstDash val="solid"/>
+                      <a:round/>
+                      <a:headEnd type="none" w="med" len="med"/>
+                      <a:tailEnd type="none" w="med" len="med"/>
+                    </a:lnT>
+                    <a:lnB w="12700" cap="flat" cmpd="sng" algn="ctr">
+                      <a:solidFill>
+                        <a:schemeClr val="tx1"/>
+                      </a:solidFill>
+                      <a:prstDash val="solid"/>
+                      <a:round/>
+                      <a:headEnd type="none" w="med" len="med"/>
+                      <a:tailEnd type="none" w="med" len="med"/>
+                    </a:lnB>
+                    <a:noFill/>
+                  </a:tcPr>
+                </a:tc>
+                <a:tc>
+                  <a:txBody>
+                    <a:bodyPr/>
+                    <a:lstStyle/>
+                    <a:p>
+                      <a:r>
+                        <a:rPr lang="en-US"/>
+                        <a:t>Configurations management, requirements management, test management</a:t>
+                      </a:r>
+                      <a:endParaRPr lang="en-VN">
+                        <a:solidFill>
+                          <a:schemeClr val="tx1"/>
+                        </a:solidFill>
+                      </a:endParaRPr>
+                    </a:p>
+                  </a:txBody>
+                  <a:tcPr>
+                    <a:lnL w="12700" cap="flat" cmpd="sng" algn="ctr">
+                      <a:solidFill>
+                        <a:schemeClr val="tx1"/>
+                      </a:solidFill>
+                      <a:prstDash val="solid"/>
+                      <a:round/>
+                      <a:headEnd type="none" w="med" len="med"/>
+                      <a:tailEnd type="none" w="med" len="med"/>
+                    </a:lnL>
+                    <a:lnR w="12700" cap="flat" cmpd="sng" algn="ctr">
+                      <a:solidFill>
+                        <a:schemeClr val="tx1"/>
+                      </a:solidFill>
+                      <a:prstDash val="solid"/>
+                      <a:round/>
+                      <a:headEnd type="none" w="med" len="med"/>
+                      <a:tailEnd type="none" w="med" len="med"/>
+                    </a:lnR>
+                    <a:lnT w="12700" cap="flat" cmpd="sng" algn="ctr">
+                      <a:solidFill>
+                        <a:schemeClr val="tx1"/>
+                      </a:solidFill>
+                      <a:prstDash val="solid"/>
+                      <a:round/>
+                      <a:headEnd type="none" w="med" len="med"/>
+                      <a:tailEnd type="none" w="med" len="med"/>
+                    </a:lnT>
+                    <a:lnB w="12700" cap="flat" cmpd="sng" algn="ctr">
+                      <a:solidFill>
+                        <a:schemeClr val="tx1"/>
+                      </a:solidFill>
+                      <a:prstDash val="solid"/>
+                      <a:round/>
+                      <a:headEnd type="none" w="med" len="med"/>
+                      <a:tailEnd type="none" w="med" len="med"/>
+                    </a:lnB>
+                    <a:noFill/>
+                  </a:tcPr>
+                </a:tc>
+                <a:extLst>
+                  <a:ext uri="{0D108BD9-81ED-4DB2-BD59-A6C34878D82A}">
+                    <a16:rowId xmlns:a16="http://schemas.microsoft.com/office/drawing/2014/main" val="2010442920"/>
+                  </a:ext>
+                </a:extLst>
+              </a:tr>
+              <a:tr h="370840">
+                <a:tc>
+                  <a:txBody>
+                    <a:bodyPr/>
+                    <a:lstStyle/>
+                    <a:p>
+                      <a:r>
+                        <a:rPr lang="en-US"/>
+                        <a:t>Azure DevOps</a:t>
+                      </a:r>
+                      <a:endParaRPr lang="en-VN">
+                        <a:solidFill>
+                          <a:schemeClr val="tx1"/>
+                        </a:solidFill>
+                      </a:endParaRPr>
+                    </a:p>
+                  </a:txBody>
+                  <a:tcPr>
+                    <a:lnL w="12700" cap="flat" cmpd="sng" algn="ctr">
+                      <a:solidFill>
+                        <a:schemeClr val="tx1"/>
+                      </a:solidFill>
+                      <a:prstDash val="solid"/>
+                      <a:round/>
+                      <a:headEnd type="none" w="med" len="med"/>
+                      <a:tailEnd type="none" w="med" len="med"/>
+                    </a:lnL>
+                    <a:lnR w="12700" cap="flat" cmpd="sng" algn="ctr">
+                      <a:solidFill>
+                        <a:schemeClr val="tx1"/>
+                      </a:solidFill>
+                      <a:prstDash val="solid"/>
+                      <a:round/>
+                      <a:headEnd type="none" w="med" len="med"/>
+                      <a:tailEnd type="none" w="med" len="med"/>
+                    </a:lnR>
+                    <a:lnT w="12700" cap="flat" cmpd="sng" algn="ctr">
+                      <a:solidFill>
+                        <a:schemeClr val="tx1"/>
+                      </a:solidFill>
+                      <a:prstDash val="solid"/>
+                      <a:round/>
+                      <a:headEnd type="none" w="med" len="med"/>
+                      <a:tailEnd type="none" w="med" len="med"/>
+                    </a:lnT>
+                    <a:lnB w="12700" cap="flat" cmpd="sng" algn="ctr">
+                      <a:solidFill>
+                        <a:schemeClr val="tx1"/>
+                      </a:solidFill>
+                      <a:prstDash val="solid"/>
+                      <a:round/>
+                      <a:headEnd type="none" w="med" len="med"/>
+                      <a:tailEnd type="none" w="med" len="med"/>
+                    </a:lnB>
+                    <a:noFill/>
+                  </a:tcPr>
+                </a:tc>
+                <a:tc>
+                  <a:txBody>
+                    <a:bodyPr/>
+                    <a:lstStyle/>
+                    <a:p>
+                      <a:r>
+                        <a:rPr lang="en-VN">
+                          <a:solidFill>
+                            <a:schemeClr val="tx1"/>
+                          </a:solidFill>
+                        </a:rPr>
+                        <a:t>Microsoft</a:t>
+                      </a:r>
+                    </a:p>
+                  </a:txBody>
+                  <a:tcPr>
+                    <a:lnL w="12700" cap="flat" cmpd="sng" algn="ctr">
+                      <a:solidFill>
+                        <a:schemeClr val="tx1"/>
+                      </a:solidFill>
+                      <a:prstDash val="solid"/>
+                      <a:round/>
+                      <a:headEnd type="none" w="med" len="med"/>
+                      <a:tailEnd type="none" w="med" len="med"/>
+                    </a:lnL>
+                    <a:lnR w="12700" cap="flat" cmpd="sng" algn="ctr">
+                      <a:solidFill>
+                        <a:schemeClr val="tx1"/>
+                      </a:solidFill>
+                      <a:prstDash val="solid"/>
+                      <a:round/>
+                      <a:headEnd type="none" w="med" len="med"/>
+                      <a:tailEnd type="none" w="med" len="med"/>
+                    </a:lnR>
+                    <a:lnT w="12700" cap="flat" cmpd="sng" algn="ctr">
+                      <a:solidFill>
+                        <a:schemeClr val="tx1"/>
+                      </a:solidFill>
+                      <a:prstDash val="solid"/>
+                      <a:round/>
+                      <a:headEnd type="none" w="med" len="med"/>
+                      <a:tailEnd type="none" w="med" len="med"/>
+                    </a:lnT>
+                    <a:lnB w="12700" cap="flat" cmpd="sng" algn="ctr">
+                      <a:solidFill>
+                        <a:schemeClr val="tx1"/>
+                      </a:solidFill>
+                      <a:prstDash val="solid"/>
+                      <a:round/>
+                      <a:headEnd type="none" w="med" len="med"/>
+                      <a:tailEnd type="none" w="med" len="med"/>
+                    </a:lnB>
+                    <a:noFill/>
+                  </a:tcPr>
+                </a:tc>
+                <a:tc>
+                  <a:txBody>
+                    <a:bodyPr/>
+                    <a:lstStyle/>
+                    <a:p>
+                      <a:r>
+                        <a:rPr lang="en-US"/>
+                        <a:t>Commercial</a:t>
+                      </a:r>
+                      <a:endParaRPr lang="en-VN">
+                        <a:solidFill>
+                          <a:schemeClr val="tx1"/>
+                        </a:solidFill>
+                      </a:endParaRPr>
+                    </a:p>
+                  </a:txBody>
+                  <a:tcPr>
+                    <a:lnL w="12700" cap="flat" cmpd="sng" algn="ctr">
+                      <a:solidFill>
+                        <a:schemeClr val="tx1"/>
+                      </a:solidFill>
+                      <a:prstDash val="solid"/>
+                      <a:round/>
+                      <a:headEnd type="none" w="med" len="med"/>
+                      <a:tailEnd type="none" w="med" len="med"/>
+                    </a:lnL>
+                    <a:lnR w="12700" cap="flat" cmpd="sng" algn="ctr">
+                      <a:solidFill>
+                        <a:schemeClr val="tx1"/>
+                      </a:solidFill>
+                      <a:prstDash val="solid"/>
+                      <a:round/>
+                      <a:headEnd type="none" w="med" len="med"/>
+                      <a:tailEnd type="none" w="med" len="med"/>
+                    </a:lnR>
+                    <a:lnT w="12700" cap="flat" cmpd="sng" algn="ctr">
+                      <a:solidFill>
+                        <a:schemeClr val="tx1"/>
+                      </a:solidFill>
+                      <a:prstDash val="solid"/>
+                      <a:round/>
+                      <a:headEnd type="none" w="med" len="med"/>
+                      <a:tailEnd type="none" w="med" len="med"/>
+                    </a:lnT>
+                    <a:lnB w="12700" cap="flat" cmpd="sng" algn="ctr">
+                      <a:solidFill>
+                        <a:schemeClr val="tx1"/>
+                      </a:solidFill>
+                      <a:prstDash val="solid"/>
+                      <a:round/>
+                      <a:headEnd type="none" w="med" len="med"/>
+                      <a:tailEnd type="none" w="med" len="med"/>
+                    </a:lnB>
+                    <a:noFill/>
+                  </a:tcPr>
+                </a:tc>
+                <a:tc>
+                  <a:txBody>
+                    <a:bodyPr/>
+                    <a:lstStyle/>
+                    <a:p>
+                      <a:r>
+                        <a:rPr lang="en-US"/>
+                        <a:t>Agile support, issue resolution management, requirements management, test management</a:t>
+                      </a:r>
+                      <a:endParaRPr lang="en-VN">
+                        <a:solidFill>
+                          <a:schemeClr val="tx1"/>
+                        </a:solidFill>
+                      </a:endParaRPr>
+                    </a:p>
+                  </a:txBody>
+                  <a:tcPr>
+                    <a:lnL w="12700" cap="flat" cmpd="sng" algn="ctr">
+                      <a:solidFill>
+                        <a:schemeClr val="tx1"/>
+                      </a:solidFill>
+                      <a:prstDash val="solid"/>
+                      <a:round/>
+                      <a:headEnd type="none" w="med" len="med"/>
+                      <a:tailEnd type="none" w="med" len="med"/>
+                    </a:lnL>
+                    <a:lnR w="12700" cap="flat" cmpd="sng" algn="ctr">
+                      <a:solidFill>
+                        <a:schemeClr val="tx1"/>
+                      </a:solidFill>
+                      <a:prstDash val="solid"/>
+                      <a:round/>
+                      <a:headEnd type="none" w="med" len="med"/>
+                      <a:tailEnd type="none" w="med" len="med"/>
+                    </a:lnR>
+                    <a:lnT w="12700" cap="flat" cmpd="sng" algn="ctr">
+                      <a:solidFill>
+                        <a:schemeClr val="tx1"/>
+                      </a:solidFill>
+                      <a:prstDash val="solid"/>
+                      <a:round/>
+                      <a:headEnd type="none" w="med" len="med"/>
+                      <a:tailEnd type="none" w="med" len="med"/>
+                    </a:lnT>
+                    <a:lnB w="12700" cap="flat" cmpd="sng" algn="ctr">
+                      <a:solidFill>
+                        <a:schemeClr val="tx1"/>
+                      </a:solidFill>
+                      <a:prstDash val="solid"/>
+                      <a:round/>
+                      <a:headEnd type="none" w="med" len="med"/>
+                      <a:tailEnd type="none" w="med" len="med"/>
+                    </a:lnB>
+                    <a:noFill/>
+                  </a:tcPr>
+                </a:tc>
+                <a:extLst>
+                  <a:ext uri="{0D108BD9-81ED-4DB2-BD59-A6C34878D82A}">
+                    <a16:rowId xmlns:a16="http://schemas.microsoft.com/office/drawing/2014/main" val="1114290884"/>
+                  </a:ext>
+                </a:extLst>
+              </a:tr>
+              <a:tr h="370840">
+                <a:tc>
+                  <a:txBody>
+                    <a:bodyPr/>
+                    <a:lstStyle/>
+                    <a:p>
+                      <a:r>
+                        <a:rPr lang="en-US"/>
+                        <a:t>Jama Connect</a:t>
+                      </a:r>
+                      <a:endParaRPr lang="en-VN">
+                        <a:solidFill>
+                          <a:schemeClr val="tx1"/>
+                        </a:solidFill>
+                      </a:endParaRPr>
+                    </a:p>
+                  </a:txBody>
+                  <a:tcPr>
+                    <a:lnL w="12700" cap="flat" cmpd="sng" algn="ctr">
+                      <a:solidFill>
+                        <a:schemeClr val="tx1"/>
+                      </a:solidFill>
+                      <a:prstDash val="solid"/>
+                      <a:round/>
+                      <a:headEnd type="none" w="med" len="med"/>
+                      <a:tailEnd type="none" w="med" len="med"/>
+                    </a:lnL>
+                    <a:lnR w="12700" cap="flat" cmpd="sng" algn="ctr">
+                      <a:solidFill>
+                        <a:schemeClr val="tx1"/>
+                      </a:solidFill>
+                      <a:prstDash val="solid"/>
+                      <a:round/>
+                      <a:headEnd type="none" w="med" len="med"/>
+                      <a:tailEnd type="none" w="med" len="med"/>
+                    </a:lnR>
+                    <a:lnT w="12700" cap="flat" cmpd="sng" algn="ctr">
+                      <a:solidFill>
+                        <a:schemeClr val="tx1"/>
+                      </a:solidFill>
+                      <a:prstDash val="solid"/>
+                      <a:round/>
+                      <a:headEnd type="none" w="med" len="med"/>
+                      <a:tailEnd type="none" w="med" len="med"/>
+                    </a:lnT>
+                    <a:lnB w="12700" cap="flat" cmpd="sng" algn="ctr">
+                      <a:solidFill>
+                        <a:schemeClr val="tx1"/>
+                      </a:solidFill>
+                      <a:prstDash val="solid"/>
+                      <a:round/>
+                      <a:headEnd type="none" w="med" len="med"/>
+                      <a:tailEnd type="none" w="med" len="med"/>
+                    </a:lnB>
+                    <a:noFill/>
+                  </a:tcPr>
+                </a:tc>
+                <a:tc>
+                  <a:txBody>
+                    <a:bodyPr/>
+                    <a:lstStyle/>
+                    <a:p>
+                      <a:r>
+                        <a:rPr lang="en-US"/>
+                        <a:t>Jama Software</a:t>
+                      </a:r>
+                      <a:endParaRPr lang="en-VN">
+                        <a:solidFill>
+                          <a:schemeClr val="tx1"/>
+                        </a:solidFill>
+                      </a:endParaRPr>
+                    </a:p>
+                  </a:txBody>
+                  <a:tcPr>
+                    <a:lnL w="12700" cap="flat" cmpd="sng" algn="ctr">
+                      <a:solidFill>
+                        <a:schemeClr val="tx1"/>
+                      </a:solidFill>
+                      <a:prstDash val="solid"/>
+                      <a:round/>
+                      <a:headEnd type="none" w="med" len="med"/>
+                      <a:tailEnd type="none" w="med" len="med"/>
+                    </a:lnL>
+                    <a:lnR w="12700" cap="flat" cmpd="sng" algn="ctr">
+                      <a:solidFill>
+                        <a:schemeClr val="tx1"/>
+                      </a:solidFill>
+                      <a:prstDash val="solid"/>
+                      <a:round/>
+                      <a:headEnd type="none" w="med" len="med"/>
+                      <a:tailEnd type="none" w="med" len="med"/>
+                    </a:lnR>
+                    <a:lnT w="12700" cap="flat" cmpd="sng" algn="ctr">
+                      <a:solidFill>
+                        <a:schemeClr val="tx1"/>
+                      </a:solidFill>
+                      <a:prstDash val="solid"/>
+                      <a:round/>
+                      <a:headEnd type="none" w="med" len="med"/>
+                      <a:tailEnd type="none" w="med" len="med"/>
+                    </a:lnT>
+                    <a:lnB w="12700" cap="flat" cmpd="sng" algn="ctr">
+                      <a:solidFill>
+                        <a:schemeClr val="tx1"/>
+                      </a:solidFill>
+                      <a:prstDash val="solid"/>
+                      <a:round/>
+                      <a:headEnd type="none" w="med" len="med"/>
+                      <a:tailEnd type="none" w="med" len="med"/>
+                    </a:lnB>
+                    <a:noFill/>
+                  </a:tcPr>
+                </a:tc>
+                <a:tc>
+                  <a:txBody>
+                    <a:bodyPr/>
+                    <a:lstStyle/>
+                    <a:p>
+                      <a:r>
+                        <a:rPr lang="en-US"/>
+                        <a:t>Commercial</a:t>
+                      </a:r>
+                      <a:endParaRPr lang="en-VN">
+                        <a:solidFill>
+                          <a:schemeClr val="tx1"/>
+                        </a:solidFill>
+                      </a:endParaRPr>
+                    </a:p>
+                  </a:txBody>
+                  <a:tcPr>
+                    <a:lnL w="12700" cap="flat" cmpd="sng" algn="ctr">
+                      <a:solidFill>
+                        <a:schemeClr val="tx1"/>
+                      </a:solidFill>
+                      <a:prstDash val="solid"/>
+                      <a:round/>
+                      <a:headEnd type="none" w="med" len="med"/>
+                      <a:tailEnd type="none" w="med" len="med"/>
+                    </a:lnL>
+                    <a:lnR w="12700" cap="flat" cmpd="sng" algn="ctr">
+                      <a:solidFill>
+                        <a:schemeClr val="tx1"/>
+                      </a:solidFill>
+                      <a:prstDash val="solid"/>
+                      <a:round/>
+                      <a:headEnd type="none" w="med" len="med"/>
+                      <a:tailEnd type="none" w="med" len="med"/>
+                    </a:lnR>
+                    <a:lnT w="12700" cap="flat" cmpd="sng" algn="ctr">
+                      <a:solidFill>
+                        <a:schemeClr val="tx1"/>
+                      </a:solidFill>
+                      <a:prstDash val="solid"/>
+                      <a:round/>
+                      <a:headEnd type="none" w="med" len="med"/>
+                      <a:tailEnd type="none" w="med" len="med"/>
+                    </a:lnT>
+                    <a:lnB w="12700" cap="flat" cmpd="sng" algn="ctr">
+                      <a:solidFill>
+                        <a:schemeClr val="tx1"/>
+                      </a:solidFill>
+                      <a:prstDash val="solid"/>
+                      <a:round/>
+                      <a:headEnd type="none" w="med" len="med"/>
+                      <a:tailEnd type="none" w="med" len="med"/>
+                    </a:lnB>
+                    <a:noFill/>
+                  </a:tcPr>
+                </a:tc>
+                <a:tc>
+                  <a:txBody>
+                    <a:bodyPr/>
+                    <a:lstStyle/>
+                    <a:p>
+                      <a:r>
+                        <a:rPr lang="en-US"/>
+                        <a:t>Project management, requirements management, test management</a:t>
+                      </a:r>
+                      <a:endParaRPr lang="en-VN">
+                        <a:solidFill>
+                          <a:schemeClr val="tx1"/>
+                        </a:solidFill>
+                      </a:endParaRPr>
+                    </a:p>
+                  </a:txBody>
+                  <a:tcPr>
+                    <a:lnL w="12700" cap="flat" cmpd="sng" algn="ctr">
+                      <a:solidFill>
+                        <a:schemeClr val="tx1"/>
+                      </a:solidFill>
+                      <a:prstDash val="solid"/>
+                      <a:round/>
+                      <a:headEnd type="none" w="med" len="med"/>
+                      <a:tailEnd type="none" w="med" len="med"/>
+                    </a:lnL>
+                    <a:lnR w="12700" cap="flat" cmpd="sng" algn="ctr">
+                      <a:solidFill>
+                        <a:schemeClr val="tx1"/>
+                      </a:solidFill>
+                      <a:prstDash val="solid"/>
+                      <a:round/>
+                      <a:headEnd type="none" w="med" len="med"/>
+                      <a:tailEnd type="none" w="med" len="med"/>
+                    </a:lnR>
+                    <a:lnT w="12700" cap="flat" cmpd="sng" algn="ctr">
+                      <a:solidFill>
+                        <a:schemeClr val="tx1"/>
+                      </a:solidFill>
+                      <a:prstDash val="solid"/>
+                      <a:round/>
+                      <a:headEnd type="none" w="med" len="med"/>
+                      <a:tailEnd type="none" w="med" len="med"/>
+                    </a:lnT>
+                    <a:lnB w="12700" cap="flat" cmpd="sng" algn="ctr">
+                      <a:solidFill>
+                        <a:schemeClr val="tx1"/>
+                      </a:solidFill>
+                      <a:prstDash val="solid"/>
+                      <a:round/>
+                      <a:headEnd type="none" w="med" len="med"/>
+                      <a:tailEnd type="none" w="med" len="med"/>
+                    </a:lnB>
+                    <a:noFill/>
+                  </a:tcPr>
+                </a:tc>
+                <a:extLst>
+                  <a:ext uri="{0D108BD9-81ED-4DB2-BD59-A6C34878D82A}">
+                    <a16:rowId xmlns:a16="http://schemas.microsoft.com/office/drawing/2014/main" val="633207131"/>
+                  </a:ext>
+                </a:extLst>
+              </a:tr>
+              <a:tr h="370840">
+                <a:tc>
+                  <a:txBody>
+                    <a:bodyPr/>
+                    <a:lstStyle/>
+                    <a:p>
+                      <a:r>
+                        <a:rPr lang="en-US"/>
+                        <a:t>Doors Next (Jazz)</a:t>
+                      </a:r>
+                      <a:endParaRPr lang="en-VN">
+                        <a:solidFill>
+                          <a:schemeClr val="tx1"/>
+                        </a:solidFill>
+                      </a:endParaRPr>
+                    </a:p>
+                  </a:txBody>
+                  <a:tcPr>
+                    <a:lnL w="12700" cap="flat" cmpd="sng" algn="ctr">
+                      <a:solidFill>
+                        <a:schemeClr val="tx1"/>
+                      </a:solidFill>
+                      <a:prstDash val="solid"/>
+                      <a:round/>
+                      <a:headEnd type="none" w="med" len="med"/>
+                      <a:tailEnd type="none" w="med" len="med"/>
+                    </a:lnL>
+                    <a:lnR w="12700" cap="flat" cmpd="sng" algn="ctr">
+                      <a:solidFill>
+                        <a:schemeClr val="tx1"/>
+                      </a:solidFill>
+                      <a:prstDash val="solid"/>
+                      <a:round/>
+                      <a:headEnd type="none" w="med" len="med"/>
+                      <a:tailEnd type="none" w="med" len="med"/>
+                    </a:lnR>
+                    <a:lnT w="12700" cap="flat" cmpd="sng" algn="ctr">
+                      <a:solidFill>
+                        <a:schemeClr val="tx1"/>
+                      </a:solidFill>
+                      <a:prstDash val="solid"/>
+                      <a:round/>
+                      <a:headEnd type="none" w="med" len="med"/>
+                      <a:tailEnd type="none" w="med" len="med"/>
+                    </a:lnT>
+                    <a:lnB w="12700" cap="flat" cmpd="sng" algn="ctr">
+                      <a:solidFill>
+                        <a:schemeClr val="tx1"/>
+                      </a:solidFill>
+                      <a:prstDash val="solid"/>
+                      <a:round/>
+                      <a:headEnd type="none" w="med" len="med"/>
+                      <a:tailEnd type="none" w="med" len="med"/>
+                    </a:lnB>
+                    <a:noFill/>
+                  </a:tcPr>
+                </a:tc>
+                <a:tc>
+                  <a:txBody>
+                    <a:bodyPr/>
+                    <a:lstStyle/>
+                    <a:p>
+                      <a:r>
+                        <a:rPr lang="en-US"/>
+                        <a:t>IBM</a:t>
+                      </a:r>
+                      <a:endParaRPr lang="en-VN">
+                        <a:solidFill>
+                          <a:schemeClr val="tx1"/>
+                        </a:solidFill>
+                      </a:endParaRPr>
+                    </a:p>
+                  </a:txBody>
+                  <a:tcPr>
+                    <a:lnL w="12700" cap="flat" cmpd="sng" algn="ctr">
+                      <a:solidFill>
+                        <a:schemeClr val="tx1"/>
+                      </a:solidFill>
+                      <a:prstDash val="solid"/>
+                      <a:round/>
+                      <a:headEnd type="none" w="med" len="med"/>
+                      <a:tailEnd type="none" w="med" len="med"/>
+                    </a:lnL>
+                    <a:lnR w="12700" cap="flat" cmpd="sng" algn="ctr">
+                      <a:solidFill>
+                        <a:schemeClr val="tx1"/>
+                      </a:solidFill>
+                      <a:prstDash val="solid"/>
+                      <a:round/>
+                      <a:headEnd type="none" w="med" len="med"/>
+                      <a:tailEnd type="none" w="med" len="med"/>
+                    </a:lnR>
+                    <a:lnT w="12700" cap="flat" cmpd="sng" algn="ctr">
+                      <a:solidFill>
+                        <a:schemeClr val="tx1"/>
+                      </a:solidFill>
+                      <a:prstDash val="solid"/>
+                      <a:round/>
+                      <a:headEnd type="none" w="med" len="med"/>
+                      <a:tailEnd type="none" w="med" len="med"/>
+                    </a:lnT>
+                    <a:lnB w="12700" cap="flat" cmpd="sng" algn="ctr">
+                      <a:solidFill>
+                        <a:schemeClr val="tx1"/>
+                      </a:solidFill>
+                      <a:prstDash val="solid"/>
+                      <a:round/>
+                      <a:headEnd type="none" w="med" len="med"/>
+                      <a:tailEnd type="none" w="med" len="med"/>
+                    </a:lnB>
+                    <a:noFill/>
+                  </a:tcPr>
+                </a:tc>
+                <a:tc>
+                  <a:txBody>
+                    <a:bodyPr/>
+                    <a:lstStyle/>
+                    <a:p>
+                      <a:r>
+                        <a:rPr lang="en-US"/>
+                        <a:t>IBM EULA</a:t>
+                      </a:r>
+                      <a:endParaRPr lang="en-VN">
+                        <a:solidFill>
+                          <a:schemeClr val="tx1"/>
+                        </a:solidFill>
+                      </a:endParaRPr>
+                    </a:p>
+                  </a:txBody>
+                  <a:tcPr>
+                    <a:lnL w="12700" cap="flat" cmpd="sng" algn="ctr">
+                      <a:solidFill>
+                        <a:schemeClr val="tx1"/>
+                      </a:solidFill>
+                      <a:prstDash val="solid"/>
+                      <a:round/>
+                      <a:headEnd type="none" w="med" len="med"/>
+                      <a:tailEnd type="none" w="med" len="med"/>
+                    </a:lnL>
+                    <a:lnR w="12700" cap="flat" cmpd="sng" algn="ctr">
+                      <a:solidFill>
+                        <a:schemeClr val="tx1"/>
+                      </a:solidFill>
+                      <a:prstDash val="solid"/>
+                      <a:round/>
+                      <a:headEnd type="none" w="med" len="med"/>
+                      <a:tailEnd type="none" w="med" len="med"/>
+                    </a:lnR>
+                    <a:lnT w="12700" cap="flat" cmpd="sng" algn="ctr">
+                      <a:solidFill>
+                        <a:schemeClr val="tx1"/>
+                      </a:solidFill>
+                      <a:prstDash val="solid"/>
+                      <a:round/>
+                      <a:headEnd type="none" w="med" len="med"/>
+                      <a:tailEnd type="none" w="med" len="med"/>
+                    </a:lnT>
+                    <a:lnB w="12700" cap="flat" cmpd="sng" algn="ctr">
+                      <a:solidFill>
+                        <a:schemeClr val="tx1"/>
+                      </a:solidFill>
+                      <a:prstDash val="solid"/>
+                      <a:round/>
+                      <a:headEnd type="none" w="med" len="med"/>
+                      <a:tailEnd type="none" w="med" len="med"/>
+                    </a:lnB>
+                    <a:noFill/>
+                  </a:tcPr>
+                </a:tc>
+                <a:tc>
+                  <a:txBody>
+                    <a:bodyPr/>
+                    <a:lstStyle/>
+                    <a:p>
+                      <a:r>
+                        <a:rPr lang="en-US"/>
+                        <a:t>Application lifecycle management, requirements management, test management</a:t>
+                      </a:r>
+                      <a:endParaRPr lang="en-VN">
+                        <a:solidFill>
+                          <a:schemeClr val="tx1"/>
+                        </a:solidFill>
+                      </a:endParaRPr>
+                    </a:p>
+                  </a:txBody>
+                  <a:tcPr>
+                    <a:lnL w="12700" cap="flat" cmpd="sng" algn="ctr">
+                      <a:solidFill>
+                        <a:schemeClr val="tx1"/>
+                      </a:solidFill>
+                      <a:prstDash val="solid"/>
+                      <a:round/>
+                      <a:headEnd type="none" w="med" len="med"/>
+                      <a:tailEnd type="none" w="med" len="med"/>
+                    </a:lnL>
+                    <a:lnR w="12700" cap="flat" cmpd="sng" algn="ctr">
+                      <a:solidFill>
+                        <a:schemeClr val="tx1"/>
+                      </a:solidFill>
+                      <a:prstDash val="solid"/>
+                      <a:round/>
+                      <a:headEnd type="none" w="med" len="med"/>
+                      <a:tailEnd type="none" w="med" len="med"/>
+                    </a:lnR>
+                    <a:lnT w="12700" cap="flat" cmpd="sng" algn="ctr">
+                      <a:solidFill>
+                        <a:schemeClr val="tx1"/>
+                      </a:solidFill>
+                      <a:prstDash val="solid"/>
+                      <a:round/>
+                      <a:headEnd type="none" w="med" len="med"/>
+                      <a:tailEnd type="none" w="med" len="med"/>
+                    </a:lnT>
+                    <a:lnB w="12700" cap="flat" cmpd="sng" algn="ctr">
+                      <a:solidFill>
+                        <a:schemeClr val="tx1"/>
+                      </a:solidFill>
+                      <a:prstDash val="solid"/>
+                      <a:round/>
+                      <a:headEnd type="none" w="med" len="med"/>
+                      <a:tailEnd type="none" w="med" len="med"/>
+                    </a:lnB>
+                    <a:noFill/>
+                  </a:tcPr>
+                </a:tc>
+                <a:extLst>
+                  <a:ext uri="{0D108BD9-81ED-4DB2-BD59-A6C34878D82A}">
+                    <a16:rowId xmlns:a16="http://schemas.microsoft.com/office/drawing/2014/main" val="3420001079"/>
+                  </a:ext>
+                </a:extLst>
+              </a:tr>
+              <a:tr h="370840">
+                <a:tc>
+                  <a:txBody>
+                    <a:bodyPr/>
+                    <a:lstStyle/>
+                    <a:p>
+                      <a:r>
+                        <a:rPr lang="en-US"/>
+                        <a:t>Aha! </a:t>
+                      </a:r>
+                      <a:endParaRPr lang="en-VN">
+                        <a:solidFill>
+                          <a:schemeClr val="tx1"/>
+                        </a:solidFill>
+                      </a:endParaRPr>
+                    </a:p>
+                  </a:txBody>
+                  <a:tcPr>
+                    <a:lnL w="12700" cap="flat" cmpd="sng" algn="ctr">
+                      <a:solidFill>
+                        <a:schemeClr val="tx1"/>
+                      </a:solidFill>
+                      <a:prstDash val="solid"/>
+                      <a:round/>
+                      <a:headEnd type="none" w="med" len="med"/>
+                      <a:tailEnd type="none" w="med" len="med"/>
+                    </a:lnL>
+                    <a:lnR w="12700" cap="flat" cmpd="sng" algn="ctr">
+                      <a:solidFill>
+                        <a:schemeClr val="tx1"/>
+                      </a:solidFill>
+                      <a:prstDash val="solid"/>
+                      <a:round/>
+                      <a:headEnd type="none" w="med" len="med"/>
+                      <a:tailEnd type="none" w="med" len="med"/>
+                    </a:lnR>
+                    <a:lnT w="12700" cap="flat" cmpd="sng" algn="ctr">
+                      <a:solidFill>
+                        <a:schemeClr val="tx1"/>
+                      </a:solidFill>
+                      <a:prstDash val="solid"/>
+                      <a:round/>
+                      <a:headEnd type="none" w="med" len="med"/>
+                      <a:tailEnd type="none" w="med" len="med"/>
+                    </a:lnT>
+                    <a:lnB w="12700" cap="flat" cmpd="sng" algn="ctr">
+                      <a:solidFill>
+                        <a:schemeClr val="tx1"/>
+                      </a:solidFill>
+                      <a:prstDash val="solid"/>
+                      <a:round/>
+                      <a:headEnd type="none" w="med" len="med"/>
+                      <a:tailEnd type="none" w="med" len="med"/>
+                    </a:lnB>
+                    <a:noFill/>
+                  </a:tcPr>
+                </a:tc>
+                <a:tc>
+                  <a:txBody>
+                    <a:bodyPr/>
+                    <a:lstStyle/>
+                    <a:p>
+                      <a:r>
+                        <a:rPr lang="en-US"/>
+                        <a:t>Aha! Labs</a:t>
+                      </a:r>
+                      <a:endParaRPr lang="en-VN">
+                        <a:solidFill>
+                          <a:schemeClr val="tx1"/>
+                        </a:solidFill>
+                      </a:endParaRPr>
+                    </a:p>
+                  </a:txBody>
+                  <a:tcPr>
+                    <a:lnL w="12700" cap="flat" cmpd="sng" algn="ctr">
+                      <a:solidFill>
+                        <a:schemeClr val="tx1"/>
+                      </a:solidFill>
+                      <a:prstDash val="solid"/>
+                      <a:round/>
+                      <a:headEnd type="none" w="med" len="med"/>
+                      <a:tailEnd type="none" w="med" len="med"/>
+                    </a:lnL>
+                    <a:lnR w="12700" cap="flat" cmpd="sng" algn="ctr">
+                      <a:solidFill>
+                        <a:schemeClr val="tx1"/>
+                      </a:solidFill>
+                      <a:prstDash val="solid"/>
+                      <a:round/>
+                      <a:headEnd type="none" w="med" len="med"/>
+                      <a:tailEnd type="none" w="med" len="med"/>
+                    </a:lnR>
+                    <a:lnT w="12700" cap="flat" cmpd="sng" algn="ctr">
+                      <a:solidFill>
+                        <a:schemeClr val="tx1"/>
+                      </a:solidFill>
+                      <a:prstDash val="solid"/>
+                      <a:round/>
+                      <a:headEnd type="none" w="med" len="med"/>
+                      <a:tailEnd type="none" w="med" len="med"/>
+                    </a:lnT>
+                    <a:lnB w="12700" cap="flat" cmpd="sng" algn="ctr">
+                      <a:solidFill>
+                        <a:schemeClr val="tx1"/>
+                      </a:solidFill>
+                      <a:prstDash val="solid"/>
+                      <a:round/>
+                      <a:headEnd type="none" w="med" len="med"/>
+                      <a:tailEnd type="none" w="med" len="med"/>
+                    </a:lnB>
+                    <a:noFill/>
+                  </a:tcPr>
+                </a:tc>
+                <a:tc>
+                  <a:txBody>
+                    <a:bodyPr/>
+                    <a:lstStyle/>
+                    <a:p>
+                      <a:pPr marL="0" marR="0" lvl="0" indent="0" algn="l" defTabSz="914400" rtl="0" eaLnBrk="1" fontAlgn="auto" latinLnBrk="0" hangingPunct="1">
+                        <a:lnSpc>
+                          <a:spcPct val="100000"/>
+                        </a:lnSpc>
+                        <a:spcBef>
+                          <a:spcPts val="0"/>
+                        </a:spcBef>
+                        <a:spcAft>
+                          <a:spcPts val="0"/>
+                        </a:spcAft>
+                        <a:buClrTx/>
+                        <a:buSzTx/>
+                        <a:buFontTx/>
+                        <a:buNone/>
+                        <a:tabLst/>
+                        <a:defRPr/>
+                      </a:pPr>
+                      <a:r>
+                        <a:rPr lang="en-US"/>
+                        <a:t>Commercial</a:t>
+                      </a:r>
+                      <a:endParaRPr lang="en-VN">
+                        <a:solidFill>
+                          <a:schemeClr val="tx1"/>
+                        </a:solidFill>
+                      </a:endParaRPr>
+                    </a:p>
+                  </a:txBody>
+                  <a:tcPr>
+                    <a:lnL w="12700" cap="flat" cmpd="sng" algn="ctr">
+                      <a:solidFill>
+                        <a:schemeClr val="tx1"/>
+                      </a:solidFill>
+                      <a:prstDash val="solid"/>
+                      <a:round/>
+                      <a:headEnd type="none" w="med" len="med"/>
+                      <a:tailEnd type="none" w="med" len="med"/>
+                    </a:lnL>
+                    <a:lnR w="12700" cap="flat" cmpd="sng" algn="ctr">
+                      <a:solidFill>
+                        <a:schemeClr val="tx1"/>
+                      </a:solidFill>
+                      <a:prstDash val="solid"/>
+                      <a:round/>
+                      <a:headEnd type="none" w="med" len="med"/>
+                      <a:tailEnd type="none" w="med" len="med"/>
+                    </a:lnR>
+                    <a:lnT w="12700" cap="flat" cmpd="sng" algn="ctr">
+                      <a:solidFill>
+                        <a:schemeClr val="tx1"/>
+                      </a:solidFill>
+                      <a:prstDash val="solid"/>
+                      <a:round/>
+                      <a:headEnd type="none" w="med" len="med"/>
+                      <a:tailEnd type="none" w="med" len="med"/>
+                    </a:lnT>
+                    <a:lnB w="12700" cap="flat" cmpd="sng" algn="ctr">
+                      <a:solidFill>
+                        <a:schemeClr val="tx1"/>
+                      </a:solidFill>
+                      <a:prstDash val="solid"/>
+                      <a:round/>
+                      <a:headEnd type="none" w="med" len="med"/>
+                      <a:tailEnd type="none" w="med" len="med"/>
+                    </a:lnB>
+                    <a:noFill/>
+                  </a:tcPr>
+                </a:tc>
+                <a:tc>
+                  <a:txBody>
+                    <a:bodyPr/>
+                    <a:lstStyle/>
+                    <a:p>
+                      <a:r>
+                        <a:rPr lang="en-US"/>
+                        <a:t>Product management, requirements management</a:t>
+                      </a:r>
+                      <a:endParaRPr lang="en-VN">
+                        <a:solidFill>
+                          <a:schemeClr val="tx1"/>
+                        </a:solidFill>
+                      </a:endParaRPr>
+                    </a:p>
+                  </a:txBody>
+                  <a:tcPr>
+                    <a:lnL w="12700" cap="flat" cmpd="sng" algn="ctr">
+                      <a:solidFill>
+                        <a:schemeClr val="tx1"/>
+                      </a:solidFill>
+                      <a:prstDash val="solid"/>
+                      <a:round/>
+                      <a:headEnd type="none" w="med" len="med"/>
+                      <a:tailEnd type="none" w="med" len="med"/>
+                    </a:lnL>
+                    <a:lnR w="12700" cap="flat" cmpd="sng" algn="ctr">
+                      <a:solidFill>
+                        <a:schemeClr val="tx1"/>
+                      </a:solidFill>
+                      <a:prstDash val="solid"/>
+                      <a:round/>
+                      <a:headEnd type="none" w="med" len="med"/>
+                      <a:tailEnd type="none" w="med" len="med"/>
+                    </a:lnR>
+                    <a:lnT w="12700" cap="flat" cmpd="sng" algn="ctr">
+                      <a:solidFill>
+                        <a:schemeClr val="tx1"/>
+                      </a:solidFill>
+                      <a:prstDash val="solid"/>
+                      <a:round/>
+                      <a:headEnd type="none" w="med" len="med"/>
+                      <a:tailEnd type="none" w="med" len="med"/>
+                    </a:lnT>
+                    <a:lnB w="12700" cap="flat" cmpd="sng" algn="ctr">
+                      <a:solidFill>
+                        <a:schemeClr val="tx1"/>
+                      </a:solidFill>
+                      <a:prstDash val="solid"/>
+                      <a:round/>
+                      <a:headEnd type="none" w="med" len="med"/>
+                      <a:tailEnd type="none" w="med" len="med"/>
+                    </a:lnB>
+                    <a:noFill/>
+                  </a:tcPr>
+                </a:tc>
+                <a:extLst>
+                  <a:ext uri="{0D108BD9-81ED-4DB2-BD59-A6C34878D82A}">
+                    <a16:rowId xmlns:a16="http://schemas.microsoft.com/office/drawing/2014/main" val="656038044"/>
+                  </a:ext>
+                </a:extLst>
+              </a:tr>
+              <a:tr h="370840">
+                <a:tc>
+                  <a:txBody>
+                    <a:bodyPr/>
+                    <a:lstStyle/>
+                    <a:p>
+                      <a:r>
+                        <a:rPr lang="en-US"/>
+                        <a:t>Quality Center</a:t>
+                      </a:r>
+                      <a:endParaRPr lang="en-VN">
+                        <a:solidFill>
+                          <a:schemeClr val="tx1"/>
+                        </a:solidFill>
+                      </a:endParaRPr>
+                    </a:p>
+                  </a:txBody>
+                  <a:tcPr>
+                    <a:lnL w="12700" cap="flat" cmpd="sng" algn="ctr">
+                      <a:solidFill>
+                        <a:schemeClr val="tx1"/>
+                      </a:solidFill>
+                      <a:prstDash val="solid"/>
+                      <a:round/>
+                      <a:headEnd type="none" w="med" len="med"/>
+                      <a:tailEnd type="none" w="med" len="med"/>
+                    </a:lnL>
+                    <a:lnR w="12700" cap="flat" cmpd="sng" algn="ctr">
+                      <a:solidFill>
+                        <a:schemeClr val="tx1"/>
+                      </a:solidFill>
+                      <a:prstDash val="solid"/>
+                      <a:round/>
+                      <a:headEnd type="none" w="med" len="med"/>
+                      <a:tailEnd type="none" w="med" len="med"/>
+                    </a:lnR>
+                    <a:lnT w="12700" cap="flat" cmpd="sng" algn="ctr">
+                      <a:solidFill>
+                        <a:schemeClr val="tx1"/>
+                      </a:solidFill>
+                      <a:prstDash val="solid"/>
+                      <a:round/>
+                      <a:headEnd type="none" w="med" len="med"/>
+                      <a:tailEnd type="none" w="med" len="med"/>
+                    </a:lnT>
+                    <a:lnB w="12700" cap="flat" cmpd="sng" algn="ctr">
+                      <a:solidFill>
+                        <a:schemeClr val="tx1"/>
+                      </a:solidFill>
+                      <a:prstDash val="solid"/>
+                      <a:round/>
+                      <a:headEnd type="none" w="med" len="med"/>
+                      <a:tailEnd type="none" w="med" len="med"/>
+                    </a:lnB>
+                    <a:noFill/>
+                  </a:tcPr>
+                </a:tc>
+                <a:tc>
+                  <a:txBody>
+                    <a:bodyPr/>
+                    <a:lstStyle/>
+                    <a:p>
+                      <a:r>
+                        <a:rPr lang="en-US"/>
+                        <a:t>Micro Focus</a:t>
+                      </a:r>
+                      <a:endParaRPr lang="en-VN">
+                        <a:solidFill>
+                          <a:schemeClr val="tx1"/>
+                        </a:solidFill>
+                      </a:endParaRPr>
+                    </a:p>
+                  </a:txBody>
+                  <a:tcPr>
+                    <a:lnL w="12700" cap="flat" cmpd="sng" algn="ctr">
+                      <a:solidFill>
+                        <a:schemeClr val="tx1"/>
+                      </a:solidFill>
+                      <a:prstDash val="solid"/>
+                      <a:round/>
+                      <a:headEnd type="none" w="med" len="med"/>
+                      <a:tailEnd type="none" w="med" len="med"/>
+                    </a:lnL>
+                    <a:lnR w="12700" cap="flat" cmpd="sng" algn="ctr">
+                      <a:solidFill>
+                        <a:schemeClr val="tx1"/>
+                      </a:solidFill>
+                      <a:prstDash val="solid"/>
+                      <a:round/>
+                      <a:headEnd type="none" w="med" len="med"/>
+                      <a:tailEnd type="none" w="med" len="med"/>
+                    </a:lnR>
+                    <a:lnT w="12700" cap="flat" cmpd="sng" algn="ctr">
+                      <a:solidFill>
+                        <a:schemeClr val="tx1"/>
+                      </a:solidFill>
+                      <a:prstDash val="solid"/>
+                      <a:round/>
+                      <a:headEnd type="none" w="med" len="med"/>
+                      <a:tailEnd type="none" w="med" len="med"/>
+                    </a:lnT>
+                    <a:lnB w="12700" cap="flat" cmpd="sng" algn="ctr">
+                      <a:solidFill>
+                        <a:schemeClr val="tx1"/>
+                      </a:solidFill>
+                      <a:prstDash val="solid"/>
+                      <a:round/>
+                      <a:headEnd type="none" w="med" len="med"/>
+                      <a:tailEnd type="none" w="med" len="med"/>
+                    </a:lnB>
+                    <a:noFill/>
+                  </a:tcPr>
+                </a:tc>
+                <a:tc>
+                  <a:txBody>
+                    <a:bodyPr/>
+                    <a:lstStyle/>
+                    <a:p>
+                      <a:pPr marL="0" marR="0" lvl="0" indent="0" algn="l" defTabSz="914400" rtl="0" eaLnBrk="1" fontAlgn="auto" latinLnBrk="0" hangingPunct="1">
+                        <a:lnSpc>
+                          <a:spcPct val="100000"/>
+                        </a:lnSpc>
+                        <a:spcBef>
+                          <a:spcPts val="0"/>
+                        </a:spcBef>
+                        <a:spcAft>
+                          <a:spcPts val="0"/>
+                        </a:spcAft>
+                        <a:buClrTx/>
+                        <a:buSzTx/>
+                        <a:buFontTx/>
+                        <a:buNone/>
+                        <a:tabLst/>
+                        <a:defRPr/>
+                      </a:pPr>
+                      <a:r>
+                        <a:rPr lang="en-US"/>
+                        <a:t>Commercial</a:t>
+                      </a:r>
+                      <a:endParaRPr lang="en-VN">
+                        <a:solidFill>
+                          <a:schemeClr val="tx1"/>
+                        </a:solidFill>
+                      </a:endParaRPr>
+                    </a:p>
+                  </a:txBody>
+                  <a:tcPr>
+                    <a:lnL w="12700" cap="flat" cmpd="sng" algn="ctr">
+                      <a:solidFill>
+                        <a:schemeClr val="tx1"/>
+                      </a:solidFill>
+                      <a:prstDash val="solid"/>
+                      <a:round/>
+                      <a:headEnd type="none" w="med" len="med"/>
+                      <a:tailEnd type="none" w="med" len="med"/>
+                    </a:lnL>
+                    <a:lnR w="12700" cap="flat" cmpd="sng" algn="ctr">
+                      <a:solidFill>
+                        <a:schemeClr val="tx1"/>
+                      </a:solidFill>
+                      <a:prstDash val="solid"/>
+                      <a:round/>
+                      <a:headEnd type="none" w="med" len="med"/>
+                      <a:tailEnd type="none" w="med" len="med"/>
+                    </a:lnR>
+                    <a:lnT w="12700" cap="flat" cmpd="sng" algn="ctr">
+                      <a:solidFill>
+                        <a:schemeClr val="tx1"/>
+                      </a:solidFill>
+                      <a:prstDash val="solid"/>
+                      <a:round/>
+                      <a:headEnd type="none" w="med" len="med"/>
+                      <a:tailEnd type="none" w="med" len="med"/>
+                    </a:lnT>
+                    <a:lnB w="12700" cap="flat" cmpd="sng" algn="ctr">
+                      <a:solidFill>
+                        <a:schemeClr val="tx1"/>
+                      </a:solidFill>
+                      <a:prstDash val="solid"/>
+                      <a:round/>
+                      <a:headEnd type="none" w="med" len="med"/>
+                      <a:tailEnd type="none" w="med" len="med"/>
+                    </a:lnB>
+                    <a:noFill/>
+                  </a:tcPr>
+                </a:tc>
+                <a:tc>
+                  <a:txBody>
+                    <a:bodyPr/>
+                    <a:lstStyle/>
+                    <a:p>
+                      <a:r>
+                        <a:rPr lang="en-US"/>
+                        <a:t>Issue resolution management, requirements management, test management, project management</a:t>
+                      </a:r>
+                      <a:endParaRPr lang="en-VN">
+                        <a:solidFill>
+                          <a:schemeClr val="tx1"/>
+                        </a:solidFill>
+                      </a:endParaRPr>
+                    </a:p>
+                  </a:txBody>
+                  <a:tcPr>
+                    <a:lnL w="12700" cap="flat" cmpd="sng" algn="ctr">
+                      <a:solidFill>
+                        <a:schemeClr val="tx1"/>
+                      </a:solidFill>
+                      <a:prstDash val="solid"/>
+                      <a:round/>
+                      <a:headEnd type="none" w="med" len="med"/>
+                      <a:tailEnd type="none" w="med" len="med"/>
+                    </a:lnL>
+                    <a:lnR w="12700" cap="flat" cmpd="sng" algn="ctr">
+                      <a:solidFill>
+                        <a:schemeClr val="tx1"/>
+                      </a:solidFill>
+                      <a:prstDash val="solid"/>
+                      <a:round/>
+                      <a:headEnd type="none" w="med" len="med"/>
+                      <a:tailEnd type="none" w="med" len="med"/>
+                    </a:lnR>
+                    <a:lnT w="12700" cap="flat" cmpd="sng" algn="ctr">
+                      <a:solidFill>
+                        <a:schemeClr val="tx1"/>
+                      </a:solidFill>
+                      <a:prstDash val="solid"/>
+                      <a:round/>
+                      <a:headEnd type="none" w="med" len="med"/>
+                      <a:tailEnd type="none" w="med" len="med"/>
+                    </a:lnT>
+                    <a:lnB w="12700" cap="flat" cmpd="sng" algn="ctr">
+                      <a:solidFill>
+                        <a:schemeClr val="tx1"/>
+                      </a:solidFill>
+                      <a:prstDash val="solid"/>
+                      <a:round/>
+                      <a:headEnd type="none" w="med" len="med"/>
+                      <a:tailEnd type="none" w="med" len="med"/>
+                    </a:lnB>
+                    <a:noFill/>
+                  </a:tcPr>
+                </a:tc>
+                <a:extLst>
+                  <a:ext uri="{0D108BD9-81ED-4DB2-BD59-A6C34878D82A}">
+                    <a16:rowId xmlns:a16="http://schemas.microsoft.com/office/drawing/2014/main" val="924385028"/>
+                  </a:ext>
+                </a:extLst>
+              </a:tr>
+              <a:tr h="370840">
+                <a:tc>
+                  <a:txBody>
+                    <a:bodyPr/>
+                    <a:lstStyle/>
+                    <a:p>
+                      <a:r>
+                        <a:rPr lang="en-US"/>
+                        <a:t>VersionOne</a:t>
+                      </a:r>
+                      <a:endParaRPr lang="en-VN">
+                        <a:solidFill>
+                          <a:schemeClr val="tx1"/>
+                        </a:solidFill>
+                      </a:endParaRPr>
+                    </a:p>
+                  </a:txBody>
+                  <a:tcPr>
+                    <a:lnL w="12700" cap="flat" cmpd="sng" algn="ctr">
+                      <a:solidFill>
+                        <a:schemeClr val="tx1"/>
+                      </a:solidFill>
+                      <a:prstDash val="solid"/>
+                      <a:round/>
+                      <a:headEnd type="none" w="med" len="med"/>
+                      <a:tailEnd type="none" w="med" len="med"/>
+                    </a:lnL>
+                    <a:lnR w="12700" cap="flat" cmpd="sng" algn="ctr">
+                      <a:solidFill>
+                        <a:schemeClr val="tx1"/>
+                      </a:solidFill>
+                      <a:prstDash val="solid"/>
+                      <a:round/>
+                      <a:headEnd type="none" w="med" len="med"/>
+                      <a:tailEnd type="none" w="med" len="med"/>
+                    </a:lnR>
+                    <a:lnT w="12700" cap="flat" cmpd="sng" algn="ctr">
+                      <a:solidFill>
+                        <a:schemeClr val="tx1"/>
+                      </a:solidFill>
+                      <a:prstDash val="solid"/>
+                      <a:round/>
+                      <a:headEnd type="none" w="med" len="med"/>
+                      <a:tailEnd type="none" w="med" len="med"/>
+                    </a:lnT>
+                    <a:lnB w="12700" cap="flat" cmpd="sng" algn="ctr">
+                      <a:solidFill>
+                        <a:schemeClr val="tx1"/>
+                      </a:solidFill>
+                      <a:prstDash val="solid"/>
+                      <a:round/>
+                      <a:headEnd type="none" w="med" len="med"/>
+                      <a:tailEnd type="none" w="med" len="med"/>
+                    </a:lnB>
+                    <a:noFill/>
+                  </a:tcPr>
+                </a:tc>
+                <a:tc>
+                  <a:txBody>
+                    <a:bodyPr/>
+                    <a:lstStyle/>
+                    <a:p>
+                      <a:r>
+                        <a:rPr lang="en-US"/>
+                        <a:t>CollabNet</a:t>
+                      </a:r>
+                      <a:endParaRPr lang="en-VN">
+                        <a:solidFill>
+                          <a:schemeClr val="tx1"/>
+                        </a:solidFill>
+                      </a:endParaRPr>
+                    </a:p>
+                  </a:txBody>
+                  <a:tcPr>
+                    <a:lnL w="12700" cap="flat" cmpd="sng" algn="ctr">
+                      <a:solidFill>
+                        <a:schemeClr val="tx1"/>
+                      </a:solidFill>
+                      <a:prstDash val="solid"/>
+                      <a:round/>
+                      <a:headEnd type="none" w="med" len="med"/>
+                      <a:tailEnd type="none" w="med" len="med"/>
+                    </a:lnL>
+                    <a:lnR w="12700" cap="flat" cmpd="sng" algn="ctr">
+                      <a:solidFill>
+                        <a:schemeClr val="tx1"/>
+                      </a:solidFill>
+                      <a:prstDash val="solid"/>
+                      <a:round/>
+                      <a:headEnd type="none" w="med" len="med"/>
+                      <a:tailEnd type="none" w="med" len="med"/>
+                    </a:lnR>
+                    <a:lnT w="12700" cap="flat" cmpd="sng" algn="ctr">
+                      <a:solidFill>
+                        <a:schemeClr val="tx1"/>
+                      </a:solidFill>
+                      <a:prstDash val="solid"/>
+                      <a:round/>
+                      <a:headEnd type="none" w="med" len="med"/>
+                      <a:tailEnd type="none" w="med" len="med"/>
+                    </a:lnT>
+                    <a:lnB w="12700" cap="flat" cmpd="sng" algn="ctr">
+                      <a:solidFill>
+                        <a:schemeClr val="tx1"/>
+                      </a:solidFill>
+                      <a:prstDash val="solid"/>
+                      <a:round/>
+                      <a:headEnd type="none" w="med" len="med"/>
+                      <a:tailEnd type="none" w="med" len="med"/>
+                    </a:lnB>
+                    <a:noFill/>
+                  </a:tcPr>
+                </a:tc>
+                <a:tc>
+                  <a:txBody>
+                    <a:bodyPr/>
+                    <a:lstStyle/>
+                    <a:p>
+                      <a:pPr marL="0" marR="0" lvl="0" indent="0" algn="l" defTabSz="914400" rtl="0" eaLnBrk="1" fontAlgn="auto" latinLnBrk="0" hangingPunct="1">
+                        <a:lnSpc>
+                          <a:spcPct val="100000"/>
+                        </a:lnSpc>
+                        <a:spcBef>
+                          <a:spcPts val="0"/>
+                        </a:spcBef>
+                        <a:spcAft>
+                          <a:spcPts val="0"/>
+                        </a:spcAft>
+                        <a:buClrTx/>
+                        <a:buSzTx/>
+                        <a:buFontTx/>
+                        <a:buNone/>
+                        <a:tabLst/>
+                        <a:defRPr/>
+                      </a:pPr>
+                      <a:r>
+                        <a:rPr lang="en-US"/>
+                        <a:t>Commercial</a:t>
+                      </a:r>
+                      <a:endParaRPr lang="en-VN">
+                        <a:solidFill>
+                          <a:schemeClr val="tx1"/>
+                        </a:solidFill>
+                      </a:endParaRPr>
+                    </a:p>
+                  </a:txBody>
+                  <a:tcPr>
+                    <a:lnL w="12700" cap="flat" cmpd="sng" algn="ctr">
+                      <a:solidFill>
+                        <a:schemeClr val="tx1"/>
+                      </a:solidFill>
+                      <a:prstDash val="solid"/>
+                      <a:round/>
+                      <a:headEnd type="none" w="med" len="med"/>
+                      <a:tailEnd type="none" w="med" len="med"/>
+                    </a:lnL>
+                    <a:lnR w="12700" cap="flat" cmpd="sng" algn="ctr">
+                      <a:solidFill>
+                        <a:schemeClr val="tx1"/>
+                      </a:solidFill>
+                      <a:prstDash val="solid"/>
+                      <a:round/>
+                      <a:headEnd type="none" w="med" len="med"/>
+                      <a:tailEnd type="none" w="med" len="med"/>
+                    </a:lnR>
+                    <a:lnT w="12700" cap="flat" cmpd="sng" algn="ctr">
+                      <a:solidFill>
+                        <a:schemeClr val="tx1"/>
+                      </a:solidFill>
+                      <a:prstDash val="solid"/>
+                      <a:round/>
+                      <a:headEnd type="none" w="med" len="med"/>
+                      <a:tailEnd type="none" w="med" len="med"/>
+                    </a:lnT>
+                    <a:lnB w="12700" cap="flat" cmpd="sng" algn="ctr">
+                      <a:solidFill>
+                        <a:schemeClr val="tx1"/>
+                      </a:solidFill>
+                      <a:prstDash val="solid"/>
+                      <a:round/>
+                      <a:headEnd type="none" w="med" len="med"/>
+                      <a:tailEnd type="none" w="med" len="med"/>
+                    </a:lnB>
+                    <a:noFill/>
+                  </a:tcPr>
+                </a:tc>
+                <a:tc>
+                  <a:txBody>
+                    <a:bodyPr/>
+                    <a:lstStyle/>
+                    <a:p>
+                      <a:r>
+                        <a:rPr lang="en-US"/>
+                        <a:t>Agile support, project management, requirements management</a:t>
+                      </a:r>
+                      <a:endParaRPr lang="en-VN">
+                        <a:solidFill>
+                          <a:schemeClr val="tx1"/>
+                        </a:solidFill>
+                      </a:endParaRPr>
+                    </a:p>
+                  </a:txBody>
+                  <a:tcPr>
+                    <a:lnL w="12700" cap="flat" cmpd="sng" algn="ctr">
+                      <a:solidFill>
+                        <a:schemeClr val="tx1"/>
+                      </a:solidFill>
+                      <a:prstDash val="solid"/>
+                      <a:round/>
+                      <a:headEnd type="none" w="med" len="med"/>
+                      <a:tailEnd type="none" w="med" len="med"/>
+                    </a:lnL>
+                    <a:lnR w="12700" cap="flat" cmpd="sng" algn="ctr">
+                      <a:solidFill>
+                        <a:schemeClr val="tx1"/>
+                      </a:solidFill>
+                      <a:prstDash val="solid"/>
+                      <a:round/>
+                      <a:headEnd type="none" w="med" len="med"/>
+                      <a:tailEnd type="none" w="med" len="med"/>
+                    </a:lnR>
+                    <a:lnT w="12700" cap="flat" cmpd="sng" algn="ctr">
+                      <a:solidFill>
+                        <a:schemeClr val="tx1"/>
+                      </a:solidFill>
+                      <a:prstDash val="solid"/>
+                      <a:round/>
+                      <a:headEnd type="none" w="med" len="med"/>
+                      <a:tailEnd type="none" w="med" len="med"/>
+                    </a:lnT>
+                    <a:lnB w="12700" cap="flat" cmpd="sng" algn="ctr">
+                      <a:solidFill>
+                        <a:schemeClr val="tx1"/>
+                      </a:solidFill>
+                      <a:prstDash val="solid"/>
+                      <a:round/>
+                      <a:headEnd type="none" w="med" len="med"/>
+                      <a:tailEnd type="none" w="med" len="med"/>
+                    </a:lnB>
+                    <a:noFill/>
+                  </a:tcPr>
+                </a:tc>
+                <a:extLst>
+                  <a:ext uri="{0D108BD9-81ED-4DB2-BD59-A6C34878D82A}">
+                    <a16:rowId xmlns:a16="http://schemas.microsoft.com/office/drawing/2014/main" val="3661460764"/>
+                  </a:ext>
+                </a:extLst>
+              </a:tr>
+            </a:tbl>
+          </a:graphicData>
+        </a:graphic>
+      </p:graphicFrame>
+      <p:sp>
+        <p:nvSpPr>
+          <p:cNvPr id="4" name="Slide Number Placeholder 3">
+            <a:extLst>
+              <a:ext uri="{FF2B5EF4-FFF2-40B4-BE49-F238E27FC236}">
+                <a16:creationId xmlns:a16="http://schemas.microsoft.com/office/drawing/2014/main" id="{B62B721C-9C5F-5BDE-3B39-2A148EEDBB8C}"/>
+              </a:ext>
+            </a:extLst>
+          </p:cNvPr>
+          <p:cNvSpPr>
+            <a:spLocks noGrp="1"/>
+          </p:cNvSpPr>
+          <p:nvPr>
+            <p:ph type="sldNum" sz="quarter" idx="12"/>
+          </p:nvPr>
+        </p:nvSpPr>
+        <p:spPr/>
+        <p:txBody>
+          <a:bodyPr/>
+          <a:lstStyle/>
+          <a:p>
+            <a:fld id="{480537A9-B8B1-481D-9BE4-179EB839AE15}" type="slidenum">
+              <a:rPr lang="vi-VN" smtClean="0"/>
+              <a:t>6</a:t>
+            </a:fld>
+            <a:endParaRPr lang="vi-VN"/>
+          </a:p>
+        </p:txBody>
+      </p:sp>
+    </p:spTree>
+    <p:extLst>
+      <p:ext uri="{BB962C8B-B14F-4D97-AF65-F5344CB8AC3E}">
+        <p14:creationId xmlns:p14="http://schemas.microsoft.com/office/powerpoint/2010/main" val="2154739962"/>
+      </p:ext>
+    </p:extLst>
+  </p:cSld>
+  <p:clrMapOvr>
+    <a:masterClrMapping/>
+  </p:clrMapOvr>
+</p:sld>
+</file>
+
+<file path=ppt/slides/slide7.xml><?xml version="1.0" encoding="utf-8"?>
+<p:sld xmlns:a="http://schemas.openxmlformats.org/drawingml/2006/main" xmlns:r="http://schemas.openxmlformats.org/officeDocument/2006/relationships" xmlns:p="http://schemas.openxmlformats.org/presentationml/2006/main">
+  <p:cSld>
+    <p:spTree>
+      <p:nvGrpSpPr>
+        <p:cNvPr id="1" name=""/>
+        <p:cNvGrpSpPr/>
+        <p:nvPr/>
+      </p:nvGrpSpPr>
+      <p:grpSpPr>
+        <a:xfrm>
+          <a:off x="0" y="0"/>
+          <a:ext cx="0" cy="0"/>
+          <a:chOff x="0" y="0"/>
+          <a:chExt cx="0" cy="0"/>
+        </a:xfrm>
+      </p:grpSpPr>
+      <p:sp>
+        <p:nvSpPr>
+          <p:cNvPr id="2" name="Title 1">
+            <a:extLst>
+              <a:ext uri="{FF2B5EF4-FFF2-40B4-BE49-F238E27FC236}">
+                <a16:creationId xmlns:a16="http://schemas.microsoft.com/office/drawing/2014/main" id="{8B6007F9-13A1-92B6-3120-032CC6D1E08B}"/>
+              </a:ext>
+            </a:extLst>
+          </p:cNvPr>
+          <p:cNvSpPr>
+            <a:spLocks noGrp="1"/>
+          </p:cNvSpPr>
+          <p:nvPr>
+            <p:ph type="title"/>
+          </p:nvPr>
+        </p:nvSpPr>
+        <p:spPr>
+          <a:xfrm>
+            <a:off x="838200" y="2766218"/>
+            <a:ext cx="10515600" cy="1325563"/>
+          </a:xfrm>
+        </p:spPr>
+        <p:txBody>
+          <a:bodyPr/>
+          <a:lstStyle/>
+          <a:p>
+            <a:r>
+              <a:rPr lang="en-VN"/>
+              <a:t>2. </a:t>
+            </a:r>
+            <a:r>
+              <a:rPr lang="en-US"/>
+              <a:t>Traceability Support</a:t>
+            </a:r>
+            <a:endParaRPr lang="en-VN"/>
+          </a:p>
+        </p:txBody>
+      </p:sp>
+      <p:sp>
+        <p:nvSpPr>
+          <p:cNvPr id="4" name="Slide Number Placeholder 3">
+            <a:extLst>
+              <a:ext uri="{FF2B5EF4-FFF2-40B4-BE49-F238E27FC236}">
+                <a16:creationId xmlns:a16="http://schemas.microsoft.com/office/drawing/2014/main" id="{1B444C9B-BBF6-32D9-EE53-51C0ED4D1CD4}"/>
+              </a:ext>
+            </a:extLst>
+          </p:cNvPr>
+          <p:cNvSpPr>
+            <a:spLocks noGrp="1"/>
+          </p:cNvSpPr>
+          <p:nvPr>
+            <p:ph type="sldNum" sz="quarter" idx="12"/>
+          </p:nvPr>
+        </p:nvSpPr>
+        <p:spPr/>
+        <p:txBody>
+          <a:bodyPr/>
+          <a:lstStyle/>
+          <a:p>
+            <a:fld id="{480537A9-B8B1-481D-9BE4-179EB839AE15}" type="slidenum">
+              <a:rPr lang="vi-VN" smtClean="0"/>
+              <a:t>7</a:t>
+            </a:fld>
+            <a:endParaRPr lang="vi-VN"/>
+          </a:p>
+        </p:txBody>
+      </p:sp>
+    </p:spTree>
+    <p:extLst>
+      <p:ext uri="{BB962C8B-B14F-4D97-AF65-F5344CB8AC3E}">
+        <p14:creationId xmlns:p14="http://schemas.microsoft.com/office/powerpoint/2010/main" val="4036220401"/>
+      </p:ext>
+    </p:extLst>
+  </p:cSld>
+  <p:clrMapOvr>
+    <a:masterClrMapping/>
+  </p:clrMapOvr>
+</p:sld>
+</file>
+
+<file path=ppt/slides/slide8.xml><?xml version="1.0" encoding="utf-8"?>
+<p:sld xmlns:a="http://schemas.openxmlformats.org/drawingml/2006/main" xmlns:r="http://schemas.openxmlformats.org/officeDocument/2006/relationships" xmlns:p="http://schemas.openxmlformats.org/presentationml/2006/main">
+  <p:cSld>
+    <p:spTree>
+      <p:nvGrpSpPr>
+        <p:cNvPr id="1" name=""/>
+        <p:cNvGrpSpPr/>
+        <p:nvPr/>
+      </p:nvGrpSpPr>
+      <p:grpSpPr>
+        <a:xfrm>
+          <a:off x="0" y="0"/>
+          <a:ext cx="0" cy="0"/>
+          <a:chOff x="0" y="0"/>
+          <a:chExt cx="0" cy="0"/>
+        </a:xfrm>
+      </p:grpSpPr>
+      <p:sp>
+        <p:nvSpPr>
+          <p:cNvPr id="2" name="Title 1">
+            <a:extLst>
+              <a:ext uri="{FF2B5EF4-FFF2-40B4-BE49-F238E27FC236}">
+                <a16:creationId xmlns:a16="http://schemas.microsoft.com/office/drawing/2014/main" id="{EBEA4029-C6BF-D25A-83D6-6713830EE3D7}"/>
+              </a:ext>
+            </a:extLst>
+          </p:cNvPr>
+          <p:cNvSpPr>
+            <a:spLocks noGrp="1"/>
+          </p:cNvSpPr>
+          <p:nvPr>
+            <p:ph type="title"/>
+          </p:nvPr>
+        </p:nvSpPr>
+        <p:spPr/>
+        <p:txBody>
+          <a:bodyPr/>
+          <a:lstStyle/>
+          <a:p>
+            <a:r>
+              <a:rPr lang="en-VN"/>
+              <a:t>Type of </a:t>
+            </a:r>
+            <a:r>
+              <a:rPr lang="en-US"/>
+              <a:t>requirements traceability </a:t>
+            </a:r>
+            <a:endParaRPr lang="en-VN"/>
+          </a:p>
+        </p:txBody>
+      </p:sp>
+      <p:sp>
+        <p:nvSpPr>
+          <p:cNvPr id="3" name="Content Placeholder 2">
+            <a:extLst>
+              <a:ext uri="{FF2B5EF4-FFF2-40B4-BE49-F238E27FC236}">
+                <a16:creationId xmlns:a16="http://schemas.microsoft.com/office/drawing/2014/main" id="{E1563349-76BA-0878-8B30-3065280BD7DC}"/>
+              </a:ext>
+            </a:extLst>
+          </p:cNvPr>
+          <p:cNvSpPr>
+            <a:spLocks noGrp="1"/>
+          </p:cNvSpPr>
+          <p:nvPr>
+            <p:ph idx="1"/>
+          </p:nvPr>
+        </p:nvSpPr>
+        <p:spPr>
+          <a:xfrm>
+            <a:off x="838200" y="1690688"/>
+            <a:ext cx="10515600" cy="4802187"/>
+          </a:xfrm>
+        </p:spPr>
+        <p:txBody>
+          <a:bodyPr>
+            <a:normAutofit fontScale="92500" lnSpcReduction="10000"/>
+          </a:bodyPr>
+          <a:lstStyle/>
+          <a:p>
+            <a:pPr marL="0" indent="0">
+              <a:buNone/>
+            </a:pPr>
+            <a:r>
+              <a:rPr lang="en-US"/>
+              <a:t>Requirements traceability is concerned with the relationships between requirements, their sources, and numerous other artifacts. </a:t>
+            </a:r>
+          </a:p>
+          <a:p>
+            <a:r>
+              <a:rPr lang="en-US"/>
+              <a:t>Source Traceability: This provides links requirements to stakeholders who proposed these requirements </a:t>
+            </a:r>
+          </a:p>
+          <a:p>
+            <a:r>
+              <a:rPr lang="en-US"/>
+              <a:t>Requirements-Linkage Traceability: This provides links between dependent requirements. </a:t>
+            </a:r>
+          </a:p>
+          <a:p>
+            <a:r>
+              <a:rPr lang="en-US"/>
+              <a:t>Requirements-Design Traceability: This provides links from the requirements to the design. </a:t>
+            </a:r>
+          </a:p>
+          <a:p>
+            <a:r>
+              <a:rPr lang="en-US"/>
+              <a:t>Requirements-Source Code Traceability: This provides links from the requirements to the code. </a:t>
+            </a:r>
+          </a:p>
+          <a:p>
+            <a:r>
+              <a:rPr lang="en-US"/>
+              <a:t>Requirement-Test Cases Traceability: This provides links from the requirements to the test cases.</a:t>
+            </a:r>
+            <a:endParaRPr lang="en-VN"/>
+          </a:p>
+        </p:txBody>
+      </p:sp>
+      <p:sp>
+        <p:nvSpPr>
+          <p:cNvPr id="4" name="Slide Number Placeholder 3">
+            <a:extLst>
+              <a:ext uri="{FF2B5EF4-FFF2-40B4-BE49-F238E27FC236}">
+                <a16:creationId xmlns:a16="http://schemas.microsoft.com/office/drawing/2014/main" id="{1CD48851-A6B8-E0D0-8E7E-41FD22207843}"/>
+              </a:ext>
+            </a:extLst>
+          </p:cNvPr>
+          <p:cNvSpPr>
+            <a:spLocks noGrp="1"/>
+          </p:cNvSpPr>
+          <p:nvPr>
+            <p:ph type="sldNum" sz="quarter" idx="12"/>
+          </p:nvPr>
+        </p:nvSpPr>
+        <p:spPr/>
+        <p:txBody>
+          <a:bodyPr/>
+          <a:lstStyle/>
+          <a:p>
+            <a:fld id="{480537A9-B8B1-481D-9BE4-179EB839AE15}" type="slidenum">
+              <a:rPr lang="vi-VN" smtClean="0"/>
+              <a:t>8</a:t>
+            </a:fld>
+            <a:endParaRPr lang="vi-VN"/>
+          </a:p>
+        </p:txBody>
+      </p:sp>
+    </p:spTree>
+    <p:extLst>
+      <p:ext uri="{BB962C8B-B14F-4D97-AF65-F5344CB8AC3E}">
+        <p14:creationId xmlns:p14="http://schemas.microsoft.com/office/powerpoint/2010/main" val="3718387194"/>
+      </p:ext>
+    </p:extLst>
+  </p:cSld>
+  <p:clrMapOvr>
+    <a:masterClrMapping/>
+  </p:clrMapOvr>
+</p:sld>
+</file>
+
+<file path=ppt/slides/slide9.xml><?xml version="1.0" encoding="utf-8"?>
+<p:sld xmlns:a="http://schemas.openxmlformats.org/drawingml/2006/main" xmlns:r="http://schemas.openxmlformats.org/officeDocument/2006/relationships" xmlns:p="http://schemas.openxmlformats.org/presentationml/2006/main">
+  <p:cSld>
+    <p:spTree>
+      <p:nvGrpSpPr>
+        <p:cNvPr id="1" name=""/>
+        <p:cNvGrpSpPr/>
+        <p:nvPr/>
+      </p:nvGrpSpPr>
+      <p:grpSpPr>
+        <a:xfrm>
+          <a:off x="0" y="0"/>
+          <a:ext cx="0" cy="0"/>
+          <a:chOff x="0" y="0"/>
+          <a:chExt cx="0" cy="0"/>
+        </a:xfrm>
+      </p:grpSpPr>
+      <p:sp>
+        <p:nvSpPr>
+          <p:cNvPr id="2" name="Title 1">
+            <a:extLst>
+              <a:ext uri="{FF2B5EF4-FFF2-40B4-BE49-F238E27FC236}">
+                <a16:creationId xmlns:a16="http://schemas.microsoft.com/office/drawing/2014/main" id="{EBEA4029-C6BF-D25A-83D6-6713830EE3D7}"/>
+              </a:ext>
+            </a:extLst>
+          </p:cNvPr>
+          <p:cNvSpPr>
+            <a:spLocks noGrp="1"/>
+          </p:cNvSpPr>
+          <p:nvPr>
+            <p:ph type="title"/>
+          </p:nvPr>
+        </p:nvSpPr>
+        <p:spPr/>
+        <p:txBody>
+          <a:bodyPr/>
+          <a:lstStyle/>
+          <a:p>
+            <a:r>
+              <a:rPr lang="en-VN"/>
+              <a:t>Type of </a:t>
+            </a:r>
+            <a:r>
+              <a:rPr lang="en-US"/>
+              <a:t>requirement relationships </a:t>
+            </a:r>
+            <a:endParaRPr lang="en-VN"/>
+          </a:p>
+        </p:txBody>
+      </p:sp>
+      <p:sp>
+        <p:nvSpPr>
+          <p:cNvPr id="3" name="Content Placeholder 2">
+            <a:extLst>
+              <a:ext uri="{FF2B5EF4-FFF2-40B4-BE49-F238E27FC236}">
+                <a16:creationId xmlns:a16="http://schemas.microsoft.com/office/drawing/2014/main" id="{E1563349-76BA-0878-8B30-3065280BD7DC}"/>
+              </a:ext>
+            </a:extLst>
+          </p:cNvPr>
+          <p:cNvSpPr>
+            <a:spLocks noGrp="1"/>
+          </p:cNvSpPr>
+          <p:nvPr>
+            <p:ph idx="1"/>
+          </p:nvPr>
+        </p:nvSpPr>
+        <p:spPr>
+          <a:xfrm>
+            <a:off x="838200" y="1690688"/>
+            <a:ext cx="3530600" cy="4802187"/>
+          </a:xfrm>
+        </p:spPr>
+        <p:txBody>
+          <a:bodyPr>
+            <a:normAutofit/>
+          </a:bodyPr>
+          <a:lstStyle/>
+          <a:p>
+            <a:r>
+              <a:rPr lang="en-US"/>
+              <a:t>Requires</a:t>
+            </a:r>
+          </a:p>
+          <a:p>
+            <a:r>
+              <a:rPr lang="en-US"/>
+              <a:t>Is needed by</a:t>
+            </a:r>
+          </a:p>
+          <a:p>
+            <a:r>
+              <a:rPr lang="en-US"/>
+              <a:t>Supersedes (replace)</a:t>
+            </a:r>
+          </a:p>
+          <a:p>
+            <a:r>
+              <a:rPr lang="en-US"/>
+              <a:t>Is superseded by</a:t>
+            </a:r>
+          </a:p>
+          <a:p>
+            <a:r>
+              <a:rPr lang="en-US"/>
+              <a:t>Is child of</a:t>
+            </a:r>
+          </a:p>
+          <a:p>
+            <a:r>
+              <a:rPr lang="en-US"/>
+              <a:t>Is parent of</a:t>
+            </a:r>
+          </a:p>
+        </p:txBody>
+      </p:sp>
+      <p:sp>
+        <p:nvSpPr>
+          <p:cNvPr id="4" name="Slide Number Placeholder 3">
+            <a:extLst>
+              <a:ext uri="{FF2B5EF4-FFF2-40B4-BE49-F238E27FC236}">
+                <a16:creationId xmlns:a16="http://schemas.microsoft.com/office/drawing/2014/main" id="{1CD48851-A6B8-E0D0-8E7E-41FD22207843}"/>
+              </a:ext>
+            </a:extLst>
+          </p:cNvPr>
+          <p:cNvSpPr>
+            <a:spLocks noGrp="1"/>
+          </p:cNvSpPr>
+          <p:nvPr>
+            <p:ph type="sldNum" sz="quarter" idx="12"/>
+          </p:nvPr>
+        </p:nvSpPr>
+        <p:spPr/>
+        <p:txBody>
+          <a:bodyPr/>
+          <a:lstStyle/>
+          <a:p>
+            <a:fld id="{480537A9-B8B1-481D-9BE4-179EB839AE15}" type="slidenum">
+              <a:rPr lang="vi-VN" smtClean="0"/>
+              <a:t>9</a:t>
+            </a:fld>
+            <a:endParaRPr lang="vi-VN"/>
+          </a:p>
+        </p:txBody>
+      </p:sp>
+      <p:sp>
+        <p:nvSpPr>
+          <p:cNvPr id="6" name="TextBox 5">
+            <a:extLst>
+              <a:ext uri="{FF2B5EF4-FFF2-40B4-BE49-F238E27FC236}">
+                <a16:creationId xmlns:a16="http://schemas.microsoft.com/office/drawing/2014/main" id="{859C5128-F172-3A4B-A2A2-A75D516DC82C}"/>
+              </a:ext>
+            </a:extLst>
+          </p:cNvPr>
+          <p:cNvSpPr txBox="1"/>
+          <p:nvPr/>
+        </p:nvSpPr>
+        <p:spPr>
+          <a:xfrm>
+            <a:off x="4813300" y="1690688"/>
+            <a:ext cx="6096000" cy="2677656"/>
+          </a:xfrm>
+          <a:prstGeom prst="rect">
+            <a:avLst/>
+          </a:prstGeom>
+          <a:noFill/>
+        </p:spPr>
+        <p:txBody>
+          <a:bodyPr wrap="square">
+            <a:spAutoFit/>
+          </a:bodyPr>
+          <a:lstStyle/>
+          <a:p>
+            <a:pPr marL="457200" indent="-457200">
+              <a:buFont typeface="Arial" panose="020B0604020202020204" pitchFamily="34" charset="0"/>
+              <a:buChar char="•"/>
+            </a:pPr>
+            <a:r>
+              <a:rPr lang="en-US" sz="2800"/>
+              <a:t>Refers to</a:t>
+            </a:r>
+          </a:p>
+          <a:p>
+            <a:pPr marL="457200" indent="-457200">
+              <a:buFont typeface="Arial" panose="020B0604020202020204" pitchFamily="34" charset="0"/>
+              <a:buChar char="•"/>
+            </a:pPr>
+            <a:r>
+              <a:rPr lang="en-US" sz="2800"/>
+              <a:t>Uses</a:t>
+            </a:r>
+          </a:p>
+          <a:p>
+            <a:pPr marL="457200" indent="-457200">
+              <a:buFont typeface="Arial" panose="020B0604020202020204" pitchFamily="34" charset="0"/>
+              <a:buChar char="•"/>
+            </a:pPr>
+            <a:r>
+              <a:rPr lang="en-US" sz="2800"/>
+              <a:t>Refers to</a:t>
+            </a:r>
+          </a:p>
+          <a:p>
+            <a:pPr marL="457200" indent="-457200">
+              <a:buFont typeface="Arial" panose="020B0604020202020204" pitchFamily="34" charset="0"/>
+              <a:buChar char="•"/>
+            </a:pPr>
+            <a:r>
+              <a:rPr lang="en-US" sz="2800"/>
+              <a:t>Is satisfied by</a:t>
+            </a:r>
+          </a:p>
+          <a:p>
+            <a:pPr marL="457200" indent="-457200">
+              <a:buFont typeface="Arial" panose="020B0604020202020204" pitchFamily="34" charset="0"/>
+              <a:buChar char="•"/>
+            </a:pPr>
+            <a:r>
+              <a:rPr lang="en-US" sz="2800"/>
+              <a:t>Satisfied</a:t>
+            </a:r>
+          </a:p>
+          <a:p>
+            <a:pPr marL="457200" indent="-457200">
+              <a:buFont typeface="Arial" panose="020B0604020202020204" pitchFamily="34" charset="0"/>
+              <a:buChar char="•"/>
+            </a:pPr>
+            <a:r>
+              <a:rPr lang="en-US" sz="2800"/>
+              <a:t>Contradicts with (conflict)</a:t>
+            </a:r>
+            <a:endParaRPr lang="en-VN" sz="2800"/>
+          </a:p>
+        </p:txBody>
+      </p:sp>
+    </p:spTree>
+    <p:extLst>
+      <p:ext uri="{BB962C8B-B14F-4D97-AF65-F5344CB8AC3E}">
+        <p14:creationId xmlns:p14="http://schemas.microsoft.com/office/powerpoint/2010/main" val="1074979449"/>
       </p:ext>
     </p:extLst>
   </p:cSld>

--- a/SE357-Requirement engineering/Slides/Thực hành/RE tool.pptx
+++ b/SE357-Requirement engineering/Slides/Thực hành/RE tool.pptx
@@ -5,7 +5,7 @@
     <p:sldMasterId id="2147483648" r:id="rId1"/>
   </p:sldMasterIdLst>
   <p:notesMasterIdLst>
-    <p:notesMasterId r:id="rId14"/>
+    <p:notesMasterId r:id="rId23"/>
   </p:notesMasterIdLst>
   <p:sldIdLst>
     <p:sldId id="261" r:id="rId2"/>
@@ -14,12 +14,21 @@
     <p:sldId id="258" r:id="rId5"/>
     <p:sldId id="259" r:id="rId6"/>
     <p:sldId id="260" r:id="rId7"/>
-    <p:sldId id="263" r:id="rId8"/>
-    <p:sldId id="264" r:id="rId9"/>
-    <p:sldId id="266" r:id="rId10"/>
-    <p:sldId id="267" r:id="rId11"/>
-    <p:sldId id="268" r:id="rId12"/>
-    <p:sldId id="265" r:id="rId13"/>
+    <p:sldId id="276" r:id="rId8"/>
+    <p:sldId id="277" r:id="rId9"/>
+    <p:sldId id="263" r:id="rId10"/>
+    <p:sldId id="264" r:id="rId11"/>
+    <p:sldId id="266" r:id="rId12"/>
+    <p:sldId id="267" r:id="rId13"/>
+    <p:sldId id="268" r:id="rId14"/>
+    <p:sldId id="265" r:id="rId15"/>
+    <p:sldId id="269" r:id="rId16"/>
+    <p:sldId id="270" r:id="rId17"/>
+    <p:sldId id="271" r:id="rId18"/>
+    <p:sldId id="272" r:id="rId19"/>
+    <p:sldId id="273" r:id="rId20"/>
+    <p:sldId id="275" r:id="rId21"/>
+    <p:sldId id="274" r:id="rId22"/>
   </p:sldIdLst>
   <p:sldSz cx="12192000" cy="6858000"/>
   <p:notesSz cx="6858000" cy="9144000"/>
@@ -208,7 +217,7 @@
           <a:p>
             <a:fld id="{1DF8EB0A-3D88-47AF-8B37-7E6EB8CD0DC9}" type="datetimeFigureOut">
               <a:rPr lang="vi-VN" smtClean="0"/>
-              <a:t>30/09/2023</a:t>
+              <a:t>01/10/2023</a:t>
             </a:fld>
             <a:endParaRPr lang="vi-VN"/>
           </a:p>
@@ -622,7 +631,7 @@
           <a:p>
             <a:fld id="{EB8135D3-0DC7-472E-9E95-8EBB926A0EB6}" type="datetime1">
               <a:rPr lang="vi-VN" smtClean="0"/>
-              <a:t>30/09/2023</a:t>
+              <a:t>01/10/2023</a:t>
             </a:fld>
             <a:endParaRPr lang="vi-VN"/>
           </a:p>
@@ -820,7 +829,7 @@
           <a:p>
             <a:fld id="{8596560B-899E-429A-84F2-41ABFB82A5A9}" type="datetime1">
               <a:rPr lang="vi-VN" smtClean="0"/>
-              <a:t>30/09/2023</a:t>
+              <a:t>01/10/2023</a:t>
             </a:fld>
             <a:endParaRPr lang="vi-VN"/>
           </a:p>
@@ -1028,7 +1037,7 @@
           <a:p>
             <a:fld id="{1709AC3F-2674-49D3-A873-07AA9E5DCF06}" type="datetime1">
               <a:rPr lang="vi-VN" smtClean="0"/>
-              <a:t>30/09/2023</a:t>
+              <a:t>01/10/2023</a:t>
             </a:fld>
             <a:endParaRPr lang="vi-VN"/>
           </a:p>
@@ -1226,7 +1235,7 @@
           <a:p>
             <a:fld id="{6D500D8F-B0AE-4366-9341-7B6F0640C2BE}" type="datetime1">
               <a:rPr lang="vi-VN" smtClean="0"/>
-              <a:t>30/09/2023</a:t>
+              <a:t>01/10/2023</a:t>
             </a:fld>
             <a:endParaRPr lang="vi-VN"/>
           </a:p>
@@ -1501,7 +1510,7 @@
           <a:p>
             <a:fld id="{13C0DA7A-F9FE-4C1E-A471-7C38F755C552}" type="datetime1">
               <a:rPr lang="vi-VN" smtClean="0"/>
-              <a:t>30/09/2023</a:t>
+              <a:t>01/10/2023</a:t>
             </a:fld>
             <a:endParaRPr lang="vi-VN"/>
           </a:p>
@@ -1766,7 +1775,7 @@
           <a:p>
             <a:fld id="{D9A61B5A-4066-4776-A7F8-F246FF6DE426}" type="datetime1">
               <a:rPr lang="vi-VN" smtClean="0"/>
-              <a:t>30/09/2023</a:t>
+              <a:t>01/10/2023</a:t>
             </a:fld>
             <a:endParaRPr lang="vi-VN"/>
           </a:p>
@@ -2178,7 +2187,7 @@
           <a:p>
             <a:fld id="{431C399D-8096-48E3-98E2-6EA85002E14F}" type="datetime1">
               <a:rPr lang="vi-VN" smtClean="0"/>
-              <a:t>30/09/2023</a:t>
+              <a:t>01/10/2023</a:t>
             </a:fld>
             <a:endParaRPr lang="vi-VN"/>
           </a:p>
@@ -2319,7 +2328,7 @@
           <a:p>
             <a:fld id="{F1836DE2-13AF-4AB3-8918-00D6109ABC25}" type="datetime1">
               <a:rPr lang="vi-VN" smtClean="0"/>
-              <a:t>30/09/2023</a:t>
+              <a:t>01/10/2023</a:t>
             </a:fld>
             <a:endParaRPr lang="vi-VN"/>
           </a:p>
@@ -2432,7 +2441,7 @@
           <a:p>
             <a:fld id="{0A8FCF89-8CC3-4338-8ED2-C415082D670C}" type="datetime1">
               <a:rPr lang="vi-VN" smtClean="0"/>
-              <a:t>30/09/2023</a:t>
+              <a:t>01/10/2023</a:t>
             </a:fld>
             <a:endParaRPr lang="vi-VN"/>
           </a:p>
@@ -2743,7 +2752,7 @@
           <a:p>
             <a:fld id="{9B246DAD-E1C2-4AE1-9631-2D4DF36CDBB1}" type="datetime1">
               <a:rPr lang="vi-VN" smtClean="0"/>
-              <a:t>30/09/2023</a:t>
+              <a:t>01/10/2023</a:t>
             </a:fld>
             <a:endParaRPr lang="vi-VN"/>
           </a:p>
@@ -3031,7 +3040,7 @@
           <a:p>
             <a:fld id="{EEC90FF2-7BE5-44CC-AFD7-2A4F808E557C}" type="datetime1">
               <a:rPr lang="vi-VN" smtClean="0"/>
-              <a:t>30/09/2023</a:t>
+              <a:t>01/10/2023</a:t>
             </a:fld>
             <a:endParaRPr lang="vi-VN"/>
           </a:p>
@@ -3272,7 +3281,7 @@
           <a:p>
             <a:fld id="{BE99BEBD-4040-4E3E-861A-483E2C55E883}" type="datetime1">
               <a:rPr lang="vi-VN" smtClean="0"/>
-              <a:t>30/09/2023</a:t>
+              <a:t>01/10/2023</a:t>
             </a:fld>
             <a:endParaRPr lang="vi-VN"/>
           </a:p>
@@ -3804,7 +3813,7 @@
           <p:cNvPr id="2" name="Title 1">
             <a:extLst>
               <a:ext uri="{FF2B5EF4-FFF2-40B4-BE49-F238E27FC236}">
-                <a16:creationId xmlns:a16="http://schemas.microsoft.com/office/drawing/2014/main" id="{58C7BA83-778B-944E-E6B7-26F43FD23D43}"/>
+                <a16:creationId xmlns:a16="http://schemas.microsoft.com/office/drawing/2014/main" id="{EBEA4029-C6BF-D25A-83D6-6713830EE3D7}"/>
               </a:ext>
             </a:extLst>
           </p:cNvPr>
@@ -3826,7 +3835,7 @@
             </a:r>
             <a:r>
               <a:rPr lang="en-US"/>
-              <a:t>requirement relationships </a:t>
+              <a:t>requirements traceability </a:t>
             </a:r>
             <a:endParaRPr lang="en-VN"/>
           </a:p>
@@ -3837,7 +3846,7 @@
           <p:cNvPr id="3" name="Content Placeholder 2">
             <a:extLst>
               <a:ext uri="{FF2B5EF4-FFF2-40B4-BE49-F238E27FC236}">
-                <a16:creationId xmlns:a16="http://schemas.microsoft.com/office/drawing/2014/main" id="{08139049-A7A6-342F-4DDC-8317E63072FE}"/>
+                <a16:creationId xmlns:a16="http://schemas.microsoft.com/office/drawing/2014/main" id="{E1563349-76BA-0878-8B30-3065280BD7DC}"/>
               </a:ext>
             </a:extLst>
           </p:cNvPr>
@@ -3848,68 +3857,56 @@
             <p:ph idx="1"/>
           </p:nvPr>
         </p:nvSpPr>
-        <p:spPr/>
+        <p:spPr>
+          <a:xfrm>
+            <a:off x="838200" y="1690688"/>
+            <a:ext cx="10515600" cy="4802187"/>
+          </a:xfrm>
+        </p:spPr>
         <p:txBody>
-          <a:bodyPr/>
+          <a:bodyPr>
+            <a:normAutofit fontScale="92500" lnSpcReduction="10000"/>
+          </a:bodyPr>
           <a:lstStyle/>
           <a:p>
             <a:pPr marL="0" indent="0">
               <a:buNone/>
             </a:pPr>
             <a:r>
-              <a:rPr lang="en-VN"/>
-              <a:t>Example: </a:t>
-            </a:r>
-          </a:p>
-          <a:p>
-            <a:pPr marL="0" indent="0">
-              <a:buNone/>
-            </a:pPr>
+              <a:rPr lang="en-US"/>
+              <a:t>Requirements traceability is concerned with the relationships between requirements, their sources, and numerous other artifacts. </a:t>
+            </a:r>
+          </a:p>
+          <a:p>
+            <a:r>
+              <a:rPr lang="en-US"/>
+              <a:t>Source Traceability: This provides links requirements to stakeholders who proposed these requirements </a:t>
+            </a:r>
+          </a:p>
+          <a:p>
+            <a:r>
+              <a:rPr lang="en-US"/>
+              <a:t>Requirements-Linkage Traceability: This provides links between dependent requirements. </a:t>
+            </a:r>
+          </a:p>
+          <a:p>
+            <a:r>
+              <a:rPr lang="en-US"/>
+              <a:t>Requirements-Design Traceability: This provides links from the requirements to the design. </a:t>
+            </a:r>
+          </a:p>
+          <a:p>
+            <a:r>
+              <a:rPr lang="en-US"/>
+              <a:t>Requirements-Source Code Traceability: This provides links from the requirements to the code. </a:t>
+            </a:r>
+          </a:p>
+          <a:p>
+            <a:r>
+              <a:rPr lang="en-US"/>
+              <a:t>Requirement-Test Cases Traceability: This provides links from the requirements to the test cases.</a:t>
+            </a:r>
             <a:endParaRPr lang="en-VN"/>
-          </a:p>
-          <a:p>
-            <a:pPr marL="0" indent="0">
-              <a:buNone/>
-            </a:pPr>
-            <a:r>
-              <a:rPr lang="en-US"/>
-              <a:t>The system shall provide for control of the heating system and be schedulable according to the time scheduling function. (</a:t>
-            </a:r>
-            <a:r>
-              <a:rPr lang="en-US" b="1"/>
-              <a:t>refers to</a:t>
-            </a:r>
-            <a:r>
-              <a:rPr lang="en-US"/>
-              <a:t>)</a:t>
-            </a:r>
-          </a:p>
-          <a:p>
-            <a:pPr marL="0" indent="0">
-              <a:buNone/>
-            </a:pPr>
-            <a:endParaRPr lang="en-VN"/>
-          </a:p>
-          <a:p>
-            <a:pPr marL="0" indent="0">
-              <a:buNone/>
-            </a:pPr>
-            <a:r>
-              <a:rPr lang="en-US"/>
-              <a:t>The system shall provide for control of the heating system in accordance with the timetable shown in requirement 3.2.2 and the safety features described in requirement 4.1.</a:t>
-            </a:r>
-            <a:r>
-              <a:rPr lang="en-VN"/>
-              <a:t> (</a:t>
-            </a:r>
-            <a:r>
-              <a:rPr lang="en-VN" b="1"/>
-              <a:t>uses</a:t>
-            </a:r>
-            <a:r>
-              <a:rPr lang="en-VN"/>
-              <a:t>)</a:t>
-            </a:r>
           </a:p>
         </p:txBody>
       </p:sp>
@@ -3918,7 +3915,7 @@
           <p:cNvPr id="4" name="Slide Number Placeholder 3">
             <a:extLst>
               <a:ext uri="{FF2B5EF4-FFF2-40B4-BE49-F238E27FC236}">
-                <a16:creationId xmlns:a16="http://schemas.microsoft.com/office/drawing/2014/main" id="{7CC4B3DB-E25D-A24B-84C7-4490B0672D9C}"/>
+                <a16:creationId xmlns:a16="http://schemas.microsoft.com/office/drawing/2014/main" id="{1CD48851-A6B8-E0D0-8E7E-41FD22207843}"/>
               </a:ext>
             </a:extLst>
           </p:cNvPr>
@@ -3945,7 +3942,7 @@
     </p:spTree>
     <p:extLst>
       <p:ext uri="{BB962C8B-B14F-4D97-AF65-F5344CB8AC3E}">
-        <p14:creationId xmlns:p14="http://schemas.microsoft.com/office/powerpoint/2010/main" val="3097124473"/>
+        <p14:creationId xmlns:p14="http://schemas.microsoft.com/office/powerpoint/2010/main" val="3718387194"/>
       </p:ext>
     </p:extLst>
   </p:cSld>
@@ -3956,6 +3953,253 @@
 </file>
 
 <file path=ppt/slides/slide11.xml><?xml version="1.0" encoding="utf-8"?>
+<p:sld xmlns:a="http://schemas.openxmlformats.org/drawingml/2006/main" xmlns:r="http://schemas.openxmlformats.org/officeDocument/2006/relationships" xmlns:p="http://schemas.openxmlformats.org/presentationml/2006/main">
+  <p:cSld>
+    <p:spTree>
+      <p:nvGrpSpPr>
+        <p:cNvPr id="1" name=""/>
+        <p:cNvGrpSpPr/>
+        <p:nvPr/>
+      </p:nvGrpSpPr>
+      <p:grpSpPr>
+        <a:xfrm>
+          <a:off x="0" y="0"/>
+          <a:ext cx="0" cy="0"/>
+          <a:chOff x="0" y="0"/>
+          <a:chExt cx="0" cy="0"/>
+        </a:xfrm>
+      </p:grpSpPr>
+      <p:sp>
+        <p:nvSpPr>
+          <p:cNvPr id="2" name="Title 1">
+            <a:extLst>
+              <a:ext uri="{FF2B5EF4-FFF2-40B4-BE49-F238E27FC236}">
+                <a16:creationId xmlns:a16="http://schemas.microsoft.com/office/drawing/2014/main" id="{EBEA4029-C6BF-D25A-83D6-6713830EE3D7}"/>
+              </a:ext>
+            </a:extLst>
+          </p:cNvPr>
+          <p:cNvSpPr>
+            <a:spLocks noGrp="1"/>
+          </p:cNvSpPr>
+          <p:nvPr>
+            <p:ph type="title"/>
+          </p:nvPr>
+        </p:nvSpPr>
+        <p:spPr/>
+        <p:txBody>
+          <a:bodyPr/>
+          <a:lstStyle/>
+          <a:p>
+            <a:r>
+              <a:rPr lang="en-VN"/>
+              <a:t>Type of </a:t>
+            </a:r>
+            <a:r>
+              <a:rPr lang="en-US"/>
+              <a:t>requirement relationships </a:t>
+            </a:r>
+            <a:endParaRPr lang="en-VN"/>
+          </a:p>
+        </p:txBody>
+      </p:sp>
+      <p:sp>
+        <p:nvSpPr>
+          <p:cNvPr id="3" name="Content Placeholder 2">
+            <a:extLst>
+              <a:ext uri="{FF2B5EF4-FFF2-40B4-BE49-F238E27FC236}">
+                <a16:creationId xmlns:a16="http://schemas.microsoft.com/office/drawing/2014/main" id="{E1563349-76BA-0878-8B30-3065280BD7DC}"/>
+              </a:ext>
+            </a:extLst>
+          </p:cNvPr>
+          <p:cNvSpPr>
+            <a:spLocks noGrp="1"/>
+          </p:cNvSpPr>
+          <p:nvPr>
+            <p:ph idx="1"/>
+          </p:nvPr>
+        </p:nvSpPr>
+        <p:spPr>
+          <a:xfrm>
+            <a:off x="838200" y="1690688"/>
+            <a:ext cx="3530600" cy="4802187"/>
+          </a:xfrm>
+        </p:spPr>
+        <p:txBody>
+          <a:bodyPr>
+            <a:normAutofit/>
+          </a:bodyPr>
+          <a:lstStyle/>
+          <a:p>
+            <a:r>
+              <a:rPr lang="en-US"/>
+              <a:t>Requires</a:t>
+            </a:r>
+          </a:p>
+          <a:p>
+            <a:r>
+              <a:rPr lang="en-US"/>
+              <a:t>Is needed by</a:t>
+            </a:r>
+          </a:p>
+          <a:p>
+            <a:r>
+              <a:rPr lang="en-US"/>
+              <a:t>Supersedes (replace)</a:t>
+            </a:r>
+          </a:p>
+          <a:p>
+            <a:r>
+              <a:rPr lang="en-US"/>
+              <a:t>Is superseded by</a:t>
+            </a:r>
+          </a:p>
+          <a:p>
+            <a:r>
+              <a:rPr lang="en-US"/>
+              <a:t>Is child of</a:t>
+            </a:r>
+          </a:p>
+          <a:p>
+            <a:r>
+              <a:rPr lang="en-US"/>
+              <a:t>Is parent of</a:t>
+            </a:r>
+          </a:p>
+        </p:txBody>
+      </p:sp>
+      <p:sp>
+        <p:nvSpPr>
+          <p:cNvPr id="4" name="Slide Number Placeholder 3">
+            <a:extLst>
+              <a:ext uri="{FF2B5EF4-FFF2-40B4-BE49-F238E27FC236}">
+                <a16:creationId xmlns:a16="http://schemas.microsoft.com/office/drawing/2014/main" id="{1CD48851-A6B8-E0D0-8E7E-41FD22207843}"/>
+              </a:ext>
+            </a:extLst>
+          </p:cNvPr>
+          <p:cNvSpPr>
+            <a:spLocks noGrp="1"/>
+          </p:cNvSpPr>
+          <p:nvPr>
+            <p:ph type="sldNum" sz="quarter" idx="12"/>
+          </p:nvPr>
+        </p:nvSpPr>
+        <p:spPr/>
+        <p:txBody>
+          <a:bodyPr/>
+          <a:lstStyle/>
+          <a:p>
+            <a:fld id="{480537A9-B8B1-481D-9BE4-179EB839AE15}" type="slidenum">
+              <a:rPr lang="vi-VN" smtClean="0"/>
+              <a:t>11</a:t>
+            </a:fld>
+            <a:endParaRPr lang="vi-VN"/>
+          </a:p>
+        </p:txBody>
+      </p:sp>
+      <p:sp>
+        <p:nvSpPr>
+          <p:cNvPr id="6" name="TextBox 5">
+            <a:extLst>
+              <a:ext uri="{FF2B5EF4-FFF2-40B4-BE49-F238E27FC236}">
+                <a16:creationId xmlns:a16="http://schemas.microsoft.com/office/drawing/2014/main" id="{859C5128-F172-3A4B-A2A2-A75D516DC82C}"/>
+              </a:ext>
+            </a:extLst>
+          </p:cNvPr>
+          <p:cNvSpPr txBox="1"/>
+          <p:nvPr/>
+        </p:nvSpPr>
+        <p:spPr>
+          <a:xfrm>
+            <a:off x="4813300" y="1690688"/>
+            <a:ext cx="6096000" cy="2677656"/>
+          </a:xfrm>
+          <a:prstGeom prst="rect">
+            <a:avLst/>
+          </a:prstGeom>
+          <a:noFill/>
+        </p:spPr>
+        <p:txBody>
+          <a:bodyPr wrap="square">
+            <a:spAutoFit/>
+          </a:bodyPr>
+          <a:lstStyle/>
+          <a:p>
+            <a:pPr marL="457200" indent="-457200">
+              <a:buFont typeface="Arial" panose="020B0604020202020204" pitchFamily="34" charset="0"/>
+              <a:buChar char="•"/>
+            </a:pPr>
+            <a:r>
+              <a:rPr lang="en-US" sz="2800"/>
+              <a:t>Refers to</a:t>
+            </a:r>
+          </a:p>
+          <a:p>
+            <a:pPr marL="457200" indent="-457200">
+              <a:buFont typeface="Arial" panose="020B0604020202020204" pitchFamily="34" charset="0"/>
+              <a:buChar char="•"/>
+            </a:pPr>
+            <a:r>
+              <a:rPr lang="en-US" sz="2800"/>
+              <a:t>Uses</a:t>
+            </a:r>
+          </a:p>
+          <a:p>
+            <a:pPr marL="457200" indent="-457200">
+              <a:buFont typeface="Arial" panose="020B0604020202020204" pitchFamily="34" charset="0"/>
+              <a:buChar char="•"/>
+            </a:pPr>
+            <a:r>
+              <a:rPr lang="en-US" sz="2800"/>
+              <a:t>Refers to</a:t>
+            </a:r>
+          </a:p>
+          <a:p>
+            <a:pPr marL="457200" indent="-457200">
+              <a:buFont typeface="Arial" panose="020B0604020202020204" pitchFamily="34" charset="0"/>
+              <a:buChar char="•"/>
+            </a:pPr>
+            <a:r>
+              <a:rPr lang="en-US" sz="2800"/>
+              <a:t>Is satisfied by</a:t>
+            </a:r>
+          </a:p>
+          <a:p>
+            <a:pPr marL="457200" indent="-457200">
+              <a:buFont typeface="Arial" panose="020B0604020202020204" pitchFamily="34" charset="0"/>
+              <a:buChar char="•"/>
+            </a:pPr>
+            <a:r>
+              <a:rPr lang="en-US" sz="2800"/>
+              <a:t>Satisfied</a:t>
+            </a:r>
+          </a:p>
+          <a:p>
+            <a:pPr marL="457200" indent="-457200">
+              <a:buFont typeface="Arial" panose="020B0604020202020204" pitchFamily="34" charset="0"/>
+              <a:buChar char="•"/>
+            </a:pPr>
+            <a:r>
+              <a:rPr lang="en-US" sz="2800"/>
+              <a:t>Contradicts with (conflict)</a:t>
+            </a:r>
+            <a:endParaRPr lang="en-VN" sz="2800"/>
+          </a:p>
+        </p:txBody>
+      </p:sp>
+    </p:spTree>
+    <p:extLst>
+      <p:ext uri="{BB962C8B-B14F-4D97-AF65-F5344CB8AC3E}">
+        <p14:creationId xmlns:p14="http://schemas.microsoft.com/office/powerpoint/2010/main" val="1074979449"/>
+      </p:ext>
+    </p:extLst>
+  </p:cSld>
+  <p:clrMapOvr>
+    <a:masterClrMapping/>
+  </p:clrMapOvr>
+</p:sld>
+</file>
+
+<file path=ppt/slides/slide12.xml><?xml version="1.0" encoding="utf-8"?>
 <p:sld xmlns:a="http://schemas.openxmlformats.org/drawingml/2006/main" xmlns:r="http://schemas.openxmlformats.org/officeDocument/2006/relationships" xmlns:p="http://schemas.openxmlformats.org/presentationml/2006/main">
   <p:cSld>
     <p:spTree>
@@ -4026,305 +4270,63 @@
           <a:bodyPr/>
           <a:lstStyle/>
           <a:p>
-            <a14:m xmlns:a14="http://schemas.microsoft.com/office/drawing/2010/main">
-              <m:oMath xmlns:m="http://schemas.openxmlformats.org/officeDocument/2006/math">
-                <m:sSub>
-                  <m:sSubPr>
-                    <m:ctrlPr>
-                      <a:rPr lang="vi-VN" b="0" i="1">
-                        <a:latin typeface="Cambria Math" panose="02040503050406030204" pitchFamily="18" charset="0"/>
-                      </a:rPr>
-                    </m:ctrlPr>
-                  </m:sSubPr>
-                  <m:e>
-                    <m:r>
-                      <a:rPr lang="en-US" i="1">
-                        <a:latin typeface="Cambria Math" panose="02040503050406030204" pitchFamily="18" charset="0"/>
-                      </a:rPr>
-                      <m:t>𝑅</m:t>
-                    </m:r>
-                  </m:e>
-                  <m:sub>
-                    <m:r>
-                      <a:rPr lang="en-US" i="1">
-                        <a:latin typeface="Cambria Math" panose="02040503050406030204" pitchFamily="18" charset="0"/>
-                      </a:rPr>
-                      <m:t>𝑖𝑗</m:t>
-                    </m:r>
-                  </m:sub>
-                </m:sSub>
-                <m:r>
-                  <a:rPr lang="vi-VN" b="0" i="1">
-                    <a:latin typeface="Cambria Math" panose="02040503050406030204" pitchFamily="18" charset="0"/>
-                  </a:rPr>
-                  <m:t>=</m:t>
-                </m:r>
-                <m:r>
-                  <a:rPr lang="en-US" i="1">
-                    <a:latin typeface="Cambria Math" panose="02040503050406030204" pitchFamily="18" charset="0"/>
-                  </a:rPr>
-                  <m:t>𝑅</m:t>
-                </m:r>
-                <m:r>
-                  <a:rPr lang="en-US" i="1">
-                    <a:latin typeface="Cambria Math" panose="02040503050406030204" pitchFamily="18" charset="0"/>
-                  </a:rPr>
-                  <m:t> </m:t>
-                </m:r>
-              </m:oMath>
-            </a14:m>
+            <a:pPr marL="0" indent="0">
+              <a:buNone/>
+            </a:pPr>
+            <a:r>
+              <a:rPr lang="en-VN"/>
+              <a:t>Example: </a:t>
+            </a:r>
+          </a:p>
+          <a:p>
+            <a:pPr marL="0" indent="0">
+              <a:buNone/>
+            </a:pPr>
+            <a:endParaRPr lang="en-VN"/>
+          </a:p>
+          <a:p>
+            <a:pPr marL="0" indent="0">
+              <a:buNone/>
+            </a:pPr>
             <a:r>
               <a:rPr lang="en-US"/>
-              <a:t>if requirement i </a:t>
-            </a:r>
-            <a:r>
-              <a:rPr lang="en-US">
-                <a:solidFill>
-                  <a:srgbClr val="FF0000"/>
-                </a:solidFill>
-              </a:rPr>
-              <a:t>r</a:t>
+              <a:t>The system shall provide for control of the heating system and be schedulable according to the time scheduling function. (</a:t>
+            </a:r>
+            <a:r>
+              <a:rPr lang="en-US" b="1"/>
+              <a:t>refers to</a:t>
             </a:r>
             <a:r>
               <a:rPr lang="en-US"/>
-              <a:t>eferences requirement j (meaning “refers to” for informational purposes). </a:t>
-            </a:r>
-          </a:p>
-          <a:p>
-            <a14:m xmlns:a14="http://schemas.microsoft.com/office/drawing/2010/main">
-              <m:oMath xmlns:m="http://schemas.openxmlformats.org/officeDocument/2006/math">
-                <m:sSub>
-                  <m:sSubPr>
-                    <m:ctrlPr>
-                      <a:rPr lang="vi-VN" b="0" i="1">
-                        <a:latin typeface="Cambria Math" panose="02040503050406030204" pitchFamily="18" charset="0"/>
-                      </a:rPr>
-                    </m:ctrlPr>
-                  </m:sSubPr>
-                  <m:e>
-                    <m:r>
-                      <a:rPr lang="en-US" i="1">
-                        <a:latin typeface="Cambria Math" panose="02040503050406030204" pitchFamily="18" charset="0"/>
-                      </a:rPr>
-                      <m:t>𝑅</m:t>
-                    </m:r>
-                  </m:e>
-                  <m:sub>
-                    <m:r>
-                      <a:rPr lang="en-US" i="1">
-                        <a:latin typeface="Cambria Math" panose="02040503050406030204" pitchFamily="18" charset="0"/>
-                      </a:rPr>
-                      <m:t>𝑖𝑗</m:t>
-                    </m:r>
-                  </m:sub>
-                </m:sSub>
-                <m:r>
-                  <a:rPr lang="en-US" i="1">
-                    <a:latin typeface="Cambria Math" panose="02040503050406030204" pitchFamily="18" charset="0"/>
-                  </a:rPr>
-                  <m:t>=</m:t>
-                </m:r>
-                <m:r>
-                  <a:rPr lang="en-US" i="1">
-                    <a:latin typeface="Cambria Math" panose="02040503050406030204" pitchFamily="18" charset="0"/>
-                  </a:rPr>
-                  <m:t>𝑈</m:t>
-                </m:r>
-                <m:r>
-                  <a:rPr lang="en-US" i="1">
-                    <a:latin typeface="Cambria Math" panose="02040503050406030204" pitchFamily="18" charset="0"/>
-                  </a:rPr>
-                  <m:t> </m:t>
-                </m:r>
-              </m:oMath>
-            </a14:m>
+              <a:t>)</a:t>
+            </a:r>
+          </a:p>
+          <a:p>
+            <a:pPr marL="0" indent="0">
+              <a:buNone/>
+            </a:pPr>
+            <a:endParaRPr lang="en-VN"/>
+          </a:p>
+          <a:p>
+            <a:pPr marL="0" indent="0">
+              <a:buNone/>
+            </a:pPr>
             <a:r>
               <a:rPr lang="en-US"/>
-              <a:t>if requirement i </a:t>
-            </a:r>
-            <a:r>
-              <a:rPr lang="en-US" b="1">
-                <a:solidFill>
-                  <a:srgbClr val="FF0000"/>
-                </a:solidFill>
-              </a:rPr>
-              <a:t>u</a:t>
-            </a:r>
-            <a:r>
-              <a:rPr lang="en-US"/>
-              <a:t>ses requirement j (meaning “depends on” directly). </a:t>
-            </a:r>
-          </a:p>
-          <a:p>
-            <a14:m xmlns:a14="http://schemas.microsoft.com/office/drawing/2010/main">
-              <m:oMath xmlns:m="http://schemas.openxmlformats.org/officeDocument/2006/math">
-                <m:sSub>
-                  <m:sSubPr>
-                    <m:ctrlPr>
-                      <a:rPr lang="vi-VN" b="0" i="1">
-                        <a:latin typeface="Cambria Math" panose="02040503050406030204" pitchFamily="18" charset="0"/>
-                      </a:rPr>
-                    </m:ctrlPr>
-                  </m:sSubPr>
-                  <m:e>
-                    <m:r>
-                      <a:rPr lang="en-US" i="1">
-                        <a:latin typeface="Cambria Math" panose="02040503050406030204" pitchFamily="18" charset="0"/>
-                      </a:rPr>
-                      <m:t>𝑅</m:t>
-                    </m:r>
-                  </m:e>
-                  <m:sub>
-                    <m:r>
-                      <a:rPr lang="en-US" i="1">
-                        <a:latin typeface="Cambria Math" panose="02040503050406030204" pitchFamily="18" charset="0"/>
-                      </a:rPr>
-                      <m:t>𝑖𝑗</m:t>
-                    </m:r>
-                  </m:sub>
-                </m:sSub>
-                <m:r>
-                  <a:rPr lang="vi-VN" b="0" i="1">
-                    <a:latin typeface="Cambria Math" panose="02040503050406030204" pitchFamily="18" charset="0"/>
-                  </a:rPr>
-                  <m:t>=</m:t>
-                </m:r>
-                <m:r>
-                  <a:rPr lang="vi-VN" b="0" i="1">
-                    <a:latin typeface="Cambria Math" panose="02040503050406030204" pitchFamily="18" charset="0"/>
-                    <a:ea typeface="Cambria Math" panose="02040503050406030204" pitchFamily="18" charset="0"/>
-                  </a:rPr>
-                  <m:t>∅</m:t>
-                </m:r>
-                <m:r>
-                  <a:rPr lang="en-US" i="1">
-                    <a:latin typeface="Cambria Math" panose="02040503050406030204" pitchFamily="18" charset="0"/>
-                  </a:rPr>
-                  <m:t> </m:t>
-                </m:r>
-              </m:oMath>
-            </a14:m>
-            <a:r>
-              <a:rPr lang="en-US"/>
-              <a:t>otherwise.</a:t>
-            </a:r>
-          </a:p>
-          <a:p>
-            <a14:m xmlns:a14="http://schemas.microsoft.com/office/drawing/2010/main">
-              <m:oMath xmlns:m="http://schemas.openxmlformats.org/officeDocument/2006/math">
-                <m:sSub>
-                  <m:sSubPr>
-                    <m:ctrlPr>
-                      <a:rPr lang="vi-VN" b="0" i="1">
-                        <a:latin typeface="Cambria Math" panose="02040503050406030204" pitchFamily="18" charset="0"/>
-                      </a:rPr>
-                    </m:ctrlPr>
-                  </m:sSubPr>
-                  <m:e>
-                    <m:r>
-                      <a:rPr lang="en-US" i="1">
-                        <a:latin typeface="Cambria Math" panose="02040503050406030204" pitchFamily="18" charset="0"/>
-                      </a:rPr>
-                      <m:t>𝑅</m:t>
-                    </m:r>
-                  </m:e>
-                  <m:sub>
-                    <m:r>
-                      <a:rPr lang="en-US" i="1">
-                        <a:latin typeface="Cambria Math" panose="02040503050406030204" pitchFamily="18" charset="0"/>
-                      </a:rPr>
-                      <m:t>𝑖𝑗</m:t>
-                    </m:r>
-                  </m:sub>
-                </m:sSub>
-                <m:r>
-                  <a:rPr lang="en-US" i="1">
-                    <a:latin typeface="Cambria Math" panose="02040503050406030204" pitchFamily="18" charset="0"/>
-                  </a:rPr>
-                  <m:t>=</m:t>
-                </m:r>
-                <m:r>
-                  <a:rPr lang="en-US" i="1">
-                    <a:latin typeface="Cambria Math" panose="02040503050406030204" pitchFamily="18" charset="0"/>
-                  </a:rPr>
-                  <m:t>𝑈</m:t>
-                </m:r>
-                <m:r>
-                  <a:rPr lang="en-US" i="1">
-                    <a:latin typeface="Cambria Math" panose="02040503050406030204" pitchFamily="18" charset="0"/>
-                  </a:rPr>
-                  <m:t> </m:t>
-                </m:r>
-              </m:oMath>
-            </a14:m>
-            <a:r>
-              <a:rPr lang="en-US"/>
-              <a:t>if requirement i both </a:t>
-            </a:r>
-            <a:r>
-              <a:rPr lang="en-US" b="1">
-                <a:solidFill>
-                  <a:srgbClr val="FF0000"/>
-                </a:solidFill>
-              </a:rPr>
-              <a:t>u</a:t>
-            </a:r>
-            <a:r>
-              <a:rPr lang="en-US"/>
-              <a:t>ses &amp; references requirement j.</a:t>
-            </a:r>
-          </a:p>
-          <a:p>
-            <a:r>
-              <a:rPr lang="en-US"/>
-              <a:t>No circlar ref. If </a:t>
-            </a:r>
-            <a14:m xmlns:a14="http://schemas.microsoft.com/office/drawing/2010/main">
-              <m:oMath xmlns:m="http://schemas.openxmlformats.org/officeDocument/2006/math">
-                <m:sSub>
-                  <m:sSubPr>
-                    <m:ctrlPr>
-                      <a:rPr lang="vi-VN" b="0" i="1">
-                        <a:latin typeface="Cambria Math" panose="02040503050406030204" pitchFamily="18" charset="0"/>
-                      </a:rPr>
-                    </m:ctrlPr>
-                  </m:sSubPr>
-                  <m:e>
-                    <m:r>
-                      <a:rPr lang="vi-VN" b="0" i="1">
-                        <a:latin typeface="Cambria Math" panose="02040503050406030204" pitchFamily="18" charset="0"/>
-                      </a:rPr>
-                      <m:t>𝑅</m:t>
-                    </m:r>
-                  </m:e>
-                  <m:sub>
-                    <m:r>
-                      <m:rPr>
-                        <m:sty m:val="p"/>
-                      </m:rPr>
-                      <a:rPr lang="vi-VN" i="1">
-                        <a:latin typeface="Cambria Math" panose="02040503050406030204" pitchFamily="18" charset="0"/>
-                      </a:rPr>
-                      <m:t>i</m:t>
-                    </m:r>
-                    <m:r>
-                      <a:rPr lang="vi-VN" b="0" i="1">
-                        <a:latin typeface="Cambria Math" panose="02040503050406030204" pitchFamily="18" charset="0"/>
-                      </a:rPr>
-                      <m:t>, </m:t>
-                    </m:r>
-                  </m:sub>
-                </m:sSub>
-                <m:r>
-                  <a:rPr lang="vi-VN" b="0" i="1">
-                    <a:latin typeface="Cambria Math" panose="02040503050406030204" pitchFamily="18" charset="0"/>
-                    <a:ea typeface="Cambria Math" panose="02040503050406030204" pitchFamily="18" charset="0"/>
-                  </a:rPr>
-                  <m:t>≠∅</m:t>
-                </m:r>
-              </m:oMath>
-            </a14:m>
-            <a:endParaRPr lang="en-VN"/>
+              <a:t>The system shall provide for control of the heating system in accordance with the timetable shown in requirement 3.2.2 and the safety features described in requirement 4.1.</a:t>
+            </a:r>
+            <a:r>
+              <a:rPr lang="en-VN"/>
+              <a:t> (</a:t>
+            </a:r>
+            <a:r>
+              <a:rPr lang="en-VN" b="1"/>
+              <a:t>uses</a:t>
+            </a:r>
+            <a:r>
+              <a:rPr lang="en-VN"/>
+              <a:t>)</a:t>
+            </a:r>
           </a:p>
         </p:txBody>
       </p:sp>
@@ -4351,7 +4353,529 @@
           <a:p>
             <a:fld id="{480537A9-B8B1-481D-9BE4-179EB839AE15}" type="slidenum">
               <a:rPr lang="vi-VN" smtClean="0"/>
-              <a:t>11</a:t>
+              <a:t>12</a:t>
+            </a:fld>
+            <a:endParaRPr lang="vi-VN"/>
+          </a:p>
+        </p:txBody>
+      </p:sp>
+    </p:spTree>
+    <p:extLst>
+      <p:ext uri="{BB962C8B-B14F-4D97-AF65-F5344CB8AC3E}">
+        <p14:creationId xmlns:p14="http://schemas.microsoft.com/office/powerpoint/2010/main" val="3097124473"/>
+      </p:ext>
+    </p:extLst>
+  </p:cSld>
+  <p:clrMapOvr>
+    <a:masterClrMapping/>
+  </p:clrMapOvr>
+</p:sld>
+</file>
+
+<file path=ppt/slides/slide13.xml><?xml version="1.0" encoding="utf-8"?>
+<p:sld xmlns:a="http://schemas.openxmlformats.org/drawingml/2006/main" xmlns:r="http://schemas.openxmlformats.org/officeDocument/2006/relationships" xmlns:p="http://schemas.openxmlformats.org/presentationml/2006/main">
+  <p:cSld>
+    <p:spTree>
+      <p:nvGrpSpPr>
+        <p:cNvPr id="1" name=""/>
+        <p:cNvGrpSpPr/>
+        <p:nvPr/>
+      </p:nvGrpSpPr>
+      <p:grpSpPr>
+        <a:xfrm>
+          <a:off x="0" y="0"/>
+          <a:ext cx="0" cy="0"/>
+          <a:chOff x="0" y="0"/>
+          <a:chExt cx="0" cy="0"/>
+        </a:xfrm>
+      </p:grpSpPr>
+      <p:sp>
+        <p:nvSpPr>
+          <p:cNvPr id="2" name="Title 1">
+            <a:extLst>
+              <a:ext uri="{FF2B5EF4-FFF2-40B4-BE49-F238E27FC236}">
+                <a16:creationId xmlns:a16="http://schemas.microsoft.com/office/drawing/2014/main" id="{58C7BA83-778B-944E-E6B7-26F43FD23D43}"/>
+              </a:ext>
+            </a:extLst>
+          </p:cNvPr>
+          <p:cNvSpPr>
+            <a:spLocks noGrp="1"/>
+          </p:cNvSpPr>
+          <p:nvPr>
+            <p:ph type="title"/>
+          </p:nvPr>
+        </p:nvSpPr>
+        <p:spPr/>
+        <p:txBody>
+          <a:bodyPr/>
+          <a:lstStyle/>
+          <a:p>
+            <a:r>
+              <a:rPr lang="en-VN"/>
+              <a:t>Type of </a:t>
+            </a:r>
+            <a:r>
+              <a:rPr lang="en-US"/>
+              <a:t>requirement relationships </a:t>
+            </a:r>
+            <a:endParaRPr lang="en-VN"/>
+          </a:p>
+        </p:txBody>
+      </p:sp>
+      <mc:AlternateContent xmlns:mc="http://schemas.openxmlformats.org/markup-compatibility/2006">
+        <mc:Choice xmlns:a14="http://schemas.microsoft.com/office/drawing/2010/main" Requires="a14">
+          <p:sp>
+            <p:nvSpPr>
+              <p:cNvPr id="3" name="Content Placeholder 2">
+                <a:extLst>
+                  <a:ext uri="{FF2B5EF4-FFF2-40B4-BE49-F238E27FC236}">
+                    <a16:creationId xmlns:a16="http://schemas.microsoft.com/office/drawing/2014/main" id="{08139049-A7A6-342F-4DDC-8317E63072FE}"/>
+                  </a:ext>
+                </a:extLst>
+              </p:cNvPr>
+              <p:cNvSpPr>
+                <a:spLocks noGrp="1"/>
+              </p:cNvSpPr>
+              <p:nvPr>
+                <p:ph idx="1"/>
+              </p:nvPr>
+            </p:nvSpPr>
+            <p:spPr/>
+            <p:txBody>
+              <a:bodyPr/>
+              <a:lstStyle/>
+              <a:p>
+                <a14:m>
+                  <m:oMath xmlns:m="http://schemas.openxmlformats.org/officeDocument/2006/math">
+                    <m:sSub>
+                      <m:sSubPr>
+                        <m:ctrlPr>
+                          <a:rPr lang="vi-VN" b="0" i="1">
+                            <a:latin typeface="Cambria Math" panose="02040503050406030204" pitchFamily="18" charset="0"/>
+                          </a:rPr>
+                        </m:ctrlPr>
+                      </m:sSubPr>
+                      <m:e>
+                        <m:r>
+                          <a:rPr lang="en-US" i="1">
+                            <a:latin typeface="Cambria Math" panose="02040503050406030204" pitchFamily="18" charset="0"/>
+                          </a:rPr>
+                          <m:t>𝑅</m:t>
+                        </m:r>
+                      </m:e>
+                      <m:sub>
+                        <m:r>
+                          <a:rPr lang="en-US" i="1">
+                            <a:latin typeface="Cambria Math" panose="02040503050406030204" pitchFamily="18" charset="0"/>
+                          </a:rPr>
+                          <m:t>𝑖𝑗</m:t>
+                        </m:r>
+                      </m:sub>
+                    </m:sSub>
+                    <m:r>
+                      <a:rPr lang="vi-VN" b="0" i="1">
+                        <a:latin typeface="Cambria Math" panose="02040503050406030204" pitchFamily="18" charset="0"/>
+                      </a:rPr>
+                      <m:t>=</m:t>
+                    </m:r>
+                    <m:r>
+                      <a:rPr lang="en-US" i="1">
+                        <a:latin typeface="Cambria Math" panose="02040503050406030204" pitchFamily="18" charset="0"/>
+                      </a:rPr>
+                      <m:t>𝑅</m:t>
+                    </m:r>
+                    <m:r>
+                      <a:rPr lang="en-US" i="1">
+                        <a:latin typeface="Cambria Math" panose="02040503050406030204" pitchFamily="18" charset="0"/>
+                      </a:rPr>
+                      <m:t> </m:t>
+                    </m:r>
+                  </m:oMath>
+                </a14:m>
+                <a:r>
+                  <a:rPr lang="en-US"/>
+                  <a:t>if requirement i </a:t>
+                </a:r>
+                <a:r>
+                  <a:rPr lang="en-US">
+                    <a:solidFill>
+                      <a:srgbClr val="FF0000"/>
+                    </a:solidFill>
+                  </a:rPr>
+                  <a:t>r</a:t>
+                </a:r>
+                <a:r>
+                  <a:rPr lang="en-US"/>
+                  <a:t>eferences requirement j (meaning “refers to” for informational purposes). </a:t>
+                </a:r>
+              </a:p>
+              <a:p>
+                <a14:m>
+                  <m:oMath xmlns:m="http://schemas.openxmlformats.org/officeDocument/2006/math">
+                    <m:sSub>
+                      <m:sSubPr>
+                        <m:ctrlPr>
+                          <a:rPr lang="vi-VN" b="0" i="1">
+                            <a:latin typeface="Cambria Math" panose="02040503050406030204" pitchFamily="18" charset="0"/>
+                          </a:rPr>
+                        </m:ctrlPr>
+                      </m:sSubPr>
+                      <m:e>
+                        <m:r>
+                          <a:rPr lang="en-US" i="1">
+                            <a:latin typeface="Cambria Math" panose="02040503050406030204" pitchFamily="18" charset="0"/>
+                          </a:rPr>
+                          <m:t>𝑅</m:t>
+                        </m:r>
+                      </m:e>
+                      <m:sub>
+                        <m:r>
+                          <a:rPr lang="en-US" i="1">
+                            <a:latin typeface="Cambria Math" panose="02040503050406030204" pitchFamily="18" charset="0"/>
+                          </a:rPr>
+                          <m:t>𝑖𝑗</m:t>
+                        </m:r>
+                      </m:sub>
+                    </m:sSub>
+                    <m:r>
+                      <a:rPr lang="en-US" i="1">
+                        <a:latin typeface="Cambria Math" panose="02040503050406030204" pitchFamily="18" charset="0"/>
+                      </a:rPr>
+                      <m:t>=</m:t>
+                    </m:r>
+                    <m:r>
+                      <a:rPr lang="en-US" i="1">
+                        <a:latin typeface="Cambria Math" panose="02040503050406030204" pitchFamily="18" charset="0"/>
+                      </a:rPr>
+                      <m:t>𝑈</m:t>
+                    </m:r>
+                    <m:r>
+                      <a:rPr lang="en-US" i="1">
+                        <a:latin typeface="Cambria Math" panose="02040503050406030204" pitchFamily="18" charset="0"/>
+                      </a:rPr>
+                      <m:t> </m:t>
+                    </m:r>
+                  </m:oMath>
+                </a14:m>
+                <a:r>
+                  <a:rPr lang="en-US"/>
+                  <a:t>if requirement i </a:t>
+                </a:r>
+                <a:r>
+                  <a:rPr lang="en-US" b="1">
+                    <a:solidFill>
+                      <a:srgbClr val="FF0000"/>
+                    </a:solidFill>
+                  </a:rPr>
+                  <a:t>u</a:t>
+                </a:r>
+                <a:r>
+                  <a:rPr lang="en-US"/>
+                  <a:t>ses requirement j (meaning “depends on” directly). </a:t>
+                </a:r>
+              </a:p>
+              <a:p>
+                <a14:m>
+                  <m:oMath xmlns:m="http://schemas.openxmlformats.org/officeDocument/2006/math">
+                    <m:sSub>
+                      <m:sSubPr>
+                        <m:ctrlPr>
+                          <a:rPr lang="vi-VN" b="0" i="1">
+                            <a:latin typeface="Cambria Math" panose="02040503050406030204" pitchFamily="18" charset="0"/>
+                          </a:rPr>
+                        </m:ctrlPr>
+                      </m:sSubPr>
+                      <m:e>
+                        <m:r>
+                          <a:rPr lang="en-US" i="1">
+                            <a:latin typeface="Cambria Math" panose="02040503050406030204" pitchFamily="18" charset="0"/>
+                          </a:rPr>
+                          <m:t>𝑅</m:t>
+                        </m:r>
+                      </m:e>
+                      <m:sub>
+                        <m:r>
+                          <a:rPr lang="en-US" i="1">
+                            <a:latin typeface="Cambria Math" panose="02040503050406030204" pitchFamily="18" charset="0"/>
+                          </a:rPr>
+                          <m:t>𝑖𝑗</m:t>
+                        </m:r>
+                      </m:sub>
+                    </m:sSub>
+                    <m:r>
+                      <a:rPr lang="vi-VN" b="0" i="1">
+                        <a:latin typeface="Cambria Math" panose="02040503050406030204" pitchFamily="18" charset="0"/>
+                      </a:rPr>
+                      <m:t>=</m:t>
+                    </m:r>
+                    <m:r>
+                      <a:rPr lang="vi-VN" b="0" i="1">
+                        <a:latin typeface="Cambria Math" panose="02040503050406030204" pitchFamily="18" charset="0"/>
+                        <a:ea typeface="Cambria Math" panose="02040503050406030204" pitchFamily="18" charset="0"/>
+                      </a:rPr>
+                      <m:t>∅</m:t>
+                    </m:r>
+                    <m:r>
+                      <a:rPr lang="en-US" i="1">
+                        <a:latin typeface="Cambria Math" panose="02040503050406030204" pitchFamily="18" charset="0"/>
+                      </a:rPr>
+                      <m:t> </m:t>
+                    </m:r>
+                  </m:oMath>
+                </a14:m>
+                <a:r>
+                  <a:rPr lang="en-US"/>
+                  <a:t>otherwise.</a:t>
+                </a:r>
+              </a:p>
+              <a:p>
+                <a14:m>
+                  <m:oMath xmlns:m="http://schemas.openxmlformats.org/officeDocument/2006/math">
+                    <m:sSub>
+                      <m:sSubPr>
+                        <m:ctrlPr>
+                          <a:rPr lang="vi-VN" b="0" i="1">
+                            <a:latin typeface="Cambria Math" panose="02040503050406030204" pitchFamily="18" charset="0"/>
+                          </a:rPr>
+                        </m:ctrlPr>
+                      </m:sSubPr>
+                      <m:e>
+                        <m:r>
+                          <a:rPr lang="en-US" i="1">
+                            <a:latin typeface="Cambria Math" panose="02040503050406030204" pitchFamily="18" charset="0"/>
+                          </a:rPr>
+                          <m:t>𝑅</m:t>
+                        </m:r>
+                      </m:e>
+                      <m:sub>
+                        <m:r>
+                          <a:rPr lang="en-US" i="1">
+                            <a:latin typeface="Cambria Math" panose="02040503050406030204" pitchFamily="18" charset="0"/>
+                          </a:rPr>
+                          <m:t>𝑖𝑗</m:t>
+                        </m:r>
+                      </m:sub>
+                    </m:sSub>
+                    <m:r>
+                      <a:rPr lang="en-US" i="1">
+                        <a:latin typeface="Cambria Math" panose="02040503050406030204" pitchFamily="18" charset="0"/>
+                      </a:rPr>
+                      <m:t>=</m:t>
+                    </m:r>
+                    <m:r>
+                      <a:rPr lang="en-US" i="1">
+                        <a:latin typeface="Cambria Math" panose="02040503050406030204" pitchFamily="18" charset="0"/>
+                      </a:rPr>
+                      <m:t>𝑈</m:t>
+                    </m:r>
+                    <m:r>
+                      <a:rPr lang="en-US" i="1">
+                        <a:latin typeface="Cambria Math" panose="02040503050406030204" pitchFamily="18" charset="0"/>
+                      </a:rPr>
+                      <m:t> </m:t>
+                    </m:r>
+                  </m:oMath>
+                </a14:m>
+                <a:r>
+                  <a:rPr lang="en-US"/>
+                  <a:t>if requirement i both </a:t>
+                </a:r>
+                <a:r>
+                  <a:rPr lang="en-US" b="1">
+                    <a:solidFill>
+                      <a:srgbClr val="FF0000"/>
+                    </a:solidFill>
+                  </a:rPr>
+                  <a:t>u</a:t>
+                </a:r>
+                <a:r>
+                  <a:rPr lang="en-US"/>
+                  <a:t>ses &amp; references requirement j.</a:t>
+                </a:r>
+              </a:p>
+              <a:p>
+                <a:r>
+                  <a:rPr lang="en-US"/>
+                  <a:t>No circlar ref. If </a:t>
+                </a:r>
+                <a14:m>
+                  <m:oMath xmlns:m="http://schemas.openxmlformats.org/officeDocument/2006/math">
+                    <m:sSub>
+                      <m:sSubPr>
+                        <m:ctrlPr>
+                          <a:rPr lang="vi-VN" b="0" i="1">
+                            <a:latin typeface="Cambria Math" panose="02040503050406030204" pitchFamily="18" charset="0"/>
+                          </a:rPr>
+                        </m:ctrlPr>
+                      </m:sSubPr>
+                      <m:e>
+                        <m:r>
+                          <a:rPr lang="vi-VN" b="0" i="1">
+                            <a:latin typeface="Cambria Math" panose="02040503050406030204" pitchFamily="18" charset="0"/>
+                          </a:rPr>
+                          <m:t>𝑅</m:t>
+                        </m:r>
+                      </m:e>
+                      <m:sub>
+                        <m:r>
+                          <m:rPr>
+                            <m:sty m:val="p"/>
+                          </m:rPr>
+                          <a:rPr lang="vi-VN" i="1">
+                            <a:latin typeface="Cambria Math" panose="02040503050406030204" pitchFamily="18" charset="0"/>
+                          </a:rPr>
+                          <m:t>i</m:t>
+                        </m:r>
+                        <m:r>
+                          <m:rPr>
+                            <m:sty m:val="p"/>
+                          </m:rPr>
+                          <a:rPr lang="vi-VN" i="1">
+                            <a:latin typeface="Cambria Math" panose="02040503050406030204" pitchFamily="18" charset="0"/>
+                          </a:rPr>
+                          <m:t>j</m:t>
+                        </m:r>
+                        <m:r>
+                          <a:rPr lang="vi-VN" b="0" i="1">
+                            <a:latin typeface="Cambria Math" panose="02040503050406030204" pitchFamily="18" charset="0"/>
+                          </a:rPr>
+                          <m:t> </m:t>
+                        </m:r>
+                      </m:sub>
+                    </m:sSub>
+                    <m:r>
+                      <a:rPr lang="vi-VN" b="0" i="1">
+                        <a:latin typeface="Cambria Math" panose="02040503050406030204" pitchFamily="18" charset="0"/>
+                        <a:ea typeface="Cambria Math" panose="02040503050406030204" pitchFamily="18" charset="0"/>
+                      </a:rPr>
+                      <m:t>≠∅</m:t>
+                    </m:r>
+                  </m:oMath>
+                </a14:m>
+                <a:r>
+                  <a:rPr lang="en-VN"/>
+                  <a:t>, then </a:t>
+                </a:r>
+                <a14:m>
+                  <m:oMath xmlns:m="http://schemas.openxmlformats.org/officeDocument/2006/math">
+                    <m:sSub>
+                      <m:sSubPr>
+                        <m:ctrlPr>
+                          <a:rPr lang="vi-VN" i="1">
+                            <a:latin typeface="Cambria Math" panose="02040503050406030204" pitchFamily="18" charset="0"/>
+                          </a:rPr>
+                        </m:ctrlPr>
+                      </m:sSubPr>
+                      <m:e>
+                        <m:r>
+                          <a:rPr lang="vi-VN" i="1">
+                            <a:latin typeface="Cambria Math" panose="02040503050406030204" pitchFamily="18" charset="0"/>
+                          </a:rPr>
+                          <m:t>𝑅</m:t>
+                        </m:r>
+                      </m:e>
+                      <m:sub>
+                        <m:r>
+                          <m:rPr>
+                            <m:sty m:val="p"/>
+                          </m:rPr>
+                          <a:rPr lang="vi-VN" i="1">
+                            <a:latin typeface="Cambria Math" panose="02040503050406030204" pitchFamily="18" charset="0"/>
+                          </a:rPr>
+                          <m:t>ji</m:t>
+                        </m:r>
+                        <m:r>
+                          <a:rPr lang="vi-VN" i="1">
+                            <a:latin typeface="Cambria Math" panose="02040503050406030204" pitchFamily="18" charset="0"/>
+                          </a:rPr>
+                          <m:t> </m:t>
+                        </m:r>
+                      </m:sub>
+                    </m:sSub>
+                    <m:r>
+                      <a:rPr lang="vi-VN" b="0" i="1">
+                        <a:latin typeface="Cambria Math" panose="02040503050406030204" pitchFamily="18" charset="0"/>
+                      </a:rPr>
+                      <m:t>=</m:t>
+                    </m:r>
+                    <m:r>
+                      <a:rPr lang="vi-VN" i="1">
+                        <a:latin typeface="Cambria Math" panose="02040503050406030204" pitchFamily="18" charset="0"/>
+                        <a:ea typeface="Cambria Math" panose="02040503050406030204" pitchFamily="18" charset="0"/>
+                      </a:rPr>
+                      <m:t>∅</m:t>
+                    </m:r>
+                  </m:oMath>
+                </a14:m>
+                <a:endParaRPr lang="en-VN"/>
+              </a:p>
+            </p:txBody>
+          </p:sp>
+        </mc:Choice>
+        <mc:Fallback>
+          <p:sp>
+            <p:nvSpPr>
+              <p:cNvPr id="3" name="Content Placeholder 2">
+                <a:extLst>
+                  <a:ext uri="{FF2B5EF4-FFF2-40B4-BE49-F238E27FC236}">
+                    <a16:creationId xmlns:a16="http://schemas.microsoft.com/office/drawing/2014/main" id="{08139049-A7A6-342F-4DDC-8317E63072FE}"/>
+                  </a:ext>
+                </a:extLst>
+              </p:cNvPr>
+              <p:cNvSpPr>
+                <a:spLocks noGrp="1" noRot="1" noChangeAspect="1" noMove="1" noResize="1" noEditPoints="1" noAdjustHandles="1" noChangeArrowheads="1" noChangeShapeType="1" noTextEdit="1"/>
+              </p:cNvSpPr>
+              <p:nvPr>
+                <p:ph idx="1"/>
+              </p:nvPr>
+            </p:nvSpPr>
+            <p:spPr>
+              <a:blipFill>
+                <a:blip r:embed="rId2"/>
+                <a:stretch>
+                  <a:fillRect l="-1086" t="-2035"/>
+                </a:stretch>
+              </a:blipFill>
+            </p:spPr>
+            <p:txBody>
+              <a:bodyPr/>
+              <a:lstStyle/>
+              <a:p>
+                <a:r>
+                  <a:rPr lang="en-VN">
+                    <a:noFill/>
+                  </a:rPr>
+                  <a:t> </a:t>
+                </a:r>
+              </a:p>
+            </p:txBody>
+          </p:sp>
+        </mc:Fallback>
+      </mc:AlternateContent>
+      <p:sp>
+        <p:nvSpPr>
+          <p:cNvPr id="4" name="Slide Number Placeholder 3">
+            <a:extLst>
+              <a:ext uri="{FF2B5EF4-FFF2-40B4-BE49-F238E27FC236}">
+                <a16:creationId xmlns:a16="http://schemas.microsoft.com/office/drawing/2014/main" id="{7CC4B3DB-E25D-A24B-84C7-4490B0672D9C}"/>
+              </a:ext>
+            </a:extLst>
+          </p:cNvPr>
+          <p:cNvSpPr>
+            <a:spLocks noGrp="1"/>
+          </p:cNvSpPr>
+          <p:nvPr>
+            <p:ph type="sldNum" sz="quarter" idx="12"/>
+          </p:nvPr>
+        </p:nvSpPr>
+        <p:spPr/>
+        <p:txBody>
+          <a:bodyPr/>
+          <a:lstStyle/>
+          <a:p>
+            <a:fld id="{480537A9-B8B1-481D-9BE4-179EB839AE15}" type="slidenum">
+              <a:rPr lang="vi-VN" smtClean="0"/>
+              <a:t>13</a:t>
             </a:fld>
             <a:endParaRPr lang="vi-VN"/>
           </a:p>
@@ -4370,7 +4894,7 @@
 </p:sld>
 </file>
 
-<file path=ppt/slides/slide12.xml><?xml version="1.0" encoding="utf-8"?>
+<file path=ppt/slides/slide14.xml><?xml version="1.0" encoding="utf-8"?>
 <p:sld xmlns:a="http://schemas.openxmlformats.org/drawingml/2006/main" xmlns:r="http://schemas.openxmlformats.org/officeDocument/2006/relationships" xmlns:p="http://schemas.openxmlformats.org/presentationml/2006/main">
   <p:cSld>
     <p:spTree>
@@ -4416,31 +4940,525 @@
           </a:p>
         </p:txBody>
       </p:sp>
-      <p:sp>
-        <p:nvSpPr>
-          <p:cNvPr id="3" name="Content Placeholder 2">
+      <p:graphicFrame>
+        <p:nvGraphicFramePr>
+          <p:cNvPr id="5" name="Content Placeholder 4">
             <a:extLst>
               <a:ext uri="{FF2B5EF4-FFF2-40B4-BE49-F238E27FC236}">
-                <a16:creationId xmlns:a16="http://schemas.microsoft.com/office/drawing/2014/main" id="{6F69A19F-92DD-E675-1CD2-1B5A38F0F320}"/>
+                <a16:creationId xmlns:a16="http://schemas.microsoft.com/office/drawing/2014/main" id="{8887A839-D1E0-0F84-0D1F-4926A3796ADF}"/>
               </a:ext>
             </a:extLst>
           </p:cNvPr>
-          <p:cNvSpPr>
-            <a:spLocks noGrp="1"/>
-          </p:cNvSpPr>
+          <p:cNvGraphicFramePr>
+            <a:graphicFrameLocks noGrp="1"/>
+          </p:cNvGraphicFramePr>
           <p:nvPr>
             <p:ph idx="1"/>
+            <p:extLst>
+              <p:ext uri="{D42A27DB-BD31-4B8C-83A1-F6EECF244321}">
+                <p14:modId xmlns:p14="http://schemas.microsoft.com/office/powerpoint/2010/main" val="1906820311"/>
+              </p:ext>
+            </p:extLst>
           </p:nvPr>
-        </p:nvSpPr>
-        <p:spPr/>
-        <p:txBody>
-          <a:bodyPr/>
-          <a:lstStyle/>
-          <a:p>
-            <a:endParaRPr lang="en-VN"/>
-          </a:p>
-        </p:txBody>
-      </p:sp>
+        </p:nvGraphicFramePr>
+        <p:xfrm>
+          <a:off x="838200" y="1825624"/>
+          <a:ext cx="8636000" cy="2619375"/>
+        </p:xfrm>
+        <a:graphic>
+          <a:graphicData uri="http://schemas.openxmlformats.org/drawingml/2006/table">
+            <a:tbl>
+              <a:tblPr firstRow="1" bandRow="1">
+                <a:tableStyleId>{5940675A-B579-460E-94D1-54222C63F5DA}</a:tableStyleId>
+              </a:tblPr>
+              <a:tblGrid>
+                <a:gridCol w="1727200">
+                  <a:extLst>
+                    <a:ext uri="{9D8B030D-6E8A-4147-A177-3AD203B41FA5}">
+                      <a16:colId xmlns:a16="http://schemas.microsoft.com/office/drawing/2014/main" val="73007261"/>
+                    </a:ext>
+                  </a:extLst>
+                </a:gridCol>
+                <a:gridCol w="1727200">
+                  <a:extLst>
+                    <a:ext uri="{9D8B030D-6E8A-4147-A177-3AD203B41FA5}">
+                      <a16:colId xmlns:a16="http://schemas.microsoft.com/office/drawing/2014/main" val="1336646211"/>
+                    </a:ext>
+                  </a:extLst>
+                </a:gridCol>
+                <a:gridCol w="1727200">
+                  <a:extLst>
+                    <a:ext uri="{9D8B030D-6E8A-4147-A177-3AD203B41FA5}">
+                      <a16:colId xmlns:a16="http://schemas.microsoft.com/office/drawing/2014/main" val="2648870714"/>
+                    </a:ext>
+                  </a:extLst>
+                </a:gridCol>
+                <a:gridCol w="1727200">
+                  <a:extLst>
+                    <a:ext uri="{9D8B030D-6E8A-4147-A177-3AD203B41FA5}">
+                      <a16:colId xmlns:a16="http://schemas.microsoft.com/office/drawing/2014/main" val="4085430130"/>
+                    </a:ext>
+                  </a:extLst>
+                </a:gridCol>
+                <a:gridCol w="1727200">
+                  <a:extLst>
+                    <a:ext uri="{9D8B030D-6E8A-4147-A177-3AD203B41FA5}">
+                      <a16:colId xmlns:a16="http://schemas.microsoft.com/office/drawing/2014/main" val="303134788"/>
+                    </a:ext>
+                  </a:extLst>
+                </a:gridCol>
+              </a:tblGrid>
+              <a:tr h="523875">
+                <a:tc>
+                  <a:txBody>
+                    <a:bodyPr/>
+                    <a:lstStyle/>
+                    <a:p>
+                      <a:r>
+                        <a:rPr lang="en-VN">
+                          <a:solidFill>
+                            <a:schemeClr val="tx1"/>
+                          </a:solidFill>
+                        </a:rPr>
+                        <a:t>Requirement ID</a:t>
+                      </a:r>
+                    </a:p>
+                  </a:txBody>
+                  <a:tcPr/>
+                </a:tc>
+                <a:tc>
+                  <a:txBody>
+                    <a:bodyPr/>
+                    <a:lstStyle/>
+                    <a:p>
+                      <a:r>
+                        <a:rPr lang="en-VN">
+                          <a:solidFill>
+                            <a:schemeClr val="tx1"/>
+                          </a:solidFill>
+                        </a:rPr>
+                        <a:t>1</a:t>
+                      </a:r>
+                    </a:p>
+                  </a:txBody>
+                  <a:tcPr/>
+                </a:tc>
+                <a:tc>
+                  <a:txBody>
+                    <a:bodyPr/>
+                    <a:lstStyle/>
+                    <a:p>
+                      <a:r>
+                        <a:rPr lang="en-VN">
+                          <a:solidFill>
+                            <a:schemeClr val="tx1"/>
+                          </a:solidFill>
+                        </a:rPr>
+                        <a:t>2</a:t>
+                      </a:r>
+                    </a:p>
+                  </a:txBody>
+                  <a:tcPr/>
+                </a:tc>
+                <a:tc>
+                  <a:txBody>
+                    <a:bodyPr/>
+                    <a:lstStyle/>
+                    <a:p>
+                      <a:r>
+                        <a:rPr lang="en-VN">
+                          <a:solidFill>
+                            <a:schemeClr val="tx1"/>
+                          </a:solidFill>
+                        </a:rPr>
+                        <a:t>3</a:t>
+                      </a:r>
+                    </a:p>
+                  </a:txBody>
+                  <a:tcPr/>
+                </a:tc>
+                <a:tc>
+                  <a:txBody>
+                    <a:bodyPr/>
+                    <a:lstStyle/>
+                    <a:p>
+                      <a:r>
+                        <a:rPr lang="en-VN">
+                          <a:solidFill>
+                            <a:schemeClr val="tx1"/>
+                          </a:solidFill>
+                        </a:rPr>
+                        <a:t>4</a:t>
+                      </a:r>
+                    </a:p>
+                  </a:txBody>
+                  <a:tcPr/>
+                </a:tc>
+                <a:extLst>
+                  <a:ext uri="{0D108BD9-81ED-4DB2-BD59-A6C34878D82A}">
+                    <a16:rowId xmlns:a16="http://schemas.microsoft.com/office/drawing/2014/main" val="1045441262"/>
+                  </a:ext>
+                </a:extLst>
+              </a:tr>
+              <a:tr h="523875">
+                <a:tc>
+                  <a:txBody>
+                    <a:bodyPr/>
+                    <a:lstStyle/>
+                    <a:p>
+                      <a:r>
+                        <a:rPr lang="en-VN">
+                          <a:solidFill>
+                            <a:schemeClr val="tx1"/>
+                          </a:solidFill>
+                        </a:rPr>
+                        <a:t>1</a:t>
+                      </a:r>
+                    </a:p>
+                  </a:txBody>
+                  <a:tcPr/>
+                </a:tc>
+                <a:tc>
+                  <a:txBody>
+                    <a:bodyPr/>
+                    <a:lstStyle/>
+                    <a:p>
+                      <a:endParaRPr lang="en-VN">
+                        <a:solidFill>
+                          <a:schemeClr val="tx1"/>
+                        </a:solidFill>
+                      </a:endParaRPr>
+                    </a:p>
+                  </a:txBody>
+                  <a:tcPr/>
+                </a:tc>
+                <a:tc>
+                  <a:txBody>
+                    <a:bodyPr/>
+                    <a:lstStyle/>
+                    <a:p>
+                      <a:endParaRPr lang="en-VN">
+                        <a:solidFill>
+                          <a:schemeClr val="tx1"/>
+                        </a:solidFill>
+                      </a:endParaRPr>
+                    </a:p>
+                  </a:txBody>
+                  <a:tcPr/>
+                </a:tc>
+                <a:tc>
+                  <a:txBody>
+                    <a:bodyPr/>
+                    <a:lstStyle/>
+                    <a:p>
+                      <a:pPr marL="0" marR="0" lvl="0" indent="0" algn="l" defTabSz="914400" rtl="0" eaLnBrk="1" fontAlgn="auto" latinLnBrk="0" hangingPunct="1">
+                        <a:lnSpc>
+                          <a:spcPct val="100000"/>
+                        </a:lnSpc>
+                        <a:spcBef>
+                          <a:spcPts val="0"/>
+                        </a:spcBef>
+                        <a:spcAft>
+                          <a:spcPts val="0"/>
+                        </a:spcAft>
+                        <a:buClrTx/>
+                        <a:buSzTx/>
+                        <a:buFontTx/>
+                        <a:buNone/>
+                        <a:tabLst/>
+                        <a:defRPr/>
+                      </a:pPr>
+                      <a:r>
+                        <a:rPr lang="en-VN">
+                          <a:solidFill>
+                            <a:schemeClr val="tx1"/>
+                          </a:solidFill>
+                        </a:rPr>
+                        <a:t>U</a:t>
+                      </a:r>
+                    </a:p>
+                  </a:txBody>
+                  <a:tcPr/>
+                </a:tc>
+                <a:tc>
+                  <a:txBody>
+                    <a:bodyPr/>
+                    <a:lstStyle/>
+                    <a:p>
+                      <a:endParaRPr lang="en-VN">
+                        <a:solidFill>
+                          <a:schemeClr val="tx1"/>
+                        </a:solidFill>
+                      </a:endParaRPr>
+                    </a:p>
+                  </a:txBody>
+                  <a:tcPr/>
+                </a:tc>
+                <a:extLst>
+                  <a:ext uri="{0D108BD9-81ED-4DB2-BD59-A6C34878D82A}">
+                    <a16:rowId xmlns:a16="http://schemas.microsoft.com/office/drawing/2014/main" val="3673657934"/>
+                  </a:ext>
+                </a:extLst>
+              </a:tr>
+              <a:tr h="523875">
+                <a:tc>
+                  <a:txBody>
+                    <a:bodyPr/>
+                    <a:lstStyle/>
+                    <a:p>
+                      <a:r>
+                        <a:rPr lang="en-VN">
+                          <a:solidFill>
+                            <a:schemeClr val="tx1"/>
+                          </a:solidFill>
+                        </a:rPr>
+                        <a:t>2</a:t>
+                      </a:r>
+                    </a:p>
+                  </a:txBody>
+                  <a:tcPr/>
+                </a:tc>
+                <a:tc>
+                  <a:txBody>
+                    <a:bodyPr/>
+                    <a:lstStyle/>
+                    <a:p>
+                      <a:r>
+                        <a:rPr lang="en-VN">
+                          <a:solidFill>
+                            <a:schemeClr val="tx1"/>
+                          </a:solidFill>
+                        </a:rPr>
+                        <a:t>R</a:t>
+                      </a:r>
+                    </a:p>
+                  </a:txBody>
+                  <a:tcPr/>
+                </a:tc>
+                <a:tc>
+                  <a:txBody>
+                    <a:bodyPr/>
+                    <a:lstStyle/>
+                    <a:p>
+                      <a:endParaRPr lang="en-VN">
+                        <a:solidFill>
+                          <a:schemeClr val="tx1"/>
+                        </a:solidFill>
+                      </a:endParaRPr>
+                    </a:p>
+                  </a:txBody>
+                  <a:tcPr/>
+                </a:tc>
+                <a:tc>
+                  <a:txBody>
+                    <a:bodyPr/>
+                    <a:lstStyle/>
+                    <a:p>
+                      <a:endParaRPr lang="en-VN">
+                        <a:solidFill>
+                          <a:schemeClr val="tx1"/>
+                        </a:solidFill>
+                      </a:endParaRPr>
+                    </a:p>
+                  </a:txBody>
+                  <a:tcPr/>
+                </a:tc>
+                <a:tc>
+                  <a:txBody>
+                    <a:bodyPr/>
+                    <a:lstStyle/>
+                    <a:p>
+                      <a:r>
+                        <a:rPr lang="en-VN">
+                          <a:solidFill>
+                            <a:schemeClr val="tx1"/>
+                          </a:solidFill>
+                        </a:rPr>
+                        <a:t>R</a:t>
+                      </a:r>
+                    </a:p>
+                  </a:txBody>
+                  <a:tcPr/>
+                </a:tc>
+                <a:extLst>
+                  <a:ext uri="{0D108BD9-81ED-4DB2-BD59-A6C34878D82A}">
+                    <a16:rowId xmlns:a16="http://schemas.microsoft.com/office/drawing/2014/main" val="4029887081"/>
+                  </a:ext>
+                </a:extLst>
+              </a:tr>
+              <a:tr h="523875">
+                <a:tc>
+                  <a:txBody>
+                    <a:bodyPr/>
+                    <a:lstStyle/>
+                    <a:p>
+                      <a:r>
+                        <a:rPr lang="en-VN">
+                          <a:solidFill>
+                            <a:schemeClr val="tx1"/>
+                          </a:solidFill>
+                        </a:rPr>
+                        <a:t>3</a:t>
+                      </a:r>
+                    </a:p>
+                  </a:txBody>
+                  <a:tcPr/>
+                </a:tc>
+                <a:tc>
+                  <a:txBody>
+                    <a:bodyPr/>
+                    <a:lstStyle/>
+                    <a:p>
+                      <a:endParaRPr lang="en-VN">
+                        <a:solidFill>
+                          <a:schemeClr val="tx1"/>
+                        </a:solidFill>
+                      </a:endParaRPr>
+                    </a:p>
+                  </a:txBody>
+                  <a:tcPr/>
+                </a:tc>
+                <a:tc>
+                  <a:txBody>
+                    <a:bodyPr/>
+                    <a:lstStyle/>
+                    <a:p>
+                      <a:r>
+                        <a:rPr lang="en-VN">
+                          <a:solidFill>
+                            <a:schemeClr val="tx1"/>
+                          </a:solidFill>
+                        </a:rPr>
+                        <a:t>R</a:t>
+                      </a:r>
+                    </a:p>
+                  </a:txBody>
+                  <a:tcPr/>
+                </a:tc>
+                <a:tc>
+                  <a:txBody>
+                    <a:bodyPr/>
+                    <a:lstStyle/>
+                    <a:p>
+                      <a:endParaRPr lang="en-VN">
+                        <a:solidFill>
+                          <a:schemeClr val="tx1"/>
+                        </a:solidFill>
+                      </a:endParaRPr>
+                    </a:p>
+                  </a:txBody>
+                  <a:tcPr/>
+                </a:tc>
+                <a:tc>
+                  <a:txBody>
+                    <a:bodyPr/>
+                    <a:lstStyle/>
+                    <a:p>
+                      <a:endParaRPr lang="en-VN">
+                        <a:solidFill>
+                          <a:schemeClr val="tx1"/>
+                        </a:solidFill>
+                      </a:endParaRPr>
+                    </a:p>
+                  </a:txBody>
+                  <a:tcPr/>
+                </a:tc>
+                <a:extLst>
+                  <a:ext uri="{0D108BD9-81ED-4DB2-BD59-A6C34878D82A}">
+                    <a16:rowId xmlns:a16="http://schemas.microsoft.com/office/drawing/2014/main" val="669164296"/>
+                  </a:ext>
+                </a:extLst>
+              </a:tr>
+              <a:tr h="523875">
+                <a:tc>
+                  <a:txBody>
+                    <a:bodyPr/>
+                    <a:lstStyle/>
+                    <a:p>
+                      <a:r>
+                        <a:rPr lang="en-VN">
+                          <a:solidFill>
+                            <a:schemeClr val="tx1"/>
+                          </a:solidFill>
+                        </a:rPr>
+                        <a:t>4</a:t>
+                      </a:r>
+                    </a:p>
+                  </a:txBody>
+                  <a:tcPr/>
+                </a:tc>
+                <a:tc>
+                  <a:txBody>
+                    <a:bodyPr/>
+                    <a:lstStyle/>
+                    <a:p>
+                      <a:r>
+                        <a:rPr lang="en-VN">
+                          <a:solidFill>
+                            <a:schemeClr val="tx1"/>
+                          </a:solidFill>
+                        </a:rPr>
+                        <a:t>R</a:t>
+                      </a:r>
+                    </a:p>
+                  </a:txBody>
+                  <a:tcPr/>
+                </a:tc>
+                <a:tc>
+                  <a:txBody>
+                    <a:bodyPr/>
+                    <a:lstStyle/>
+                    <a:p>
+                      <a:endParaRPr lang="en-VN">
+                        <a:solidFill>
+                          <a:schemeClr val="tx1"/>
+                        </a:solidFill>
+                      </a:endParaRPr>
+                    </a:p>
+                  </a:txBody>
+                  <a:tcPr/>
+                </a:tc>
+                <a:tc>
+                  <a:txBody>
+                    <a:bodyPr/>
+                    <a:lstStyle/>
+                    <a:p>
+                      <a:r>
+                        <a:rPr lang="en-VN">
+                          <a:solidFill>
+                            <a:schemeClr val="tx1"/>
+                          </a:solidFill>
+                        </a:rPr>
+                        <a:t>U</a:t>
+                      </a:r>
+                    </a:p>
+                  </a:txBody>
+                  <a:tcPr/>
+                </a:tc>
+                <a:tc>
+                  <a:txBody>
+                    <a:bodyPr/>
+                    <a:lstStyle/>
+                    <a:p>
+                      <a:endParaRPr lang="en-VN">
+                        <a:solidFill>
+                          <a:schemeClr val="tx1"/>
+                        </a:solidFill>
+                      </a:endParaRPr>
+                    </a:p>
+                  </a:txBody>
+                  <a:tcPr/>
+                </a:tc>
+                <a:extLst>
+                  <a:ext uri="{0D108BD9-81ED-4DB2-BD59-A6C34878D82A}">
+                    <a16:rowId xmlns:a16="http://schemas.microsoft.com/office/drawing/2014/main" val="2535561757"/>
+                  </a:ext>
+                </a:extLst>
+              </a:tr>
+            </a:tbl>
+          </a:graphicData>
+        </a:graphic>
+      </p:graphicFrame>
       <p:sp>
         <p:nvSpPr>
           <p:cNvPr id="4" name="Slide Number Placeholder 3">
@@ -4464,7 +5482,7 @@
           <a:p>
             <a:fld id="{480537A9-B8B1-481D-9BE4-179EB839AE15}" type="slidenum">
               <a:rPr lang="vi-VN" smtClean="0"/>
-              <a:t>12</a:t>
+              <a:t>14</a:t>
             </a:fld>
             <a:endParaRPr lang="vi-VN"/>
           </a:p>
@@ -4474,6 +5492,1601 @@
     <p:extLst>
       <p:ext uri="{BB962C8B-B14F-4D97-AF65-F5344CB8AC3E}">
         <p14:creationId xmlns:p14="http://schemas.microsoft.com/office/powerpoint/2010/main" val="1587146549"/>
+      </p:ext>
+    </p:extLst>
+  </p:cSld>
+  <p:clrMapOvr>
+    <a:masterClrMapping/>
+  </p:clrMapOvr>
+</p:sld>
+</file>
+
+<file path=ppt/slides/slide15.xml><?xml version="1.0" encoding="utf-8"?>
+<p:sld xmlns:a="http://schemas.openxmlformats.org/drawingml/2006/main" xmlns:r="http://schemas.openxmlformats.org/officeDocument/2006/relationships" xmlns:p="http://schemas.openxmlformats.org/presentationml/2006/main">
+  <p:cSld>
+    <p:spTree>
+      <p:nvGrpSpPr>
+        <p:cNvPr id="1" name=""/>
+        <p:cNvGrpSpPr/>
+        <p:nvPr/>
+      </p:nvGrpSpPr>
+      <p:grpSpPr>
+        <a:xfrm>
+          <a:off x="0" y="0"/>
+          <a:ext cx="0" cy="0"/>
+          <a:chOff x="0" y="0"/>
+          <a:chExt cx="0" cy="0"/>
+        </a:xfrm>
+      </p:grpSpPr>
+      <p:sp>
+        <p:nvSpPr>
+          <p:cNvPr id="2" name="Title 1">
+            <a:extLst>
+              <a:ext uri="{FF2B5EF4-FFF2-40B4-BE49-F238E27FC236}">
+                <a16:creationId xmlns:a16="http://schemas.microsoft.com/office/drawing/2014/main" id="{98B1B558-83A9-9704-59DF-6B7A9C9F9A0A}"/>
+              </a:ext>
+            </a:extLst>
+          </p:cNvPr>
+          <p:cNvSpPr>
+            <a:spLocks noGrp="1"/>
+          </p:cNvSpPr>
+          <p:nvPr>
+            <p:ph type="title"/>
+          </p:nvPr>
+        </p:nvSpPr>
+        <p:spPr/>
+        <p:txBody>
+          <a:bodyPr/>
+          <a:lstStyle/>
+          <a:p>
+            <a:r>
+              <a:rPr lang="en-US"/>
+              <a:t>Requirements Source Traceability Matrix</a:t>
+            </a:r>
+            <a:endParaRPr lang="en-VN"/>
+          </a:p>
+        </p:txBody>
+      </p:sp>
+      <p:graphicFrame>
+        <p:nvGraphicFramePr>
+          <p:cNvPr id="5" name="Content Placeholder 4">
+            <a:extLst>
+              <a:ext uri="{FF2B5EF4-FFF2-40B4-BE49-F238E27FC236}">
+                <a16:creationId xmlns:a16="http://schemas.microsoft.com/office/drawing/2014/main" id="{8887A839-D1E0-0F84-0D1F-4926A3796ADF}"/>
+              </a:ext>
+            </a:extLst>
+          </p:cNvPr>
+          <p:cNvGraphicFramePr>
+            <a:graphicFrameLocks noGrp="1"/>
+          </p:cNvGraphicFramePr>
+          <p:nvPr>
+            <p:ph idx="1"/>
+            <p:extLst>
+              <p:ext uri="{D42A27DB-BD31-4B8C-83A1-F6EECF244321}">
+                <p14:modId xmlns:p14="http://schemas.microsoft.com/office/powerpoint/2010/main" val="936027287"/>
+              </p:ext>
+            </p:extLst>
+          </p:nvPr>
+        </p:nvGraphicFramePr>
+        <p:xfrm>
+          <a:off x="838200" y="1825624"/>
+          <a:ext cx="8636000" cy="2619375"/>
+        </p:xfrm>
+        <a:graphic>
+          <a:graphicData uri="http://schemas.openxmlformats.org/drawingml/2006/table">
+            <a:tbl>
+              <a:tblPr firstRow="1" bandRow="1">
+                <a:tableStyleId>{5940675A-B579-460E-94D1-54222C63F5DA}</a:tableStyleId>
+              </a:tblPr>
+              <a:tblGrid>
+                <a:gridCol w="1727200">
+                  <a:extLst>
+                    <a:ext uri="{9D8B030D-6E8A-4147-A177-3AD203B41FA5}">
+                      <a16:colId xmlns:a16="http://schemas.microsoft.com/office/drawing/2014/main" val="73007261"/>
+                    </a:ext>
+                  </a:extLst>
+                </a:gridCol>
+                <a:gridCol w="1727200">
+                  <a:extLst>
+                    <a:ext uri="{9D8B030D-6E8A-4147-A177-3AD203B41FA5}">
+                      <a16:colId xmlns:a16="http://schemas.microsoft.com/office/drawing/2014/main" val="1336646211"/>
+                    </a:ext>
+                  </a:extLst>
+                </a:gridCol>
+                <a:gridCol w="1727200">
+                  <a:extLst>
+                    <a:ext uri="{9D8B030D-6E8A-4147-A177-3AD203B41FA5}">
+                      <a16:colId xmlns:a16="http://schemas.microsoft.com/office/drawing/2014/main" val="2648870714"/>
+                    </a:ext>
+                  </a:extLst>
+                </a:gridCol>
+                <a:gridCol w="1727200">
+                  <a:extLst>
+                    <a:ext uri="{9D8B030D-6E8A-4147-A177-3AD203B41FA5}">
+                      <a16:colId xmlns:a16="http://schemas.microsoft.com/office/drawing/2014/main" val="4085430130"/>
+                    </a:ext>
+                  </a:extLst>
+                </a:gridCol>
+                <a:gridCol w="1727200">
+                  <a:extLst>
+                    <a:ext uri="{9D8B030D-6E8A-4147-A177-3AD203B41FA5}">
+                      <a16:colId xmlns:a16="http://schemas.microsoft.com/office/drawing/2014/main" val="303134788"/>
+                    </a:ext>
+                  </a:extLst>
+                </a:gridCol>
+              </a:tblGrid>
+              <a:tr h="523875">
+                <a:tc>
+                  <a:txBody>
+                    <a:bodyPr/>
+                    <a:lstStyle/>
+                    <a:p>
+                      <a:r>
+                        <a:rPr lang="en-VN">
+                          <a:solidFill>
+                            <a:schemeClr val="tx1"/>
+                          </a:solidFill>
+                        </a:rPr>
+                        <a:t>Requirement ID</a:t>
+                      </a:r>
+                    </a:p>
+                  </a:txBody>
+                  <a:tcPr/>
+                </a:tc>
+                <a:tc>
+                  <a:txBody>
+                    <a:bodyPr/>
+                    <a:lstStyle/>
+                    <a:p>
+                      <a:r>
+                        <a:rPr lang="en-VN">
+                          <a:solidFill>
+                            <a:schemeClr val="tx1"/>
+                          </a:solidFill>
+                        </a:rPr>
+                        <a:t>Soure #1</a:t>
+                      </a:r>
+                    </a:p>
+                  </a:txBody>
+                  <a:tcPr/>
+                </a:tc>
+                <a:tc>
+                  <a:txBody>
+                    <a:bodyPr/>
+                    <a:lstStyle/>
+                    <a:p>
+                      <a:r>
+                        <a:rPr lang="en-VN">
+                          <a:solidFill>
+                            <a:schemeClr val="tx1"/>
+                          </a:solidFill>
+                        </a:rPr>
+                        <a:t>Soure #2</a:t>
+                      </a:r>
+                    </a:p>
+                  </a:txBody>
+                  <a:tcPr/>
+                </a:tc>
+                <a:tc>
+                  <a:txBody>
+                    <a:bodyPr/>
+                    <a:lstStyle/>
+                    <a:p>
+                      <a:r>
+                        <a:rPr lang="en-VN">
+                          <a:solidFill>
+                            <a:schemeClr val="tx1"/>
+                          </a:solidFill>
+                        </a:rPr>
+                        <a:t>Soure #3</a:t>
+                      </a:r>
+                    </a:p>
+                  </a:txBody>
+                  <a:tcPr/>
+                </a:tc>
+                <a:tc>
+                  <a:txBody>
+                    <a:bodyPr/>
+                    <a:lstStyle/>
+                    <a:p>
+                      <a:r>
+                        <a:rPr lang="en-VN">
+                          <a:solidFill>
+                            <a:schemeClr val="tx1"/>
+                          </a:solidFill>
+                        </a:rPr>
+                        <a:t>Soure #4</a:t>
+                      </a:r>
+                    </a:p>
+                  </a:txBody>
+                  <a:tcPr/>
+                </a:tc>
+                <a:extLst>
+                  <a:ext uri="{0D108BD9-81ED-4DB2-BD59-A6C34878D82A}">
+                    <a16:rowId xmlns:a16="http://schemas.microsoft.com/office/drawing/2014/main" val="1045441262"/>
+                  </a:ext>
+                </a:extLst>
+              </a:tr>
+              <a:tr h="523875">
+                <a:tc>
+                  <a:txBody>
+                    <a:bodyPr/>
+                    <a:lstStyle/>
+                    <a:p>
+                      <a:r>
+                        <a:rPr lang="en-VN">
+                          <a:solidFill>
+                            <a:schemeClr val="tx1"/>
+                          </a:solidFill>
+                        </a:rPr>
+                        <a:t>1</a:t>
+                      </a:r>
+                    </a:p>
+                  </a:txBody>
+                  <a:tcPr/>
+                </a:tc>
+                <a:tc>
+                  <a:txBody>
+                    <a:bodyPr/>
+                    <a:lstStyle/>
+                    <a:p>
+                      <a:endParaRPr lang="en-VN">
+                        <a:solidFill>
+                          <a:schemeClr val="tx1"/>
+                        </a:solidFill>
+                      </a:endParaRPr>
+                    </a:p>
+                  </a:txBody>
+                  <a:tcPr/>
+                </a:tc>
+                <a:tc>
+                  <a:txBody>
+                    <a:bodyPr/>
+                    <a:lstStyle/>
+                    <a:p>
+                      <a:endParaRPr lang="en-VN">
+                        <a:solidFill>
+                          <a:schemeClr val="tx1"/>
+                        </a:solidFill>
+                      </a:endParaRPr>
+                    </a:p>
+                  </a:txBody>
+                  <a:tcPr/>
+                </a:tc>
+                <a:tc>
+                  <a:txBody>
+                    <a:bodyPr/>
+                    <a:lstStyle/>
+                    <a:p>
+                      <a:pPr marL="0" marR="0" lvl="0" indent="0" algn="l" defTabSz="914400" rtl="0" eaLnBrk="1" fontAlgn="auto" latinLnBrk="0" hangingPunct="1">
+                        <a:lnSpc>
+                          <a:spcPct val="100000"/>
+                        </a:lnSpc>
+                        <a:spcBef>
+                          <a:spcPts val="0"/>
+                        </a:spcBef>
+                        <a:spcAft>
+                          <a:spcPts val="0"/>
+                        </a:spcAft>
+                        <a:buClrTx/>
+                        <a:buSzTx/>
+                        <a:buFontTx/>
+                        <a:buNone/>
+                        <a:tabLst/>
+                        <a:defRPr/>
+                      </a:pPr>
+                      <a:r>
+                        <a:rPr lang="en-VN">
+                          <a:solidFill>
+                            <a:schemeClr val="tx1"/>
+                          </a:solidFill>
+                        </a:rPr>
+                        <a:t>1</a:t>
+                      </a:r>
+                    </a:p>
+                  </a:txBody>
+                  <a:tcPr/>
+                </a:tc>
+                <a:tc>
+                  <a:txBody>
+                    <a:bodyPr/>
+                    <a:lstStyle/>
+                    <a:p>
+                      <a:endParaRPr lang="en-VN">
+                        <a:solidFill>
+                          <a:schemeClr val="tx1"/>
+                        </a:solidFill>
+                      </a:endParaRPr>
+                    </a:p>
+                  </a:txBody>
+                  <a:tcPr/>
+                </a:tc>
+                <a:extLst>
+                  <a:ext uri="{0D108BD9-81ED-4DB2-BD59-A6C34878D82A}">
+                    <a16:rowId xmlns:a16="http://schemas.microsoft.com/office/drawing/2014/main" val="3673657934"/>
+                  </a:ext>
+                </a:extLst>
+              </a:tr>
+              <a:tr h="523875">
+                <a:tc>
+                  <a:txBody>
+                    <a:bodyPr/>
+                    <a:lstStyle/>
+                    <a:p>
+                      <a:r>
+                        <a:rPr lang="en-VN">
+                          <a:solidFill>
+                            <a:schemeClr val="tx1"/>
+                          </a:solidFill>
+                        </a:rPr>
+                        <a:t>2</a:t>
+                      </a:r>
+                    </a:p>
+                  </a:txBody>
+                  <a:tcPr/>
+                </a:tc>
+                <a:tc>
+                  <a:txBody>
+                    <a:bodyPr/>
+                    <a:lstStyle/>
+                    <a:p>
+                      <a:endParaRPr lang="en-VN">
+                        <a:solidFill>
+                          <a:schemeClr val="tx1"/>
+                        </a:solidFill>
+                      </a:endParaRPr>
+                    </a:p>
+                  </a:txBody>
+                  <a:tcPr/>
+                </a:tc>
+                <a:tc>
+                  <a:txBody>
+                    <a:bodyPr/>
+                    <a:lstStyle/>
+                    <a:p>
+                      <a:endParaRPr lang="en-VN">
+                        <a:solidFill>
+                          <a:schemeClr val="tx1"/>
+                        </a:solidFill>
+                      </a:endParaRPr>
+                    </a:p>
+                  </a:txBody>
+                  <a:tcPr/>
+                </a:tc>
+                <a:tc>
+                  <a:txBody>
+                    <a:bodyPr/>
+                    <a:lstStyle/>
+                    <a:p>
+                      <a:endParaRPr lang="en-VN">
+                        <a:solidFill>
+                          <a:schemeClr val="tx1"/>
+                        </a:solidFill>
+                      </a:endParaRPr>
+                    </a:p>
+                  </a:txBody>
+                  <a:tcPr/>
+                </a:tc>
+                <a:tc>
+                  <a:txBody>
+                    <a:bodyPr/>
+                    <a:lstStyle/>
+                    <a:p>
+                      <a:r>
+                        <a:rPr lang="en-VN">
+                          <a:solidFill>
+                            <a:schemeClr val="tx1"/>
+                          </a:solidFill>
+                        </a:rPr>
+                        <a:t>1</a:t>
+                      </a:r>
+                    </a:p>
+                  </a:txBody>
+                  <a:tcPr/>
+                </a:tc>
+                <a:extLst>
+                  <a:ext uri="{0D108BD9-81ED-4DB2-BD59-A6C34878D82A}">
+                    <a16:rowId xmlns:a16="http://schemas.microsoft.com/office/drawing/2014/main" val="4029887081"/>
+                  </a:ext>
+                </a:extLst>
+              </a:tr>
+              <a:tr h="523875">
+                <a:tc>
+                  <a:txBody>
+                    <a:bodyPr/>
+                    <a:lstStyle/>
+                    <a:p>
+                      <a:r>
+                        <a:rPr lang="en-VN">
+                          <a:solidFill>
+                            <a:schemeClr val="tx1"/>
+                          </a:solidFill>
+                        </a:rPr>
+                        <a:t>3</a:t>
+                      </a:r>
+                    </a:p>
+                  </a:txBody>
+                  <a:tcPr/>
+                </a:tc>
+                <a:tc>
+                  <a:txBody>
+                    <a:bodyPr/>
+                    <a:lstStyle/>
+                    <a:p>
+                      <a:endParaRPr lang="en-VN">
+                        <a:solidFill>
+                          <a:schemeClr val="tx1"/>
+                        </a:solidFill>
+                      </a:endParaRPr>
+                    </a:p>
+                  </a:txBody>
+                  <a:tcPr/>
+                </a:tc>
+                <a:tc>
+                  <a:txBody>
+                    <a:bodyPr/>
+                    <a:lstStyle/>
+                    <a:p>
+                      <a:r>
+                        <a:rPr lang="en-VN">
+                          <a:solidFill>
+                            <a:schemeClr val="tx1"/>
+                          </a:solidFill>
+                        </a:rPr>
+                        <a:t>1</a:t>
+                      </a:r>
+                    </a:p>
+                  </a:txBody>
+                  <a:tcPr/>
+                </a:tc>
+                <a:tc>
+                  <a:txBody>
+                    <a:bodyPr/>
+                    <a:lstStyle/>
+                    <a:p>
+                      <a:r>
+                        <a:rPr lang="en-VN">
+                          <a:solidFill>
+                            <a:schemeClr val="tx1"/>
+                          </a:solidFill>
+                        </a:rPr>
+                        <a:t>1</a:t>
+                      </a:r>
+                    </a:p>
+                  </a:txBody>
+                  <a:tcPr/>
+                </a:tc>
+                <a:tc>
+                  <a:txBody>
+                    <a:bodyPr/>
+                    <a:lstStyle/>
+                    <a:p>
+                      <a:endParaRPr lang="en-VN">
+                        <a:solidFill>
+                          <a:schemeClr val="tx1"/>
+                        </a:solidFill>
+                      </a:endParaRPr>
+                    </a:p>
+                  </a:txBody>
+                  <a:tcPr/>
+                </a:tc>
+                <a:extLst>
+                  <a:ext uri="{0D108BD9-81ED-4DB2-BD59-A6C34878D82A}">
+                    <a16:rowId xmlns:a16="http://schemas.microsoft.com/office/drawing/2014/main" val="669164296"/>
+                  </a:ext>
+                </a:extLst>
+              </a:tr>
+              <a:tr h="523875">
+                <a:tc>
+                  <a:txBody>
+                    <a:bodyPr/>
+                    <a:lstStyle/>
+                    <a:p>
+                      <a:r>
+                        <a:rPr lang="en-VN">
+                          <a:solidFill>
+                            <a:schemeClr val="tx1"/>
+                          </a:solidFill>
+                        </a:rPr>
+                        <a:t>4</a:t>
+                      </a:r>
+                    </a:p>
+                  </a:txBody>
+                  <a:tcPr/>
+                </a:tc>
+                <a:tc>
+                  <a:txBody>
+                    <a:bodyPr/>
+                    <a:lstStyle/>
+                    <a:p>
+                      <a:r>
+                        <a:rPr lang="en-VN">
+                          <a:solidFill>
+                            <a:schemeClr val="tx1"/>
+                          </a:solidFill>
+                        </a:rPr>
+                        <a:t>1</a:t>
+                      </a:r>
+                    </a:p>
+                  </a:txBody>
+                  <a:tcPr/>
+                </a:tc>
+                <a:tc>
+                  <a:txBody>
+                    <a:bodyPr/>
+                    <a:lstStyle/>
+                    <a:p>
+                      <a:endParaRPr lang="en-VN">
+                        <a:solidFill>
+                          <a:schemeClr val="tx1"/>
+                        </a:solidFill>
+                      </a:endParaRPr>
+                    </a:p>
+                  </a:txBody>
+                  <a:tcPr/>
+                </a:tc>
+                <a:tc>
+                  <a:txBody>
+                    <a:bodyPr/>
+                    <a:lstStyle/>
+                    <a:p>
+                      <a:endParaRPr lang="en-VN">
+                        <a:solidFill>
+                          <a:schemeClr val="tx1"/>
+                        </a:solidFill>
+                      </a:endParaRPr>
+                    </a:p>
+                  </a:txBody>
+                  <a:tcPr/>
+                </a:tc>
+                <a:tc>
+                  <a:txBody>
+                    <a:bodyPr/>
+                    <a:lstStyle/>
+                    <a:p>
+                      <a:endParaRPr lang="en-VN">
+                        <a:solidFill>
+                          <a:schemeClr val="tx1"/>
+                        </a:solidFill>
+                      </a:endParaRPr>
+                    </a:p>
+                  </a:txBody>
+                  <a:tcPr/>
+                </a:tc>
+                <a:extLst>
+                  <a:ext uri="{0D108BD9-81ED-4DB2-BD59-A6C34878D82A}">
+                    <a16:rowId xmlns:a16="http://schemas.microsoft.com/office/drawing/2014/main" val="2535561757"/>
+                  </a:ext>
+                </a:extLst>
+              </a:tr>
+            </a:tbl>
+          </a:graphicData>
+        </a:graphic>
+      </p:graphicFrame>
+      <p:sp>
+        <p:nvSpPr>
+          <p:cNvPr id="4" name="Slide Number Placeholder 3">
+            <a:extLst>
+              <a:ext uri="{FF2B5EF4-FFF2-40B4-BE49-F238E27FC236}">
+                <a16:creationId xmlns:a16="http://schemas.microsoft.com/office/drawing/2014/main" id="{4DEFF021-C308-2B9B-4038-0C980D4B35E9}"/>
+              </a:ext>
+            </a:extLst>
+          </p:cNvPr>
+          <p:cNvSpPr>
+            <a:spLocks noGrp="1"/>
+          </p:cNvSpPr>
+          <p:nvPr>
+            <p:ph type="sldNum" sz="quarter" idx="12"/>
+          </p:nvPr>
+        </p:nvSpPr>
+        <p:spPr/>
+        <p:txBody>
+          <a:bodyPr/>
+          <a:lstStyle/>
+          <a:p>
+            <a:fld id="{480537A9-B8B1-481D-9BE4-179EB839AE15}" type="slidenum">
+              <a:rPr lang="vi-VN" smtClean="0"/>
+              <a:t>15</a:t>
+            </a:fld>
+            <a:endParaRPr lang="vi-VN"/>
+          </a:p>
+        </p:txBody>
+      </p:sp>
+    </p:spTree>
+    <p:extLst>
+      <p:ext uri="{BB962C8B-B14F-4D97-AF65-F5344CB8AC3E}">
+        <p14:creationId xmlns:p14="http://schemas.microsoft.com/office/powerpoint/2010/main" val="2434983322"/>
+      </p:ext>
+    </p:extLst>
+  </p:cSld>
+  <p:clrMapOvr>
+    <a:masterClrMapping/>
+  </p:clrMapOvr>
+</p:sld>
+</file>
+
+<file path=ppt/slides/slide16.xml><?xml version="1.0" encoding="utf-8"?>
+<p:sld xmlns:a="http://schemas.openxmlformats.org/drawingml/2006/main" xmlns:r="http://schemas.openxmlformats.org/officeDocument/2006/relationships" xmlns:p="http://schemas.openxmlformats.org/presentationml/2006/main">
+  <p:cSld>
+    <p:spTree>
+      <p:nvGrpSpPr>
+        <p:cNvPr id="1" name=""/>
+        <p:cNvGrpSpPr/>
+        <p:nvPr/>
+      </p:nvGrpSpPr>
+      <p:grpSpPr>
+        <a:xfrm>
+          <a:off x="0" y="0"/>
+          <a:ext cx="0" cy="0"/>
+          <a:chOff x="0" y="0"/>
+          <a:chExt cx="0" cy="0"/>
+        </a:xfrm>
+      </p:grpSpPr>
+      <p:sp>
+        <p:nvSpPr>
+          <p:cNvPr id="2" name="Title 1">
+            <a:extLst>
+              <a:ext uri="{FF2B5EF4-FFF2-40B4-BE49-F238E27FC236}">
+                <a16:creationId xmlns:a16="http://schemas.microsoft.com/office/drawing/2014/main" id="{98B1B558-83A9-9704-59DF-6B7A9C9F9A0A}"/>
+              </a:ext>
+            </a:extLst>
+          </p:cNvPr>
+          <p:cNvSpPr>
+            <a:spLocks noGrp="1"/>
+          </p:cNvSpPr>
+          <p:nvPr>
+            <p:ph type="title"/>
+          </p:nvPr>
+        </p:nvSpPr>
+        <p:spPr/>
+        <p:txBody>
+          <a:bodyPr/>
+          <a:lstStyle/>
+          <a:p>
+            <a:r>
+              <a:rPr lang="en-US"/>
+              <a:t>Requirements Stakeholder Traceability Matrix</a:t>
+            </a:r>
+            <a:endParaRPr lang="en-VN"/>
+          </a:p>
+        </p:txBody>
+      </p:sp>
+      <p:graphicFrame>
+        <p:nvGraphicFramePr>
+          <p:cNvPr id="5" name="Content Placeholder 4">
+            <a:extLst>
+              <a:ext uri="{FF2B5EF4-FFF2-40B4-BE49-F238E27FC236}">
+                <a16:creationId xmlns:a16="http://schemas.microsoft.com/office/drawing/2014/main" id="{8887A839-D1E0-0F84-0D1F-4926A3796ADF}"/>
+              </a:ext>
+            </a:extLst>
+          </p:cNvPr>
+          <p:cNvGraphicFramePr>
+            <a:graphicFrameLocks noGrp="1"/>
+          </p:cNvGraphicFramePr>
+          <p:nvPr>
+            <p:ph idx="1"/>
+            <p:extLst>
+              <p:ext uri="{D42A27DB-BD31-4B8C-83A1-F6EECF244321}">
+                <p14:modId xmlns:p14="http://schemas.microsoft.com/office/powerpoint/2010/main" val="1407297869"/>
+              </p:ext>
+            </p:extLst>
+          </p:nvPr>
+        </p:nvGraphicFramePr>
+        <p:xfrm>
+          <a:off x="838200" y="1825624"/>
+          <a:ext cx="9575799" cy="3009900"/>
+        </p:xfrm>
+        <a:graphic>
+          <a:graphicData uri="http://schemas.openxmlformats.org/drawingml/2006/table">
+            <a:tbl>
+              <a:tblPr firstRow="1" bandRow="1">
+                <a:tableStyleId>{5940675A-B579-460E-94D1-54222C63F5DA}</a:tableStyleId>
+              </a:tblPr>
+              <a:tblGrid>
+                <a:gridCol w="2201665">
+                  <a:extLst>
+                    <a:ext uri="{9D8B030D-6E8A-4147-A177-3AD203B41FA5}">
+                      <a16:colId xmlns:a16="http://schemas.microsoft.com/office/drawing/2014/main" val="73007261"/>
+                    </a:ext>
+                  </a:extLst>
+                </a:gridCol>
+                <a:gridCol w="3132335">
+                  <a:extLst>
+                    <a:ext uri="{9D8B030D-6E8A-4147-A177-3AD203B41FA5}">
+                      <a16:colId xmlns:a16="http://schemas.microsoft.com/office/drawing/2014/main" val="1336646211"/>
+                    </a:ext>
+                  </a:extLst>
+                </a:gridCol>
+                <a:gridCol w="4241799">
+                  <a:extLst>
+                    <a:ext uri="{9D8B030D-6E8A-4147-A177-3AD203B41FA5}">
+                      <a16:colId xmlns:a16="http://schemas.microsoft.com/office/drawing/2014/main" val="2648870714"/>
+                    </a:ext>
+                  </a:extLst>
+                </a:gridCol>
+              </a:tblGrid>
+              <a:tr h="523875">
+                <a:tc>
+                  <a:txBody>
+                    <a:bodyPr/>
+                    <a:lstStyle/>
+                    <a:p>
+                      <a:r>
+                        <a:rPr lang="en-VN">
+                          <a:solidFill>
+                            <a:schemeClr val="tx1"/>
+                          </a:solidFill>
+                        </a:rPr>
+                        <a:t>Requirement ID</a:t>
+                      </a:r>
+                    </a:p>
+                  </a:txBody>
+                  <a:tcPr/>
+                </a:tc>
+                <a:tc>
+                  <a:txBody>
+                    <a:bodyPr/>
+                    <a:lstStyle/>
+                    <a:p>
+                      <a:r>
+                        <a:rPr lang="en-US"/>
+                        <a:t>Rank 1 (lowest importance) – 5 (highest importance)</a:t>
+                      </a:r>
+                      <a:endParaRPr lang="en-VN">
+                        <a:solidFill>
+                          <a:schemeClr val="tx1"/>
+                        </a:solidFill>
+                      </a:endParaRPr>
+                    </a:p>
+                  </a:txBody>
+                  <a:tcPr/>
+                </a:tc>
+                <a:tc>
+                  <a:txBody>
+                    <a:bodyPr/>
+                    <a:lstStyle/>
+                    <a:p>
+                      <a:r>
+                        <a:rPr lang="en-US"/>
+                        <a:t>Stakeholder Source (D - Doctor, N - Nurse, A - Administrative Support Staff, P - Patient, R - Regulator)</a:t>
+                      </a:r>
+                      <a:endParaRPr lang="en-VN">
+                        <a:solidFill>
+                          <a:schemeClr val="tx1"/>
+                        </a:solidFill>
+                      </a:endParaRPr>
+                    </a:p>
+                  </a:txBody>
+                  <a:tcPr/>
+                </a:tc>
+                <a:extLst>
+                  <a:ext uri="{0D108BD9-81ED-4DB2-BD59-A6C34878D82A}">
+                    <a16:rowId xmlns:a16="http://schemas.microsoft.com/office/drawing/2014/main" val="1045441262"/>
+                  </a:ext>
+                </a:extLst>
+              </a:tr>
+              <a:tr h="523875">
+                <a:tc>
+                  <a:txBody>
+                    <a:bodyPr/>
+                    <a:lstStyle/>
+                    <a:p>
+                      <a:r>
+                        <a:rPr lang="en-VN">
+                          <a:solidFill>
+                            <a:schemeClr val="tx1"/>
+                          </a:solidFill>
+                        </a:rPr>
+                        <a:t>1</a:t>
+                      </a:r>
+                    </a:p>
+                  </a:txBody>
+                  <a:tcPr/>
+                </a:tc>
+                <a:tc>
+                  <a:txBody>
+                    <a:bodyPr/>
+                    <a:lstStyle/>
+                    <a:p>
+                      <a:r>
+                        <a:rPr lang="en-VN">
+                          <a:solidFill>
+                            <a:schemeClr val="tx1"/>
+                          </a:solidFill>
+                        </a:rPr>
+                        <a:t>2</a:t>
+                      </a:r>
+                    </a:p>
+                  </a:txBody>
+                  <a:tcPr/>
+                </a:tc>
+                <a:tc>
+                  <a:txBody>
+                    <a:bodyPr/>
+                    <a:lstStyle/>
+                    <a:p>
+                      <a:r>
+                        <a:rPr lang="en-VN">
+                          <a:solidFill>
+                            <a:schemeClr val="tx1"/>
+                          </a:solidFill>
+                        </a:rPr>
+                        <a:t>D</a:t>
+                      </a:r>
+                    </a:p>
+                  </a:txBody>
+                  <a:tcPr/>
+                </a:tc>
+                <a:extLst>
+                  <a:ext uri="{0D108BD9-81ED-4DB2-BD59-A6C34878D82A}">
+                    <a16:rowId xmlns:a16="http://schemas.microsoft.com/office/drawing/2014/main" val="3673657934"/>
+                  </a:ext>
+                </a:extLst>
+              </a:tr>
+              <a:tr h="523875">
+                <a:tc>
+                  <a:txBody>
+                    <a:bodyPr/>
+                    <a:lstStyle/>
+                    <a:p>
+                      <a:r>
+                        <a:rPr lang="en-VN">
+                          <a:solidFill>
+                            <a:schemeClr val="tx1"/>
+                          </a:solidFill>
+                        </a:rPr>
+                        <a:t>2</a:t>
+                      </a:r>
+                    </a:p>
+                  </a:txBody>
+                  <a:tcPr/>
+                </a:tc>
+                <a:tc>
+                  <a:txBody>
+                    <a:bodyPr/>
+                    <a:lstStyle/>
+                    <a:p>
+                      <a:r>
+                        <a:rPr lang="en-VN">
+                          <a:solidFill>
+                            <a:schemeClr val="tx1"/>
+                          </a:solidFill>
+                        </a:rPr>
+                        <a:t>3</a:t>
+                      </a:r>
+                    </a:p>
+                  </a:txBody>
+                  <a:tcPr/>
+                </a:tc>
+                <a:tc>
+                  <a:txBody>
+                    <a:bodyPr/>
+                    <a:lstStyle/>
+                    <a:p>
+                      <a:r>
+                        <a:rPr lang="en-VN">
+                          <a:solidFill>
+                            <a:schemeClr val="tx1"/>
+                          </a:solidFill>
+                        </a:rPr>
+                        <a:t>D, N, A</a:t>
+                      </a:r>
+                    </a:p>
+                  </a:txBody>
+                  <a:tcPr/>
+                </a:tc>
+                <a:extLst>
+                  <a:ext uri="{0D108BD9-81ED-4DB2-BD59-A6C34878D82A}">
+                    <a16:rowId xmlns:a16="http://schemas.microsoft.com/office/drawing/2014/main" val="4029887081"/>
+                  </a:ext>
+                </a:extLst>
+              </a:tr>
+              <a:tr h="523875">
+                <a:tc>
+                  <a:txBody>
+                    <a:bodyPr/>
+                    <a:lstStyle/>
+                    <a:p>
+                      <a:r>
+                        <a:rPr lang="en-VN">
+                          <a:solidFill>
+                            <a:schemeClr val="tx1"/>
+                          </a:solidFill>
+                        </a:rPr>
+                        <a:t>3</a:t>
+                      </a:r>
+                    </a:p>
+                  </a:txBody>
+                  <a:tcPr/>
+                </a:tc>
+                <a:tc>
+                  <a:txBody>
+                    <a:bodyPr/>
+                    <a:lstStyle/>
+                    <a:p>
+                      <a:r>
+                        <a:rPr lang="en-VN">
+                          <a:solidFill>
+                            <a:schemeClr val="tx1"/>
+                          </a:solidFill>
+                        </a:rPr>
+                        <a:t>2</a:t>
+                      </a:r>
+                    </a:p>
+                  </a:txBody>
+                  <a:tcPr/>
+                </a:tc>
+                <a:tc>
+                  <a:txBody>
+                    <a:bodyPr/>
+                    <a:lstStyle/>
+                    <a:p>
+                      <a:r>
+                        <a:rPr lang="en-VN">
+                          <a:solidFill>
+                            <a:schemeClr val="tx1"/>
+                          </a:solidFill>
+                        </a:rPr>
+                        <a:t>A</a:t>
+                      </a:r>
+                    </a:p>
+                  </a:txBody>
+                  <a:tcPr/>
+                </a:tc>
+                <a:extLst>
+                  <a:ext uri="{0D108BD9-81ED-4DB2-BD59-A6C34878D82A}">
+                    <a16:rowId xmlns:a16="http://schemas.microsoft.com/office/drawing/2014/main" val="669164296"/>
+                  </a:ext>
+                </a:extLst>
+              </a:tr>
+              <a:tr h="523875">
+                <a:tc>
+                  <a:txBody>
+                    <a:bodyPr/>
+                    <a:lstStyle/>
+                    <a:p>
+                      <a:r>
+                        <a:rPr lang="en-VN">
+                          <a:solidFill>
+                            <a:schemeClr val="tx1"/>
+                          </a:solidFill>
+                        </a:rPr>
+                        <a:t>4</a:t>
+                      </a:r>
+                    </a:p>
+                  </a:txBody>
+                  <a:tcPr/>
+                </a:tc>
+                <a:tc>
+                  <a:txBody>
+                    <a:bodyPr/>
+                    <a:lstStyle/>
+                    <a:p>
+                      <a:r>
+                        <a:rPr lang="en-VN">
+                          <a:solidFill>
+                            <a:schemeClr val="tx1"/>
+                          </a:solidFill>
+                        </a:rPr>
+                        <a:t>1</a:t>
+                      </a:r>
+                    </a:p>
+                  </a:txBody>
+                  <a:tcPr/>
+                </a:tc>
+                <a:tc>
+                  <a:txBody>
+                    <a:bodyPr/>
+                    <a:lstStyle/>
+                    <a:p>
+                      <a:r>
+                        <a:rPr lang="en-VN">
+                          <a:solidFill>
+                            <a:schemeClr val="tx1"/>
+                          </a:solidFill>
+                        </a:rPr>
+                        <a:t>P</a:t>
+                      </a:r>
+                    </a:p>
+                  </a:txBody>
+                  <a:tcPr/>
+                </a:tc>
+                <a:extLst>
+                  <a:ext uri="{0D108BD9-81ED-4DB2-BD59-A6C34878D82A}">
+                    <a16:rowId xmlns:a16="http://schemas.microsoft.com/office/drawing/2014/main" val="2535561757"/>
+                  </a:ext>
+                </a:extLst>
+              </a:tr>
+            </a:tbl>
+          </a:graphicData>
+        </a:graphic>
+      </p:graphicFrame>
+      <p:sp>
+        <p:nvSpPr>
+          <p:cNvPr id="4" name="Slide Number Placeholder 3">
+            <a:extLst>
+              <a:ext uri="{FF2B5EF4-FFF2-40B4-BE49-F238E27FC236}">
+                <a16:creationId xmlns:a16="http://schemas.microsoft.com/office/drawing/2014/main" id="{4DEFF021-C308-2B9B-4038-0C980D4B35E9}"/>
+              </a:ext>
+            </a:extLst>
+          </p:cNvPr>
+          <p:cNvSpPr>
+            <a:spLocks noGrp="1"/>
+          </p:cNvSpPr>
+          <p:nvPr>
+            <p:ph type="sldNum" sz="quarter" idx="12"/>
+          </p:nvPr>
+        </p:nvSpPr>
+        <p:spPr/>
+        <p:txBody>
+          <a:bodyPr/>
+          <a:lstStyle/>
+          <a:p>
+            <a:fld id="{480537A9-B8B1-481D-9BE4-179EB839AE15}" type="slidenum">
+              <a:rPr lang="vi-VN" smtClean="0"/>
+              <a:t>16</a:t>
+            </a:fld>
+            <a:endParaRPr lang="vi-VN"/>
+          </a:p>
+        </p:txBody>
+      </p:sp>
+    </p:spTree>
+    <p:extLst>
+      <p:ext uri="{BB962C8B-B14F-4D97-AF65-F5344CB8AC3E}">
+        <p14:creationId xmlns:p14="http://schemas.microsoft.com/office/powerpoint/2010/main" val="3635018381"/>
+      </p:ext>
+    </p:extLst>
+  </p:cSld>
+  <p:clrMapOvr>
+    <a:masterClrMapping/>
+  </p:clrMapOvr>
+</p:sld>
+</file>
+
+<file path=ppt/slides/slide17.xml><?xml version="1.0" encoding="utf-8"?>
+<p:sld xmlns:a="http://schemas.openxmlformats.org/drawingml/2006/main" xmlns:r="http://schemas.openxmlformats.org/officeDocument/2006/relationships" xmlns:p="http://schemas.openxmlformats.org/presentationml/2006/main">
+  <p:cSld>
+    <p:spTree>
+      <p:nvGrpSpPr>
+        <p:cNvPr id="1" name=""/>
+        <p:cNvGrpSpPr/>
+        <p:nvPr/>
+      </p:nvGrpSpPr>
+      <p:grpSpPr>
+        <a:xfrm>
+          <a:off x="0" y="0"/>
+          <a:ext cx="0" cy="0"/>
+          <a:chOff x="0" y="0"/>
+          <a:chExt cx="0" cy="0"/>
+        </a:xfrm>
+      </p:grpSpPr>
+      <p:sp>
+        <p:nvSpPr>
+          <p:cNvPr id="2" name="Title 1">
+            <a:extLst>
+              <a:ext uri="{FF2B5EF4-FFF2-40B4-BE49-F238E27FC236}">
+                <a16:creationId xmlns:a16="http://schemas.microsoft.com/office/drawing/2014/main" id="{8B6007F9-13A1-92B6-3120-032CC6D1E08B}"/>
+              </a:ext>
+            </a:extLst>
+          </p:cNvPr>
+          <p:cNvSpPr>
+            <a:spLocks noGrp="1"/>
+          </p:cNvSpPr>
+          <p:nvPr>
+            <p:ph type="title"/>
+          </p:nvPr>
+        </p:nvSpPr>
+        <p:spPr>
+          <a:xfrm>
+            <a:off x="838200" y="2766218"/>
+            <a:ext cx="10515600" cy="1325563"/>
+          </a:xfrm>
+        </p:spPr>
+        <p:txBody>
+          <a:bodyPr/>
+          <a:lstStyle/>
+          <a:p>
+            <a:r>
+              <a:rPr lang="en-VN"/>
+              <a:t>3. </a:t>
+            </a:r>
+            <a:r>
+              <a:rPr lang="en-US"/>
+              <a:t>Tool evaluation</a:t>
+            </a:r>
+            <a:endParaRPr lang="en-VN"/>
+          </a:p>
+        </p:txBody>
+      </p:sp>
+      <p:sp>
+        <p:nvSpPr>
+          <p:cNvPr id="4" name="Slide Number Placeholder 3">
+            <a:extLst>
+              <a:ext uri="{FF2B5EF4-FFF2-40B4-BE49-F238E27FC236}">
+                <a16:creationId xmlns:a16="http://schemas.microsoft.com/office/drawing/2014/main" id="{1B444C9B-BBF6-32D9-EE53-51C0ED4D1CD4}"/>
+              </a:ext>
+            </a:extLst>
+          </p:cNvPr>
+          <p:cNvSpPr>
+            <a:spLocks noGrp="1"/>
+          </p:cNvSpPr>
+          <p:nvPr>
+            <p:ph type="sldNum" sz="quarter" idx="12"/>
+          </p:nvPr>
+        </p:nvSpPr>
+        <p:spPr/>
+        <p:txBody>
+          <a:bodyPr/>
+          <a:lstStyle/>
+          <a:p>
+            <a:fld id="{480537A9-B8B1-481D-9BE4-179EB839AE15}" type="slidenum">
+              <a:rPr lang="vi-VN" smtClean="0"/>
+              <a:t>17</a:t>
+            </a:fld>
+            <a:endParaRPr lang="vi-VN"/>
+          </a:p>
+        </p:txBody>
+      </p:sp>
+    </p:spTree>
+    <p:extLst>
+      <p:ext uri="{BB962C8B-B14F-4D97-AF65-F5344CB8AC3E}">
+        <p14:creationId xmlns:p14="http://schemas.microsoft.com/office/powerpoint/2010/main" val="3827736069"/>
+      </p:ext>
+    </p:extLst>
+  </p:cSld>
+  <p:clrMapOvr>
+    <a:masterClrMapping/>
+  </p:clrMapOvr>
+</p:sld>
+</file>
+
+<file path=ppt/slides/slide18.xml><?xml version="1.0" encoding="utf-8"?>
+<p:sld xmlns:a="http://schemas.openxmlformats.org/drawingml/2006/main" xmlns:r="http://schemas.openxmlformats.org/officeDocument/2006/relationships" xmlns:p="http://schemas.openxmlformats.org/presentationml/2006/main">
+  <p:cSld>
+    <p:spTree>
+      <p:nvGrpSpPr>
+        <p:cNvPr id="1" name=""/>
+        <p:cNvGrpSpPr/>
+        <p:nvPr/>
+      </p:nvGrpSpPr>
+      <p:grpSpPr>
+        <a:xfrm>
+          <a:off x="0" y="0"/>
+          <a:ext cx="0" cy="0"/>
+          <a:chOff x="0" y="0"/>
+          <a:chExt cx="0" cy="0"/>
+        </a:xfrm>
+      </p:grpSpPr>
+      <p:sp>
+        <p:nvSpPr>
+          <p:cNvPr id="2" name="Title 1">
+            <a:extLst>
+              <a:ext uri="{FF2B5EF4-FFF2-40B4-BE49-F238E27FC236}">
+                <a16:creationId xmlns:a16="http://schemas.microsoft.com/office/drawing/2014/main" id="{3F38CEF1-A61B-D19C-CFFD-00B0E2FB657B}"/>
+              </a:ext>
+            </a:extLst>
+          </p:cNvPr>
+          <p:cNvSpPr>
+            <a:spLocks noGrp="1"/>
+          </p:cNvSpPr>
+          <p:nvPr>
+            <p:ph type="title"/>
+          </p:nvPr>
+        </p:nvSpPr>
+        <p:spPr/>
+        <p:txBody>
+          <a:bodyPr/>
+          <a:lstStyle/>
+          <a:p>
+            <a:r>
+              <a:rPr lang="en-VN"/>
+              <a:t>Tool evaluation</a:t>
+            </a:r>
+          </a:p>
+        </p:txBody>
+      </p:sp>
+      <p:sp>
+        <p:nvSpPr>
+          <p:cNvPr id="3" name="Content Placeholder 2">
+            <a:extLst>
+              <a:ext uri="{FF2B5EF4-FFF2-40B4-BE49-F238E27FC236}">
+                <a16:creationId xmlns:a16="http://schemas.microsoft.com/office/drawing/2014/main" id="{EB5047AE-BD7C-6B57-AA77-C79D4A40CB3A}"/>
+              </a:ext>
+            </a:extLst>
+          </p:cNvPr>
+          <p:cNvSpPr>
+            <a:spLocks noGrp="1"/>
+          </p:cNvSpPr>
+          <p:nvPr>
+            <p:ph idx="1"/>
+          </p:nvPr>
+        </p:nvSpPr>
+        <p:spPr/>
+        <p:txBody>
+          <a:bodyPr>
+            <a:normAutofit fontScale="92500" lnSpcReduction="20000"/>
+          </a:bodyPr>
+          <a:lstStyle/>
+          <a:p>
+            <a:r>
+              <a:rPr lang="en-US"/>
+              <a:t>Requirements traceability mechanism</a:t>
+            </a:r>
+          </a:p>
+          <a:p>
+            <a:r>
+              <a:rPr lang="en-US"/>
+              <a:t>Requirements analysis mechanism</a:t>
+            </a:r>
+          </a:p>
+          <a:p>
+            <a:r>
+              <a:rPr lang="en-US"/>
+              <a:t>Security and accessibility mechanism</a:t>
+            </a:r>
+          </a:p>
+          <a:p>
+            <a:r>
+              <a:rPr lang="en-US"/>
+              <a:t>Portability and backend compatibility</a:t>
+            </a:r>
+          </a:p>
+          <a:p>
+            <a:r>
+              <a:rPr lang="en-US"/>
+              <a:t>Configuration management approach</a:t>
+            </a:r>
+          </a:p>
+          <a:p>
+            <a:r>
+              <a:rPr lang="en-US"/>
+              <a:t>Communication and collaboration mechanism</a:t>
+            </a:r>
+          </a:p>
+          <a:p>
+            <a:r>
+              <a:rPr lang="en-US"/>
+              <a:t>Change management support</a:t>
+            </a:r>
+          </a:p>
+          <a:p>
+            <a:r>
+              <a:rPr lang="en-US"/>
+              <a:t>Online publishing support</a:t>
+            </a:r>
+          </a:p>
+          <a:p>
+            <a:r>
+              <a:rPr lang="en-US"/>
+              <a:t>Usability features such as word processor compatibility</a:t>
+            </a:r>
+          </a:p>
+          <a:p>
+            <a:r>
+              <a:rPr lang="en-US"/>
+              <a:t>SRS documentation format </a:t>
+            </a:r>
+            <a:endParaRPr lang="en-VN"/>
+          </a:p>
+        </p:txBody>
+      </p:sp>
+      <p:sp>
+        <p:nvSpPr>
+          <p:cNvPr id="4" name="Slide Number Placeholder 3">
+            <a:extLst>
+              <a:ext uri="{FF2B5EF4-FFF2-40B4-BE49-F238E27FC236}">
+                <a16:creationId xmlns:a16="http://schemas.microsoft.com/office/drawing/2014/main" id="{AC1C94BB-26FF-EFC1-834A-52256942D724}"/>
+              </a:ext>
+            </a:extLst>
+          </p:cNvPr>
+          <p:cNvSpPr>
+            <a:spLocks noGrp="1"/>
+          </p:cNvSpPr>
+          <p:nvPr>
+            <p:ph type="sldNum" sz="quarter" idx="12"/>
+          </p:nvPr>
+        </p:nvSpPr>
+        <p:spPr/>
+        <p:txBody>
+          <a:bodyPr/>
+          <a:lstStyle/>
+          <a:p>
+            <a:fld id="{480537A9-B8B1-481D-9BE4-179EB839AE15}" type="slidenum">
+              <a:rPr lang="vi-VN" smtClean="0"/>
+              <a:t>18</a:t>
+            </a:fld>
+            <a:endParaRPr lang="vi-VN"/>
+          </a:p>
+        </p:txBody>
+      </p:sp>
+    </p:spTree>
+    <p:extLst>
+      <p:ext uri="{BB962C8B-B14F-4D97-AF65-F5344CB8AC3E}">
+        <p14:creationId xmlns:p14="http://schemas.microsoft.com/office/powerpoint/2010/main" val="2670483051"/>
+      </p:ext>
+    </p:extLst>
+  </p:cSld>
+  <p:clrMapOvr>
+    <a:masterClrMapping/>
+  </p:clrMapOvr>
+</p:sld>
+</file>
+
+<file path=ppt/slides/slide19.xml><?xml version="1.0" encoding="utf-8"?>
+<p:sld xmlns:a="http://schemas.openxmlformats.org/drawingml/2006/main" xmlns:r="http://schemas.openxmlformats.org/officeDocument/2006/relationships" xmlns:p="http://schemas.openxmlformats.org/presentationml/2006/main">
+  <p:cSld>
+    <p:spTree>
+      <p:nvGrpSpPr>
+        <p:cNvPr id="1" name=""/>
+        <p:cNvGrpSpPr/>
+        <p:nvPr/>
+      </p:nvGrpSpPr>
+      <p:grpSpPr>
+        <a:xfrm>
+          <a:off x="0" y="0"/>
+          <a:ext cx="0" cy="0"/>
+          <a:chOff x="0" y="0"/>
+          <a:chExt cx="0" cy="0"/>
+        </a:xfrm>
+      </p:grpSpPr>
+      <p:sp>
+        <p:nvSpPr>
+          <p:cNvPr id="2" name="Title 1">
+            <a:extLst>
+              <a:ext uri="{FF2B5EF4-FFF2-40B4-BE49-F238E27FC236}">
+                <a16:creationId xmlns:a16="http://schemas.microsoft.com/office/drawing/2014/main" id="{3F38CEF1-A61B-D19C-CFFD-00B0E2FB657B}"/>
+              </a:ext>
+            </a:extLst>
+          </p:cNvPr>
+          <p:cNvSpPr>
+            <a:spLocks noGrp="1"/>
+          </p:cNvSpPr>
+          <p:nvPr>
+            <p:ph type="title"/>
+          </p:nvPr>
+        </p:nvSpPr>
+        <p:spPr/>
+        <p:txBody>
+          <a:bodyPr/>
+          <a:lstStyle/>
+          <a:p>
+            <a:r>
+              <a:rPr lang="en-VN"/>
+              <a:t>Tool evaluation</a:t>
+            </a:r>
+          </a:p>
+        </p:txBody>
+      </p:sp>
+      <p:sp>
+        <p:nvSpPr>
+          <p:cNvPr id="3" name="Content Placeholder 2">
+            <a:extLst>
+              <a:ext uri="{FF2B5EF4-FFF2-40B4-BE49-F238E27FC236}">
+                <a16:creationId xmlns:a16="http://schemas.microsoft.com/office/drawing/2014/main" id="{EB5047AE-BD7C-6B57-AA77-C79D4A40CB3A}"/>
+              </a:ext>
+            </a:extLst>
+          </p:cNvPr>
+          <p:cNvSpPr>
+            <a:spLocks noGrp="1"/>
+          </p:cNvSpPr>
+          <p:nvPr>
+            <p:ph idx="1"/>
+          </p:nvPr>
+        </p:nvSpPr>
+        <p:spPr>
+          <a:xfrm>
+            <a:off x="838200" y="1825625"/>
+            <a:ext cx="4800600" cy="4351338"/>
+          </a:xfrm>
+        </p:spPr>
+        <p:txBody>
+          <a:bodyPr>
+            <a:normAutofit fontScale="85000" lnSpcReduction="20000"/>
+          </a:bodyPr>
+          <a:lstStyle/>
+          <a:p>
+            <a:r>
+              <a:rPr lang="en-US"/>
+              <a:t>Organization of requirements with metadata, attributes, and reuse </a:t>
+            </a:r>
+          </a:p>
+          <a:p>
+            <a:r>
+              <a:rPr lang="en-US"/>
+              <a:t>Reports, database queries, and open interface language </a:t>
+            </a:r>
+          </a:p>
+          <a:p>
+            <a:r>
+              <a:rPr lang="en-US"/>
+              <a:t>Internal checks, that is, consistency, dependencies, and history </a:t>
+            </a:r>
+          </a:p>
+          <a:p>
+            <a:r>
+              <a:rPr lang="en-US"/>
+              <a:t>Traceability support, that is, drag and drop (horizontal and vertical) </a:t>
+            </a:r>
+          </a:p>
+          <a:p>
+            <a:r>
+              <a:rPr lang="en-US"/>
+              <a:t>Providing support for reuse </a:t>
+            </a:r>
+          </a:p>
+          <a:p>
+            <a:r>
+              <a:rPr lang="en-US"/>
+              <a:t>Remote working, cloud only </a:t>
+            </a:r>
+          </a:p>
+          <a:p>
+            <a:r>
+              <a:rPr lang="en-US"/>
+              <a:t>Multiple views of requirements </a:t>
+            </a:r>
+          </a:p>
+          <a:p>
+            <a:r>
+              <a:rPr lang="en-US"/>
+              <a:t>Performance </a:t>
+            </a:r>
+          </a:p>
+        </p:txBody>
+      </p:sp>
+      <p:sp>
+        <p:nvSpPr>
+          <p:cNvPr id="4" name="Slide Number Placeholder 3">
+            <a:extLst>
+              <a:ext uri="{FF2B5EF4-FFF2-40B4-BE49-F238E27FC236}">
+                <a16:creationId xmlns:a16="http://schemas.microsoft.com/office/drawing/2014/main" id="{AC1C94BB-26FF-EFC1-834A-52256942D724}"/>
+              </a:ext>
+            </a:extLst>
+          </p:cNvPr>
+          <p:cNvSpPr>
+            <a:spLocks noGrp="1"/>
+          </p:cNvSpPr>
+          <p:nvPr>
+            <p:ph type="sldNum" sz="quarter" idx="12"/>
+          </p:nvPr>
+        </p:nvSpPr>
+        <p:spPr/>
+        <p:txBody>
+          <a:bodyPr/>
+          <a:lstStyle/>
+          <a:p>
+            <a:fld id="{480537A9-B8B1-481D-9BE4-179EB839AE15}" type="slidenum">
+              <a:rPr lang="vi-VN" smtClean="0"/>
+              <a:t>19</a:t>
+            </a:fld>
+            <a:endParaRPr lang="vi-VN"/>
+          </a:p>
+        </p:txBody>
+      </p:sp>
+      <p:sp>
+        <p:nvSpPr>
+          <p:cNvPr id="6" name="TextBox 5">
+            <a:extLst>
+              <a:ext uri="{FF2B5EF4-FFF2-40B4-BE49-F238E27FC236}">
+                <a16:creationId xmlns:a16="http://schemas.microsoft.com/office/drawing/2014/main" id="{A70779B5-1A15-2D79-5D42-0DCAE4FF295E}"/>
+              </a:ext>
+            </a:extLst>
+          </p:cNvPr>
+          <p:cNvSpPr txBox="1"/>
+          <p:nvPr/>
+        </p:nvSpPr>
+        <p:spPr>
+          <a:xfrm>
+            <a:off x="5588002" y="1690688"/>
+            <a:ext cx="6096000" cy="4154984"/>
+          </a:xfrm>
+          <a:prstGeom prst="rect">
+            <a:avLst/>
+          </a:prstGeom>
+          <a:noFill/>
+        </p:spPr>
+        <p:txBody>
+          <a:bodyPr wrap="square">
+            <a:spAutoFit/>
+          </a:bodyPr>
+          <a:lstStyle/>
+          <a:p>
+            <a:pPr marL="285750" indent="-285750">
+              <a:buFont typeface="Arial" panose="020B0604020202020204" pitchFamily="34" charset="0"/>
+              <a:buChar char="•"/>
+            </a:pPr>
+            <a:r>
+              <a:rPr lang="en-US" sz="2400"/>
+              <a:t>Collaboration, workflow management </a:t>
+            </a:r>
+          </a:p>
+          <a:p>
+            <a:pPr marL="285750" indent="-285750">
+              <a:buFont typeface="Arial" panose="020B0604020202020204" pitchFamily="34" charset="0"/>
+              <a:buChar char="•"/>
+            </a:pPr>
+            <a:r>
+              <a:rPr lang="en-US" sz="2400"/>
+              <a:t>Easily adapted and integrated into business processes </a:t>
+            </a:r>
+          </a:p>
+          <a:p>
+            <a:pPr marL="285750" indent="-285750">
+              <a:buFont typeface="Arial" panose="020B0604020202020204" pitchFamily="34" charset="0"/>
+              <a:buChar char="•"/>
+            </a:pPr>
+            <a:r>
+              <a:rPr lang="en-US" sz="2400"/>
+              <a:t>Federation and notification with ALM/PLM tools </a:t>
+            </a:r>
+          </a:p>
+          <a:p>
+            <a:pPr marL="285750" indent="-285750">
+              <a:buFont typeface="Arial" panose="020B0604020202020204" pitchFamily="34" charset="0"/>
+              <a:buChar char="•"/>
+            </a:pPr>
+            <a:r>
+              <a:rPr lang="en-US" sz="2400"/>
+              <a:t>Export/import with standard formats </a:t>
+            </a:r>
+          </a:p>
+          <a:p>
+            <a:pPr marL="285750" indent="-285750">
+              <a:buFont typeface="Arial" panose="020B0604020202020204" pitchFamily="34" charset="0"/>
+              <a:buChar char="•"/>
+            </a:pPr>
+            <a:r>
+              <a:rPr lang="en-US" sz="2400"/>
+              <a:t>Macros for repeated commands </a:t>
+            </a:r>
+          </a:p>
+          <a:p>
+            <a:pPr marL="285750" indent="-285750">
+              <a:buFont typeface="Arial" panose="020B0604020202020204" pitchFamily="34" charset="0"/>
+              <a:buChar char="•"/>
+            </a:pPr>
+            <a:r>
+              <a:rPr lang="en-US" sz="2400"/>
+              <a:t>Training and learning curve effort </a:t>
+            </a:r>
+          </a:p>
+          <a:p>
+            <a:pPr marL="285750" indent="-285750">
+              <a:buFont typeface="Arial" panose="020B0604020202020204" pitchFamily="34" charset="0"/>
+              <a:buChar char="•"/>
+            </a:pPr>
+            <a:r>
+              <a:rPr lang="en-US" sz="2400"/>
+              <a:t>Agile, CI/CD, and DevOps </a:t>
+            </a:r>
+          </a:p>
+          <a:p>
+            <a:pPr marL="285750" indent="-285750">
+              <a:buFont typeface="Arial" panose="020B0604020202020204" pitchFamily="34" charset="0"/>
+              <a:buChar char="•"/>
+            </a:pPr>
+            <a:r>
+              <a:rPr lang="en-US" sz="2400"/>
+              <a:t>Intelligent support </a:t>
+            </a:r>
+          </a:p>
+          <a:p>
+            <a:pPr marL="285750" indent="-285750">
+              <a:buFont typeface="Arial" panose="020B0604020202020204" pitchFamily="34" charset="0"/>
+              <a:buChar char="•"/>
+            </a:pPr>
+            <a:r>
+              <a:rPr lang="en-US" sz="2400"/>
+              <a:t>Scalability</a:t>
+            </a:r>
+            <a:endParaRPr lang="en-VN" sz="2400"/>
+          </a:p>
+        </p:txBody>
+      </p:sp>
+    </p:spTree>
+    <p:extLst>
+      <p:ext uri="{BB962C8B-B14F-4D97-AF65-F5344CB8AC3E}">
+        <p14:creationId xmlns:p14="http://schemas.microsoft.com/office/powerpoint/2010/main" val="509707593"/>
       </p:ext>
     </p:extLst>
   </p:cSld>
@@ -4566,6 +7179,263 @@
     <p:extLst>
       <p:ext uri="{BB962C8B-B14F-4D97-AF65-F5344CB8AC3E}">
         <p14:creationId xmlns:p14="http://schemas.microsoft.com/office/powerpoint/2010/main" val="2650763023"/>
+      </p:ext>
+    </p:extLst>
+  </p:cSld>
+  <p:clrMapOvr>
+    <a:masterClrMapping/>
+  </p:clrMapOvr>
+</p:sld>
+</file>
+
+<file path=ppt/slides/slide20.xml><?xml version="1.0" encoding="utf-8"?>
+<p:sld xmlns:a="http://schemas.openxmlformats.org/drawingml/2006/main" xmlns:r="http://schemas.openxmlformats.org/officeDocument/2006/relationships" xmlns:p="http://schemas.openxmlformats.org/presentationml/2006/main">
+  <p:cSld>
+    <p:spTree>
+      <p:nvGrpSpPr>
+        <p:cNvPr id="1" name=""/>
+        <p:cNvGrpSpPr/>
+        <p:nvPr/>
+      </p:nvGrpSpPr>
+      <p:grpSpPr>
+        <a:xfrm>
+          <a:off x="0" y="0"/>
+          <a:ext cx="0" cy="0"/>
+          <a:chOff x="0" y="0"/>
+          <a:chExt cx="0" cy="0"/>
+        </a:xfrm>
+      </p:grpSpPr>
+      <p:sp>
+        <p:nvSpPr>
+          <p:cNvPr id="2" name="Title 1">
+            <a:extLst>
+              <a:ext uri="{FF2B5EF4-FFF2-40B4-BE49-F238E27FC236}">
+                <a16:creationId xmlns:a16="http://schemas.microsoft.com/office/drawing/2014/main" id="{8B6007F9-13A1-92B6-3120-032CC6D1E08B}"/>
+              </a:ext>
+            </a:extLst>
+          </p:cNvPr>
+          <p:cNvSpPr>
+            <a:spLocks noGrp="1"/>
+          </p:cNvSpPr>
+          <p:nvPr>
+            <p:ph type="title"/>
+          </p:nvPr>
+        </p:nvSpPr>
+        <p:spPr>
+          <a:xfrm>
+            <a:off x="838200" y="2766218"/>
+            <a:ext cx="10515600" cy="1325563"/>
+          </a:xfrm>
+        </p:spPr>
+        <p:txBody>
+          <a:bodyPr/>
+          <a:lstStyle/>
+          <a:p>
+            <a:r>
+              <a:rPr lang="en-VN"/>
+              <a:t>4. </a:t>
+            </a:r>
+            <a:r>
+              <a:rPr lang="en-US"/>
+              <a:t>Requirement metrices</a:t>
+            </a:r>
+            <a:endParaRPr lang="en-VN"/>
+          </a:p>
+        </p:txBody>
+      </p:sp>
+      <p:sp>
+        <p:nvSpPr>
+          <p:cNvPr id="4" name="Slide Number Placeholder 3">
+            <a:extLst>
+              <a:ext uri="{FF2B5EF4-FFF2-40B4-BE49-F238E27FC236}">
+                <a16:creationId xmlns:a16="http://schemas.microsoft.com/office/drawing/2014/main" id="{1B444C9B-BBF6-32D9-EE53-51C0ED4D1CD4}"/>
+              </a:ext>
+            </a:extLst>
+          </p:cNvPr>
+          <p:cNvSpPr>
+            <a:spLocks noGrp="1"/>
+          </p:cNvSpPr>
+          <p:nvPr>
+            <p:ph type="sldNum" sz="quarter" idx="12"/>
+          </p:nvPr>
+        </p:nvSpPr>
+        <p:spPr/>
+        <p:txBody>
+          <a:bodyPr/>
+          <a:lstStyle/>
+          <a:p>
+            <a:fld id="{480537A9-B8B1-481D-9BE4-179EB839AE15}" type="slidenum">
+              <a:rPr lang="vi-VN" smtClean="0"/>
+              <a:t>20</a:t>
+            </a:fld>
+            <a:endParaRPr lang="vi-VN"/>
+          </a:p>
+        </p:txBody>
+      </p:sp>
+    </p:spTree>
+    <p:extLst>
+      <p:ext uri="{BB962C8B-B14F-4D97-AF65-F5344CB8AC3E}">
+        <p14:creationId xmlns:p14="http://schemas.microsoft.com/office/powerpoint/2010/main" val="2185414744"/>
+      </p:ext>
+    </p:extLst>
+  </p:cSld>
+  <p:clrMapOvr>
+    <a:masterClrMapping/>
+  </p:clrMapOvr>
+</p:sld>
+</file>
+
+<file path=ppt/slides/slide21.xml><?xml version="1.0" encoding="utf-8"?>
+<p:sld xmlns:a="http://schemas.openxmlformats.org/drawingml/2006/main" xmlns:r="http://schemas.openxmlformats.org/officeDocument/2006/relationships" xmlns:p="http://schemas.openxmlformats.org/presentationml/2006/main">
+  <p:cSld>
+    <p:spTree>
+      <p:nvGrpSpPr>
+        <p:cNvPr id="1" name=""/>
+        <p:cNvGrpSpPr/>
+        <p:nvPr/>
+      </p:nvGrpSpPr>
+      <p:grpSpPr>
+        <a:xfrm>
+          <a:off x="0" y="0"/>
+          <a:ext cx="0" cy="0"/>
+          <a:chOff x="0" y="0"/>
+          <a:chExt cx="0" cy="0"/>
+        </a:xfrm>
+      </p:grpSpPr>
+      <p:sp>
+        <p:nvSpPr>
+          <p:cNvPr id="2" name="Title 1">
+            <a:extLst>
+              <a:ext uri="{FF2B5EF4-FFF2-40B4-BE49-F238E27FC236}">
+                <a16:creationId xmlns:a16="http://schemas.microsoft.com/office/drawing/2014/main" id="{C247EA87-CCAE-CD87-4FA5-A574AE2E034F}"/>
+              </a:ext>
+            </a:extLst>
+          </p:cNvPr>
+          <p:cNvSpPr>
+            <a:spLocks noGrp="1"/>
+          </p:cNvSpPr>
+          <p:nvPr>
+            <p:ph type="title"/>
+          </p:nvPr>
+        </p:nvSpPr>
+        <p:spPr/>
+        <p:txBody>
+          <a:bodyPr/>
+          <a:lstStyle/>
+          <a:p>
+            <a:r>
+              <a:rPr lang="en-VN"/>
+              <a:t>Metrics (</a:t>
+            </a:r>
+            <a:r>
+              <a:rPr lang="en-US"/>
+              <a:t>Costello and Liu (1995)</a:t>
+            </a:r>
+            <a:r>
+              <a:rPr lang="en-VN"/>
+              <a:t>)</a:t>
+            </a:r>
+          </a:p>
+        </p:txBody>
+      </p:sp>
+      <p:sp>
+        <p:nvSpPr>
+          <p:cNvPr id="3" name="Content Placeholder 2">
+            <a:extLst>
+              <a:ext uri="{FF2B5EF4-FFF2-40B4-BE49-F238E27FC236}">
+                <a16:creationId xmlns:a16="http://schemas.microsoft.com/office/drawing/2014/main" id="{969303FC-45B2-6EC3-8DC4-555E20ACB57B}"/>
+              </a:ext>
+            </a:extLst>
+          </p:cNvPr>
+          <p:cNvSpPr>
+            <a:spLocks noGrp="1"/>
+          </p:cNvSpPr>
+          <p:nvPr>
+            <p:ph idx="1"/>
+          </p:nvPr>
+        </p:nvSpPr>
+        <p:spPr/>
+        <p:txBody>
+          <a:bodyPr/>
+          <a:lstStyle/>
+          <a:p>
+            <a:r>
+              <a:rPr lang="en-US"/>
+              <a:t>Volatility </a:t>
+            </a:r>
+          </a:p>
+          <a:p>
+            <a:r>
+              <a:rPr lang="en-US"/>
+              <a:t>Traceability </a:t>
+            </a:r>
+          </a:p>
+          <a:p>
+            <a:r>
+              <a:rPr lang="en-US"/>
+              <a:t>Completeness </a:t>
+            </a:r>
+          </a:p>
+          <a:p>
+            <a:r>
+              <a:rPr lang="en-US"/>
+              <a:t>Defect density </a:t>
+            </a:r>
+          </a:p>
+          <a:p>
+            <a:r>
+              <a:rPr lang="en-US"/>
+              <a:t>Fault density </a:t>
+            </a:r>
+          </a:p>
+          <a:p>
+            <a:r>
+              <a:rPr lang="en-US"/>
+              <a:t>Interface consistency </a:t>
+            </a:r>
+          </a:p>
+          <a:p>
+            <a:r>
+              <a:rPr lang="en-US"/>
+              <a:t>Problem report and action item issues</a:t>
+            </a:r>
+            <a:endParaRPr lang="en-VN"/>
+          </a:p>
+        </p:txBody>
+      </p:sp>
+      <p:sp>
+        <p:nvSpPr>
+          <p:cNvPr id="4" name="Slide Number Placeholder 3">
+            <a:extLst>
+              <a:ext uri="{FF2B5EF4-FFF2-40B4-BE49-F238E27FC236}">
+                <a16:creationId xmlns:a16="http://schemas.microsoft.com/office/drawing/2014/main" id="{86CFA8B4-8273-7482-A413-41921F176FCE}"/>
+              </a:ext>
+            </a:extLst>
+          </p:cNvPr>
+          <p:cNvSpPr>
+            <a:spLocks noGrp="1"/>
+          </p:cNvSpPr>
+          <p:nvPr>
+            <p:ph type="sldNum" sz="quarter" idx="12"/>
+          </p:nvPr>
+        </p:nvSpPr>
+        <p:spPr/>
+        <p:txBody>
+          <a:bodyPr/>
+          <a:lstStyle/>
+          <a:p>
+            <a:fld id="{480537A9-B8B1-481D-9BE4-179EB839AE15}" type="slidenum">
+              <a:rPr lang="vi-VN" smtClean="0"/>
+              <a:t>21</a:t>
+            </a:fld>
+            <a:endParaRPr lang="vi-VN"/>
+          </a:p>
+        </p:txBody>
+      </p:sp>
+    </p:spTree>
+    <p:extLst>
+      <p:ext uri="{BB962C8B-B14F-4D97-AF65-F5344CB8AC3E}">
+        <p14:creationId xmlns:p14="http://schemas.microsoft.com/office/powerpoint/2010/main" val="776176876"/>
       </p:ext>
     </p:extLst>
   </p:cSld>
@@ -11003,7 +13873,7 @@
           <p:cNvPr id="2" name="Title 1">
             <a:extLst>
               <a:ext uri="{FF2B5EF4-FFF2-40B4-BE49-F238E27FC236}">
-                <a16:creationId xmlns:a16="http://schemas.microsoft.com/office/drawing/2014/main" id="{8B6007F9-13A1-92B6-3120-032CC6D1E08B}"/>
+                <a16:creationId xmlns:a16="http://schemas.microsoft.com/office/drawing/2014/main" id="{509E3B01-FB9D-0EC2-78FB-2767ACB10B00}"/>
               </a:ext>
             </a:extLst>
           </p:cNvPr>
@@ -11016,23 +13886,20 @@
         </p:nvSpPr>
         <p:spPr>
           <a:xfrm>
-            <a:off x="838200" y="2766218"/>
-            <a:ext cx="10515600" cy="1325563"/>
+            <a:off x="838200" y="0"/>
+            <a:ext cx="10515600" cy="1172739"/>
           </a:xfrm>
         </p:spPr>
         <p:txBody>
-          <a:bodyPr/>
+          <a:bodyPr>
+            <a:normAutofit/>
+          </a:bodyPr>
           <a:lstStyle/>
           <a:p>
             <a:r>
               <a:rPr lang="en-VN"/>
-              <a:t>2. </a:t>
-            </a:r>
-            <a:r>
-              <a:rPr lang="en-US"/>
-              <a:t>Traceability Support</a:t>
-            </a:r>
-            <a:endParaRPr lang="en-VN"/>
+              <a:t>Support (advantage) tools</a:t>
+            </a:r>
           </a:p>
         </p:txBody>
       </p:sp>
@@ -11041,7 +13908,7 @@
           <p:cNvPr id="4" name="Slide Number Placeholder 3">
             <a:extLst>
               <a:ext uri="{FF2B5EF4-FFF2-40B4-BE49-F238E27FC236}">
-                <a16:creationId xmlns:a16="http://schemas.microsoft.com/office/drawing/2014/main" id="{1B444C9B-BBF6-32D9-EE53-51C0ED4D1CD4}"/>
+                <a16:creationId xmlns:a16="http://schemas.microsoft.com/office/drawing/2014/main" id="{E9CEE8C4-1A19-C70D-A8CB-9D310463771F}"/>
               </a:ext>
             </a:extLst>
           </p:cNvPr>
@@ -11065,10 +13932,684 @@
           </a:p>
         </p:txBody>
       </p:sp>
+      <p:graphicFrame>
+        <p:nvGraphicFramePr>
+          <p:cNvPr id="5" name="Content Placeholder 4">
+            <a:extLst>
+              <a:ext uri="{FF2B5EF4-FFF2-40B4-BE49-F238E27FC236}">
+                <a16:creationId xmlns:a16="http://schemas.microsoft.com/office/drawing/2014/main" id="{5525655C-E121-F269-33FB-10DDB65251F5}"/>
+              </a:ext>
+            </a:extLst>
+          </p:cNvPr>
+          <p:cNvGraphicFramePr>
+            <a:graphicFrameLocks noGrp="1"/>
+          </p:cNvGraphicFramePr>
+          <p:nvPr>
+            <p:ph idx="1"/>
+            <p:extLst>
+              <p:ext uri="{D42A27DB-BD31-4B8C-83A1-F6EECF244321}">
+                <p14:modId xmlns:p14="http://schemas.microsoft.com/office/powerpoint/2010/main" val="4227345714"/>
+              </p:ext>
+            </p:extLst>
+          </p:nvPr>
+        </p:nvGraphicFramePr>
+        <p:xfrm>
+          <a:off x="838200" y="1172740"/>
+          <a:ext cx="7805057" cy="5183611"/>
+        </p:xfrm>
+        <a:graphic>
+          <a:graphicData uri="http://schemas.openxmlformats.org/drawingml/2006/table">
+            <a:tbl>
+              <a:tblPr firstRow="1" bandRow="1">
+                <a:tableStyleId>{5C22544A-7EE6-4342-B048-85BDC9FD1C3A}</a:tableStyleId>
+              </a:tblPr>
+              <a:tblGrid>
+                <a:gridCol w="1709057">
+                  <a:extLst>
+                    <a:ext uri="{9D8B030D-6E8A-4147-A177-3AD203B41FA5}">
+                      <a16:colId xmlns:a16="http://schemas.microsoft.com/office/drawing/2014/main" val="1491588323"/>
+                    </a:ext>
+                  </a:extLst>
+                </a:gridCol>
+                <a:gridCol w="6096000">
+                  <a:extLst>
+                    <a:ext uri="{9D8B030D-6E8A-4147-A177-3AD203B41FA5}">
+                      <a16:colId xmlns:a16="http://schemas.microsoft.com/office/drawing/2014/main" val="1229624746"/>
+                    </a:ext>
+                  </a:extLst>
+                </a:gridCol>
+              </a:tblGrid>
+              <a:tr h="575957">
+                <a:tc>
+                  <a:txBody>
+                    <a:bodyPr/>
+                    <a:lstStyle/>
+                    <a:p>
+                      <a:r>
+                        <a:rPr lang="en-VN">
+                          <a:solidFill>
+                            <a:schemeClr val="tx1"/>
+                          </a:solidFill>
+                        </a:rPr>
+                        <a:t>Tool name</a:t>
+                      </a:r>
+                    </a:p>
+                  </a:txBody>
+                  <a:tcPr>
+                    <a:lnL w="12700" cap="flat" cmpd="sng" algn="ctr">
+                      <a:solidFill>
+                        <a:schemeClr val="tx1"/>
+                      </a:solidFill>
+                      <a:prstDash val="solid"/>
+                      <a:round/>
+                      <a:headEnd type="none" w="med" len="med"/>
+                      <a:tailEnd type="none" w="med" len="med"/>
+                    </a:lnL>
+                    <a:lnR w="12700" cap="flat" cmpd="sng" algn="ctr">
+                      <a:solidFill>
+                        <a:schemeClr val="tx1"/>
+                      </a:solidFill>
+                      <a:prstDash val="solid"/>
+                      <a:round/>
+                      <a:headEnd type="none" w="med" len="med"/>
+                      <a:tailEnd type="none" w="med" len="med"/>
+                    </a:lnR>
+                    <a:lnT w="12700" cap="flat" cmpd="sng" algn="ctr">
+                      <a:solidFill>
+                        <a:schemeClr val="tx1"/>
+                      </a:solidFill>
+                      <a:prstDash val="solid"/>
+                      <a:round/>
+                      <a:headEnd type="none" w="med" len="med"/>
+                      <a:tailEnd type="none" w="med" len="med"/>
+                    </a:lnT>
+                    <a:lnB w="12700" cap="flat" cmpd="sng" algn="ctr">
+                      <a:solidFill>
+                        <a:schemeClr val="tx1"/>
+                      </a:solidFill>
+                      <a:prstDash val="solid"/>
+                      <a:round/>
+                      <a:headEnd type="none" w="med" len="med"/>
+                      <a:tailEnd type="none" w="med" len="med"/>
+                    </a:lnB>
+                    <a:noFill/>
+                  </a:tcPr>
+                </a:tc>
+                <a:tc>
+                  <a:txBody>
+                    <a:bodyPr/>
+                    <a:lstStyle/>
+                    <a:p>
+                      <a:r>
+                        <a:rPr lang="en-VN">
+                          <a:solidFill>
+                            <a:schemeClr val="tx1"/>
+                          </a:solidFill>
+                        </a:rPr>
+                        <a:t>Capabilities</a:t>
+                      </a:r>
+                    </a:p>
+                  </a:txBody>
+                  <a:tcPr>
+                    <a:lnL w="12700" cap="flat" cmpd="sng" algn="ctr">
+                      <a:solidFill>
+                        <a:schemeClr val="tx1"/>
+                      </a:solidFill>
+                      <a:prstDash val="solid"/>
+                      <a:round/>
+                      <a:headEnd type="none" w="med" len="med"/>
+                      <a:tailEnd type="none" w="med" len="med"/>
+                    </a:lnL>
+                    <a:lnR w="12700" cap="flat" cmpd="sng" algn="ctr">
+                      <a:solidFill>
+                        <a:schemeClr val="tx1"/>
+                      </a:solidFill>
+                      <a:prstDash val="solid"/>
+                      <a:round/>
+                      <a:headEnd type="none" w="med" len="med"/>
+                      <a:tailEnd type="none" w="med" len="med"/>
+                    </a:lnR>
+                    <a:lnT w="12700" cap="flat" cmpd="sng" algn="ctr">
+                      <a:solidFill>
+                        <a:schemeClr val="tx1"/>
+                      </a:solidFill>
+                      <a:prstDash val="solid"/>
+                      <a:round/>
+                      <a:headEnd type="none" w="med" len="med"/>
+                      <a:tailEnd type="none" w="med" len="med"/>
+                    </a:lnT>
+                    <a:lnB w="12700" cap="flat" cmpd="sng" algn="ctr">
+                      <a:solidFill>
+                        <a:schemeClr val="tx1"/>
+                      </a:solidFill>
+                      <a:prstDash val="solid"/>
+                      <a:round/>
+                      <a:headEnd type="none" w="med" len="med"/>
+                      <a:tailEnd type="none" w="med" len="med"/>
+                    </a:lnB>
+                    <a:noFill/>
+                  </a:tcPr>
+                </a:tc>
+                <a:extLst>
+                  <a:ext uri="{0D108BD9-81ED-4DB2-BD59-A6C34878D82A}">
+                    <a16:rowId xmlns:a16="http://schemas.microsoft.com/office/drawing/2014/main" val="4249477358"/>
+                  </a:ext>
+                </a:extLst>
+              </a:tr>
+              <a:tr h="575957">
+                <a:tc>
+                  <a:txBody>
+                    <a:bodyPr/>
+                    <a:lstStyle/>
+                    <a:p>
+                      <a:r>
+                        <a:rPr lang="en-VN">
+                          <a:solidFill>
+                            <a:schemeClr val="tx1"/>
+                          </a:solidFill>
+                        </a:rPr>
+                        <a:t>Plantuml</a:t>
+                      </a:r>
+                    </a:p>
+                  </a:txBody>
+                  <a:tcPr>
+                    <a:lnL w="12700" cap="flat" cmpd="sng" algn="ctr">
+                      <a:solidFill>
+                        <a:schemeClr val="tx1"/>
+                      </a:solidFill>
+                      <a:prstDash val="solid"/>
+                      <a:round/>
+                      <a:headEnd type="none" w="med" len="med"/>
+                      <a:tailEnd type="none" w="med" len="med"/>
+                    </a:lnL>
+                    <a:lnR w="12700" cap="flat" cmpd="sng" algn="ctr">
+                      <a:solidFill>
+                        <a:schemeClr val="tx1"/>
+                      </a:solidFill>
+                      <a:prstDash val="solid"/>
+                      <a:round/>
+                      <a:headEnd type="none" w="med" len="med"/>
+                      <a:tailEnd type="none" w="med" len="med"/>
+                    </a:lnR>
+                    <a:lnT w="12700" cap="flat" cmpd="sng" algn="ctr">
+                      <a:solidFill>
+                        <a:schemeClr val="tx1"/>
+                      </a:solidFill>
+                      <a:prstDash val="solid"/>
+                      <a:round/>
+                      <a:headEnd type="none" w="med" len="med"/>
+                      <a:tailEnd type="none" w="med" len="med"/>
+                    </a:lnT>
+                    <a:lnB w="12700" cap="flat" cmpd="sng" algn="ctr">
+                      <a:solidFill>
+                        <a:schemeClr val="tx1"/>
+                      </a:solidFill>
+                      <a:prstDash val="solid"/>
+                      <a:round/>
+                      <a:headEnd type="none" w="med" len="med"/>
+                      <a:tailEnd type="none" w="med" len="med"/>
+                    </a:lnB>
+                    <a:noFill/>
+                  </a:tcPr>
+                </a:tc>
+                <a:tc>
+                  <a:txBody>
+                    <a:bodyPr/>
+                    <a:lstStyle/>
+                    <a:p>
+                      <a:r>
+                        <a:rPr lang="en-US">
+                          <a:solidFill>
+                            <a:schemeClr val="tx1"/>
+                          </a:solidFill>
+                        </a:rPr>
+                        <a:t>Convert non-UML code to UML diagram</a:t>
+                      </a:r>
+                      <a:endParaRPr lang="en-VN">
+                        <a:solidFill>
+                          <a:schemeClr val="tx1"/>
+                        </a:solidFill>
+                      </a:endParaRPr>
+                    </a:p>
+                  </a:txBody>
+                  <a:tcPr>
+                    <a:lnL w="12700" cap="flat" cmpd="sng" algn="ctr">
+                      <a:solidFill>
+                        <a:schemeClr val="tx1"/>
+                      </a:solidFill>
+                      <a:prstDash val="solid"/>
+                      <a:round/>
+                      <a:headEnd type="none" w="med" len="med"/>
+                      <a:tailEnd type="none" w="med" len="med"/>
+                    </a:lnL>
+                    <a:lnR w="12700" cap="flat" cmpd="sng" algn="ctr">
+                      <a:solidFill>
+                        <a:schemeClr val="tx1"/>
+                      </a:solidFill>
+                      <a:prstDash val="solid"/>
+                      <a:round/>
+                      <a:headEnd type="none" w="med" len="med"/>
+                      <a:tailEnd type="none" w="med" len="med"/>
+                    </a:lnR>
+                    <a:lnT w="12700" cap="flat" cmpd="sng" algn="ctr">
+                      <a:solidFill>
+                        <a:schemeClr val="tx1"/>
+                      </a:solidFill>
+                      <a:prstDash val="solid"/>
+                      <a:round/>
+                      <a:headEnd type="none" w="med" len="med"/>
+                      <a:tailEnd type="none" w="med" len="med"/>
+                    </a:lnT>
+                    <a:lnB w="12700" cap="flat" cmpd="sng" algn="ctr">
+                      <a:solidFill>
+                        <a:schemeClr val="tx1"/>
+                      </a:solidFill>
+                      <a:prstDash val="solid"/>
+                      <a:round/>
+                      <a:headEnd type="none" w="med" len="med"/>
+                      <a:tailEnd type="none" w="med" len="med"/>
+                    </a:lnB>
+                    <a:noFill/>
+                  </a:tcPr>
+                </a:tc>
+                <a:extLst>
+                  <a:ext uri="{0D108BD9-81ED-4DB2-BD59-A6C34878D82A}">
+                    <a16:rowId xmlns:a16="http://schemas.microsoft.com/office/drawing/2014/main" val="1333118396"/>
+                  </a:ext>
+                </a:extLst>
+              </a:tr>
+              <a:tr h="575957">
+                <a:tc>
+                  <a:txBody>
+                    <a:bodyPr/>
+                    <a:lstStyle/>
+                    <a:p>
+                      <a:r>
+                        <a:rPr lang="en-VN">
+                          <a:solidFill>
+                            <a:schemeClr val="tx1"/>
+                          </a:solidFill>
+                        </a:rPr>
+                        <a:t>ArgoUML</a:t>
+                      </a:r>
+                    </a:p>
+                  </a:txBody>
+                  <a:tcPr>
+                    <a:lnL w="12700" cap="flat" cmpd="sng" algn="ctr">
+                      <a:solidFill>
+                        <a:schemeClr val="tx1"/>
+                      </a:solidFill>
+                      <a:prstDash val="solid"/>
+                      <a:round/>
+                      <a:headEnd type="none" w="med" len="med"/>
+                      <a:tailEnd type="none" w="med" len="med"/>
+                    </a:lnL>
+                    <a:lnR w="12700" cap="flat" cmpd="sng" algn="ctr">
+                      <a:solidFill>
+                        <a:schemeClr val="tx1"/>
+                      </a:solidFill>
+                      <a:prstDash val="solid"/>
+                      <a:round/>
+                      <a:headEnd type="none" w="med" len="med"/>
+                      <a:tailEnd type="none" w="med" len="med"/>
+                    </a:lnR>
+                    <a:lnT w="12700" cap="flat" cmpd="sng" algn="ctr">
+                      <a:solidFill>
+                        <a:schemeClr val="tx1"/>
+                      </a:solidFill>
+                      <a:prstDash val="solid"/>
+                      <a:round/>
+                      <a:headEnd type="none" w="med" len="med"/>
+                      <a:tailEnd type="none" w="med" len="med"/>
+                    </a:lnT>
+                    <a:lnB w="12700" cap="flat" cmpd="sng" algn="ctr">
+                      <a:solidFill>
+                        <a:schemeClr val="tx1"/>
+                      </a:solidFill>
+                      <a:prstDash val="solid"/>
+                      <a:round/>
+                      <a:headEnd type="none" w="med" len="med"/>
+                      <a:tailEnd type="none" w="med" len="med"/>
+                    </a:lnB>
+                    <a:noFill/>
+                  </a:tcPr>
+                </a:tc>
+                <a:tc>
+                  <a:txBody>
+                    <a:bodyPr/>
+                    <a:lstStyle/>
+                    <a:p>
+                      <a:r>
+                        <a:rPr lang="en-VN">
+                          <a:solidFill>
+                            <a:schemeClr val="tx1"/>
+                          </a:solidFill>
+                        </a:rPr>
+                        <a:t>Convert XML code to UML diagram</a:t>
+                      </a:r>
+                    </a:p>
+                  </a:txBody>
+                  <a:tcPr>
+                    <a:lnL w="12700" cap="flat" cmpd="sng" algn="ctr">
+                      <a:solidFill>
+                        <a:schemeClr val="tx1"/>
+                      </a:solidFill>
+                      <a:prstDash val="solid"/>
+                      <a:round/>
+                      <a:headEnd type="none" w="med" len="med"/>
+                      <a:tailEnd type="none" w="med" len="med"/>
+                    </a:lnL>
+                    <a:lnR w="12700" cap="flat" cmpd="sng" algn="ctr">
+                      <a:solidFill>
+                        <a:schemeClr val="tx1"/>
+                      </a:solidFill>
+                      <a:prstDash val="solid"/>
+                      <a:round/>
+                      <a:headEnd type="none" w="med" len="med"/>
+                      <a:tailEnd type="none" w="med" len="med"/>
+                    </a:lnR>
+                    <a:lnT w="12700" cap="flat" cmpd="sng" algn="ctr">
+                      <a:solidFill>
+                        <a:schemeClr val="tx1"/>
+                      </a:solidFill>
+                      <a:prstDash val="solid"/>
+                      <a:round/>
+                      <a:headEnd type="none" w="med" len="med"/>
+                      <a:tailEnd type="none" w="med" len="med"/>
+                    </a:lnT>
+                    <a:lnB w="12700" cap="flat" cmpd="sng" algn="ctr">
+                      <a:solidFill>
+                        <a:schemeClr val="tx1"/>
+                      </a:solidFill>
+                      <a:prstDash val="solid"/>
+                      <a:round/>
+                      <a:headEnd type="none" w="med" len="med"/>
+                      <a:tailEnd type="none" w="med" len="med"/>
+                    </a:lnB>
+                    <a:noFill/>
+                  </a:tcPr>
+                </a:tc>
+                <a:extLst>
+                  <a:ext uri="{0D108BD9-81ED-4DB2-BD59-A6C34878D82A}">
+                    <a16:rowId xmlns:a16="http://schemas.microsoft.com/office/drawing/2014/main" val="2010442920"/>
+                  </a:ext>
+                </a:extLst>
+              </a:tr>
+              <a:tr h="575957">
+                <a:tc>
+                  <a:txBody>
+                    <a:bodyPr/>
+                    <a:lstStyle/>
+                    <a:p>
+                      <a:r>
+                        <a:rPr lang="en-VN">
+                          <a:solidFill>
+                            <a:schemeClr val="tx1"/>
+                          </a:solidFill>
+                        </a:rPr>
+                        <a:t>ABCD tool</a:t>
+                      </a:r>
+                    </a:p>
+                  </a:txBody>
+                  <a:tcPr>
+                    <a:lnL w="12700" cap="flat" cmpd="sng" algn="ctr">
+                      <a:solidFill>
+                        <a:schemeClr val="tx1"/>
+                      </a:solidFill>
+                      <a:prstDash val="solid"/>
+                      <a:round/>
+                      <a:headEnd type="none" w="med" len="med"/>
+                      <a:tailEnd type="none" w="med" len="med"/>
+                    </a:lnL>
+                    <a:lnR w="12700" cap="flat" cmpd="sng" algn="ctr">
+                      <a:solidFill>
+                        <a:schemeClr val="tx1"/>
+                      </a:solidFill>
+                      <a:prstDash val="solid"/>
+                      <a:round/>
+                      <a:headEnd type="none" w="med" len="med"/>
+                      <a:tailEnd type="none" w="med" len="med"/>
+                    </a:lnR>
+                    <a:lnT w="12700" cap="flat" cmpd="sng" algn="ctr">
+                      <a:solidFill>
+                        <a:schemeClr val="tx1"/>
+                      </a:solidFill>
+                      <a:prstDash val="solid"/>
+                      <a:round/>
+                      <a:headEnd type="none" w="med" len="med"/>
+                      <a:tailEnd type="none" w="med" len="med"/>
+                    </a:lnT>
+                    <a:lnB w="12700" cap="flat" cmpd="sng" algn="ctr">
+                      <a:solidFill>
+                        <a:schemeClr val="tx1"/>
+                      </a:solidFill>
+                      <a:prstDash val="solid"/>
+                      <a:round/>
+                      <a:headEnd type="none" w="med" len="med"/>
+                      <a:tailEnd type="none" w="med" len="med"/>
+                    </a:lnB>
+                    <a:noFill/>
+                  </a:tcPr>
+                </a:tc>
+                <a:tc>
+                  <a:txBody>
+                    <a:bodyPr/>
+                    <a:lstStyle/>
+                    <a:p>
+                      <a:r>
+                        <a:rPr lang="en-VN">
+                          <a:solidFill>
+                            <a:schemeClr val="tx1"/>
+                          </a:solidFill>
+                        </a:rPr>
+                        <a:t>Convert natural language to XML code</a:t>
+                      </a:r>
+                    </a:p>
+                  </a:txBody>
+                  <a:tcPr>
+                    <a:lnL w="12700" cap="flat" cmpd="sng" algn="ctr">
+                      <a:solidFill>
+                        <a:schemeClr val="tx1"/>
+                      </a:solidFill>
+                      <a:prstDash val="solid"/>
+                      <a:round/>
+                      <a:headEnd type="none" w="med" len="med"/>
+                      <a:tailEnd type="none" w="med" len="med"/>
+                    </a:lnL>
+                    <a:lnR w="12700" cap="flat" cmpd="sng" algn="ctr">
+                      <a:solidFill>
+                        <a:schemeClr val="tx1"/>
+                      </a:solidFill>
+                      <a:prstDash val="solid"/>
+                      <a:round/>
+                      <a:headEnd type="none" w="med" len="med"/>
+                      <a:tailEnd type="none" w="med" len="med"/>
+                    </a:lnR>
+                    <a:lnT w="12700" cap="flat" cmpd="sng" algn="ctr">
+                      <a:solidFill>
+                        <a:schemeClr val="tx1"/>
+                      </a:solidFill>
+                      <a:prstDash val="solid"/>
+                      <a:round/>
+                      <a:headEnd type="none" w="med" len="med"/>
+                      <a:tailEnd type="none" w="med" len="med"/>
+                    </a:lnT>
+                    <a:lnB w="12700" cap="flat" cmpd="sng" algn="ctr">
+                      <a:solidFill>
+                        <a:schemeClr val="tx1"/>
+                      </a:solidFill>
+                      <a:prstDash val="solid"/>
+                      <a:round/>
+                      <a:headEnd type="none" w="med" len="med"/>
+                      <a:tailEnd type="none" w="med" len="med"/>
+                    </a:lnB>
+                    <a:noFill/>
+                  </a:tcPr>
+                </a:tc>
+                <a:extLst>
+                  <a:ext uri="{0D108BD9-81ED-4DB2-BD59-A6C34878D82A}">
+                    <a16:rowId xmlns:a16="http://schemas.microsoft.com/office/drawing/2014/main" val="1114290884"/>
+                  </a:ext>
+                </a:extLst>
+              </a:tr>
+              <a:tr h="2879783">
+                <a:tc>
+                  <a:txBody>
+                    <a:bodyPr/>
+                    <a:lstStyle/>
+                    <a:p>
+                      <a:r>
+                        <a:rPr lang="en-VN">
+                          <a:solidFill>
+                            <a:schemeClr val="tx1"/>
+                          </a:solidFill>
+                        </a:rPr>
+                        <a:t>Other tools</a:t>
+                      </a:r>
+                    </a:p>
+                  </a:txBody>
+                  <a:tcPr>
+                    <a:lnL w="12700" cap="flat" cmpd="sng" algn="ctr">
+                      <a:solidFill>
+                        <a:schemeClr val="tx1"/>
+                      </a:solidFill>
+                      <a:prstDash val="solid"/>
+                      <a:round/>
+                      <a:headEnd type="none" w="med" len="med"/>
+                      <a:tailEnd type="none" w="med" len="med"/>
+                    </a:lnL>
+                    <a:lnR w="12700" cap="flat" cmpd="sng" algn="ctr">
+                      <a:solidFill>
+                        <a:schemeClr val="tx1"/>
+                      </a:solidFill>
+                      <a:prstDash val="solid"/>
+                      <a:round/>
+                      <a:headEnd type="none" w="med" len="med"/>
+                      <a:tailEnd type="none" w="med" len="med"/>
+                    </a:lnR>
+                    <a:lnT w="12700" cap="flat" cmpd="sng" algn="ctr">
+                      <a:solidFill>
+                        <a:schemeClr val="tx1"/>
+                      </a:solidFill>
+                      <a:prstDash val="solid"/>
+                      <a:round/>
+                      <a:headEnd type="none" w="med" len="med"/>
+                      <a:tailEnd type="none" w="med" len="med"/>
+                    </a:lnT>
+                    <a:lnB w="12700" cap="flat" cmpd="sng" algn="ctr">
+                      <a:solidFill>
+                        <a:schemeClr val="tx1"/>
+                      </a:solidFill>
+                      <a:prstDash val="solid"/>
+                      <a:round/>
+                      <a:headEnd type="none" w="med" len="med"/>
+                      <a:tailEnd type="none" w="med" len="med"/>
+                    </a:lnB>
+                    <a:noFill/>
+                  </a:tcPr>
+                </a:tc>
+                <a:tc>
+                  <a:txBody>
+                    <a:bodyPr/>
+                    <a:lstStyle/>
+                    <a:p>
+                      <a:endParaRPr lang="en-VN">
+                        <a:solidFill>
+                          <a:schemeClr val="tx1"/>
+                        </a:solidFill>
+                      </a:endParaRPr>
+                    </a:p>
+                  </a:txBody>
+                  <a:tcPr>
+                    <a:lnL w="12700" cap="flat" cmpd="sng" algn="ctr">
+                      <a:solidFill>
+                        <a:schemeClr val="tx1"/>
+                      </a:solidFill>
+                      <a:prstDash val="solid"/>
+                      <a:round/>
+                      <a:headEnd type="none" w="med" len="med"/>
+                      <a:tailEnd type="none" w="med" len="med"/>
+                    </a:lnL>
+                    <a:lnR w="12700" cap="flat" cmpd="sng" algn="ctr">
+                      <a:solidFill>
+                        <a:schemeClr val="tx1"/>
+                      </a:solidFill>
+                      <a:prstDash val="solid"/>
+                      <a:round/>
+                      <a:headEnd type="none" w="med" len="med"/>
+                      <a:tailEnd type="none" w="med" len="med"/>
+                    </a:lnR>
+                    <a:lnT w="12700" cap="flat" cmpd="sng" algn="ctr">
+                      <a:solidFill>
+                        <a:schemeClr val="tx1"/>
+                      </a:solidFill>
+                      <a:prstDash val="solid"/>
+                      <a:round/>
+                      <a:headEnd type="none" w="med" len="med"/>
+                      <a:tailEnd type="none" w="med" len="med"/>
+                    </a:lnT>
+                    <a:lnB w="12700" cap="flat" cmpd="sng" algn="ctr">
+                      <a:solidFill>
+                        <a:schemeClr val="tx1"/>
+                      </a:solidFill>
+                      <a:prstDash val="solid"/>
+                      <a:round/>
+                      <a:headEnd type="none" w="med" len="med"/>
+                      <a:tailEnd type="none" w="med" len="med"/>
+                    </a:lnB>
+                    <a:noFill/>
+                  </a:tcPr>
+                </a:tc>
+                <a:extLst>
+                  <a:ext uri="{0D108BD9-81ED-4DB2-BD59-A6C34878D82A}">
+                    <a16:rowId xmlns:a16="http://schemas.microsoft.com/office/drawing/2014/main" val="633207131"/>
+                  </a:ext>
+                </a:extLst>
+              </a:tr>
+            </a:tbl>
+          </a:graphicData>
+        </a:graphic>
+      </p:graphicFrame>
+      <p:pic>
+        <p:nvPicPr>
+          <p:cNvPr id="7" name="Picture 6" descr="A table of information with text&#10;&#10;Description automatically generated with medium confidence">
+            <a:extLst>
+              <a:ext uri="{FF2B5EF4-FFF2-40B4-BE49-F238E27FC236}">
+                <a16:creationId xmlns:a16="http://schemas.microsoft.com/office/drawing/2014/main" id="{DF710AF2-4E2E-2F8A-E635-331F81C79C22}"/>
+              </a:ext>
+            </a:extLst>
+          </p:cNvPr>
+          <p:cNvPicPr>
+            <a:picLocks noChangeAspect="1"/>
+          </p:cNvPicPr>
+          <p:nvPr/>
+        </p:nvPicPr>
+        <p:blipFill>
+          <a:blip r:embed="rId2">
+            <a:extLst>
+              <a:ext uri="{28A0092B-C50C-407E-A947-70E740481C1C}">
+                <a14:useLocalDpi xmlns:a14="http://schemas.microsoft.com/office/drawing/2010/main" val="0"/>
+              </a:ext>
+            </a:extLst>
+          </a:blip>
+          <a:stretch>
+            <a:fillRect/>
+          </a:stretch>
+        </p:blipFill>
+        <p:spPr>
+          <a:xfrm>
+            <a:off x="2698749" y="3589760"/>
+            <a:ext cx="4125383" cy="2628140"/>
+          </a:xfrm>
+          <a:prstGeom prst="rect">
+            <a:avLst/>
+          </a:prstGeom>
+        </p:spPr>
+      </p:pic>
     </p:spTree>
     <p:extLst>
       <p:ext uri="{BB962C8B-B14F-4D97-AF65-F5344CB8AC3E}">
-        <p14:creationId xmlns:p14="http://schemas.microsoft.com/office/powerpoint/2010/main" val="4036220401"/>
+        <p14:creationId xmlns:p14="http://schemas.microsoft.com/office/powerpoint/2010/main" val="1455839562"/>
       </p:ext>
     </p:extLst>
   </p:cSld>
@@ -11100,7 +14641,7 @@
           <p:cNvPr id="2" name="Title 1">
             <a:extLst>
               <a:ext uri="{FF2B5EF4-FFF2-40B4-BE49-F238E27FC236}">
-                <a16:creationId xmlns:a16="http://schemas.microsoft.com/office/drawing/2014/main" id="{EBEA4029-C6BF-D25A-83D6-6713830EE3D7}"/>
+                <a16:creationId xmlns:a16="http://schemas.microsoft.com/office/drawing/2014/main" id="{33BA45A2-2613-47EF-5C6B-F89BA5FA36F5}"/>
               </a:ext>
             </a:extLst>
           </p:cNvPr>
@@ -11116,93 +14657,51 @@
           <a:bodyPr/>
           <a:lstStyle/>
           <a:p>
-            <a:r>
-              <a:rPr lang="en-VN"/>
-              <a:t>Type of </a:t>
-            </a:r>
-            <a:r>
-              <a:rPr lang="en-US"/>
-              <a:t>requirements traceability </a:t>
-            </a:r>
             <a:endParaRPr lang="en-VN"/>
           </a:p>
         </p:txBody>
       </p:sp>
-      <p:sp>
-        <p:nvSpPr>
-          <p:cNvPr id="3" name="Content Placeholder 2">
+      <p:pic>
+        <p:nvPicPr>
+          <p:cNvPr id="6" name="Content Placeholder 5" descr="A screenshot of a computer&#10;&#10;Description automatically generated">
             <a:extLst>
               <a:ext uri="{FF2B5EF4-FFF2-40B4-BE49-F238E27FC236}">
-                <a16:creationId xmlns:a16="http://schemas.microsoft.com/office/drawing/2014/main" id="{E1563349-76BA-0878-8B30-3065280BD7DC}"/>
+                <a16:creationId xmlns:a16="http://schemas.microsoft.com/office/drawing/2014/main" id="{0FD1A77C-28AC-FD56-75A1-5105D34B5C66}"/>
               </a:ext>
             </a:extLst>
           </p:cNvPr>
-          <p:cNvSpPr>
-            <a:spLocks noGrp="1"/>
-          </p:cNvSpPr>
+          <p:cNvPicPr>
+            <a:picLocks noGrp="1" noChangeAspect="1"/>
+          </p:cNvPicPr>
           <p:nvPr>
             <p:ph idx="1"/>
           </p:nvPr>
-        </p:nvSpPr>
+        </p:nvPicPr>
+        <p:blipFill>
+          <a:blip r:embed="rId2">
+            <a:extLst>
+              <a:ext uri="{28A0092B-C50C-407E-A947-70E740481C1C}">
+                <a14:useLocalDpi xmlns:a14="http://schemas.microsoft.com/office/drawing/2010/main" val="0"/>
+              </a:ext>
+            </a:extLst>
+          </a:blip>
+          <a:stretch>
+            <a:fillRect/>
+          </a:stretch>
+        </p:blipFill>
         <p:spPr>
           <a:xfrm>
-            <a:off x="838200" y="1690688"/>
-            <a:ext cx="10515600" cy="4802187"/>
+            <a:off x="702734" y="2720975"/>
+            <a:ext cx="5041900" cy="4000500"/>
           </a:xfrm>
         </p:spPr>
-        <p:txBody>
-          <a:bodyPr>
-            <a:normAutofit fontScale="92500" lnSpcReduction="10000"/>
-          </a:bodyPr>
-          <a:lstStyle/>
-          <a:p>
-            <a:pPr marL="0" indent="0">
-              <a:buNone/>
-            </a:pPr>
-            <a:r>
-              <a:rPr lang="en-US"/>
-              <a:t>Requirements traceability is concerned with the relationships between requirements, their sources, and numerous other artifacts. </a:t>
-            </a:r>
-          </a:p>
-          <a:p>
-            <a:r>
-              <a:rPr lang="en-US"/>
-              <a:t>Source Traceability: This provides links requirements to stakeholders who proposed these requirements </a:t>
-            </a:r>
-          </a:p>
-          <a:p>
-            <a:r>
-              <a:rPr lang="en-US"/>
-              <a:t>Requirements-Linkage Traceability: This provides links between dependent requirements. </a:t>
-            </a:r>
-          </a:p>
-          <a:p>
-            <a:r>
-              <a:rPr lang="en-US"/>
-              <a:t>Requirements-Design Traceability: This provides links from the requirements to the design. </a:t>
-            </a:r>
-          </a:p>
-          <a:p>
-            <a:r>
-              <a:rPr lang="en-US"/>
-              <a:t>Requirements-Source Code Traceability: This provides links from the requirements to the code. </a:t>
-            </a:r>
-          </a:p>
-          <a:p>
-            <a:r>
-              <a:rPr lang="en-US"/>
-              <a:t>Requirement-Test Cases Traceability: This provides links from the requirements to the test cases.</a:t>
-            </a:r>
-            <a:endParaRPr lang="en-VN"/>
-          </a:p>
-        </p:txBody>
-      </p:sp>
+      </p:pic>
       <p:sp>
         <p:nvSpPr>
           <p:cNvPr id="4" name="Slide Number Placeholder 3">
             <a:extLst>
               <a:ext uri="{FF2B5EF4-FFF2-40B4-BE49-F238E27FC236}">
-                <a16:creationId xmlns:a16="http://schemas.microsoft.com/office/drawing/2014/main" id="{1CD48851-A6B8-E0D0-8E7E-41FD22207843}"/>
+                <a16:creationId xmlns:a16="http://schemas.microsoft.com/office/drawing/2014/main" id="{02DE1DF4-603B-3FD0-0C49-496285291F37}"/>
               </a:ext>
             </a:extLst>
           </p:cNvPr>
@@ -11226,10 +14725,82 @@
           </a:p>
         </p:txBody>
       </p:sp>
+      <p:pic>
+        <p:nvPicPr>
+          <p:cNvPr id="8" name="Picture 7" descr="A screenshot of a computer code&#10;&#10;Description automatically generated">
+            <a:extLst>
+              <a:ext uri="{FF2B5EF4-FFF2-40B4-BE49-F238E27FC236}">
+                <a16:creationId xmlns:a16="http://schemas.microsoft.com/office/drawing/2014/main" id="{A120AEBD-E27B-3D33-3218-2396FC3F486D}"/>
+              </a:ext>
+            </a:extLst>
+          </p:cNvPr>
+          <p:cNvPicPr>
+            <a:picLocks noChangeAspect="1"/>
+          </p:cNvPicPr>
+          <p:nvPr/>
+        </p:nvPicPr>
+        <p:blipFill>
+          <a:blip r:embed="rId3">
+            <a:extLst>
+              <a:ext uri="{28A0092B-C50C-407E-A947-70E740481C1C}">
+                <a14:useLocalDpi xmlns:a14="http://schemas.microsoft.com/office/drawing/2010/main" val="0"/>
+              </a:ext>
+            </a:extLst>
+          </a:blip>
+          <a:stretch>
+            <a:fillRect/>
+          </a:stretch>
+        </p:blipFill>
+        <p:spPr>
+          <a:xfrm>
+            <a:off x="4186357" y="136525"/>
+            <a:ext cx="3116553" cy="2425435"/>
+          </a:xfrm>
+          <a:prstGeom prst="rect">
+            <a:avLst/>
+          </a:prstGeom>
+        </p:spPr>
+      </p:pic>
+      <p:pic>
+        <p:nvPicPr>
+          <p:cNvPr id="10" name="Picture 9" descr="A screenshot of a computer&#10;&#10;Description automatically generated">
+            <a:extLst>
+              <a:ext uri="{FF2B5EF4-FFF2-40B4-BE49-F238E27FC236}">
+                <a16:creationId xmlns:a16="http://schemas.microsoft.com/office/drawing/2014/main" id="{20A32D6D-7D25-B707-D45F-714078F1BFEF}"/>
+              </a:ext>
+            </a:extLst>
+          </p:cNvPr>
+          <p:cNvPicPr>
+            <a:picLocks noChangeAspect="1"/>
+          </p:cNvPicPr>
+          <p:nvPr/>
+        </p:nvPicPr>
+        <p:blipFill>
+          <a:blip r:embed="rId4">
+            <a:extLst>
+              <a:ext uri="{28A0092B-C50C-407E-A947-70E740481C1C}">
+                <a14:useLocalDpi xmlns:a14="http://schemas.microsoft.com/office/drawing/2010/main" val="0"/>
+              </a:ext>
+            </a:extLst>
+          </a:blip>
+          <a:stretch>
+            <a:fillRect/>
+          </a:stretch>
+        </p:blipFill>
+        <p:spPr>
+          <a:xfrm>
+            <a:off x="5812367" y="2688862"/>
+            <a:ext cx="5126567" cy="4032613"/>
+          </a:xfrm>
+          <a:prstGeom prst="rect">
+            <a:avLst/>
+          </a:prstGeom>
+        </p:spPr>
+      </p:pic>
     </p:spTree>
     <p:extLst>
       <p:ext uri="{BB962C8B-B14F-4D97-AF65-F5344CB8AC3E}">
-        <p14:creationId xmlns:p14="http://schemas.microsoft.com/office/powerpoint/2010/main" val="3718387194"/>
+        <p14:creationId xmlns:p14="http://schemas.microsoft.com/office/powerpoint/2010/main" val="605003807"/>
       </p:ext>
     </p:extLst>
   </p:cSld>
@@ -11261,7 +14832,7 @@
           <p:cNvPr id="2" name="Title 1">
             <a:extLst>
               <a:ext uri="{FF2B5EF4-FFF2-40B4-BE49-F238E27FC236}">
-                <a16:creationId xmlns:a16="http://schemas.microsoft.com/office/drawing/2014/main" id="{EBEA4029-C6BF-D25A-83D6-6713830EE3D7}"/>
+                <a16:creationId xmlns:a16="http://schemas.microsoft.com/office/drawing/2014/main" id="{8B6007F9-13A1-92B6-3120-032CC6D1E08B}"/>
               </a:ext>
             </a:extLst>
           </p:cNvPr>
@@ -11272,85 +14843,25 @@
             <p:ph type="title"/>
           </p:nvPr>
         </p:nvSpPr>
-        <p:spPr/>
+        <p:spPr>
+          <a:xfrm>
+            <a:off x="838200" y="2766218"/>
+            <a:ext cx="10515600" cy="1325563"/>
+          </a:xfrm>
+        </p:spPr>
         <p:txBody>
           <a:bodyPr/>
           <a:lstStyle/>
           <a:p>
             <a:r>
               <a:rPr lang="en-VN"/>
-              <a:t>Type of </a:t>
+              <a:t>2. </a:t>
             </a:r>
             <a:r>
               <a:rPr lang="en-US"/>
-              <a:t>requirement relationships </a:t>
+              <a:t>Traceability Support</a:t>
             </a:r>
             <a:endParaRPr lang="en-VN"/>
-          </a:p>
-        </p:txBody>
-      </p:sp>
-      <p:sp>
-        <p:nvSpPr>
-          <p:cNvPr id="3" name="Content Placeholder 2">
-            <a:extLst>
-              <a:ext uri="{FF2B5EF4-FFF2-40B4-BE49-F238E27FC236}">
-                <a16:creationId xmlns:a16="http://schemas.microsoft.com/office/drawing/2014/main" id="{E1563349-76BA-0878-8B30-3065280BD7DC}"/>
-              </a:ext>
-            </a:extLst>
-          </p:cNvPr>
-          <p:cNvSpPr>
-            <a:spLocks noGrp="1"/>
-          </p:cNvSpPr>
-          <p:nvPr>
-            <p:ph idx="1"/>
-          </p:nvPr>
-        </p:nvSpPr>
-        <p:spPr>
-          <a:xfrm>
-            <a:off x="838200" y="1690688"/>
-            <a:ext cx="3530600" cy="4802187"/>
-          </a:xfrm>
-        </p:spPr>
-        <p:txBody>
-          <a:bodyPr>
-            <a:normAutofit/>
-          </a:bodyPr>
-          <a:lstStyle/>
-          <a:p>
-            <a:r>
-              <a:rPr lang="en-US"/>
-              <a:t>Requires</a:t>
-            </a:r>
-          </a:p>
-          <a:p>
-            <a:r>
-              <a:rPr lang="en-US"/>
-              <a:t>Is needed by</a:t>
-            </a:r>
-          </a:p>
-          <a:p>
-            <a:r>
-              <a:rPr lang="en-US"/>
-              <a:t>Supersedes (replace)</a:t>
-            </a:r>
-          </a:p>
-          <a:p>
-            <a:r>
-              <a:rPr lang="en-US"/>
-              <a:t>Is superseded by</a:t>
-            </a:r>
-          </a:p>
-          <a:p>
-            <a:r>
-              <a:rPr lang="en-US"/>
-              <a:t>Is child of</a:t>
-            </a:r>
-          </a:p>
-          <a:p>
-            <a:r>
-              <a:rPr lang="en-US"/>
-              <a:t>Is parent of</a:t>
-            </a:r>
           </a:p>
         </p:txBody>
       </p:sp>
@@ -11359,7 +14870,7 @@
           <p:cNvPr id="4" name="Slide Number Placeholder 3">
             <a:extLst>
               <a:ext uri="{FF2B5EF4-FFF2-40B4-BE49-F238E27FC236}">
-                <a16:creationId xmlns:a16="http://schemas.microsoft.com/office/drawing/2014/main" id="{1CD48851-A6B8-E0D0-8E7E-41FD22207843}"/>
+                <a16:creationId xmlns:a16="http://schemas.microsoft.com/office/drawing/2014/main" id="{1B444C9B-BBF6-32D9-EE53-51C0ED4D1CD4}"/>
               </a:ext>
             </a:extLst>
           </p:cNvPr>
@@ -11383,100 +14894,10 @@
           </a:p>
         </p:txBody>
       </p:sp>
-      <p:sp>
-        <p:nvSpPr>
-          <p:cNvPr id="6" name="TextBox 5">
-            <a:extLst>
-              <a:ext uri="{FF2B5EF4-FFF2-40B4-BE49-F238E27FC236}">
-                <a16:creationId xmlns:a16="http://schemas.microsoft.com/office/drawing/2014/main" id="{859C5128-F172-3A4B-A2A2-A75D516DC82C}"/>
-              </a:ext>
-            </a:extLst>
-          </p:cNvPr>
-          <p:cNvSpPr txBox="1"/>
-          <p:nvPr/>
-        </p:nvSpPr>
-        <p:spPr>
-          <a:xfrm>
-            <a:off x="4813300" y="1690688"/>
-            <a:ext cx="6096000" cy="2677656"/>
-          </a:xfrm>
-          <a:prstGeom prst="rect">
-            <a:avLst/>
-          </a:prstGeom>
-          <a:noFill/>
-        </p:spPr>
-        <p:txBody>
-          <a:bodyPr wrap="square">
-            <a:spAutoFit/>
-          </a:bodyPr>
-          <a:lstStyle/>
-          <a:p>
-            <a:pPr marL="457200" indent="-457200">
-              <a:buFont typeface="Arial" panose="020B0604020202020204" pitchFamily="34" charset="0"/>
-              <a:buChar char="•"/>
-            </a:pPr>
-            <a:r>
-              <a:rPr lang="en-US" sz="2800"/>
-              <a:t>Refers to</a:t>
-            </a:r>
-          </a:p>
-          <a:p>
-            <a:pPr marL="457200" indent="-457200">
-              <a:buFont typeface="Arial" panose="020B0604020202020204" pitchFamily="34" charset="0"/>
-              <a:buChar char="•"/>
-            </a:pPr>
-            <a:r>
-              <a:rPr lang="en-US" sz="2800"/>
-              <a:t>Uses</a:t>
-            </a:r>
-          </a:p>
-          <a:p>
-            <a:pPr marL="457200" indent="-457200">
-              <a:buFont typeface="Arial" panose="020B0604020202020204" pitchFamily="34" charset="0"/>
-              <a:buChar char="•"/>
-            </a:pPr>
-            <a:r>
-              <a:rPr lang="en-US" sz="2800"/>
-              <a:t>Refers to</a:t>
-            </a:r>
-          </a:p>
-          <a:p>
-            <a:pPr marL="457200" indent="-457200">
-              <a:buFont typeface="Arial" panose="020B0604020202020204" pitchFamily="34" charset="0"/>
-              <a:buChar char="•"/>
-            </a:pPr>
-            <a:r>
-              <a:rPr lang="en-US" sz="2800"/>
-              <a:t>Is satisfied by</a:t>
-            </a:r>
-          </a:p>
-          <a:p>
-            <a:pPr marL="457200" indent="-457200">
-              <a:buFont typeface="Arial" panose="020B0604020202020204" pitchFamily="34" charset="0"/>
-              <a:buChar char="•"/>
-            </a:pPr>
-            <a:r>
-              <a:rPr lang="en-US" sz="2800"/>
-              <a:t>Satisfied</a:t>
-            </a:r>
-          </a:p>
-          <a:p>
-            <a:pPr marL="457200" indent="-457200">
-              <a:buFont typeface="Arial" panose="020B0604020202020204" pitchFamily="34" charset="0"/>
-              <a:buChar char="•"/>
-            </a:pPr>
-            <a:r>
-              <a:rPr lang="en-US" sz="2800"/>
-              <a:t>Contradicts with (conflict)</a:t>
-            </a:r>
-            <a:endParaRPr lang="en-VN" sz="2800"/>
-          </a:p>
-        </p:txBody>
-      </p:sp>
     </p:spTree>
     <p:extLst>
       <p:ext uri="{BB962C8B-B14F-4D97-AF65-F5344CB8AC3E}">
-        <p14:creationId xmlns:p14="http://schemas.microsoft.com/office/powerpoint/2010/main" val="1074979449"/>
+        <p14:creationId xmlns:p14="http://schemas.microsoft.com/office/powerpoint/2010/main" val="4036220401"/>
       </p:ext>
     </p:extLst>
   </p:cSld>
